--- a/powerpoint/02_程式語言簡介.pptx
+++ b/powerpoint/02_程式語言簡介.pptx
@@ -5,13 +5,14 @@
     <p:sldMasterId id="2147483660" r:id="rId1"/>
   </p:sldMasterIdLst>
   <p:notesMasterIdLst>
-    <p:notesMasterId r:id="rId6"/>
+    <p:notesMasterId r:id="rId7"/>
   </p:notesMasterIdLst>
   <p:sldIdLst>
     <p:sldId id="273" r:id="rId2"/>
     <p:sldId id="259" r:id="rId3"/>
     <p:sldId id="274" r:id="rId4"/>
     <p:sldId id="275" r:id="rId5"/>
+    <p:sldId id="276" r:id="rId6"/>
   </p:sldIdLst>
   <p:sldSz cx="12192000" cy="6858000"/>
   <p:notesSz cx="6858000" cy="9144000"/>
@@ -557,6 +558,90 @@
     <p:extLst>
       <p:ext uri="{BB962C8B-B14F-4D97-AF65-F5344CB8AC3E}">
         <p14:creationId xmlns:p14="http://schemas.microsoft.com/office/powerpoint/2010/main" val="280863191"/>
+      </p:ext>
+    </p:extLst>
+  </p:cSld>
+  <p:clrMapOvr>
+    <a:masterClrMapping/>
+  </p:clrMapOvr>
+</p:notes>
+</file>
+
+<file path=ppt/notesSlides/notesSlide2.xml><?xml version="1.0" encoding="utf-8"?>
+<p:notes xmlns:a="http://schemas.openxmlformats.org/drawingml/2006/main" xmlns:r="http://schemas.openxmlformats.org/officeDocument/2006/relationships" xmlns:p="http://schemas.openxmlformats.org/presentationml/2006/main">
+  <p:cSld>
+    <p:spTree>
+      <p:nvGrpSpPr>
+        <p:cNvPr id="1" name=""/>
+        <p:cNvGrpSpPr/>
+        <p:nvPr/>
+      </p:nvGrpSpPr>
+      <p:grpSpPr>
+        <a:xfrm>
+          <a:off x="0" y="0"/>
+          <a:ext cx="0" cy="0"/>
+          <a:chOff x="0" y="0"/>
+          <a:chExt cx="0" cy="0"/>
+        </a:xfrm>
+      </p:grpSpPr>
+      <p:sp>
+        <p:nvSpPr>
+          <p:cNvPr id="2" name="投影片影像版面配置區 1"/>
+          <p:cNvSpPr>
+            <a:spLocks noGrp="1" noRot="1" noChangeAspect="1"/>
+          </p:cNvSpPr>
+          <p:nvPr>
+            <p:ph type="sldImg"/>
+          </p:nvPr>
+        </p:nvSpPr>
+        <p:spPr/>
+      </p:sp>
+      <p:sp>
+        <p:nvSpPr>
+          <p:cNvPr id="3" name="備忘稿版面配置區 2"/>
+          <p:cNvSpPr>
+            <a:spLocks noGrp="1"/>
+          </p:cNvSpPr>
+          <p:nvPr>
+            <p:ph type="body" idx="1"/>
+          </p:nvPr>
+        </p:nvSpPr>
+        <p:spPr/>
+        <p:txBody>
+          <a:bodyPr/>
+          <a:lstStyle/>
+          <a:p>
+            <a:endParaRPr lang="en-US" altLang="zh-TW"/>
+          </a:p>
+        </p:txBody>
+      </p:sp>
+      <p:sp>
+        <p:nvSpPr>
+          <p:cNvPr id="4" name="投影片編號版面配置區 3"/>
+          <p:cNvSpPr>
+            <a:spLocks noGrp="1"/>
+          </p:cNvSpPr>
+          <p:nvPr>
+            <p:ph type="sldNum" sz="quarter" idx="5"/>
+          </p:nvPr>
+        </p:nvSpPr>
+        <p:spPr/>
+        <p:txBody>
+          <a:bodyPr/>
+          <a:lstStyle/>
+          <a:p>
+            <a:fld id="{B29CB067-BC29-4E03-9D8B-5E2AC68A99F3}" type="slidenum">
+              <a:rPr lang="zh-TW" altLang="en-US" smtClean="0"/>
+              <a:t>4</a:t>
+            </a:fld>
+            <a:endParaRPr lang="zh-TW" altLang="en-US"/>
+          </a:p>
+        </p:txBody>
+      </p:sp>
+    </p:spTree>
+    <p:extLst>
+      <p:ext uri="{BB962C8B-B14F-4D97-AF65-F5344CB8AC3E}">
+        <p14:creationId xmlns:p14="http://schemas.microsoft.com/office/powerpoint/2010/main" val="3850933824"/>
       </p:ext>
     </p:extLst>
   </p:cSld>
@@ -11612,248 +11697,12 @@
           <a:chExt cx="0" cy="0"/>
         </a:xfrm>
       </p:grpSpPr>
-      <p:sp>
-        <p:nvSpPr>
-          <p:cNvPr id="2" name="標題 1">
+      <p:grpSp>
+        <p:nvGrpSpPr>
+          <p:cNvPr id="25" name="群組 24">
             <a:extLst>
               <a:ext uri="{FF2B5EF4-FFF2-40B4-BE49-F238E27FC236}">
-                <a16:creationId xmlns:a16="http://schemas.microsoft.com/office/drawing/2014/main" id="{DC98EA55-913E-400B-84EA-B47A12297A90}"/>
-              </a:ext>
-            </a:extLst>
-          </p:cNvPr>
-          <p:cNvSpPr>
-            <a:spLocks noGrp="1"/>
-          </p:cNvSpPr>
-          <p:nvPr>
-            <p:ph type="title"/>
-          </p:nvPr>
-        </p:nvSpPr>
-        <p:spPr/>
-        <p:txBody>
-          <a:bodyPr/>
-          <a:lstStyle/>
-          <a:p>
-            <a:r>
-              <a:rPr lang="zh-TW" altLang="en-US"/>
-              <a:t>常見的程式語言</a:t>
-            </a:r>
-          </a:p>
-        </p:txBody>
-      </p:sp>
-      <p:sp>
-        <p:nvSpPr>
-          <p:cNvPr id="7" name="矩形: 圓角 6">
-            <a:extLst>
-              <a:ext uri="{FF2B5EF4-FFF2-40B4-BE49-F238E27FC236}">
-                <a16:creationId xmlns:a16="http://schemas.microsoft.com/office/drawing/2014/main" id="{06DA10A7-1EA5-4C33-A493-A64D766B9313}"/>
-              </a:ext>
-            </a:extLst>
-          </p:cNvPr>
-          <p:cNvSpPr/>
-          <p:nvPr/>
-        </p:nvSpPr>
-        <p:spPr>
-          <a:xfrm>
-            <a:off x="1954912" y="5076333"/>
-            <a:ext cx="414552" cy="197630"/>
-          </a:xfrm>
-          <a:prstGeom prst="roundRect">
-            <a:avLst/>
-          </a:prstGeom>
-          <a:noFill/>
-          <a:ln w="28575">
-            <a:solidFill>
-              <a:srgbClr val="FF0000"/>
-            </a:solidFill>
-          </a:ln>
-        </p:spPr>
-        <p:style>
-          <a:lnRef idx="2">
-            <a:schemeClr val="accent1">
-              <a:shade val="50000"/>
-            </a:schemeClr>
-          </a:lnRef>
-          <a:fillRef idx="1">
-            <a:schemeClr val="accent1"/>
-          </a:fillRef>
-          <a:effectRef idx="0">
-            <a:schemeClr val="accent1"/>
-          </a:effectRef>
-          <a:fontRef idx="minor">
-            <a:schemeClr val="lt1"/>
-          </a:fontRef>
-        </p:style>
-        <p:txBody>
-          <a:bodyPr rtlCol="0" anchor="ctr"/>
-          <a:lstStyle/>
-          <a:p>
-            <a:pPr algn="ctr"/>
-            <a:endParaRPr lang="zh-TW" altLang="en-US"/>
-          </a:p>
-        </p:txBody>
-      </p:sp>
-      <p:sp>
-        <p:nvSpPr>
-          <p:cNvPr id="48" name="矩形: 圓角 47">
-            <a:extLst>
-              <a:ext uri="{FF2B5EF4-FFF2-40B4-BE49-F238E27FC236}">
-                <a16:creationId xmlns:a16="http://schemas.microsoft.com/office/drawing/2014/main" id="{F2A7958F-7B4B-42B3-95D2-FACA21224267}"/>
-              </a:ext>
-            </a:extLst>
-          </p:cNvPr>
-          <p:cNvSpPr/>
-          <p:nvPr/>
-        </p:nvSpPr>
-        <p:spPr>
-          <a:xfrm>
-            <a:off x="8441240" y="2554135"/>
-            <a:ext cx="401619" cy="197630"/>
-          </a:xfrm>
-          <a:prstGeom prst="roundRect">
-            <a:avLst/>
-          </a:prstGeom>
-          <a:noFill/>
-          <a:ln w="28575">
-            <a:solidFill>
-              <a:srgbClr val="FF0000"/>
-            </a:solidFill>
-          </a:ln>
-        </p:spPr>
-        <p:style>
-          <a:lnRef idx="2">
-            <a:schemeClr val="accent1">
-              <a:shade val="50000"/>
-            </a:schemeClr>
-          </a:lnRef>
-          <a:fillRef idx="1">
-            <a:schemeClr val="accent1"/>
-          </a:fillRef>
-          <a:effectRef idx="0">
-            <a:schemeClr val="accent1"/>
-          </a:effectRef>
-          <a:fontRef idx="minor">
-            <a:schemeClr val="lt1"/>
-          </a:fontRef>
-        </p:style>
-        <p:txBody>
-          <a:bodyPr rtlCol="0" anchor="ctr"/>
-          <a:lstStyle/>
-          <a:p>
-            <a:pPr algn="ctr"/>
-            <a:endParaRPr lang="zh-TW" altLang="en-US"/>
-          </a:p>
-        </p:txBody>
-      </p:sp>
-      <p:sp>
-        <p:nvSpPr>
-          <p:cNvPr id="49" name="矩形: 圓角 48">
-            <a:extLst>
-              <a:ext uri="{FF2B5EF4-FFF2-40B4-BE49-F238E27FC236}">
-                <a16:creationId xmlns:a16="http://schemas.microsoft.com/office/drawing/2014/main" id="{B01B958B-E803-4242-97CA-02E97984537F}"/>
-              </a:ext>
-            </a:extLst>
-          </p:cNvPr>
-          <p:cNvSpPr/>
-          <p:nvPr/>
-        </p:nvSpPr>
-        <p:spPr>
-          <a:xfrm>
-            <a:off x="8624792" y="3035088"/>
-            <a:ext cx="218068" cy="197624"/>
-          </a:xfrm>
-          <a:prstGeom prst="roundRect">
-            <a:avLst/>
-          </a:prstGeom>
-          <a:noFill/>
-          <a:ln w="28575">
-            <a:solidFill>
-              <a:srgbClr val="FF0000"/>
-            </a:solidFill>
-          </a:ln>
-        </p:spPr>
-        <p:style>
-          <a:lnRef idx="2">
-            <a:schemeClr val="accent1">
-              <a:shade val="50000"/>
-            </a:schemeClr>
-          </a:lnRef>
-          <a:fillRef idx="1">
-            <a:schemeClr val="accent1"/>
-          </a:fillRef>
-          <a:effectRef idx="0">
-            <a:schemeClr val="accent1"/>
-          </a:effectRef>
-          <a:fontRef idx="minor">
-            <a:schemeClr val="lt1"/>
-          </a:fontRef>
-        </p:style>
-        <p:txBody>
-          <a:bodyPr rtlCol="0" anchor="ctr"/>
-          <a:lstStyle/>
-          <a:p>
-            <a:pPr algn="ctr"/>
-            <a:endParaRPr lang="zh-TW" altLang="en-US"/>
-          </a:p>
-        </p:txBody>
-      </p:sp>
-      <p:sp>
-        <p:nvSpPr>
-          <p:cNvPr id="50" name="矩形: 圓角 49">
-            <a:extLst>
-              <a:ext uri="{FF2B5EF4-FFF2-40B4-BE49-F238E27FC236}">
-                <a16:creationId xmlns:a16="http://schemas.microsoft.com/office/drawing/2014/main" id="{3537AA09-A010-42A8-AE16-37D8C70C777C}"/>
-              </a:ext>
-            </a:extLst>
-          </p:cNvPr>
-          <p:cNvSpPr/>
-          <p:nvPr/>
-        </p:nvSpPr>
-        <p:spPr>
-          <a:xfrm>
-            <a:off x="1809774" y="3311712"/>
-            <a:ext cx="559694" cy="231061"/>
-          </a:xfrm>
-          <a:prstGeom prst="roundRect">
-            <a:avLst/>
-          </a:prstGeom>
-          <a:noFill/>
-          <a:ln w="28575">
-            <a:solidFill>
-              <a:srgbClr val="FF0000"/>
-            </a:solidFill>
-          </a:ln>
-        </p:spPr>
-        <p:style>
-          <a:lnRef idx="2">
-            <a:schemeClr val="accent1">
-              <a:shade val="50000"/>
-            </a:schemeClr>
-          </a:lnRef>
-          <a:fillRef idx="1">
-            <a:schemeClr val="accent1"/>
-          </a:fillRef>
-          <a:effectRef idx="0">
-            <a:schemeClr val="accent1"/>
-          </a:effectRef>
-          <a:fontRef idx="minor">
-            <a:schemeClr val="lt1"/>
-          </a:fontRef>
-        </p:style>
-        <p:txBody>
-          <a:bodyPr rtlCol="0" anchor="ctr"/>
-          <a:lstStyle/>
-          <a:p>
-            <a:pPr algn="ctr"/>
-            <a:endParaRPr lang="zh-TW" altLang="en-US"/>
-          </a:p>
-        </p:txBody>
-      </p:sp>
-      <p:grpSp>
-        <p:nvGrpSpPr>
-          <p:cNvPr id="5" name="群組 4">
-            <a:extLst>
-              <a:ext uri="{FF2B5EF4-FFF2-40B4-BE49-F238E27FC236}">
-                <a16:creationId xmlns:a16="http://schemas.microsoft.com/office/drawing/2014/main" id="{44C80872-D229-433C-B79D-0FF3301A3BB2}"/>
+                <a16:creationId xmlns:a16="http://schemas.microsoft.com/office/drawing/2014/main" id="{261E2CA7-19BF-4EEB-8EDF-2209D341E1C0}"/>
               </a:ext>
             </a:extLst>
           </p:cNvPr>
@@ -11862,18 +11711,226 @@
         </p:nvGrpSpPr>
         <p:grpSpPr>
           <a:xfrm>
-            <a:off x="480291" y="1633120"/>
-            <a:ext cx="10935854" cy="4747924"/>
-            <a:chOff x="480291" y="1633120"/>
-            <a:chExt cx="10935854" cy="4747924"/>
+            <a:off x="480291" y="1420685"/>
+            <a:ext cx="10935854" cy="4851892"/>
+            <a:chOff x="480291" y="1420685"/>
+            <a:chExt cx="10935854" cy="4851892"/>
           </a:xfrm>
         </p:grpSpPr>
+        <p:sp>
+          <p:nvSpPr>
+            <p:cNvPr id="7" name="矩形: 圓角 6">
+              <a:extLst>
+                <a:ext uri="{FF2B5EF4-FFF2-40B4-BE49-F238E27FC236}">
+                  <a16:creationId xmlns:a16="http://schemas.microsoft.com/office/drawing/2014/main" id="{06DA10A7-1EA5-4C33-A493-A64D766B9313}"/>
+                </a:ext>
+              </a:extLst>
+            </p:cNvPr>
+            <p:cNvSpPr/>
+            <p:nvPr/>
+          </p:nvSpPr>
+          <p:spPr>
+            <a:xfrm>
+              <a:off x="1954912" y="4863898"/>
+              <a:ext cx="414552" cy="197630"/>
+            </a:xfrm>
+            <a:prstGeom prst="roundRect">
+              <a:avLst/>
+            </a:prstGeom>
+            <a:noFill/>
+            <a:ln w="28575">
+              <a:solidFill>
+                <a:srgbClr val="FF0000"/>
+              </a:solidFill>
+            </a:ln>
+          </p:spPr>
+          <p:style>
+            <a:lnRef idx="2">
+              <a:schemeClr val="accent1">
+                <a:shade val="50000"/>
+              </a:schemeClr>
+            </a:lnRef>
+            <a:fillRef idx="1">
+              <a:schemeClr val="accent1"/>
+            </a:fillRef>
+            <a:effectRef idx="0">
+              <a:schemeClr val="accent1"/>
+            </a:effectRef>
+            <a:fontRef idx="minor">
+              <a:schemeClr val="lt1"/>
+            </a:fontRef>
+          </p:style>
+          <p:txBody>
+            <a:bodyPr rtlCol="0" anchor="ctr"/>
+            <a:lstStyle/>
+            <a:p>
+              <a:pPr algn="ctr"/>
+              <a:endParaRPr lang="zh-TW" altLang="en-US"/>
+            </a:p>
+          </p:txBody>
+        </p:sp>
+        <p:sp>
+          <p:nvSpPr>
+            <p:cNvPr id="48" name="矩形: 圓角 47">
+              <a:extLst>
+                <a:ext uri="{FF2B5EF4-FFF2-40B4-BE49-F238E27FC236}">
+                  <a16:creationId xmlns:a16="http://schemas.microsoft.com/office/drawing/2014/main" id="{F2A7958F-7B4B-42B3-95D2-FACA21224267}"/>
+                </a:ext>
+              </a:extLst>
+            </p:cNvPr>
+            <p:cNvSpPr/>
+            <p:nvPr/>
+          </p:nvSpPr>
+          <p:spPr>
+            <a:xfrm>
+              <a:off x="8441240" y="2341700"/>
+              <a:ext cx="401619" cy="197630"/>
+            </a:xfrm>
+            <a:prstGeom prst="roundRect">
+              <a:avLst/>
+            </a:prstGeom>
+            <a:noFill/>
+            <a:ln w="28575">
+              <a:solidFill>
+                <a:srgbClr val="FF0000"/>
+              </a:solidFill>
+            </a:ln>
+          </p:spPr>
+          <p:style>
+            <a:lnRef idx="2">
+              <a:schemeClr val="accent1">
+                <a:shade val="50000"/>
+              </a:schemeClr>
+            </a:lnRef>
+            <a:fillRef idx="1">
+              <a:schemeClr val="accent1"/>
+            </a:fillRef>
+            <a:effectRef idx="0">
+              <a:schemeClr val="accent1"/>
+            </a:effectRef>
+            <a:fontRef idx="minor">
+              <a:schemeClr val="lt1"/>
+            </a:fontRef>
+          </p:style>
+          <p:txBody>
+            <a:bodyPr rtlCol="0" anchor="ctr"/>
+            <a:lstStyle/>
+            <a:p>
+              <a:pPr algn="ctr"/>
+              <a:endParaRPr lang="zh-TW" altLang="en-US"/>
+            </a:p>
+          </p:txBody>
+        </p:sp>
+        <p:sp>
+          <p:nvSpPr>
+            <p:cNvPr id="49" name="矩形: 圓角 48">
+              <a:extLst>
+                <a:ext uri="{FF2B5EF4-FFF2-40B4-BE49-F238E27FC236}">
+                  <a16:creationId xmlns:a16="http://schemas.microsoft.com/office/drawing/2014/main" id="{B01B958B-E803-4242-97CA-02E97984537F}"/>
+                </a:ext>
+              </a:extLst>
+            </p:cNvPr>
+            <p:cNvSpPr/>
+            <p:nvPr/>
+          </p:nvSpPr>
+          <p:spPr>
+            <a:xfrm>
+              <a:off x="8624792" y="2822653"/>
+              <a:ext cx="218068" cy="197624"/>
+            </a:xfrm>
+            <a:prstGeom prst="roundRect">
+              <a:avLst/>
+            </a:prstGeom>
+            <a:noFill/>
+            <a:ln w="28575">
+              <a:solidFill>
+                <a:srgbClr val="FF0000"/>
+              </a:solidFill>
+            </a:ln>
+          </p:spPr>
+          <p:style>
+            <a:lnRef idx="2">
+              <a:schemeClr val="accent1">
+                <a:shade val="50000"/>
+              </a:schemeClr>
+            </a:lnRef>
+            <a:fillRef idx="1">
+              <a:schemeClr val="accent1"/>
+            </a:fillRef>
+            <a:effectRef idx="0">
+              <a:schemeClr val="accent1"/>
+            </a:effectRef>
+            <a:fontRef idx="minor">
+              <a:schemeClr val="lt1"/>
+            </a:fontRef>
+          </p:style>
+          <p:txBody>
+            <a:bodyPr rtlCol="0" anchor="ctr"/>
+            <a:lstStyle/>
+            <a:p>
+              <a:pPr algn="ctr"/>
+              <a:endParaRPr lang="zh-TW" altLang="en-US"/>
+            </a:p>
+          </p:txBody>
+        </p:sp>
+        <p:sp>
+          <p:nvSpPr>
+            <p:cNvPr id="50" name="矩形: 圓角 49">
+              <a:extLst>
+                <a:ext uri="{FF2B5EF4-FFF2-40B4-BE49-F238E27FC236}">
+                  <a16:creationId xmlns:a16="http://schemas.microsoft.com/office/drawing/2014/main" id="{3537AA09-A010-42A8-AE16-37D8C70C777C}"/>
+                </a:ext>
+              </a:extLst>
+            </p:cNvPr>
+            <p:cNvSpPr/>
+            <p:nvPr/>
+          </p:nvSpPr>
+          <p:spPr>
+            <a:xfrm>
+              <a:off x="1809774" y="3099277"/>
+              <a:ext cx="559694" cy="231061"/>
+            </a:xfrm>
+            <a:prstGeom prst="roundRect">
+              <a:avLst/>
+            </a:prstGeom>
+            <a:noFill/>
+            <a:ln w="28575">
+              <a:solidFill>
+                <a:srgbClr val="FF0000"/>
+              </a:solidFill>
+            </a:ln>
+          </p:spPr>
+          <p:style>
+            <a:lnRef idx="2">
+              <a:schemeClr val="accent1">
+                <a:shade val="50000"/>
+              </a:schemeClr>
+            </a:lnRef>
+            <a:fillRef idx="1">
+              <a:schemeClr val="accent1"/>
+            </a:fillRef>
+            <a:effectRef idx="0">
+              <a:schemeClr val="accent1"/>
+            </a:effectRef>
+            <a:fontRef idx="minor">
+              <a:schemeClr val="lt1"/>
+            </a:fontRef>
+          </p:style>
+          <p:txBody>
+            <a:bodyPr rtlCol="0" anchor="ctr"/>
+            <a:lstStyle/>
+            <a:p>
+              <a:pPr algn="ctr"/>
+              <a:endParaRPr lang="zh-TW" altLang="en-US"/>
+            </a:p>
+          </p:txBody>
+        </p:sp>
         <p:grpSp>
           <p:nvGrpSpPr>
-            <p:cNvPr id="3" name="群組 2">
+            <p:cNvPr id="161" name="群組 160">
               <a:extLst>
                 <a:ext uri="{FF2B5EF4-FFF2-40B4-BE49-F238E27FC236}">
-                  <a16:creationId xmlns:a16="http://schemas.microsoft.com/office/drawing/2014/main" id="{094EEEBD-33E3-408A-B6A0-DFAE32C68E3B}"/>
+                  <a16:creationId xmlns:a16="http://schemas.microsoft.com/office/drawing/2014/main" id="{366E84E8-961F-4C70-810E-FCBE84817B1E}"/>
                 </a:ext>
               </a:extLst>
             </p:cNvPr>
@@ -11882,18 +11939,18 @@
           </p:nvGrpSpPr>
           <p:grpSpPr>
             <a:xfrm>
-              <a:off x="480291" y="1819834"/>
-              <a:ext cx="10935854" cy="4561210"/>
-              <a:chOff x="1084760" y="1572696"/>
-              <a:chExt cx="9758731" cy="4070246"/>
+              <a:off x="480291" y="1607399"/>
+              <a:ext cx="10935853" cy="4305086"/>
+              <a:chOff x="1269486" y="1351054"/>
+              <a:chExt cx="9758731" cy="3841691"/>
             </a:xfrm>
           </p:grpSpPr>
           <p:grpSp>
             <p:nvGrpSpPr>
-              <p:cNvPr id="161" name="群組 160">
+              <p:cNvPr id="29" name="群組 28">
                 <a:extLst>
                   <a:ext uri="{FF2B5EF4-FFF2-40B4-BE49-F238E27FC236}">
-                    <a16:creationId xmlns:a16="http://schemas.microsoft.com/office/drawing/2014/main" id="{366E84E8-961F-4C70-810E-FCBE84817B1E}"/>
+                    <a16:creationId xmlns:a16="http://schemas.microsoft.com/office/drawing/2014/main" id="{63EE547A-D7E8-48D7-89BC-E5B97C9CA250}"/>
                   </a:ext>
                 </a:extLst>
               </p:cNvPr>
@@ -11902,18 +11959,18 @@
             </p:nvGrpSpPr>
             <p:grpSpPr>
               <a:xfrm>
-                <a:off x="1084760" y="1572696"/>
-                <a:ext cx="9758731" cy="4070246"/>
-                <a:chOff x="1269486" y="1351054"/>
-                <a:chExt cx="9758731" cy="4070246"/>
+                <a:off x="1605500" y="1846886"/>
+                <a:ext cx="9422717" cy="3345859"/>
+                <a:chOff x="164628" y="1846886"/>
+                <a:chExt cx="9422717" cy="3345859"/>
               </a:xfrm>
             </p:grpSpPr>
             <p:grpSp>
               <p:nvGrpSpPr>
-                <p:cNvPr id="29" name="群組 28">
+                <p:cNvPr id="22" name="群組 21">
                   <a:extLst>
                     <a:ext uri="{FF2B5EF4-FFF2-40B4-BE49-F238E27FC236}">
-                      <a16:creationId xmlns:a16="http://schemas.microsoft.com/office/drawing/2014/main" id="{63EE547A-D7E8-48D7-89BC-E5B97C9CA250}"/>
+                      <a16:creationId xmlns:a16="http://schemas.microsoft.com/office/drawing/2014/main" id="{CF1D1629-8EAC-4C5B-90A8-F3A6E31D7B3E}"/>
                     </a:ext>
                   </a:extLst>
                 </p:cNvPr>
@@ -11922,97 +11979,18 @@
               </p:nvGrpSpPr>
               <p:grpSpPr>
                 <a:xfrm>
-                  <a:off x="1605500" y="1846886"/>
-                  <a:ext cx="9422717" cy="3345859"/>
-                  <a:chOff x="164628" y="1846886"/>
-                  <a:chExt cx="9422717" cy="3345859"/>
+                  <a:off x="164628" y="1846886"/>
+                  <a:ext cx="9422717" cy="3038764"/>
+                  <a:chOff x="403413" y="1462523"/>
+                  <a:chExt cx="9422717" cy="3038764"/>
                 </a:xfrm>
               </p:grpSpPr>
-              <p:grpSp>
-                <p:nvGrpSpPr>
-                  <p:cNvPr id="22" name="群組 21">
+              <p:pic>
+                <p:nvPicPr>
+                  <p:cNvPr id="14" name="圖片 13">
                     <a:extLst>
                       <a:ext uri="{FF2B5EF4-FFF2-40B4-BE49-F238E27FC236}">
-                        <a16:creationId xmlns:a16="http://schemas.microsoft.com/office/drawing/2014/main" id="{CF1D1629-8EAC-4C5B-90A8-F3A6E31D7B3E}"/>
-                      </a:ext>
-                    </a:extLst>
-                  </p:cNvPr>
-                  <p:cNvGrpSpPr/>
-                  <p:nvPr/>
-                </p:nvGrpSpPr>
-                <p:grpSpPr>
-                  <a:xfrm>
-                    <a:off x="164628" y="1846886"/>
-                    <a:ext cx="9422717" cy="3038764"/>
-                    <a:chOff x="403413" y="1462523"/>
-                    <a:chExt cx="9422717" cy="3038764"/>
-                  </a:xfrm>
-                </p:grpSpPr>
-                <p:pic>
-                  <p:nvPicPr>
-                    <p:cNvPr id="14" name="圖片 13">
-                      <a:extLst>
-                        <a:ext uri="{FF2B5EF4-FFF2-40B4-BE49-F238E27FC236}">
-                          <a16:creationId xmlns:a16="http://schemas.microsoft.com/office/drawing/2014/main" id="{DB02232E-69F4-4B0C-B9DB-E641010E2772}"/>
-                        </a:ext>
-                      </a:extLst>
-                    </p:cNvPr>
-                    <p:cNvPicPr>
-                      <a:picLocks noChangeAspect="1"/>
-                    </p:cNvPicPr>
-                    <p:nvPr/>
-                  </p:nvPicPr>
-                  <p:blipFill rotWithShape="1">
-                    <a:blip r:embed="rId2"/>
-                    <a:srcRect t="-1" b="50848"/>
-                    <a:stretch/>
-                  </p:blipFill>
-                  <p:spPr>
-                    <a:xfrm>
-                      <a:off x="403413" y="1464329"/>
-                      <a:ext cx="5622290" cy="3036958"/>
-                    </a:xfrm>
-                    <a:prstGeom prst="rect">
-                      <a:avLst/>
-                    </a:prstGeom>
-                  </p:spPr>
-                </p:pic>
-                <p:pic>
-                  <p:nvPicPr>
-                    <p:cNvPr id="21" name="圖片 20">
-                      <a:extLst>
-                        <a:ext uri="{FF2B5EF4-FFF2-40B4-BE49-F238E27FC236}">
-                          <a16:creationId xmlns:a16="http://schemas.microsoft.com/office/drawing/2014/main" id="{01F0B8B3-EC06-426B-A133-2AA35AA71147}"/>
-                        </a:ext>
-                      </a:extLst>
-                    </p:cNvPr>
-                    <p:cNvPicPr>
-                      <a:picLocks noChangeAspect="1"/>
-                    </p:cNvPicPr>
-                    <p:nvPr/>
-                  </p:nvPicPr>
-                  <p:blipFill rotWithShape="1">
-                    <a:blip r:embed="rId3"/>
-                    <a:srcRect t="49211" r="39100" b="6479"/>
-                    <a:stretch/>
-                  </p:blipFill>
-                  <p:spPr>
-                    <a:xfrm>
-                      <a:off x="6025703" y="1462523"/>
-                      <a:ext cx="3800427" cy="3038763"/>
-                    </a:xfrm>
-                    <a:prstGeom prst="rect">
-                      <a:avLst/>
-                    </a:prstGeom>
-                  </p:spPr>
-                </p:pic>
-              </p:grpSp>
-              <p:pic>
-                <p:nvPicPr>
-                  <p:cNvPr id="28" name="圖片 27">
-                    <a:extLst>
-                      <a:ext uri="{FF2B5EF4-FFF2-40B4-BE49-F238E27FC236}">
-                        <a16:creationId xmlns:a16="http://schemas.microsoft.com/office/drawing/2014/main" id="{749C3E22-5DDD-4F41-8006-A31D710026D8}"/>
+                        <a16:creationId xmlns:a16="http://schemas.microsoft.com/office/drawing/2014/main" id="{DB02232E-69F4-4B0C-B9DB-E641010E2772}"/>
                       </a:ext>
                     </a:extLst>
                   </p:cNvPr>
@@ -12021,16 +11999,44 @@
                   </p:cNvPicPr>
                   <p:nvPr/>
                 </p:nvPicPr>
-                <p:blipFill>
-                  <a:blip r:embed="rId4"/>
-                  <a:stretch>
-                    <a:fillRect/>
-                  </a:stretch>
+                <p:blipFill rotWithShape="1">
+                  <a:blip r:embed="rId3"/>
+                  <a:srcRect t="-1" b="50848"/>
+                  <a:stretch/>
                 </p:blipFill>
                 <p:spPr>
                   <a:xfrm>
-                    <a:off x="8216535" y="4879943"/>
-                    <a:ext cx="1370810" cy="312802"/>
+                    <a:off x="403413" y="1464329"/>
+                    <a:ext cx="5622290" cy="3036958"/>
+                  </a:xfrm>
+                  <a:prstGeom prst="rect">
+                    <a:avLst/>
+                  </a:prstGeom>
+                </p:spPr>
+              </p:pic>
+              <p:pic>
+                <p:nvPicPr>
+                  <p:cNvPr id="21" name="圖片 20">
+                    <a:extLst>
+                      <a:ext uri="{FF2B5EF4-FFF2-40B4-BE49-F238E27FC236}">
+                        <a16:creationId xmlns:a16="http://schemas.microsoft.com/office/drawing/2014/main" id="{01F0B8B3-EC06-426B-A133-2AA35AA71147}"/>
+                      </a:ext>
+                    </a:extLst>
+                  </p:cNvPr>
+                  <p:cNvPicPr>
+                    <a:picLocks noChangeAspect="1"/>
+                  </p:cNvPicPr>
+                  <p:nvPr/>
+                </p:nvPicPr>
+                <p:blipFill rotWithShape="1">
+                  <a:blip r:embed="rId4"/>
+                  <a:srcRect t="49211" r="39100" b="6479"/>
+                  <a:stretch/>
+                </p:blipFill>
+                <p:spPr>
+                  <a:xfrm>
+                    <a:off x="6025703" y="1462523"/>
+                    <a:ext cx="3800427" cy="3038763"/>
                   </a:xfrm>
                   <a:prstGeom prst="rect">
                     <a:avLst/>
@@ -12038,90 +12044,186 @@
                 </p:spPr>
               </p:pic>
             </p:grpSp>
-            <p:sp>
-              <p:nvSpPr>
-                <p:cNvPr id="27" name="矩形: 圓角 26">
+            <p:pic>
+              <p:nvPicPr>
+                <p:cNvPr id="28" name="圖片 27">
                   <a:extLst>
                     <a:ext uri="{FF2B5EF4-FFF2-40B4-BE49-F238E27FC236}">
-                      <a16:creationId xmlns:a16="http://schemas.microsoft.com/office/drawing/2014/main" id="{72ECA91B-7FCE-4B63-8724-1D8D956E2C5F}"/>
+                      <a16:creationId xmlns:a16="http://schemas.microsoft.com/office/drawing/2014/main" id="{749C3E22-5DDD-4F41-8006-A31D710026D8}"/>
                     </a:ext>
                   </a:extLst>
                 </p:cNvPr>
-                <p:cNvSpPr/>
+                <p:cNvPicPr>
+                  <a:picLocks noChangeAspect="1"/>
+                </p:cNvPicPr>
                 <p:nvPr/>
-              </p:nvSpPr>
+              </p:nvPicPr>
+              <p:blipFill>
+                <a:blip r:embed="rId5"/>
+                <a:stretch>
+                  <a:fillRect/>
+                </a:stretch>
+              </p:blipFill>
               <p:spPr>
                 <a:xfrm>
-                  <a:off x="2216848" y="1846886"/>
-                  <a:ext cx="771000" cy="734949"/>
+                  <a:off x="8216535" y="4879943"/>
+                  <a:ext cx="1370810" cy="312802"/>
                 </a:xfrm>
-                <a:prstGeom prst="roundRect">
+                <a:prstGeom prst="rect">
                   <a:avLst/>
                 </a:prstGeom>
-                <a:noFill/>
-                <a:ln w="28575">
+              </p:spPr>
+            </p:pic>
+          </p:grpSp>
+          <p:sp>
+            <p:nvSpPr>
+              <p:cNvPr id="27" name="矩形: 圓角 26">
+                <a:extLst>
+                  <a:ext uri="{FF2B5EF4-FFF2-40B4-BE49-F238E27FC236}">
+                    <a16:creationId xmlns:a16="http://schemas.microsoft.com/office/drawing/2014/main" id="{72ECA91B-7FCE-4B63-8724-1D8D956E2C5F}"/>
+                  </a:ext>
+                </a:extLst>
+              </p:cNvPr>
+              <p:cNvSpPr/>
+              <p:nvPr/>
+            </p:nvSpPr>
+            <p:spPr>
+              <a:xfrm>
+                <a:off x="2216848" y="1846886"/>
+                <a:ext cx="771000" cy="734949"/>
+              </a:xfrm>
+              <a:prstGeom prst="roundRect">
+                <a:avLst/>
+              </a:prstGeom>
+              <a:noFill/>
+              <a:ln w="28575">
+                <a:solidFill>
+                  <a:srgbClr val="00FFCC"/>
+                </a:solidFill>
+              </a:ln>
+            </p:spPr>
+            <p:style>
+              <a:lnRef idx="2">
+                <a:schemeClr val="accent1">
+                  <a:shade val="50000"/>
+                </a:schemeClr>
+              </a:lnRef>
+              <a:fillRef idx="1">
+                <a:schemeClr val="accent1"/>
+              </a:fillRef>
+              <a:effectRef idx="0">
+                <a:schemeClr val="accent1"/>
+              </a:effectRef>
+              <a:fontRef idx="minor">
+                <a:schemeClr val="lt1"/>
+              </a:fontRef>
+            </p:style>
+            <p:txBody>
+              <a:bodyPr rtlCol="0" anchor="ctr"/>
+              <a:lstStyle/>
+              <a:p>
+                <a:pPr algn="ctr"/>
+                <a:endParaRPr lang="zh-TW" altLang="en-US">
                   <a:solidFill>
                     <a:srgbClr val="00FFCC"/>
                   </a:solidFill>
-                </a:ln>
-              </p:spPr>
-              <p:style>
-                <a:lnRef idx="2">
-                  <a:schemeClr val="accent1">
-                    <a:shade val="50000"/>
-                  </a:schemeClr>
-                </a:lnRef>
-                <a:fillRef idx="1">
-                  <a:schemeClr val="accent1"/>
-                </a:fillRef>
-                <a:effectRef idx="0">
-                  <a:schemeClr val="accent1"/>
-                </a:effectRef>
-                <a:fontRef idx="minor">
-                  <a:schemeClr val="lt1"/>
-                </a:fontRef>
-              </p:style>
-              <p:txBody>
-                <a:bodyPr rtlCol="0" anchor="ctr"/>
-                <a:lstStyle/>
-                <a:p>
-                  <a:pPr algn="ctr"/>
-                  <a:endParaRPr lang="zh-TW" altLang="en-US">
-                    <a:solidFill>
-                      <a:srgbClr val="00FFCC"/>
-                    </a:solidFill>
-                  </a:endParaRPr>
-                </a:p>
-              </p:txBody>
-            </p:sp>
+                </a:endParaRPr>
+              </a:p>
+            </p:txBody>
+          </p:sp>
+          <p:cxnSp>
+            <p:nvCxnSpPr>
+              <p:cNvPr id="32" name="直線單箭頭接點 31">
+                <a:extLst>
+                  <a:ext uri="{FF2B5EF4-FFF2-40B4-BE49-F238E27FC236}">
+                    <a16:creationId xmlns:a16="http://schemas.microsoft.com/office/drawing/2014/main" id="{E4644E95-FC27-477B-9BBC-F08044403413}"/>
+                  </a:ext>
+                </a:extLst>
+              </p:cNvPr>
+              <p:cNvCxnSpPr>
+                <a:cxnSpLocks/>
+                <a:stCxn id="27" idx="0"/>
+              </p:cNvCxnSpPr>
+              <p:nvPr/>
+            </p:nvCxnSpPr>
+            <p:spPr>
+              <a:xfrm flipV="1">
+                <a:off x="2602348" y="1509729"/>
+                <a:ext cx="299771" cy="337157"/>
+              </a:xfrm>
+              <a:prstGeom prst="straightConnector1">
+                <a:avLst/>
+              </a:prstGeom>
+              <a:ln>
+                <a:solidFill>
+                  <a:srgbClr val="00FFCC"/>
+                </a:solidFill>
+                <a:tailEnd type="triangle"/>
+              </a:ln>
+            </p:spPr>
+            <p:style>
+              <a:lnRef idx="1">
+                <a:schemeClr val="accent1"/>
+              </a:lnRef>
+              <a:fillRef idx="0">
+                <a:schemeClr val="accent1"/>
+              </a:fillRef>
+              <a:effectRef idx="0">
+                <a:schemeClr val="accent1"/>
+              </a:effectRef>
+              <a:fontRef idx="minor">
+                <a:schemeClr val="tx1"/>
+              </a:fontRef>
+            </p:style>
+          </p:cxnSp>
+          <p:grpSp>
+            <p:nvGrpSpPr>
+              <p:cNvPr id="83" name="群組 82">
+                <a:extLst>
+                  <a:ext uri="{FF2B5EF4-FFF2-40B4-BE49-F238E27FC236}">
+                    <a16:creationId xmlns:a16="http://schemas.microsoft.com/office/drawing/2014/main" id="{30906B54-CFE3-4DE3-B2DB-EEFA5E284576}"/>
+                  </a:ext>
+                </a:extLst>
+              </p:cNvPr>
+              <p:cNvGrpSpPr/>
+              <p:nvPr/>
+            </p:nvGrpSpPr>
+            <p:grpSpPr>
+              <a:xfrm>
+                <a:off x="1487047" y="2013528"/>
+                <a:ext cx="792025" cy="1554303"/>
+                <a:chOff x="83119" y="2032000"/>
+                <a:chExt cx="792025" cy="1554303"/>
+              </a:xfrm>
+            </p:grpSpPr>
             <p:cxnSp>
               <p:nvCxnSpPr>
-                <p:cNvPr id="32" name="直線單箭頭接點 31">
+                <p:cNvPr id="76" name="直線接點 75">
                   <a:extLst>
                     <a:ext uri="{FF2B5EF4-FFF2-40B4-BE49-F238E27FC236}">
-                      <a16:creationId xmlns:a16="http://schemas.microsoft.com/office/drawing/2014/main" id="{E4644E95-FC27-477B-9BBC-F08044403413}"/>
+                      <a16:creationId xmlns:a16="http://schemas.microsoft.com/office/drawing/2014/main" id="{143E1E91-72B2-40B5-A706-0F2C33158A59}"/>
                     </a:ext>
                   </a:extLst>
                 </p:cNvPr>
                 <p:cNvCxnSpPr>
                   <a:cxnSpLocks/>
-                  <a:stCxn id="27" idx="0"/>
                 </p:cNvCxnSpPr>
                 <p:nvPr/>
               </p:nvCxnSpPr>
               <p:spPr>
-                <a:xfrm flipV="1">
-                  <a:off x="2602348" y="1509729"/>
-                  <a:ext cx="299771" cy="337157"/>
+                <a:xfrm flipH="1">
+                  <a:off x="83119" y="3586303"/>
+                  <a:ext cx="755081" cy="0"/>
                 </a:xfrm>
-                <a:prstGeom prst="straightConnector1">
+                <a:prstGeom prst="line">
                   <a:avLst/>
                 </a:prstGeom>
-                <a:ln>
+                <a:ln w="38100">
                   <a:solidFill>
-                    <a:srgbClr val="00FFCC"/>
+                    <a:srgbClr val="00B0F0"/>
                   </a:solidFill>
-                  <a:tailEnd type="triangle"/>
+                  <a:headEnd type="triangle" w="med" len="med"/>
+                  <a:tailEnd type="none" w="med" len="med"/>
                 </a:ln>
               </p:spPr>
               <p:style>
@@ -12139,12 +12241,272 @@
                 </a:fontRef>
               </p:style>
             </p:cxnSp>
+            <p:cxnSp>
+              <p:nvCxnSpPr>
+                <p:cNvPr id="78" name="直線接點 77">
+                  <a:extLst>
+                    <a:ext uri="{FF2B5EF4-FFF2-40B4-BE49-F238E27FC236}">
+                      <a16:creationId xmlns:a16="http://schemas.microsoft.com/office/drawing/2014/main" id="{63B35E56-A918-44F5-8B0E-3224BBC638F3}"/>
+                    </a:ext>
+                  </a:extLst>
+                </p:cNvPr>
+                <p:cNvCxnSpPr>
+                  <a:cxnSpLocks/>
+                </p:cNvCxnSpPr>
+                <p:nvPr/>
+              </p:nvCxnSpPr>
+              <p:spPr>
+                <a:xfrm flipV="1">
+                  <a:off x="99603" y="2032001"/>
+                  <a:ext cx="0" cy="1554302"/>
+                </a:xfrm>
+                <a:prstGeom prst="line">
+                  <a:avLst/>
+                </a:prstGeom>
+                <a:ln w="38100">
+                  <a:solidFill>
+                    <a:srgbClr val="00B0F0"/>
+                  </a:solidFill>
+                </a:ln>
+              </p:spPr>
+              <p:style>
+                <a:lnRef idx="1">
+                  <a:schemeClr val="accent1"/>
+                </a:lnRef>
+                <a:fillRef idx="0">
+                  <a:schemeClr val="accent1"/>
+                </a:fillRef>
+                <a:effectRef idx="0">
+                  <a:schemeClr val="accent1"/>
+                </a:effectRef>
+                <a:fontRef idx="minor">
+                  <a:schemeClr val="tx1"/>
+                </a:fontRef>
+              </p:style>
+            </p:cxnSp>
+            <p:cxnSp>
+              <p:nvCxnSpPr>
+                <p:cNvPr id="82" name="直線單箭頭接點 81">
+                  <a:extLst>
+                    <a:ext uri="{FF2B5EF4-FFF2-40B4-BE49-F238E27FC236}">
+                      <a16:creationId xmlns:a16="http://schemas.microsoft.com/office/drawing/2014/main" id="{71941484-D4BF-4A98-A223-19C8383534E2}"/>
+                    </a:ext>
+                  </a:extLst>
+                </p:cNvPr>
+                <p:cNvCxnSpPr>
+                  <a:cxnSpLocks/>
+                </p:cNvCxnSpPr>
+                <p:nvPr/>
+              </p:nvCxnSpPr>
+              <p:spPr>
+                <a:xfrm>
+                  <a:off x="83119" y="2032000"/>
+                  <a:ext cx="792025" cy="0"/>
+                </a:xfrm>
+                <a:prstGeom prst="straightConnector1">
+                  <a:avLst/>
+                </a:prstGeom>
+                <a:ln w="38100">
+                  <a:solidFill>
+                    <a:srgbClr val="00B0F0"/>
+                  </a:solidFill>
+                  <a:headEnd type="none" w="med" len="med"/>
+                  <a:tailEnd type="none" w="med" len="med"/>
+                </a:ln>
+              </p:spPr>
+              <p:style>
+                <a:lnRef idx="1">
+                  <a:schemeClr val="accent1"/>
+                </a:lnRef>
+                <a:fillRef idx="0">
+                  <a:schemeClr val="accent1"/>
+                </a:fillRef>
+                <a:effectRef idx="0">
+                  <a:schemeClr val="accent1"/>
+                </a:effectRef>
+                <a:fontRef idx="minor">
+                  <a:schemeClr val="tx1"/>
+                </a:fontRef>
+              </p:style>
+            </p:cxnSp>
+          </p:grpSp>
+          <p:sp>
+            <p:nvSpPr>
+              <p:cNvPr id="86" name="文字方塊 85">
+                <a:extLst>
+                  <a:ext uri="{FF2B5EF4-FFF2-40B4-BE49-F238E27FC236}">
+                    <a16:creationId xmlns:a16="http://schemas.microsoft.com/office/drawing/2014/main" id="{7234F9BD-1EF2-47E6-BC83-B506E070CB87}"/>
+                  </a:ext>
+                </a:extLst>
+              </p:cNvPr>
+              <p:cNvSpPr txBox="1"/>
+              <p:nvPr/>
+            </p:nvSpPr>
+            <p:spPr>
+              <a:xfrm>
+                <a:off x="1544744" y="2965835"/>
+                <a:ext cx="1194718" cy="494366"/>
+              </a:xfrm>
+              <a:prstGeom prst="rect">
+                <a:avLst/>
+              </a:prstGeom>
+              <a:noFill/>
+            </p:spPr>
+            <p:txBody>
+              <a:bodyPr wrap="none" rtlCol="0">
+                <a:spAutoFit/>
+              </a:bodyPr>
+              <a:lstStyle/>
+              <a:p>
+                <a:pPr>
+                  <a:lnSpc>
+                    <a:spcPts val="1800"/>
+                  </a:lnSpc>
+                </a:pPr>
+                <a:r>
+                  <a:rPr lang="zh-TW" altLang="en-US">
+                    <a:solidFill>
+                      <a:srgbClr val="00B0F0"/>
+                    </a:solidFill>
+                    <a:latin typeface="+mn-ea"/>
+                  </a:rPr>
+                  <a:t>變強型別、</a:t>
+                </a:r>
+                <a:endParaRPr lang="en-US" altLang="zh-TW" dirty="0">
+                  <a:solidFill>
+                    <a:srgbClr val="00B0F0"/>
+                  </a:solidFill>
+                  <a:latin typeface="+mn-ea"/>
+                </a:endParaRPr>
+              </a:p>
+              <a:p>
+                <a:pPr>
+                  <a:lnSpc>
+                    <a:spcPts val="1800"/>
+                  </a:lnSpc>
+                </a:pPr>
+                <a:r>
+                  <a:rPr lang="zh-TW" altLang="en-US">
+                    <a:solidFill>
+                      <a:srgbClr val="00B0F0"/>
+                    </a:solidFill>
+                    <a:latin typeface="+mn-ea"/>
+                  </a:rPr>
+                  <a:t>靜態型別</a:t>
+                </a:r>
+              </a:p>
+            </p:txBody>
+          </p:sp>
+          <p:sp>
+            <p:nvSpPr>
+              <p:cNvPr id="91" name="文字方塊 90">
+                <a:extLst>
+                  <a:ext uri="{FF2B5EF4-FFF2-40B4-BE49-F238E27FC236}">
+                    <a16:creationId xmlns:a16="http://schemas.microsoft.com/office/drawing/2014/main" id="{8A7D2555-EC39-49E6-BA6D-0566F7B50D52}"/>
+                  </a:ext>
+                </a:extLst>
+              </p:cNvPr>
+              <p:cNvSpPr txBox="1"/>
+              <p:nvPr/>
+            </p:nvSpPr>
+            <p:spPr>
+              <a:xfrm>
+                <a:off x="7724081" y="4714794"/>
+                <a:ext cx="646331" cy="369332"/>
+              </a:xfrm>
+              <a:prstGeom prst="rect">
+                <a:avLst/>
+              </a:prstGeom>
+              <a:noFill/>
+            </p:spPr>
+            <p:txBody>
+              <a:bodyPr wrap="none" rtlCol="0">
+                <a:spAutoFit/>
+              </a:bodyPr>
+              <a:lstStyle/>
+              <a:p>
+                <a:r>
+                  <a:rPr lang="zh-TW" altLang="en-US">
+                    <a:solidFill>
+                      <a:srgbClr val="00B0F0"/>
+                    </a:solidFill>
+                  </a:rPr>
+                  <a:t>增強</a:t>
+                </a:r>
+              </a:p>
+            </p:txBody>
+          </p:sp>
+          <p:grpSp>
+            <p:nvGrpSpPr>
+              <p:cNvPr id="99" name="群組 98">
+                <a:extLst>
+                  <a:ext uri="{FF2B5EF4-FFF2-40B4-BE49-F238E27FC236}">
+                    <a16:creationId xmlns:a16="http://schemas.microsoft.com/office/drawing/2014/main" id="{C7ED0038-B976-4857-BC42-646213FDC98C}"/>
+                  </a:ext>
+                </a:extLst>
+              </p:cNvPr>
+              <p:cNvGrpSpPr/>
+              <p:nvPr/>
+            </p:nvGrpSpPr>
+            <p:grpSpPr>
+              <a:xfrm>
+                <a:off x="2065484" y="4338641"/>
+                <a:ext cx="6455490" cy="697703"/>
+                <a:chOff x="624612" y="4338641"/>
+                <a:chExt cx="6455490" cy="697703"/>
+              </a:xfrm>
+            </p:grpSpPr>
+            <p:cxnSp>
+              <p:nvCxnSpPr>
+                <p:cNvPr id="88" name="直線接點 87">
+                  <a:extLst>
+                    <a:ext uri="{FF2B5EF4-FFF2-40B4-BE49-F238E27FC236}">
+                      <a16:creationId xmlns:a16="http://schemas.microsoft.com/office/drawing/2014/main" id="{F25746AC-1BDC-4825-A36B-96FA953F4976}"/>
+                    </a:ext>
+                  </a:extLst>
+                </p:cNvPr>
+                <p:cNvCxnSpPr>
+                  <a:cxnSpLocks/>
+                </p:cNvCxnSpPr>
+                <p:nvPr/>
+              </p:nvCxnSpPr>
+              <p:spPr>
+                <a:xfrm>
+                  <a:off x="7080102" y="4798237"/>
+                  <a:ext cx="0" cy="238107"/>
+                </a:xfrm>
+                <a:prstGeom prst="line">
+                  <a:avLst/>
+                </a:prstGeom>
+                <a:ln w="38100">
+                  <a:solidFill>
+                    <a:srgbClr val="00B0F0"/>
+                  </a:solidFill>
+                  <a:headEnd type="triangle" w="med" len="med"/>
+                  <a:tailEnd type="none" w="med" len="med"/>
+                </a:ln>
+              </p:spPr>
+              <p:style>
+                <a:lnRef idx="1">
+                  <a:schemeClr val="accent1"/>
+                </a:lnRef>
+                <a:fillRef idx="0">
+                  <a:schemeClr val="accent1"/>
+                </a:fillRef>
+                <a:effectRef idx="0">
+                  <a:schemeClr val="accent1"/>
+                </a:effectRef>
+                <a:fontRef idx="minor">
+                  <a:schemeClr val="tx1"/>
+                </a:fontRef>
+              </p:style>
+            </p:cxnSp>
             <p:grpSp>
               <p:nvGrpSpPr>
-                <p:cNvPr id="83" name="群組 82">
+                <p:cNvPr id="98" name="群組 97">
                   <a:extLst>
                     <a:ext uri="{FF2B5EF4-FFF2-40B4-BE49-F238E27FC236}">
-                      <a16:creationId xmlns:a16="http://schemas.microsoft.com/office/drawing/2014/main" id="{30906B54-CFE3-4DE3-B2DB-EEFA5E284576}"/>
+                      <a16:creationId xmlns:a16="http://schemas.microsoft.com/office/drawing/2014/main" id="{53360773-DF90-414E-B716-AD36DD6B0027}"/>
                     </a:ext>
                   </a:extLst>
                 </p:cNvPr>
@@ -12153,18 +12515,18 @@
               </p:nvGrpSpPr>
               <p:grpSpPr>
                 <a:xfrm>
-                  <a:off x="1487047" y="2013528"/>
-                  <a:ext cx="792025" cy="1554303"/>
-                  <a:chOff x="83119" y="2032000"/>
-                  <a:chExt cx="792025" cy="1554303"/>
+                  <a:off x="624612" y="4338641"/>
+                  <a:ext cx="6455490" cy="679538"/>
+                  <a:chOff x="624612" y="4338641"/>
+                  <a:chExt cx="6455490" cy="679538"/>
                 </a:xfrm>
               </p:grpSpPr>
               <p:cxnSp>
                 <p:nvCxnSpPr>
-                  <p:cNvPr id="76" name="直線接點 75">
+                  <p:cNvPr id="89" name="直線接點 88">
                     <a:extLst>
                       <a:ext uri="{FF2B5EF4-FFF2-40B4-BE49-F238E27FC236}">
-                        <a16:creationId xmlns:a16="http://schemas.microsoft.com/office/drawing/2014/main" id="{143E1E91-72B2-40B5-A706-0F2C33158A59}"/>
+                        <a16:creationId xmlns:a16="http://schemas.microsoft.com/office/drawing/2014/main" id="{21D1CB1E-A784-430F-BCF4-EEF46FE8DE12}"/>
                       </a:ext>
                     </a:extLst>
                   </p:cNvPr>
@@ -12175,53 +12537,8 @@
                 </p:nvCxnSpPr>
                 <p:spPr>
                   <a:xfrm flipH="1">
-                    <a:off x="83119" y="3586303"/>
-                    <a:ext cx="755081" cy="0"/>
-                  </a:xfrm>
-                  <a:prstGeom prst="line">
-                    <a:avLst/>
-                  </a:prstGeom>
-                  <a:ln w="38100">
-                    <a:solidFill>
-                      <a:srgbClr val="00B0F0"/>
-                    </a:solidFill>
-                    <a:headEnd type="triangle" w="med" len="med"/>
-                    <a:tailEnd type="none" w="med" len="med"/>
-                  </a:ln>
-                </p:spPr>
-                <p:style>
-                  <a:lnRef idx="1">
-                    <a:schemeClr val="accent1"/>
-                  </a:lnRef>
-                  <a:fillRef idx="0">
-                    <a:schemeClr val="accent1"/>
-                  </a:fillRef>
-                  <a:effectRef idx="0">
-                    <a:schemeClr val="accent1"/>
-                  </a:effectRef>
-                  <a:fontRef idx="minor">
-                    <a:schemeClr val="tx1"/>
-                  </a:fontRef>
-                </p:style>
-              </p:cxnSp>
-              <p:cxnSp>
-                <p:nvCxnSpPr>
-                  <p:cNvPr id="78" name="直線接點 77">
-                    <a:extLst>
-                      <a:ext uri="{FF2B5EF4-FFF2-40B4-BE49-F238E27FC236}">
-                        <a16:creationId xmlns:a16="http://schemas.microsoft.com/office/drawing/2014/main" id="{63B35E56-A918-44F5-8B0E-3224BBC638F3}"/>
-                      </a:ext>
-                    </a:extLst>
-                  </p:cNvPr>
-                  <p:cNvCxnSpPr>
-                    <a:cxnSpLocks/>
-                  </p:cNvCxnSpPr>
-                  <p:nvPr/>
-                </p:nvCxnSpPr>
-                <p:spPr>
-                  <a:xfrm flipV="1">
-                    <a:off x="99603" y="2032001"/>
-                    <a:ext cx="0" cy="1554302"/>
+                    <a:off x="624612" y="5018179"/>
+                    <a:ext cx="6455490" cy="0"/>
                   </a:xfrm>
                   <a:prstGeom prst="line">
                     <a:avLst/>
@@ -12249,10 +12566,10 @@
               </p:cxnSp>
               <p:cxnSp>
                 <p:nvCxnSpPr>
-                  <p:cNvPr id="82" name="直線單箭頭接點 81">
+                  <p:cNvPr id="90" name="直線單箭頭接點 89">
                     <a:extLst>
                       <a:ext uri="{FF2B5EF4-FFF2-40B4-BE49-F238E27FC236}">
-                        <a16:creationId xmlns:a16="http://schemas.microsoft.com/office/drawing/2014/main" id="{71941484-D4BF-4A98-A223-19C8383534E2}"/>
+                        <a16:creationId xmlns:a16="http://schemas.microsoft.com/office/drawing/2014/main" id="{EADC73FD-9096-408E-AAA8-56614EEC1C07}"/>
                       </a:ext>
                     </a:extLst>
                   </p:cNvPr>
@@ -12263,8 +12580,8 @@
                 </p:nvCxnSpPr>
                 <p:spPr>
                   <a:xfrm>
-                    <a:off x="83119" y="2032000"/>
-                    <a:ext cx="792025" cy="0"/>
+                    <a:off x="624612" y="4347635"/>
+                    <a:ext cx="495171" cy="0"/>
                   </a:xfrm>
                   <a:prstGeom prst="straightConnector1">
                     <a:avLst/>
@@ -12292,139 +12609,12 @@
                   </a:fontRef>
                 </p:style>
               </p:cxnSp>
-            </p:grpSp>
-            <p:sp>
-              <p:nvSpPr>
-                <p:cNvPr id="86" name="文字方塊 85">
-                  <a:extLst>
-                    <a:ext uri="{FF2B5EF4-FFF2-40B4-BE49-F238E27FC236}">
-                      <a16:creationId xmlns:a16="http://schemas.microsoft.com/office/drawing/2014/main" id="{7234F9BD-1EF2-47E6-BC83-B506E070CB87}"/>
-                    </a:ext>
-                  </a:extLst>
-                </p:cNvPr>
-                <p:cNvSpPr txBox="1"/>
-                <p:nvPr/>
-              </p:nvSpPr>
-              <p:spPr>
-                <a:xfrm>
-                  <a:off x="1544744" y="2965835"/>
-                  <a:ext cx="1194718" cy="494366"/>
-                </a:xfrm>
-                <a:prstGeom prst="rect">
-                  <a:avLst/>
-                </a:prstGeom>
-                <a:noFill/>
-              </p:spPr>
-              <p:txBody>
-                <a:bodyPr wrap="none" rtlCol="0">
-                  <a:spAutoFit/>
-                </a:bodyPr>
-                <a:lstStyle/>
-                <a:p>
-                  <a:pPr>
-                    <a:lnSpc>
-                      <a:spcPts val="1800"/>
-                    </a:lnSpc>
-                  </a:pPr>
-                  <a:r>
-                    <a:rPr lang="zh-TW" altLang="en-US">
-                      <a:solidFill>
-                        <a:srgbClr val="00B0F0"/>
-                      </a:solidFill>
-                      <a:latin typeface="+mn-ea"/>
-                    </a:rPr>
-                    <a:t>變強型別、</a:t>
-                  </a:r>
-                  <a:endParaRPr lang="en-US" altLang="zh-TW" dirty="0">
-                    <a:solidFill>
-                      <a:srgbClr val="00B0F0"/>
-                    </a:solidFill>
-                    <a:latin typeface="+mn-ea"/>
-                  </a:endParaRPr>
-                </a:p>
-                <a:p>
-                  <a:pPr>
-                    <a:lnSpc>
-                      <a:spcPts val="1800"/>
-                    </a:lnSpc>
-                  </a:pPr>
-                  <a:r>
-                    <a:rPr lang="zh-TW" altLang="en-US">
-                      <a:solidFill>
-                        <a:srgbClr val="00B0F0"/>
-                      </a:solidFill>
-                      <a:latin typeface="+mn-ea"/>
-                    </a:rPr>
-                    <a:t>靜態型別</a:t>
-                  </a:r>
-                </a:p>
-              </p:txBody>
-            </p:sp>
-            <p:sp>
-              <p:nvSpPr>
-                <p:cNvPr id="91" name="文字方塊 90">
-                  <a:extLst>
-                    <a:ext uri="{FF2B5EF4-FFF2-40B4-BE49-F238E27FC236}">
-                      <a16:creationId xmlns:a16="http://schemas.microsoft.com/office/drawing/2014/main" id="{8A7D2555-EC39-49E6-BA6D-0566F7B50D52}"/>
-                    </a:ext>
-                  </a:extLst>
-                </p:cNvPr>
-                <p:cNvSpPr txBox="1"/>
-                <p:nvPr/>
-              </p:nvSpPr>
-              <p:spPr>
-                <a:xfrm>
-                  <a:off x="7953848" y="5051968"/>
-                  <a:ext cx="646331" cy="369332"/>
-                </a:xfrm>
-                <a:prstGeom prst="rect">
-                  <a:avLst/>
-                </a:prstGeom>
-                <a:noFill/>
-              </p:spPr>
-              <p:txBody>
-                <a:bodyPr wrap="none" rtlCol="0">
-                  <a:spAutoFit/>
-                </a:bodyPr>
-                <a:lstStyle/>
-                <a:p>
-                  <a:r>
-                    <a:rPr lang="zh-TW" altLang="en-US">
-                      <a:solidFill>
-                        <a:srgbClr val="00B0F0"/>
-                      </a:solidFill>
-                    </a:rPr>
-                    <a:t>增強</a:t>
-                  </a:r>
-                </a:p>
-              </p:txBody>
-            </p:sp>
-            <p:grpSp>
-              <p:nvGrpSpPr>
-                <p:cNvPr id="99" name="群組 98">
-                  <a:extLst>
-                    <a:ext uri="{FF2B5EF4-FFF2-40B4-BE49-F238E27FC236}">
-                      <a16:creationId xmlns:a16="http://schemas.microsoft.com/office/drawing/2014/main" id="{C7ED0038-B976-4857-BC42-646213FDC98C}"/>
-                    </a:ext>
-                  </a:extLst>
-                </p:cNvPr>
-                <p:cNvGrpSpPr/>
-                <p:nvPr/>
-              </p:nvGrpSpPr>
-              <p:grpSpPr>
-                <a:xfrm>
-                  <a:off x="2065484" y="4338641"/>
-                  <a:ext cx="6455490" cy="697703"/>
-                  <a:chOff x="624612" y="4338641"/>
-                  <a:chExt cx="6455490" cy="697703"/>
-                </a:xfrm>
-              </p:grpSpPr>
               <p:cxnSp>
                 <p:nvCxnSpPr>
-                  <p:cNvPr id="88" name="直線接點 87">
+                  <p:cNvPr id="93" name="直線接點 92">
                     <a:extLst>
                       <a:ext uri="{FF2B5EF4-FFF2-40B4-BE49-F238E27FC236}">
-                        <a16:creationId xmlns:a16="http://schemas.microsoft.com/office/drawing/2014/main" id="{F25746AC-1BDC-4825-A36B-96FA953F4976}"/>
+                        <a16:creationId xmlns:a16="http://schemas.microsoft.com/office/drawing/2014/main" id="{EA295441-6991-4A4B-B0ED-0AC864DA3725}"/>
                       </a:ext>
                     </a:extLst>
                   </p:cNvPr>
@@ -12435,269 +12625,8 @@
                 </p:nvCxnSpPr>
                 <p:spPr>
                   <a:xfrm>
-                    <a:off x="7080102" y="4798237"/>
-                    <a:ext cx="0" cy="238107"/>
-                  </a:xfrm>
-                  <a:prstGeom prst="line">
-                    <a:avLst/>
-                  </a:prstGeom>
-                  <a:ln w="38100">
-                    <a:solidFill>
-                      <a:srgbClr val="00B0F0"/>
-                    </a:solidFill>
-                    <a:headEnd type="triangle" w="med" len="med"/>
-                    <a:tailEnd type="none" w="med" len="med"/>
-                  </a:ln>
-                </p:spPr>
-                <p:style>
-                  <a:lnRef idx="1">
-                    <a:schemeClr val="accent1"/>
-                  </a:lnRef>
-                  <a:fillRef idx="0">
-                    <a:schemeClr val="accent1"/>
-                  </a:fillRef>
-                  <a:effectRef idx="0">
-                    <a:schemeClr val="accent1"/>
-                  </a:effectRef>
-                  <a:fontRef idx="minor">
-                    <a:schemeClr val="tx1"/>
-                  </a:fontRef>
-                </p:style>
-              </p:cxnSp>
-              <p:grpSp>
-                <p:nvGrpSpPr>
-                  <p:cNvPr id="98" name="群組 97">
-                    <a:extLst>
-                      <a:ext uri="{FF2B5EF4-FFF2-40B4-BE49-F238E27FC236}">
-                        <a16:creationId xmlns:a16="http://schemas.microsoft.com/office/drawing/2014/main" id="{53360773-DF90-414E-B716-AD36DD6B0027}"/>
-                      </a:ext>
-                    </a:extLst>
-                  </p:cNvPr>
-                  <p:cNvGrpSpPr/>
-                  <p:nvPr/>
-                </p:nvGrpSpPr>
-                <p:grpSpPr>
-                  <a:xfrm>
-                    <a:off x="624612" y="4338641"/>
-                    <a:ext cx="6455490" cy="679538"/>
-                    <a:chOff x="624612" y="4338641"/>
-                    <a:chExt cx="6455490" cy="679538"/>
-                  </a:xfrm>
-                </p:grpSpPr>
-                <p:cxnSp>
-                  <p:nvCxnSpPr>
-                    <p:cNvPr id="89" name="直線接點 88">
-                      <a:extLst>
-                        <a:ext uri="{FF2B5EF4-FFF2-40B4-BE49-F238E27FC236}">
-                          <a16:creationId xmlns:a16="http://schemas.microsoft.com/office/drawing/2014/main" id="{21D1CB1E-A784-430F-BCF4-EEF46FE8DE12}"/>
-                        </a:ext>
-                      </a:extLst>
-                    </p:cNvPr>
-                    <p:cNvCxnSpPr>
-                      <a:cxnSpLocks/>
-                    </p:cNvCxnSpPr>
-                    <p:nvPr/>
-                  </p:nvCxnSpPr>
-                  <p:spPr>
-                    <a:xfrm flipH="1">
-                      <a:off x="624612" y="5018179"/>
-                      <a:ext cx="6455490" cy="0"/>
-                    </a:xfrm>
-                    <a:prstGeom prst="line">
-                      <a:avLst/>
-                    </a:prstGeom>
-                    <a:ln w="38100">
-                      <a:solidFill>
-                        <a:srgbClr val="00B0F0"/>
-                      </a:solidFill>
-                    </a:ln>
-                  </p:spPr>
-                  <p:style>
-                    <a:lnRef idx="1">
-                      <a:schemeClr val="accent1"/>
-                    </a:lnRef>
-                    <a:fillRef idx="0">
-                      <a:schemeClr val="accent1"/>
-                    </a:fillRef>
-                    <a:effectRef idx="0">
-                      <a:schemeClr val="accent1"/>
-                    </a:effectRef>
-                    <a:fontRef idx="minor">
-                      <a:schemeClr val="tx1"/>
-                    </a:fontRef>
-                  </p:style>
-                </p:cxnSp>
-                <p:cxnSp>
-                  <p:nvCxnSpPr>
-                    <p:cNvPr id="90" name="直線單箭頭接點 89">
-                      <a:extLst>
-                        <a:ext uri="{FF2B5EF4-FFF2-40B4-BE49-F238E27FC236}">
-                          <a16:creationId xmlns:a16="http://schemas.microsoft.com/office/drawing/2014/main" id="{EADC73FD-9096-408E-AAA8-56614EEC1C07}"/>
-                        </a:ext>
-                      </a:extLst>
-                    </p:cNvPr>
-                    <p:cNvCxnSpPr>
-                      <a:cxnSpLocks/>
-                    </p:cNvCxnSpPr>
-                    <p:nvPr/>
-                  </p:nvCxnSpPr>
-                  <p:spPr>
-                    <a:xfrm>
-                      <a:off x="624612" y="4347635"/>
-                      <a:ext cx="495171" cy="0"/>
-                    </a:xfrm>
-                    <a:prstGeom prst="straightConnector1">
-                      <a:avLst/>
-                    </a:prstGeom>
-                    <a:ln w="38100">
-                      <a:solidFill>
-                        <a:srgbClr val="00B0F0"/>
-                      </a:solidFill>
-                      <a:headEnd type="none" w="med" len="med"/>
-                      <a:tailEnd type="none" w="med" len="med"/>
-                    </a:ln>
-                  </p:spPr>
-                  <p:style>
-                    <a:lnRef idx="1">
-                      <a:schemeClr val="accent1"/>
-                    </a:lnRef>
-                    <a:fillRef idx="0">
-                      <a:schemeClr val="accent1"/>
-                    </a:fillRef>
-                    <a:effectRef idx="0">
-                      <a:schemeClr val="accent1"/>
-                    </a:effectRef>
-                    <a:fontRef idx="minor">
-                      <a:schemeClr val="tx1"/>
-                    </a:fontRef>
-                  </p:style>
-                </p:cxnSp>
-                <p:cxnSp>
-                  <p:nvCxnSpPr>
-                    <p:cNvPr id="93" name="直線接點 92">
-                      <a:extLst>
-                        <a:ext uri="{FF2B5EF4-FFF2-40B4-BE49-F238E27FC236}">
-                          <a16:creationId xmlns:a16="http://schemas.microsoft.com/office/drawing/2014/main" id="{EA295441-6991-4A4B-B0ED-0AC864DA3725}"/>
-                        </a:ext>
-                      </a:extLst>
-                    </p:cNvPr>
-                    <p:cNvCxnSpPr>
-                      <a:cxnSpLocks/>
-                    </p:cNvCxnSpPr>
-                    <p:nvPr/>
-                  </p:nvCxnSpPr>
-                  <p:spPr>
-                    <a:xfrm>
-                      <a:off x="640831" y="4338641"/>
-                      <a:ext cx="0" cy="679538"/>
-                    </a:xfrm>
-                    <a:prstGeom prst="line">
-                      <a:avLst/>
-                    </a:prstGeom>
-                    <a:ln w="38100">
-                      <a:solidFill>
-                        <a:srgbClr val="00B0F0"/>
-                      </a:solidFill>
-                    </a:ln>
-                  </p:spPr>
-                  <p:style>
-                    <a:lnRef idx="1">
-                      <a:schemeClr val="accent1"/>
-                    </a:lnRef>
-                    <a:fillRef idx="0">
-                      <a:schemeClr val="accent1"/>
-                    </a:fillRef>
-                    <a:effectRef idx="0">
-                      <a:schemeClr val="accent1"/>
-                    </a:effectRef>
-                    <a:fontRef idx="minor">
-                      <a:schemeClr val="tx1"/>
-                    </a:fontRef>
-                  </p:style>
-                </p:cxnSp>
-              </p:grpSp>
-            </p:grpSp>
-            <p:grpSp>
-              <p:nvGrpSpPr>
-                <p:cNvPr id="101" name="群組 100">
-                  <a:extLst>
-                    <a:ext uri="{FF2B5EF4-FFF2-40B4-BE49-F238E27FC236}">
-                      <a16:creationId xmlns:a16="http://schemas.microsoft.com/office/drawing/2014/main" id="{0597A695-7BD3-4801-8ADD-4CC4AFC345E0}"/>
-                    </a:ext>
-                  </a:extLst>
-                </p:cNvPr>
-                <p:cNvGrpSpPr/>
-                <p:nvPr/>
-              </p:nvGrpSpPr>
-              <p:grpSpPr>
-                <a:xfrm flipV="1">
-                  <a:off x="7874643" y="2090493"/>
-                  <a:ext cx="646331" cy="472869"/>
-                  <a:chOff x="314036" y="2032000"/>
-                  <a:chExt cx="646331" cy="1554303"/>
-                </a:xfrm>
-              </p:grpSpPr>
-              <p:cxnSp>
-                <p:nvCxnSpPr>
-                  <p:cNvPr id="102" name="直線接點 101">
-                    <a:extLst>
-                      <a:ext uri="{FF2B5EF4-FFF2-40B4-BE49-F238E27FC236}">
-                        <a16:creationId xmlns:a16="http://schemas.microsoft.com/office/drawing/2014/main" id="{1CA0B239-EF16-4C44-A8B3-3980B038D197}"/>
-                      </a:ext>
-                    </a:extLst>
-                  </p:cNvPr>
-                  <p:cNvCxnSpPr>
-                    <a:cxnSpLocks/>
-                  </p:cNvCxnSpPr>
-                  <p:nvPr/>
-                </p:nvCxnSpPr>
-                <p:spPr>
-                  <a:xfrm flipH="1" flipV="1">
-                    <a:off x="314036" y="3586303"/>
-                    <a:ext cx="425415" cy="0"/>
-                  </a:xfrm>
-                  <a:prstGeom prst="line">
-                    <a:avLst/>
-                  </a:prstGeom>
-                  <a:ln w="38100">
-                    <a:solidFill>
-                      <a:srgbClr val="00B0F0"/>
-                    </a:solidFill>
-                    <a:headEnd type="triangle" w="med" len="med"/>
-                    <a:tailEnd type="none" w="med" len="med"/>
-                  </a:ln>
-                </p:spPr>
-                <p:style>
-                  <a:lnRef idx="1">
-                    <a:schemeClr val="accent1"/>
-                  </a:lnRef>
-                  <a:fillRef idx="0">
-                    <a:schemeClr val="accent1"/>
-                  </a:fillRef>
-                  <a:effectRef idx="0">
-                    <a:schemeClr val="accent1"/>
-                  </a:effectRef>
-                  <a:fontRef idx="minor">
-                    <a:schemeClr val="tx1"/>
-                  </a:fontRef>
-                </p:style>
-              </p:cxnSp>
-              <p:cxnSp>
-                <p:nvCxnSpPr>
-                  <p:cNvPr id="103" name="直線接點 102">
-                    <a:extLst>
-                      <a:ext uri="{FF2B5EF4-FFF2-40B4-BE49-F238E27FC236}">
-                        <a16:creationId xmlns:a16="http://schemas.microsoft.com/office/drawing/2014/main" id="{416BA036-C189-4C7B-8F62-4FD2F6736958}"/>
-                      </a:ext>
-                    </a:extLst>
-                  </p:cNvPr>
-                  <p:cNvCxnSpPr/>
-                  <p:nvPr/>
-                </p:nvCxnSpPr>
-                <p:spPr>
-                  <a:xfrm flipV="1">
-                    <a:off x="330384" y="2032000"/>
-                    <a:ext cx="0" cy="1554303"/>
+                    <a:off x="640831" y="4338641"/>
+                    <a:ext cx="0" cy="679538"/>
                   </a:xfrm>
                   <a:prstGeom prst="line">
                     <a:avLst/>
@@ -12723,610 +12652,166 @@
                   </a:fontRef>
                 </p:style>
               </p:cxnSp>
-              <p:cxnSp>
-                <p:nvCxnSpPr>
-                  <p:cNvPr id="104" name="直線單箭頭接點 103">
-                    <a:extLst>
-                      <a:ext uri="{FF2B5EF4-FFF2-40B4-BE49-F238E27FC236}">
-                        <a16:creationId xmlns:a16="http://schemas.microsoft.com/office/drawing/2014/main" id="{DE2DAF0A-57CB-4932-BAA3-20C06FDDDA02}"/>
-                      </a:ext>
-                    </a:extLst>
-                  </p:cNvPr>
-                  <p:cNvCxnSpPr>
-                    <a:cxnSpLocks/>
-                  </p:cNvCxnSpPr>
-                  <p:nvPr/>
-                </p:nvCxnSpPr>
-                <p:spPr>
-                  <a:xfrm flipV="1">
-                    <a:off x="314036" y="2032000"/>
-                    <a:ext cx="646331" cy="0"/>
-                  </a:xfrm>
-                  <a:prstGeom prst="straightConnector1">
-                    <a:avLst/>
-                  </a:prstGeom>
-                  <a:ln w="38100">
-                    <a:solidFill>
-                      <a:srgbClr val="00B0F0"/>
-                    </a:solidFill>
-                    <a:headEnd type="none" w="med" len="med"/>
-                    <a:tailEnd type="none" w="med" len="med"/>
-                  </a:ln>
-                </p:spPr>
-                <p:style>
-                  <a:lnRef idx="1">
-                    <a:schemeClr val="accent1"/>
-                  </a:lnRef>
-                  <a:fillRef idx="0">
-                    <a:schemeClr val="accent1"/>
-                  </a:fillRef>
-                  <a:effectRef idx="0">
-                    <a:schemeClr val="accent1"/>
-                  </a:effectRef>
-                  <a:fontRef idx="minor">
-                    <a:schemeClr val="tx1"/>
-                  </a:fontRef>
-                </p:style>
-              </p:cxnSp>
             </p:grpSp>
-            <p:sp>
-              <p:nvSpPr>
-                <p:cNvPr id="112" name="文字方塊 111">
+          </p:grpSp>
+          <p:grpSp>
+            <p:nvGrpSpPr>
+              <p:cNvPr id="101" name="群組 100">
+                <a:extLst>
+                  <a:ext uri="{FF2B5EF4-FFF2-40B4-BE49-F238E27FC236}">
+                    <a16:creationId xmlns:a16="http://schemas.microsoft.com/office/drawing/2014/main" id="{0597A695-7BD3-4801-8ADD-4CC4AFC345E0}"/>
+                  </a:ext>
+                </a:extLst>
+              </p:cNvPr>
+              <p:cNvGrpSpPr/>
+              <p:nvPr/>
+            </p:nvGrpSpPr>
+            <p:grpSpPr>
+              <a:xfrm flipV="1">
+                <a:off x="7874643" y="2090493"/>
+                <a:ext cx="646331" cy="472869"/>
+                <a:chOff x="314036" y="2032000"/>
+                <a:chExt cx="646331" cy="1554303"/>
+              </a:xfrm>
+            </p:grpSpPr>
+            <p:cxnSp>
+              <p:nvCxnSpPr>
+                <p:cNvPr id="102" name="直線接點 101">
                   <a:extLst>
                     <a:ext uri="{FF2B5EF4-FFF2-40B4-BE49-F238E27FC236}">
-                      <a16:creationId xmlns:a16="http://schemas.microsoft.com/office/drawing/2014/main" id="{AD8CB158-3AA8-4074-AD11-5532B062C523}"/>
+                      <a16:creationId xmlns:a16="http://schemas.microsoft.com/office/drawing/2014/main" id="{1CA0B239-EF16-4C44-A8B3-3980B038D197}"/>
                     </a:ext>
                   </a:extLst>
                 </p:cNvPr>
-                <p:cNvSpPr txBox="1"/>
+                <p:cNvCxnSpPr>
+                  <a:cxnSpLocks/>
+                </p:cNvCxnSpPr>
                 <p:nvPr/>
-              </p:nvSpPr>
+              </p:nvCxnSpPr>
               <p:spPr>
-                <a:xfrm>
-                  <a:off x="7912112" y="2149435"/>
-                  <a:ext cx="646331" cy="369332"/>
+                <a:xfrm flipH="1" flipV="1">
+                  <a:off x="314036" y="3586303"/>
+                  <a:ext cx="425415" cy="0"/>
                 </a:xfrm>
-                <a:prstGeom prst="rect">
+                <a:prstGeom prst="line">
                   <a:avLst/>
                 </a:prstGeom>
-                <a:noFill/>
+                <a:ln w="38100">
+                  <a:solidFill>
+                    <a:srgbClr val="00B0F0"/>
+                  </a:solidFill>
+                  <a:headEnd type="triangle" w="med" len="med"/>
+                  <a:tailEnd type="none" w="med" len="med"/>
+                </a:ln>
               </p:spPr>
-              <p:txBody>
-                <a:bodyPr wrap="none" rtlCol="0">
-                  <a:spAutoFit/>
-                </a:bodyPr>
-                <a:lstStyle/>
-                <a:p>
-                  <a:r>
-                    <a:rPr lang="zh-TW" altLang="en-US">
-                      <a:solidFill>
-                        <a:srgbClr val="00B0F0"/>
-                      </a:solidFill>
-                    </a:rPr>
-                    <a:t>增強</a:t>
-                  </a:r>
-                </a:p>
-              </p:txBody>
-            </p:sp>
-            <p:grpSp>
-              <p:nvGrpSpPr>
-                <p:cNvPr id="159" name="群組 158">
+              <p:style>
+                <a:lnRef idx="1">
+                  <a:schemeClr val="accent1"/>
+                </a:lnRef>
+                <a:fillRef idx="0">
+                  <a:schemeClr val="accent1"/>
+                </a:fillRef>
+                <a:effectRef idx="0">
+                  <a:schemeClr val="accent1"/>
+                </a:effectRef>
+                <a:fontRef idx="minor">
+                  <a:schemeClr val="tx1"/>
+                </a:fontRef>
+              </p:style>
+            </p:cxnSp>
+            <p:cxnSp>
+              <p:nvCxnSpPr>
+                <p:cNvPr id="103" name="直線接點 102">
                   <a:extLst>
                     <a:ext uri="{FF2B5EF4-FFF2-40B4-BE49-F238E27FC236}">
-                      <a16:creationId xmlns:a16="http://schemas.microsoft.com/office/drawing/2014/main" id="{BD52DF4C-8FF9-435F-A2D3-15A47DDA4FC1}"/>
+                      <a16:creationId xmlns:a16="http://schemas.microsoft.com/office/drawing/2014/main" id="{416BA036-C189-4C7B-8F62-4FD2F6736958}"/>
                     </a:ext>
                   </a:extLst>
                 </p:cNvPr>
-                <p:cNvGrpSpPr/>
+                <p:cNvCxnSpPr/>
                 <p:nvPr/>
-              </p:nvGrpSpPr>
-              <p:grpSpPr>
-                <a:xfrm>
-                  <a:off x="1269486" y="1666873"/>
-                  <a:ext cx="7393718" cy="3060339"/>
-                  <a:chOff x="-171386" y="1666873"/>
-                  <a:chExt cx="7393718" cy="3060339"/>
+              </p:nvCxnSpPr>
+              <p:spPr>
+                <a:xfrm flipV="1">
+                  <a:off x="330384" y="2032000"/>
+                  <a:ext cx="0" cy="1554303"/>
                 </a:xfrm>
-              </p:grpSpPr>
-              <p:cxnSp>
-                <p:nvCxnSpPr>
-                  <p:cNvPr id="116" name="直線接點 115">
-                    <a:extLst>
-                      <a:ext uri="{FF2B5EF4-FFF2-40B4-BE49-F238E27FC236}">
-                        <a16:creationId xmlns:a16="http://schemas.microsoft.com/office/drawing/2014/main" id="{974DE3AB-64F0-4124-9FE6-2DA54148B13B}"/>
-                      </a:ext>
-                    </a:extLst>
-                  </p:cNvPr>
-                  <p:cNvCxnSpPr>
-                    <a:cxnSpLocks/>
-                  </p:cNvCxnSpPr>
-                  <p:nvPr/>
-                </p:nvCxnSpPr>
-                <p:spPr>
-                  <a:xfrm flipV="1">
-                    <a:off x="7208058" y="1678308"/>
-                    <a:ext cx="0" cy="284228"/>
-                  </a:xfrm>
-                  <a:prstGeom prst="line">
-                    <a:avLst/>
-                  </a:prstGeom>
-                  <a:ln w="38100">
-                    <a:solidFill>
-                      <a:srgbClr val="33CCCC"/>
-                    </a:solidFill>
-                  </a:ln>
-                </p:spPr>
-                <p:style>
-                  <a:lnRef idx="1">
-                    <a:schemeClr val="accent1"/>
-                  </a:lnRef>
-                  <a:fillRef idx="0">
-                    <a:schemeClr val="accent1"/>
-                  </a:fillRef>
-                  <a:effectRef idx="0">
-                    <a:schemeClr val="accent1"/>
-                  </a:effectRef>
-                  <a:fontRef idx="minor">
-                    <a:schemeClr val="tx1"/>
-                  </a:fontRef>
-                </p:style>
-              </p:cxnSp>
-              <p:cxnSp>
-                <p:nvCxnSpPr>
-                  <p:cNvPr id="122" name="直線接點 121">
-                    <a:extLst>
-                      <a:ext uri="{FF2B5EF4-FFF2-40B4-BE49-F238E27FC236}">
-                        <a16:creationId xmlns:a16="http://schemas.microsoft.com/office/drawing/2014/main" id="{24E0DD6F-6ECC-4C3B-9136-01630C00FB00}"/>
-                      </a:ext>
-                    </a:extLst>
-                  </p:cNvPr>
-                  <p:cNvCxnSpPr>
-                    <a:cxnSpLocks/>
-                  </p:cNvCxnSpPr>
-                  <p:nvPr/>
-                </p:nvCxnSpPr>
-                <p:spPr>
-                  <a:xfrm flipH="1">
-                    <a:off x="-171386" y="1676976"/>
-                    <a:ext cx="7393718" cy="0"/>
-                  </a:xfrm>
-                  <a:prstGeom prst="line">
-                    <a:avLst/>
-                  </a:prstGeom>
-                  <a:ln w="38100">
-                    <a:solidFill>
-                      <a:srgbClr val="33CCCC"/>
-                    </a:solidFill>
-                  </a:ln>
-                </p:spPr>
-                <p:style>
-                  <a:lnRef idx="1">
-                    <a:schemeClr val="accent1"/>
-                  </a:lnRef>
-                  <a:fillRef idx="0">
-                    <a:schemeClr val="accent1"/>
-                  </a:fillRef>
-                  <a:effectRef idx="0">
-                    <a:schemeClr val="accent1"/>
-                  </a:effectRef>
-                  <a:fontRef idx="minor">
-                    <a:schemeClr val="tx1"/>
-                  </a:fontRef>
-                </p:style>
-              </p:cxnSp>
-              <p:cxnSp>
-                <p:nvCxnSpPr>
-                  <p:cNvPr id="126" name="直線接點 125">
-                    <a:extLst>
-                      <a:ext uri="{FF2B5EF4-FFF2-40B4-BE49-F238E27FC236}">
-                        <a16:creationId xmlns:a16="http://schemas.microsoft.com/office/drawing/2014/main" id="{59EE1A35-75E1-4FDE-8F8E-2D255F9FCFA2}"/>
-                      </a:ext>
-                    </a:extLst>
-                  </p:cNvPr>
-                  <p:cNvCxnSpPr>
-                    <a:cxnSpLocks/>
-                  </p:cNvCxnSpPr>
-                  <p:nvPr/>
-                </p:nvCxnSpPr>
-                <p:spPr>
-                  <a:xfrm>
-                    <a:off x="-146660" y="1666873"/>
-                    <a:ext cx="0" cy="3060339"/>
-                  </a:xfrm>
-                  <a:prstGeom prst="line">
-                    <a:avLst/>
-                  </a:prstGeom>
-                  <a:ln w="38100">
-                    <a:solidFill>
-                      <a:srgbClr val="33CCCC"/>
-                    </a:solidFill>
-                  </a:ln>
-                </p:spPr>
-                <p:style>
-                  <a:lnRef idx="1">
-                    <a:schemeClr val="accent1"/>
-                  </a:lnRef>
-                  <a:fillRef idx="0">
-                    <a:schemeClr val="accent1"/>
-                  </a:fillRef>
-                  <a:effectRef idx="0">
-                    <a:schemeClr val="accent1"/>
-                  </a:effectRef>
-                  <a:fontRef idx="minor">
-                    <a:schemeClr val="tx1"/>
-                  </a:fontRef>
-                </p:style>
-              </p:cxnSp>
-              <p:cxnSp>
-                <p:nvCxnSpPr>
-                  <p:cNvPr id="128" name="直線單箭頭接點 127">
-                    <a:extLst>
-                      <a:ext uri="{FF2B5EF4-FFF2-40B4-BE49-F238E27FC236}">
-                        <a16:creationId xmlns:a16="http://schemas.microsoft.com/office/drawing/2014/main" id="{3392441F-E41C-4CB3-88F3-5E773679D290}"/>
-                      </a:ext>
-                    </a:extLst>
-                  </p:cNvPr>
-                  <p:cNvCxnSpPr>
-                    <a:cxnSpLocks/>
-                  </p:cNvCxnSpPr>
-                  <p:nvPr/>
-                </p:nvCxnSpPr>
-                <p:spPr>
-                  <a:xfrm>
-                    <a:off x="-154901" y="4712926"/>
-                    <a:ext cx="1445416" cy="0"/>
-                  </a:xfrm>
-                  <a:prstGeom prst="straightConnector1">
-                    <a:avLst/>
-                  </a:prstGeom>
-                  <a:ln w="38100">
-                    <a:solidFill>
-                      <a:srgbClr val="33CCCC"/>
-                    </a:solidFill>
-                    <a:tailEnd type="triangle"/>
-                  </a:ln>
-                </p:spPr>
-                <p:style>
-                  <a:lnRef idx="1">
-                    <a:schemeClr val="accent1"/>
-                  </a:lnRef>
-                  <a:fillRef idx="0">
-                    <a:schemeClr val="accent1"/>
-                  </a:fillRef>
-                  <a:effectRef idx="0">
-                    <a:schemeClr val="accent1"/>
-                  </a:effectRef>
-                  <a:fontRef idx="minor">
-                    <a:schemeClr val="tx1"/>
-                  </a:fontRef>
-                </p:style>
-              </p:cxnSp>
-            </p:grpSp>
-            <p:sp>
-              <p:nvSpPr>
-                <p:cNvPr id="132" name="文字方塊 131">
+                <a:prstGeom prst="line">
+                  <a:avLst/>
+                </a:prstGeom>
+                <a:ln w="38100">
+                  <a:solidFill>
+                    <a:srgbClr val="00B0F0"/>
+                  </a:solidFill>
+                </a:ln>
+              </p:spPr>
+              <p:style>
+                <a:lnRef idx="1">
+                  <a:schemeClr val="accent1"/>
+                </a:lnRef>
+                <a:fillRef idx="0">
+                  <a:schemeClr val="accent1"/>
+                </a:fillRef>
+                <a:effectRef idx="0">
+                  <a:schemeClr val="accent1"/>
+                </a:effectRef>
+                <a:fontRef idx="minor">
+                  <a:schemeClr val="tx1"/>
+                </a:fontRef>
+              </p:style>
+            </p:cxnSp>
+            <p:cxnSp>
+              <p:nvCxnSpPr>
+                <p:cNvPr id="104" name="直線單箭頭接點 103">
                   <a:extLst>
                     <a:ext uri="{FF2B5EF4-FFF2-40B4-BE49-F238E27FC236}">
-                      <a16:creationId xmlns:a16="http://schemas.microsoft.com/office/drawing/2014/main" id="{03470426-3DCD-4379-B95F-375509F9BF26}"/>
+                      <a16:creationId xmlns:a16="http://schemas.microsoft.com/office/drawing/2014/main" id="{DE2DAF0A-57CB-4932-BAA3-20C06FDDDA02}"/>
                     </a:ext>
                   </a:extLst>
                 </p:cNvPr>
-                <p:cNvSpPr txBox="1"/>
+                <p:cNvCxnSpPr>
+                  <a:cxnSpLocks/>
+                </p:cNvCxnSpPr>
                 <p:nvPr/>
-              </p:nvSpPr>
+              </p:nvCxnSpPr>
               <p:spPr>
-                <a:xfrm>
-                  <a:off x="8047812" y="1351054"/>
-                  <a:ext cx="646331" cy="369332"/>
+                <a:xfrm flipV="1">
+                  <a:off x="314036" y="2032000"/>
+                  <a:ext cx="646331" cy="0"/>
                 </a:xfrm>
-                <a:prstGeom prst="rect">
+                <a:prstGeom prst="straightConnector1">
                   <a:avLst/>
                 </a:prstGeom>
-                <a:noFill/>
+                <a:ln w="38100">
+                  <a:solidFill>
+                    <a:srgbClr val="00B0F0"/>
+                  </a:solidFill>
+                  <a:headEnd type="none" w="med" len="med"/>
+                  <a:tailEnd type="none" w="med" len="med"/>
+                </a:ln>
               </p:spPr>
-              <p:txBody>
-                <a:bodyPr wrap="none" rtlCol="0">
-                  <a:spAutoFit/>
-                </a:bodyPr>
-                <a:lstStyle/>
-                <a:p>
-                  <a:r>
-                    <a:rPr lang="zh-TW" altLang="en-US">
-                      <a:solidFill>
-                        <a:srgbClr val="33CCCC"/>
-                      </a:solidFill>
-                    </a:rPr>
-                    <a:t>增強</a:t>
-                  </a:r>
-                </a:p>
-              </p:txBody>
-            </p:sp>
-            <p:grpSp>
-              <p:nvGrpSpPr>
-                <p:cNvPr id="146" name="群組 145">
-                  <a:extLst>
-                    <a:ext uri="{FF2B5EF4-FFF2-40B4-BE49-F238E27FC236}">
-                      <a16:creationId xmlns:a16="http://schemas.microsoft.com/office/drawing/2014/main" id="{8971E269-FAAB-4AD0-84A1-16027DF16C1F}"/>
-                    </a:ext>
-                  </a:extLst>
-                </p:cNvPr>
-                <p:cNvGrpSpPr/>
-                <p:nvPr/>
-              </p:nvGrpSpPr>
-              <p:grpSpPr>
-                <a:xfrm>
-                  <a:off x="7663078" y="1864967"/>
-                  <a:ext cx="865346" cy="2392058"/>
-                  <a:chOff x="377711" y="2042704"/>
-                  <a:chExt cx="865346" cy="1573359"/>
-                </a:xfrm>
-              </p:grpSpPr>
-              <p:cxnSp>
-                <p:nvCxnSpPr>
-                  <p:cNvPr id="147" name="直線接點 146">
-                    <a:extLst>
-                      <a:ext uri="{FF2B5EF4-FFF2-40B4-BE49-F238E27FC236}">
-                        <a16:creationId xmlns:a16="http://schemas.microsoft.com/office/drawing/2014/main" id="{AEBCC57D-56A7-414E-9F9D-CE4A8E2E8274}"/>
-                      </a:ext>
-                    </a:extLst>
-                  </p:cNvPr>
-                  <p:cNvCxnSpPr>
-                    <a:cxnSpLocks/>
-                  </p:cNvCxnSpPr>
-                  <p:nvPr/>
-                </p:nvCxnSpPr>
-                <p:spPr>
-                  <a:xfrm flipH="1">
-                    <a:off x="377711" y="3616063"/>
-                    <a:ext cx="719136" cy="0"/>
-                  </a:xfrm>
-                  <a:prstGeom prst="line">
-                    <a:avLst/>
-                  </a:prstGeom>
-                  <a:ln w="38100">
-                    <a:solidFill>
-                      <a:srgbClr val="00FFCC"/>
-                    </a:solidFill>
-                    <a:headEnd type="triangle" w="med" len="med"/>
-                    <a:tailEnd type="none" w="med" len="med"/>
-                  </a:ln>
-                </p:spPr>
-                <p:style>
-                  <a:lnRef idx="1">
-                    <a:schemeClr val="accent1"/>
-                  </a:lnRef>
-                  <a:fillRef idx="0">
-                    <a:schemeClr val="accent1"/>
-                  </a:fillRef>
-                  <a:effectRef idx="0">
-                    <a:schemeClr val="accent1"/>
-                  </a:effectRef>
-                  <a:fontRef idx="minor">
-                    <a:schemeClr val="tx1"/>
-                  </a:fontRef>
-                </p:style>
-              </p:cxnSp>
-              <p:cxnSp>
-                <p:nvCxnSpPr>
-                  <p:cNvPr id="148" name="直線接點 147">
-                    <a:extLst>
-                      <a:ext uri="{FF2B5EF4-FFF2-40B4-BE49-F238E27FC236}">
-                        <a16:creationId xmlns:a16="http://schemas.microsoft.com/office/drawing/2014/main" id="{79893406-295B-4144-B1AE-6CB15A54D34A}"/>
-                      </a:ext>
-                    </a:extLst>
-                  </p:cNvPr>
-                  <p:cNvCxnSpPr>
-                    <a:cxnSpLocks/>
-                  </p:cNvCxnSpPr>
-                  <p:nvPr/>
-                </p:nvCxnSpPr>
-                <p:spPr>
-                  <a:xfrm flipV="1">
-                    <a:off x="394679" y="2049230"/>
-                    <a:ext cx="0" cy="1566833"/>
-                  </a:xfrm>
-                  <a:prstGeom prst="line">
-                    <a:avLst/>
-                  </a:prstGeom>
-                  <a:ln w="38100">
-                    <a:solidFill>
-                      <a:srgbClr val="00FFCC"/>
-                    </a:solidFill>
-                  </a:ln>
-                </p:spPr>
-                <p:style>
-                  <a:lnRef idx="1">
-                    <a:schemeClr val="accent1"/>
-                  </a:lnRef>
-                  <a:fillRef idx="0">
-                    <a:schemeClr val="accent1"/>
-                  </a:fillRef>
-                  <a:effectRef idx="0">
-                    <a:schemeClr val="accent1"/>
-                  </a:effectRef>
-                  <a:fontRef idx="minor">
-                    <a:schemeClr val="tx1"/>
-                  </a:fontRef>
-                </p:style>
-              </p:cxnSp>
-              <p:cxnSp>
-                <p:nvCxnSpPr>
-                  <p:cNvPr id="149" name="直線單箭頭接點 148">
-                    <a:extLst>
-                      <a:ext uri="{FF2B5EF4-FFF2-40B4-BE49-F238E27FC236}">
-                        <a16:creationId xmlns:a16="http://schemas.microsoft.com/office/drawing/2014/main" id="{6A1456C4-FE5A-41E4-B17C-5D6448781938}"/>
-                      </a:ext>
-                    </a:extLst>
-                  </p:cNvPr>
-                  <p:cNvCxnSpPr>
-                    <a:cxnSpLocks/>
-                  </p:cNvCxnSpPr>
-                  <p:nvPr/>
-                </p:nvCxnSpPr>
-                <p:spPr>
-                  <a:xfrm>
-                    <a:off x="377711" y="2053924"/>
-                    <a:ext cx="865346" cy="0"/>
-                  </a:xfrm>
-                  <a:prstGeom prst="straightConnector1">
-                    <a:avLst/>
-                  </a:prstGeom>
-                  <a:ln w="38100">
-                    <a:solidFill>
-                      <a:srgbClr val="00FFCC"/>
-                    </a:solidFill>
-                    <a:headEnd type="none" w="med" len="med"/>
-                    <a:tailEnd type="none" w="med" len="med"/>
-                  </a:ln>
-                </p:spPr>
-                <p:style>
-                  <a:lnRef idx="1">
-                    <a:schemeClr val="accent1"/>
-                  </a:lnRef>
-                  <a:fillRef idx="0">
-                    <a:schemeClr val="accent1"/>
-                  </a:fillRef>
-                  <a:effectRef idx="0">
-                    <a:schemeClr val="accent1"/>
-                  </a:effectRef>
-                  <a:fontRef idx="minor">
-                    <a:schemeClr val="tx1"/>
-                  </a:fontRef>
-                </p:style>
-              </p:cxnSp>
-              <p:cxnSp>
-                <p:nvCxnSpPr>
-                  <p:cNvPr id="154" name="直線單箭頭接點 153">
-                    <a:extLst>
-                      <a:ext uri="{FF2B5EF4-FFF2-40B4-BE49-F238E27FC236}">
-                        <a16:creationId xmlns:a16="http://schemas.microsoft.com/office/drawing/2014/main" id="{2A95AE8F-392A-4EDA-9572-6F527CC1D0E6}"/>
-                      </a:ext>
-                    </a:extLst>
-                  </p:cNvPr>
-                  <p:cNvCxnSpPr>
-                    <a:cxnSpLocks/>
-                  </p:cNvCxnSpPr>
-                  <p:nvPr/>
-                </p:nvCxnSpPr>
-                <p:spPr>
-                  <a:xfrm flipV="1">
-                    <a:off x="1228217" y="2042704"/>
-                    <a:ext cx="0" cy="64175"/>
-                  </a:xfrm>
-                  <a:prstGeom prst="straightConnector1">
-                    <a:avLst/>
-                  </a:prstGeom>
-                  <a:ln w="38100">
-                    <a:solidFill>
-                      <a:srgbClr val="00FFCC"/>
-                    </a:solidFill>
-                    <a:headEnd type="none" w="med" len="med"/>
-                    <a:tailEnd type="none" w="med" len="med"/>
-                  </a:ln>
-                </p:spPr>
-                <p:style>
-                  <a:lnRef idx="1">
-                    <a:schemeClr val="accent1"/>
-                  </a:lnRef>
-                  <a:fillRef idx="0">
-                    <a:schemeClr val="accent1"/>
-                  </a:fillRef>
-                  <a:effectRef idx="0">
-                    <a:schemeClr val="accent1"/>
-                  </a:effectRef>
-                  <a:fontRef idx="minor">
-                    <a:schemeClr val="tx1"/>
-                  </a:fontRef>
-                </p:style>
-              </p:cxnSp>
-            </p:grpSp>
-            <p:sp>
-              <p:nvSpPr>
-                <p:cNvPr id="160" name="文字方塊 159">
-                  <a:extLst>
-                    <a:ext uri="{FF2B5EF4-FFF2-40B4-BE49-F238E27FC236}">
-                      <a16:creationId xmlns:a16="http://schemas.microsoft.com/office/drawing/2014/main" id="{2A44CA6B-C1BE-49FF-B111-B6A6374B1049}"/>
-                    </a:ext>
-                  </a:extLst>
-                </p:cNvPr>
-                <p:cNvSpPr txBox="1"/>
-                <p:nvPr/>
-              </p:nvSpPr>
-              <p:spPr>
-                <a:xfrm>
-                  <a:off x="7688995" y="3433083"/>
-                  <a:ext cx="370774" cy="823944"/>
-                </a:xfrm>
-                <a:prstGeom prst="rect">
-                  <a:avLst/>
-                </a:prstGeom>
-                <a:noFill/>
-              </p:spPr>
-              <p:txBody>
-                <a:bodyPr wrap="none" rtlCol="0">
-                  <a:spAutoFit/>
-                </a:bodyPr>
-                <a:lstStyle/>
-                <a:p>
-                  <a:r>
-                    <a:rPr lang="zh-TW" altLang="en-US">
-                      <a:solidFill>
-                        <a:srgbClr val="00FFCC"/>
-                      </a:solidFill>
-                      <a:latin typeface="+mn-ea"/>
-                    </a:rPr>
-                    <a:t>變</a:t>
-                  </a:r>
-                  <a:endParaRPr lang="en-US" altLang="zh-TW" dirty="0">
-                    <a:solidFill>
-                      <a:srgbClr val="00FFCC"/>
-                    </a:solidFill>
-                    <a:latin typeface="+mn-ea"/>
-                  </a:endParaRPr>
-                </a:p>
-                <a:p>
-                  <a:r>
-                    <a:rPr lang="zh-TW" altLang="en-US">
-                      <a:solidFill>
-                        <a:srgbClr val="00FFCC"/>
-                      </a:solidFill>
-                      <a:latin typeface="+mn-ea"/>
-                    </a:rPr>
-                    <a:t>安</a:t>
-                  </a:r>
-                  <a:endParaRPr lang="en-US" altLang="zh-TW" dirty="0">
-                    <a:solidFill>
-                      <a:srgbClr val="00FFCC"/>
-                    </a:solidFill>
-                    <a:latin typeface="+mn-ea"/>
-                  </a:endParaRPr>
-                </a:p>
-                <a:p>
-                  <a:r>
-                    <a:rPr lang="zh-TW" altLang="en-US">
-                      <a:solidFill>
-                        <a:srgbClr val="00FFCC"/>
-                      </a:solidFill>
-                      <a:latin typeface="+mn-ea"/>
-                    </a:rPr>
-                    <a:t>全</a:t>
-                  </a:r>
-                  <a:endParaRPr lang="en-US" altLang="zh-TW" dirty="0">
-                    <a:solidFill>
-                      <a:srgbClr val="00FFCC"/>
-                    </a:solidFill>
-                    <a:latin typeface="+mn-ea"/>
-                  </a:endParaRPr>
-                </a:p>
-              </p:txBody>
-            </p:sp>
+              <p:style>
+                <a:lnRef idx="1">
+                  <a:schemeClr val="accent1"/>
+                </a:lnRef>
+                <a:fillRef idx="0">
+                  <a:schemeClr val="accent1"/>
+                </a:fillRef>
+                <a:effectRef idx="0">
+                  <a:schemeClr val="accent1"/>
+                </a:effectRef>
+                <a:fontRef idx="minor">
+                  <a:schemeClr val="tx1"/>
+                </a:fontRef>
+              </p:style>
+            </p:cxnSp>
           </p:grpSp>
           <p:sp>
             <p:nvSpPr>
-              <p:cNvPr id="162" name="文字方塊 161">
+              <p:cNvPr id="112" name="文字方塊 111">
                 <a:extLst>
                   <a:ext uri="{FF2B5EF4-FFF2-40B4-BE49-F238E27FC236}">
-                    <a16:creationId xmlns:a16="http://schemas.microsoft.com/office/drawing/2014/main" id="{6A777CE0-6199-4459-A40C-61152343BF2D}"/>
+                    <a16:creationId xmlns:a16="http://schemas.microsoft.com/office/drawing/2014/main" id="{AD8CB158-3AA8-4074-AD11-5532B062C523}"/>
                   </a:ext>
                 </a:extLst>
               </p:cNvPr>
@@ -13335,8 +12820,8 @@
             </p:nvSpPr>
             <p:spPr>
               <a:xfrm>
-                <a:off x="8815284" y="5084292"/>
-                <a:ext cx="736099" cy="369332"/>
+                <a:off x="7912112" y="2149435"/>
+                <a:ext cx="646331" cy="369332"/>
               </a:xfrm>
               <a:prstGeom prst="rect">
                 <a:avLst/>
@@ -13350,10 +12835,525 @@
               <a:lstStyle/>
               <a:p>
                 <a:r>
-                  <a:rPr lang="en-US" altLang="zh-TW" dirty="0"/>
-                  <a:t>2023</a:t>
+                  <a:rPr lang="zh-TW" altLang="en-US">
+                    <a:solidFill>
+                      <a:srgbClr val="00B0F0"/>
+                    </a:solidFill>
+                  </a:rPr>
+                  <a:t>增強</a:t>
                 </a:r>
-                <a:endParaRPr lang="zh-TW" altLang="en-US"/>
+              </a:p>
+            </p:txBody>
+          </p:sp>
+          <p:grpSp>
+            <p:nvGrpSpPr>
+              <p:cNvPr id="159" name="群組 158">
+                <a:extLst>
+                  <a:ext uri="{FF2B5EF4-FFF2-40B4-BE49-F238E27FC236}">
+                    <a16:creationId xmlns:a16="http://schemas.microsoft.com/office/drawing/2014/main" id="{BD52DF4C-8FF9-435F-A2D3-15A47DDA4FC1}"/>
+                  </a:ext>
+                </a:extLst>
+              </p:cNvPr>
+              <p:cNvGrpSpPr/>
+              <p:nvPr/>
+            </p:nvGrpSpPr>
+            <p:grpSpPr>
+              <a:xfrm>
+                <a:off x="1269486" y="1666873"/>
+                <a:ext cx="7393718" cy="3060339"/>
+                <a:chOff x="-171386" y="1666873"/>
+                <a:chExt cx="7393718" cy="3060339"/>
+              </a:xfrm>
+            </p:grpSpPr>
+            <p:cxnSp>
+              <p:nvCxnSpPr>
+                <p:cNvPr id="116" name="直線接點 115">
+                  <a:extLst>
+                    <a:ext uri="{FF2B5EF4-FFF2-40B4-BE49-F238E27FC236}">
+                      <a16:creationId xmlns:a16="http://schemas.microsoft.com/office/drawing/2014/main" id="{974DE3AB-64F0-4124-9FE6-2DA54148B13B}"/>
+                    </a:ext>
+                  </a:extLst>
+                </p:cNvPr>
+                <p:cNvCxnSpPr>
+                  <a:cxnSpLocks/>
+                </p:cNvCxnSpPr>
+                <p:nvPr/>
+              </p:nvCxnSpPr>
+              <p:spPr>
+                <a:xfrm flipV="1">
+                  <a:off x="7208058" y="1678308"/>
+                  <a:ext cx="0" cy="284228"/>
+                </a:xfrm>
+                <a:prstGeom prst="line">
+                  <a:avLst/>
+                </a:prstGeom>
+                <a:ln w="38100">
+                  <a:solidFill>
+                    <a:srgbClr val="33CCCC"/>
+                  </a:solidFill>
+                </a:ln>
+              </p:spPr>
+              <p:style>
+                <a:lnRef idx="1">
+                  <a:schemeClr val="accent1"/>
+                </a:lnRef>
+                <a:fillRef idx="0">
+                  <a:schemeClr val="accent1"/>
+                </a:fillRef>
+                <a:effectRef idx="0">
+                  <a:schemeClr val="accent1"/>
+                </a:effectRef>
+                <a:fontRef idx="minor">
+                  <a:schemeClr val="tx1"/>
+                </a:fontRef>
+              </p:style>
+            </p:cxnSp>
+            <p:cxnSp>
+              <p:nvCxnSpPr>
+                <p:cNvPr id="122" name="直線接點 121">
+                  <a:extLst>
+                    <a:ext uri="{FF2B5EF4-FFF2-40B4-BE49-F238E27FC236}">
+                      <a16:creationId xmlns:a16="http://schemas.microsoft.com/office/drawing/2014/main" id="{24E0DD6F-6ECC-4C3B-9136-01630C00FB00}"/>
+                    </a:ext>
+                  </a:extLst>
+                </p:cNvPr>
+                <p:cNvCxnSpPr>
+                  <a:cxnSpLocks/>
+                </p:cNvCxnSpPr>
+                <p:nvPr/>
+              </p:nvCxnSpPr>
+              <p:spPr>
+                <a:xfrm flipH="1">
+                  <a:off x="-171386" y="1676976"/>
+                  <a:ext cx="7393718" cy="0"/>
+                </a:xfrm>
+                <a:prstGeom prst="line">
+                  <a:avLst/>
+                </a:prstGeom>
+                <a:ln w="38100">
+                  <a:solidFill>
+                    <a:srgbClr val="33CCCC"/>
+                  </a:solidFill>
+                </a:ln>
+              </p:spPr>
+              <p:style>
+                <a:lnRef idx="1">
+                  <a:schemeClr val="accent1"/>
+                </a:lnRef>
+                <a:fillRef idx="0">
+                  <a:schemeClr val="accent1"/>
+                </a:fillRef>
+                <a:effectRef idx="0">
+                  <a:schemeClr val="accent1"/>
+                </a:effectRef>
+                <a:fontRef idx="minor">
+                  <a:schemeClr val="tx1"/>
+                </a:fontRef>
+              </p:style>
+            </p:cxnSp>
+            <p:cxnSp>
+              <p:nvCxnSpPr>
+                <p:cNvPr id="126" name="直線接點 125">
+                  <a:extLst>
+                    <a:ext uri="{FF2B5EF4-FFF2-40B4-BE49-F238E27FC236}">
+                      <a16:creationId xmlns:a16="http://schemas.microsoft.com/office/drawing/2014/main" id="{59EE1A35-75E1-4FDE-8F8E-2D255F9FCFA2}"/>
+                    </a:ext>
+                  </a:extLst>
+                </p:cNvPr>
+                <p:cNvCxnSpPr>
+                  <a:cxnSpLocks/>
+                </p:cNvCxnSpPr>
+                <p:nvPr/>
+              </p:nvCxnSpPr>
+              <p:spPr>
+                <a:xfrm>
+                  <a:off x="-146660" y="1666873"/>
+                  <a:ext cx="0" cy="3060339"/>
+                </a:xfrm>
+                <a:prstGeom prst="line">
+                  <a:avLst/>
+                </a:prstGeom>
+                <a:ln w="38100">
+                  <a:solidFill>
+                    <a:srgbClr val="33CCCC"/>
+                  </a:solidFill>
+                </a:ln>
+              </p:spPr>
+              <p:style>
+                <a:lnRef idx="1">
+                  <a:schemeClr val="accent1"/>
+                </a:lnRef>
+                <a:fillRef idx="0">
+                  <a:schemeClr val="accent1"/>
+                </a:fillRef>
+                <a:effectRef idx="0">
+                  <a:schemeClr val="accent1"/>
+                </a:effectRef>
+                <a:fontRef idx="minor">
+                  <a:schemeClr val="tx1"/>
+                </a:fontRef>
+              </p:style>
+            </p:cxnSp>
+            <p:cxnSp>
+              <p:nvCxnSpPr>
+                <p:cNvPr id="128" name="直線單箭頭接點 127">
+                  <a:extLst>
+                    <a:ext uri="{FF2B5EF4-FFF2-40B4-BE49-F238E27FC236}">
+                      <a16:creationId xmlns:a16="http://schemas.microsoft.com/office/drawing/2014/main" id="{3392441F-E41C-4CB3-88F3-5E773679D290}"/>
+                    </a:ext>
+                  </a:extLst>
+                </p:cNvPr>
+                <p:cNvCxnSpPr>
+                  <a:cxnSpLocks/>
+                </p:cNvCxnSpPr>
+                <p:nvPr/>
+              </p:nvCxnSpPr>
+              <p:spPr>
+                <a:xfrm>
+                  <a:off x="-154901" y="4712926"/>
+                  <a:ext cx="1445416" cy="0"/>
+                </a:xfrm>
+                <a:prstGeom prst="straightConnector1">
+                  <a:avLst/>
+                </a:prstGeom>
+                <a:ln w="38100">
+                  <a:solidFill>
+                    <a:srgbClr val="33CCCC"/>
+                  </a:solidFill>
+                  <a:tailEnd type="triangle"/>
+                </a:ln>
+              </p:spPr>
+              <p:style>
+                <a:lnRef idx="1">
+                  <a:schemeClr val="accent1"/>
+                </a:lnRef>
+                <a:fillRef idx="0">
+                  <a:schemeClr val="accent1"/>
+                </a:fillRef>
+                <a:effectRef idx="0">
+                  <a:schemeClr val="accent1"/>
+                </a:effectRef>
+                <a:fontRef idx="minor">
+                  <a:schemeClr val="tx1"/>
+                </a:fontRef>
+              </p:style>
+            </p:cxnSp>
+          </p:grpSp>
+          <p:sp>
+            <p:nvSpPr>
+              <p:cNvPr id="132" name="文字方塊 131">
+                <a:extLst>
+                  <a:ext uri="{FF2B5EF4-FFF2-40B4-BE49-F238E27FC236}">
+                    <a16:creationId xmlns:a16="http://schemas.microsoft.com/office/drawing/2014/main" id="{03470426-3DCD-4379-B95F-375509F9BF26}"/>
+                  </a:ext>
+                </a:extLst>
+              </p:cNvPr>
+              <p:cNvSpPr txBox="1"/>
+              <p:nvPr/>
+            </p:nvSpPr>
+            <p:spPr>
+              <a:xfrm>
+                <a:off x="5425984" y="1351054"/>
+                <a:ext cx="3274603" cy="329577"/>
+              </a:xfrm>
+              <a:prstGeom prst="rect">
+                <a:avLst/>
+              </a:prstGeom>
+              <a:noFill/>
+            </p:spPr>
+            <p:txBody>
+              <a:bodyPr wrap="none" rtlCol="0">
+                <a:spAutoFit/>
+              </a:bodyPr>
+              <a:lstStyle/>
+              <a:p>
+                <a:r>
+                  <a:rPr lang="zh-TW" altLang="en-US">
+                    <a:solidFill>
+                      <a:srgbClr val="33CCCC"/>
+                    </a:solidFill>
+                  </a:rPr>
+                  <a:t>模仿語法，實質上沒有很大的關係</a:t>
+                </a:r>
+              </a:p>
+            </p:txBody>
+          </p:sp>
+          <p:grpSp>
+            <p:nvGrpSpPr>
+              <p:cNvPr id="146" name="群組 145">
+                <a:extLst>
+                  <a:ext uri="{FF2B5EF4-FFF2-40B4-BE49-F238E27FC236}">
+                    <a16:creationId xmlns:a16="http://schemas.microsoft.com/office/drawing/2014/main" id="{8971E269-FAAB-4AD0-84A1-16027DF16C1F}"/>
+                  </a:ext>
+                </a:extLst>
+              </p:cNvPr>
+              <p:cNvGrpSpPr/>
+              <p:nvPr/>
+            </p:nvGrpSpPr>
+            <p:grpSpPr>
+              <a:xfrm>
+                <a:off x="7663078" y="1864967"/>
+                <a:ext cx="865346" cy="2392058"/>
+                <a:chOff x="377711" y="2042704"/>
+                <a:chExt cx="865346" cy="1573359"/>
+              </a:xfrm>
+            </p:grpSpPr>
+            <p:cxnSp>
+              <p:nvCxnSpPr>
+                <p:cNvPr id="147" name="直線接點 146">
+                  <a:extLst>
+                    <a:ext uri="{FF2B5EF4-FFF2-40B4-BE49-F238E27FC236}">
+                      <a16:creationId xmlns:a16="http://schemas.microsoft.com/office/drawing/2014/main" id="{AEBCC57D-56A7-414E-9F9D-CE4A8E2E8274}"/>
+                    </a:ext>
+                  </a:extLst>
+                </p:cNvPr>
+                <p:cNvCxnSpPr>
+                  <a:cxnSpLocks/>
+                </p:cNvCxnSpPr>
+                <p:nvPr/>
+              </p:nvCxnSpPr>
+              <p:spPr>
+                <a:xfrm flipH="1">
+                  <a:off x="377711" y="3616063"/>
+                  <a:ext cx="719136" cy="0"/>
+                </a:xfrm>
+                <a:prstGeom prst="line">
+                  <a:avLst/>
+                </a:prstGeom>
+                <a:ln w="38100">
+                  <a:solidFill>
+                    <a:srgbClr val="00FFCC"/>
+                  </a:solidFill>
+                  <a:headEnd type="triangle" w="med" len="med"/>
+                  <a:tailEnd type="none" w="med" len="med"/>
+                </a:ln>
+              </p:spPr>
+              <p:style>
+                <a:lnRef idx="1">
+                  <a:schemeClr val="accent1"/>
+                </a:lnRef>
+                <a:fillRef idx="0">
+                  <a:schemeClr val="accent1"/>
+                </a:fillRef>
+                <a:effectRef idx="0">
+                  <a:schemeClr val="accent1"/>
+                </a:effectRef>
+                <a:fontRef idx="minor">
+                  <a:schemeClr val="tx1"/>
+                </a:fontRef>
+              </p:style>
+            </p:cxnSp>
+            <p:cxnSp>
+              <p:nvCxnSpPr>
+                <p:cNvPr id="148" name="直線接點 147">
+                  <a:extLst>
+                    <a:ext uri="{FF2B5EF4-FFF2-40B4-BE49-F238E27FC236}">
+                      <a16:creationId xmlns:a16="http://schemas.microsoft.com/office/drawing/2014/main" id="{79893406-295B-4144-B1AE-6CB15A54D34A}"/>
+                    </a:ext>
+                  </a:extLst>
+                </p:cNvPr>
+                <p:cNvCxnSpPr>
+                  <a:cxnSpLocks/>
+                </p:cNvCxnSpPr>
+                <p:nvPr/>
+              </p:nvCxnSpPr>
+              <p:spPr>
+                <a:xfrm flipV="1">
+                  <a:off x="394679" y="2049230"/>
+                  <a:ext cx="0" cy="1566833"/>
+                </a:xfrm>
+                <a:prstGeom prst="line">
+                  <a:avLst/>
+                </a:prstGeom>
+                <a:ln w="38100">
+                  <a:solidFill>
+                    <a:srgbClr val="00FFCC"/>
+                  </a:solidFill>
+                </a:ln>
+              </p:spPr>
+              <p:style>
+                <a:lnRef idx="1">
+                  <a:schemeClr val="accent1"/>
+                </a:lnRef>
+                <a:fillRef idx="0">
+                  <a:schemeClr val="accent1"/>
+                </a:fillRef>
+                <a:effectRef idx="0">
+                  <a:schemeClr val="accent1"/>
+                </a:effectRef>
+                <a:fontRef idx="minor">
+                  <a:schemeClr val="tx1"/>
+                </a:fontRef>
+              </p:style>
+            </p:cxnSp>
+            <p:cxnSp>
+              <p:nvCxnSpPr>
+                <p:cNvPr id="149" name="直線單箭頭接點 148">
+                  <a:extLst>
+                    <a:ext uri="{FF2B5EF4-FFF2-40B4-BE49-F238E27FC236}">
+                      <a16:creationId xmlns:a16="http://schemas.microsoft.com/office/drawing/2014/main" id="{6A1456C4-FE5A-41E4-B17C-5D6448781938}"/>
+                    </a:ext>
+                  </a:extLst>
+                </p:cNvPr>
+                <p:cNvCxnSpPr>
+                  <a:cxnSpLocks/>
+                </p:cNvCxnSpPr>
+                <p:nvPr/>
+              </p:nvCxnSpPr>
+              <p:spPr>
+                <a:xfrm>
+                  <a:off x="377711" y="2053924"/>
+                  <a:ext cx="865346" cy="0"/>
+                </a:xfrm>
+                <a:prstGeom prst="straightConnector1">
+                  <a:avLst/>
+                </a:prstGeom>
+                <a:ln w="38100">
+                  <a:solidFill>
+                    <a:srgbClr val="00FFCC"/>
+                  </a:solidFill>
+                  <a:headEnd type="none" w="med" len="med"/>
+                  <a:tailEnd type="none" w="med" len="med"/>
+                </a:ln>
+              </p:spPr>
+              <p:style>
+                <a:lnRef idx="1">
+                  <a:schemeClr val="accent1"/>
+                </a:lnRef>
+                <a:fillRef idx="0">
+                  <a:schemeClr val="accent1"/>
+                </a:fillRef>
+                <a:effectRef idx="0">
+                  <a:schemeClr val="accent1"/>
+                </a:effectRef>
+                <a:fontRef idx="minor">
+                  <a:schemeClr val="tx1"/>
+                </a:fontRef>
+              </p:style>
+            </p:cxnSp>
+            <p:cxnSp>
+              <p:nvCxnSpPr>
+                <p:cNvPr id="154" name="直線單箭頭接點 153">
+                  <a:extLst>
+                    <a:ext uri="{FF2B5EF4-FFF2-40B4-BE49-F238E27FC236}">
+                      <a16:creationId xmlns:a16="http://schemas.microsoft.com/office/drawing/2014/main" id="{2A95AE8F-392A-4EDA-9572-6F527CC1D0E6}"/>
+                    </a:ext>
+                  </a:extLst>
+                </p:cNvPr>
+                <p:cNvCxnSpPr>
+                  <a:cxnSpLocks/>
+                </p:cNvCxnSpPr>
+                <p:nvPr/>
+              </p:nvCxnSpPr>
+              <p:spPr>
+                <a:xfrm flipV="1">
+                  <a:off x="1228217" y="2042704"/>
+                  <a:ext cx="0" cy="64175"/>
+                </a:xfrm>
+                <a:prstGeom prst="straightConnector1">
+                  <a:avLst/>
+                </a:prstGeom>
+                <a:ln w="38100">
+                  <a:solidFill>
+                    <a:srgbClr val="00FFCC"/>
+                  </a:solidFill>
+                  <a:headEnd type="none" w="med" len="med"/>
+                  <a:tailEnd type="none" w="med" len="med"/>
+                </a:ln>
+              </p:spPr>
+              <p:style>
+                <a:lnRef idx="1">
+                  <a:schemeClr val="accent1"/>
+                </a:lnRef>
+                <a:fillRef idx="0">
+                  <a:schemeClr val="accent1"/>
+                </a:fillRef>
+                <a:effectRef idx="0">
+                  <a:schemeClr val="accent1"/>
+                </a:effectRef>
+                <a:fontRef idx="minor">
+                  <a:schemeClr val="tx1"/>
+                </a:fontRef>
+              </p:style>
+            </p:cxnSp>
+          </p:grpSp>
+          <p:sp>
+            <p:nvSpPr>
+              <p:cNvPr id="160" name="文字方塊 159">
+                <a:extLst>
+                  <a:ext uri="{FF2B5EF4-FFF2-40B4-BE49-F238E27FC236}">
+                    <a16:creationId xmlns:a16="http://schemas.microsoft.com/office/drawing/2014/main" id="{2A44CA6B-C1BE-49FF-B111-B6A6374B1049}"/>
+                  </a:ext>
+                </a:extLst>
+              </p:cNvPr>
+              <p:cNvSpPr txBox="1"/>
+              <p:nvPr/>
+            </p:nvSpPr>
+            <p:spPr>
+              <a:xfrm>
+                <a:off x="7688995" y="3433083"/>
+                <a:ext cx="370774" cy="823944"/>
+              </a:xfrm>
+              <a:prstGeom prst="rect">
+                <a:avLst/>
+              </a:prstGeom>
+              <a:noFill/>
+            </p:spPr>
+            <p:txBody>
+              <a:bodyPr wrap="none" rtlCol="0">
+                <a:spAutoFit/>
+              </a:bodyPr>
+              <a:lstStyle/>
+              <a:p>
+                <a:r>
+                  <a:rPr lang="zh-TW" altLang="en-US">
+                    <a:solidFill>
+                      <a:srgbClr val="00FFCC"/>
+                    </a:solidFill>
+                    <a:latin typeface="+mn-ea"/>
+                  </a:rPr>
+                  <a:t>變</a:t>
+                </a:r>
+                <a:endParaRPr lang="en-US" altLang="zh-TW" dirty="0">
+                  <a:solidFill>
+                    <a:srgbClr val="00FFCC"/>
+                  </a:solidFill>
+                  <a:latin typeface="+mn-ea"/>
+                </a:endParaRPr>
+              </a:p>
+              <a:p>
+                <a:r>
+                  <a:rPr lang="zh-TW" altLang="en-US">
+                    <a:solidFill>
+                      <a:srgbClr val="00FFCC"/>
+                    </a:solidFill>
+                    <a:latin typeface="+mn-ea"/>
+                  </a:rPr>
+                  <a:t>安</a:t>
+                </a:r>
+                <a:endParaRPr lang="en-US" altLang="zh-TW" dirty="0">
+                  <a:solidFill>
+                    <a:srgbClr val="00FFCC"/>
+                  </a:solidFill>
+                  <a:latin typeface="+mn-ea"/>
+                </a:endParaRPr>
+              </a:p>
+              <a:p>
+                <a:r>
+                  <a:rPr lang="zh-TW" altLang="en-US">
+                    <a:solidFill>
+                      <a:srgbClr val="00FFCC"/>
+                    </a:solidFill>
+                    <a:latin typeface="+mn-ea"/>
+                  </a:rPr>
+                  <a:t>全</a:t>
+                </a:r>
+                <a:endParaRPr lang="en-US" altLang="zh-TW" dirty="0">
+                  <a:solidFill>
+                    <a:srgbClr val="00FFCC"/>
+                  </a:solidFill>
+                  <a:latin typeface="+mn-ea"/>
+                </a:endParaRPr>
               </a:p>
             </p:txBody>
           </p:sp>
@@ -13372,7 +13372,7 @@
           </p:nvSpPr>
           <p:spPr>
             <a:xfrm>
-              <a:off x="1618584" y="1633120"/>
+              <a:off x="1618584" y="1420685"/>
               <a:ext cx="1338828" cy="369332"/>
             </a:xfrm>
             <a:prstGeom prst="rect">
@@ -13397,7 +13397,111 @@
             </a:p>
           </p:txBody>
         </p:sp>
+        <p:sp>
+          <p:nvSpPr>
+            <p:cNvPr id="162" name="文字方塊 161">
+              <a:extLst>
+                <a:ext uri="{FF2B5EF4-FFF2-40B4-BE49-F238E27FC236}">
+                  <a16:creationId xmlns:a16="http://schemas.microsoft.com/office/drawing/2014/main" id="{6A777CE0-6199-4459-A40C-61152343BF2D}"/>
+                </a:ext>
+              </a:extLst>
+            </p:cNvPr>
+            <p:cNvSpPr txBox="1"/>
+            <p:nvPr/>
+          </p:nvSpPr>
+          <p:spPr>
+            <a:xfrm>
+              <a:off x="8237070" y="5903246"/>
+              <a:ext cx="3179075" cy="369331"/>
+            </a:xfrm>
+            <a:prstGeom prst="rect">
+              <a:avLst/>
+            </a:prstGeom>
+            <a:noFill/>
+          </p:spPr>
+          <p:txBody>
+            <a:bodyPr wrap="none" rtlCol="0">
+              <a:spAutoFit/>
+            </a:bodyPr>
+            <a:lstStyle/>
+            <a:p>
+              <a:r>
+                <a:rPr lang="en-US" altLang="zh-TW"/>
+                <a:t>2023 Stack OverFlow </a:t>
+              </a:r>
+              <a:r>
+                <a:rPr lang="zh-TW" altLang="en-US"/>
+                <a:t>調查</a:t>
+              </a:r>
+            </a:p>
+          </p:txBody>
+        </p:sp>
+        <p:pic>
+          <p:nvPicPr>
+            <p:cNvPr id="19" name="圖片 18">
+              <a:hlinkClick r:id="rId6"/>
+              <a:extLst>
+                <a:ext uri="{FF2B5EF4-FFF2-40B4-BE49-F238E27FC236}">
+                  <a16:creationId xmlns:a16="http://schemas.microsoft.com/office/drawing/2014/main" id="{9C6B45CA-1AE2-4139-A4B9-9C2BB78990D1}"/>
+                </a:ext>
+              </a:extLst>
+            </p:cNvPr>
+            <p:cNvPicPr>
+              <a:picLocks noChangeAspect="1"/>
+            </p:cNvPicPr>
+            <p:nvPr/>
+          </p:nvPicPr>
+          <p:blipFill>
+            <a:blip r:embed="rId7">
+              <a:extLst>
+                <a:ext uri="{28A0092B-C50C-407E-A947-70E740481C1C}">
+                  <a14:useLocalDpi xmlns:a14="http://schemas.microsoft.com/office/drawing/2010/main" val="0"/>
+                </a:ext>
+              </a:extLst>
+            </a:blip>
+            <a:stretch>
+              <a:fillRect/>
+            </a:stretch>
+          </p:blipFill>
+          <p:spPr>
+            <a:xfrm>
+              <a:off x="9448319" y="5565923"/>
+              <a:ext cx="394266" cy="394266"/>
+            </a:xfrm>
+            <a:prstGeom prst="rect">
+              <a:avLst/>
+            </a:prstGeom>
+          </p:spPr>
+        </p:pic>
       </p:grpSp>
+      <p:sp>
+        <p:nvSpPr>
+          <p:cNvPr id="2" name="標題 1">
+            <a:extLst>
+              <a:ext uri="{FF2B5EF4-FFF2-40B4-BE49-F238E27FC236}">
+                <a16:creationId xmlns:a16="http://schemas.microsoft.com/office/drawing/2014/main" id="{DC98EA55-913E-400B-84EA-B47A12297A90}"/>
+              </a:ext>
+            </a:extLst>
+          </p:cNvPr>
+          <p:cNvSpPr>
+            <a:spLocks noGrp="1"/>
+          </p:cNvSpPr>
+          <p:nvPr>
+            <p:ph type="title"/>
+          </p:nvPr>
+        </p:nvSpPr>
+        <p:spPr/>
+        <p:txBody>
+          <a:bodyPr/>
+          <a:lstStyle/>
+          <a:p>
+            <a:r>
+              <a:rPr lang="zh-TW" altLang="en-US"/>
+              <a:t>程式語言</a:t>
+            </a:r>
+          </a:p>
+        </p:txBody>
+      </p:sp>
       <p:sp>
         <p:nvSpPr>
           <p:cNvPr id="6" name="矩形: 圓角 5">
@@ -13412,7 +13516,7 @@
         </p:nvSpPr>
         <p:spPr>
           <a:xfrm>
-            <a:off x="1964148" y="5056609"/>
+            <a:off x="1964148" y="4844174"/>
             <a:ext cx="451014" cy="235461"/>
           </a:xfrm>
           <a:prstGeom prst="roundRect">
@@ -13464,7 +13568,7 @@
         </p:nvSpPr>
         <p:spPr>
           <a:xfrm rot="18563820">
-            <a:off x="2791193" y="5093061"/>
+            <a:off x="2791193" y="4880626"/>
             <a:ext cx="422390" cy="1338496"/>
           </a:xfrm>
           <a:prstGeom prst="downArrow">
@@ -13520,7 +13624,7 @@
         </p:nvSpPr>
         <p:spPr>
           <a:xfrm>
-            <a:off x="3562790" y="6173065"/>
+            <a:off x="3562790" y="5960630"/>
             <a:ext cx="3342835" cy="440999"/>
           </a:xfrm>
           <a:prstGeom prst="roundRect">
@@ -13678,7 +13782,7 @@
                                     </p:set>
                                     <p:animEffect transition="in" filter="wipe(left)">
                                       <p:cBhvr>
-                                        <p:cTn id="11" dur="300"/>
+                                        <p:cTn id="11" dur="500"/>
                                         <p:tgtEl>
                                           <p:spTgt spid="8"/>
                                         </p:tgtEl>
@@ -13693,7 +13797,7 @@
                         <p:par>
                           <p:cTn id="12" fill="hold">
                             <p:stCondLst>
-                              <p:cond delay="600"/>
+                              <p:cond delay="800"/>
                             </p:stCondLst>
                             <p:childTnLst>
                               <p:par>
@@ -13722,7 +13826,7 @@
                                     </p:set>
                                     <p:animEffect transition="in" filter="fade">
                                       <p:cBhvr>
-                                        <p:cTn id="15" dur="300"/>
+                                        <p:cTn id="15" dur="500"/>
                                         <p:tgtEl>
                                           <p:spTgt spid="10"/>
                                         </p:tgtEl>
@@ -13762,6 +13866,1660 @@
       <p:bldP spid="6" grpId="0" animBg="1"/>
       <p:bldP spid="8" grpId="0" animBg="1"/>
       <p:bldP spid="10" grpId="0" animBg="1"/>
+    </p:bldLst>
+  </p:timing>
+</p:sld>
+</file>
+
+<file path=ppt/slides/slide5.xml><?xml version="1.0" encoding="utf-8"?>
+<p:sld xmlns:a="http://schemas.openxmlformats.org/drawingml/2006/main" xmlns:r="http://schemas.openxmlformats.org/officeDocument/2006/relationships" xmlns:p="http://schemas.openxmlformats.org/presentationml/2006/main">
+  <p:cSld>
+    <p:spTree>
+      <p:nvGrpSpPr>
+        <p:cNvPr id="1" name=""/>
+        <p:cNvGrpSpPr/>
+        <p:nvPr/>
+      </p:nvGrpSpPr>
+      <p:grpSpPr>
+        <a:xfrm>
+          <a:off x="0" y="0"/>
+          <a:ext cx="0" cy="0"/>
+          <a:chOff x="0" y="0"/>
+          <a:chExt cx="0" cy="0"/>
+        </a:xfrm>
+      </p:grpSpPr>
+      <p:sp>
+        <p:nvSpPr>
+          <p:cNvPr id="2" name="標題 1">
+            <a:extLst>
+              <a:ext uri="{FF2B5EF4-FFF2-40B4-BE49-F238E27FC236}">
+                <a16:creationId xmlns:a16="http://schemas.microsoft.com/office/drawing/2014/main" id="{DC98EA55-913E-400B-84EA-B47A12297A90}"/>
+              </a:ext>
+            </a:extLst>
+          </p:cNvPr>
+          <p:cNvSpPr>
+            <a:spLocks noGrp="1"/>
+          </p:cNvSpPr>
+          <p:nvPr>
+            <p:ph type="title"/>
+          </p:nvPr>
+        </p:nvSpPr>
+        <p:spPr>
+          <a:xfrm>
+            <a:off x="838200" y="365125"/>
+            <a:ext cx="10515600" cy="1325563"/>
+          </a:xfrm>
+        </p:spPr>
+        <p:txBody>
+          <a:bodyPr/>
+          <a:lstStyle/>
+          <a:p>
+            <a:r>
+              <a:rPr lang="zh-TW" altLang="en-US"/>
+              <a:t>程式語言</a:t>
+            </a:r>
+          </a:p>
+        </p:txBody>
+      </p:sp>
+      <p:sp>
+        <p:nvSpPr>
+          <p:cNvPr id="11" name="內容版面配置區 10">
+            <a:extLst>
+              <a:ext uri="{FF2B5EF4-FFF2-40B4-BE49-F238E27FC236}">
+                <a16:creationId xmlns:a16="http://schemas.microsoft.com/office/drawing/2014/main" id="{E596348F-A6CC-4D6B-B4E4-758A086BEA90}"/>
+              </a:ext>
+            </a:extLst>
+          </p:cNvPr>
+          <p:cNvSpPr>
+            <a:spLocks noGrp="1"/>
+          </p:cNvSpPr>
+          <p:nvPr>
+            <p:ph idx="1"/>
+          </p:nvPr>
+        </p:nvSpPr>
+        <p:spPr>
+          <a:xfrm>
+            <a:off x="838200" y="1613190"/>
+            <a:ext cx="10515600" cy="1009939"/>
+          </a:xfrm>
+        </p:spPr>
+        <p:txBody>
+          <a:bodyPr>
+            <a:normAutofit/>
+          </a:bodyPr>
+          <a:lstStyle/>
+          <a:p>
+            <a:r>
+              <a:rPr lang="zh-TW" altLang="en-US"/>
+              <a:t>程式語言通常只是個標準，和實際實作或執行通常無關</a:t>
+            </a:r>
+            <a:endParaRPr lang="en-US" altLang="zh-TW"/>
+          </a:p>
+          <a:p>
+            <a:r>
+              <a:rPr lang="zh-TW" altLang="en-US"/>
+              <a:t>只要符合同一個標準的就是同一個程式語言，舉例：</a:t>
+            </a:r>
+          </a:p>
+        </p:txBody>
+      </p:sp>
+      <p:grpSp>
+        <p:nvGrpSpPr>
+          <p:cNvPr id="15" name="群組 14">
+            <a:extLst>
+              <a:ext uri="{FF2B5EF4-FFF2-40B4-BE49-F238E27FC236}">
+                <a16:creationId xmlns:a16="http://schemas.microsoft.com/office/drawing/2014/main" id="{E33D9331-1902-470B-AA77-43B4A5F34418}"/>
+              </a:ext>
+            </a:extLst>
+          </p:cNvPr>
+          <p:cNvGrpSpPr/>
+          <p:nvPr/>
+        </p:nvGrpSpPr>
+        <p:grpSpPr>
+          <a:xfrm>
+            <a:off x="838200" y="2665658"/>
+            <a:ext cx="10515600" cy="372708"/>
+            <a:chOff x="838200" y="3358382"/>
+            <a:chExt cx="10515600" cy="372708"/>
+          </a:xfrm>
+        </p:grpSpPr>
+        <p:sp>
+          <p:nvSpPr>
+            <p:cNvPr id="13" name="Rectangle 2">
+              <a:extLst>
+                <a:ext uri="{FF2B5EF4-FFF2-40B4-BE49-F238E27FC236}">
+                  <a16:creationId xmlns:a16="http://schemas.microsoft.com/office/drawing/2014/main" id="{97D610AD-01E7-4EC3-86CF-7CD8E2448C49}"/>
+                </a:ext>
+              </a:extLst>
+            </p:cNvPr>
+            <p:cNvSpPr>
+              <a:spLocks noChangeArrowheads="1"/>
+            </p:cNvSpPr>
+            <p:nvPr/>
+          </p:nvSpPr>
+          <p:spPr bwMode="auto">
+            <a:xfrm>
+              <a:off x="838200" y="3358382"/>
+              <a:ext cx="10515600" cy="369332"/>
+            </a:xfrm>
+            <a:prstGeom prst="rect">
+              <a:avLst/>
+            </a:prstGeom>
+            <a:solidFill>
+              <a:srgbClr val="1E1F22"/>
+            </a:solidFill>
+            <a:ln>
+              <a:noFill/>
+            </a:ln>
+            <a:effectLst/>
+            <a:extLst>
+              <a:ext uri="{91240B29-F687-4F45-9708-019B960494DF}">
+                <a14:hiddenLine xmlns:a14="http://schemas.microsoft.com/office/drawing/2010/main" w="9525">
+                  <a:solidFill>
+                    <a:schemeClr val="tx1"/>
+                  </a:solidFill>
+                  <a:miter lim="800000"/>
+                  <a:headEnd/>
+                  <a:tailEnd/>
+                </a14:hiddenLine>
+              </a:ext>
+              <a:ext uri="{AF507438-7753-43E0-B8FC-AC1667EBCBE1}">
+                <a14:hiddenEffects xmlns:a14="http://schemas.microsoft.com/office/drawing/2010/main">
+                  <a:effectLst>
+                    <a:outerShdw dist="35921" dir="2700000" algn="ctr" rotWithShape="0">
+                      <a:schemeClr val="bg2"/>
+                    </a:outerShdw>
+                  </a:effectLst>
+                </a14:hiddenEffects>
+              </a:ext>
+            </a:extLst>
+          </p:spPr>
+          <p:txBody>
+            <a:bodyPr vert="horz" wrap="square" lIns="91440" tIns="45720" rIns="91440" bIns="45720" numCol="1" anchor="ctr" anchorCtr="0" compatLnSpc="1">
+              <a:prstTxWarp prst="textNoShape">
+                <a:avLst/>
+              </a:prstTxWarp>
+              <a:spAutoFit/>
+            </a:bodyPr>
+            <a:lstStyle/>
+            <a:p>
+              <a:pPr marL="0" marR="0" lvl="0" indent="0" algn="l" defTabSz="914400" rtl="0" eaLnBrk="0" fontAlgn="base" latinLnBrk="0" hangingPunct="0">
+                <a:lnSpc>
+                  <a:spcPct val="100000"/>
+                </a:lnSpc>
+                <a:spcBef>
+                  <a:spcPct val="0"/>
+                </a:spcBef>
+                <a:spcAft>
+                  <a:spcPct val="0"/>
+                </a:spcAft>
+                <a:buClrTx/>
+                <a:buSzTx/>
+                <a:buFontTx/>
+                <a:buNone/>
+                <a:tabLst/>
+              </a:pPr>
+              <a:r>
+                <a:rPr kumimoji="0" lang="zh-TW" altLang="zh-TW" sz="1800" b="0" i="0" u="none" strike="noStrike" cap="none" normalizeH="0" baseline="0">
+                  <a:ln>
+                    <a:noFill/>
+                  </a:ln>
+                  <a:solidFill>
+                    <a:srgbClr val="8888C6"/>
+                  </a:solidFill>
+                  <a:effectLst/>
+                  <a:latin typeface="JetBrains Mono" panose="02000009000000000000" pitchFamily="49" charset="0"/>
+                  <a:cs typeface="JetBrains Mono" panose="02000009000000000000" pitchFamily="49" charset="0"/>
+                </a:rPr>
+                <a:t>print</a:t>
+              </a:r>
+              <a:r>
+                <a:rPr kumimoji="0" lang="zh-TW" altLang="zh-TW" sz="1800" b="0" i="0" u="none" strike="noStrike" cap="none" normalizeH="0" baseline="0">
+                  <a:ln>
+                    <a:noFill/>
+                  </a:ln>
+                  <a:solidFill>
+                    <a:srgbClr val="BCBEC4"/>
+                  </a:solidFill>
+                  <a:effectLst/>
+                  <a:latin typeface="JetBrains Mono" panose="02000009000000000000" pitchFamily="49" charset="0"/>
+                  <a:cs typeface="JetBrains Mono" panose="02000009000000000000" pitchFamily="49" charset="0"/>
+                </a:rPr>
+                <a:t>(</a:t>
+              </a:r>
+              <a:r>
+                <a:rPr kumimoji="0" lang="zh-TW" altLang="zh-TW" sz="1800" b="0" i="0" u="none" strike="noStrike" cap="none" normalizeH="0" baseline="0">
+                  <a:ln>
+                    <a:noFill/>
+                  </a:ln>
+                  <a:solidFill>
+                    <a:srgbClr val="6AAB73"/>
+                  </a:solidFill>
+                  <a:effectLst/>
+                  <a:latin typeface="JetBrains Mono" panose="02000009000000000000" pitchFamily="49" charset="0"/>
+                  <a:cs typeface="JetBrains Mono" panose="02000009000000000000" pitchFamily="49" charset="0"/>
+                </a:rPr>
+                <a:t>"Hello, World!"</a:t>
+              </a:r>
+              <a:r>
+                <a:rPr kumimoji="0" lang="zh-TW" altLang="zh-TW" sz="1800" b="0" i="0" u="none" strike="noStrike" cap="none" normalizeH="0" baseline="0">
+                  <a:ln>
+                    <a:noFill/>
+                  </a:ln>
+                  <a:solidFill>
+                    <a:srgbClr val="BCBEC4"/>
+                  </a:solidFill>
+                  <a:effectLst/>
+                  <a:latin typeface="JetBrains Mono" panose="02000009000000000000" pitchFamily="49" charset="0"/>
+                  <a:cs typeface="JetBrains Mono" panose="02000009000000000000" pitchFamily="49" charset="0"/>
+                </a:rPr>
+                <a:t>)</a:t>
+              </a:r>
+              <a:endParaRPr kumimoji="0" lang="zh-TW" altLang="zh-TW" sz="1800" b="0" i="0" u="none" strike="noStrike" cap="none" normalizeH="0" baseline="0">
+                <a:ln>
+                  <a:noFill/>
+                </a:ln>
+                <a:solidFill>
+                  <a:schemeClr val="tx1"/>
+                </a:solidFill>
+                <a:effectLst/>
+                <a:latin typeface="Arial" panose="020B0604020202020204" pitchFamily="34" charset="0"/>
+              </a:endParaRPr>
+            </a:p>
+          </p:txBody>
+        </p:sp>
+        <p:sp>
+          <p:nvSpPr>
+            <p:cNvPr id="55" name="文字方塊 54">
+              <a:extLst>
+                <a:ext uri="{FF2B5EF4-FFF2-40B4-BE49-F238E27FC236}">
+                  <a16:creationId xmlns:a16="http://schemas.microsoft.com/office/drawing/2014/main" id="{97760F4A-0F6A-4A1A-A9E1-2E923942A4F1}"/>
+                </a:ext>
+              </a:extLst>
+            </p:cNvPr>
+            <p:cNvSpPr txBox="1"/>
+            <p:nvPr/>
+          </p:nvSpPr>
+          <p:spPr>
+            <a:xfrm>
+              <a:off x="10572817" y="3423313"/>
+              <a:ext cx="780983" cy="307777"/>
+            </a:xfrm>
+            <a:prstGeom prst="rect">
+              <a:avLst/>
+            </a:prstGeom>
+            <a:noFill/>
+          </p:spPr>
+          <p:txBody>
+            <a:bodyPr wrap="none" rtlCol="0">
+              <a:spAutoFit/>
+            </a:bodyPr>
+            <a:lstStyle/>
+            <a:p>
+              <a:pPr marL="0" marR="0" lvl="0" indent="0" defTabSz="914400" rtl="0" eaLnBrk="1" fontAlgn="auto" latinLnBrk="0" hangingPunct="1">
+                <a:lnSpc>
+                  <a:spcPct val="100000"/>
+                </a:lnSpc>
+                <a:spcBef>
+                  <a:spcPts val="0"/>
+                </a:spcBef>
+                <a:spcAft>
+                  <a:spcPts val="0"/>
+                </a:spcAft>
+                <a:buClrTx/>
+                <a:buSzTx/>
+                <a:buFontTx/>
+                <a:buNone/>
+                <a:tabLst/>
+                <a:defRPr/>
+              </a:pPr>
+              <a:r>
+                <a:rPr kumimoji="0" lang="en-US" altLang="zh-TW" sz="1400" b="0" i="0" u="none" strike="noStrike" kern="1200" cap="none" spc="0" normalizeH="0" baseline="0" noProof="0">
+                  <a:ln>
+                    <a:noFill/>
+                  </a:ln>
+                  <a:solidFill>
+                    <a:srgbClr val="808080"/>
+                  </a:solidFill>
+                  <a:effectLst/>
+                  <a:uLnTx/>
+                  <a:uFillTx/>
+                  <a:latin typeface="Consolas"/>
+                  <a:ea typeface="微軟正黑體 Light"/>
+                  <a:cs typeface="+mn-cs"/>
+                </a:rPr>
+                <a:t>python</a:t>
+              </a:r>
+              <a:endParaRPr kumimoji="0" lang="zh-TW" altLang="en-US" sz="1400" b="0" i="0" u="none" strike="noStrike" kern="1200" cap="none" spc="0" normalizeH="0" baseline="0" noProof="0">
+                <a:ln>
+                  <a:noFill/>
+                </a:ln>
+                <a:solidFill>
+                  <a:srgbClr val="808080"/>
+                </a:solidFill>
+                <a:effectLst/>
+                <a:uLnTx/>
+                <a:uFillTx/>
+                <a:latin typeface="Consolas"/>
+                <a:ea typeface="微軟正黑體 Light"/>
+                <a:cs typeface="+mn-cs"/>
+              </a:endParaRPr>
+            </a:p>
+          </p:txBody>
+        </p:sp>
+      </p:grpSp>
+      <p:sp>
+        <p:nvSpPr>
+          <p:cNvPr id="57" name="內容版面配置區 10">
+            <a:extLst>
+              <a:ext uri="{FF2B5EF4-FFF2-40B4-BE49-F238E27FC236}">
+                <a16:creationId xmlns:a16="http://schemas.microsoft.com/office/drawing/2014/main" id="{9662FB29-5B44-4515-9639-33FA64DDF623}"/>
+              </a:ext>
+            </a:extLst>
+          </p:cNvPr>
+          <p:cNvSpPr txBox="1">
+            <a:spLocks/>
+          </p:cNvSpPr>
+          <p:nvPr/>
+        </p:nvSpPr>
+        <p:spPr>
+          <a:xfrm>
+            <a:off x="838200" y="4643143"/>
+            <a:ext cx="7797800" cy="1009513"/>
+          </a:xfrm>
+          <a:prstGeom prst="rect">
+            <a:avLst/>
+          </a:prstGeom>
+        </p:spPr>
+        <p:txBody>
+          <a:bodyPr vert="horz" lIns="91440" tIns="45720" rIns="91440" bIns="45720" rtlCol="0">
+            <a:normAutofit/>
+          </a:bodyPr>
+          <a:lstStyle>
+            <a:lvl1pPr marL="0" indent="0" algn="l" defTabSz="914400" rtl="0" eaLnBrk="1" latinLnBrk="0" hangingPunct="1">
+              <a:lnSpc>
+                <a:spcPct val="90000"/>
+              </a:lnSpc>
+              <a:spcBef>
+                <a:spcPts val="1000"/>
+              </a:spcBef>
+              <a:buFont typeface="Arial" panose="020B0604020202020204" pitchFamily="34" charset="0"/>
+              <a:buNone/>
+              <a:defRPr sz="2800" kern="1200">
+                <a:solidFill>
+                  <a:schemeClr val="tx1"/>
+                </a:solidFill>
+                <a:latin typeface="+mn-lt"/>
+                <a:ea typeface="+mn-ea"/>
+                <a:cs typeface="+mn-cs"/>
+              </a:defRPr>
+            </a:lvl1pPr>
+            <a:lvl2pPr marL="457200" indent="0" algn="l" defTabSz="914400" rtl="0" eaLnBrk="1" latinLnBrk="0" hangingPunct="1">
+              <a:lnSpc>
+                <a:spcPct val="90000"/>
+              </a:lnSpc>
+              <a:spcBef>
+                <a:spcPts val="500"/>
+              </a:spcBef>
+              <a:buFont typeface="Arial" panose="020B0604020202020204" pitchFamily="34" charset="0"/>
+              <a:buNone/>
+              <a:defRPr sz="2400" kern="1200">
+                <a:solidFill>
+                  <a:schemeClr val="tx1"/>
+                </a:solidFill>
+                <a:latin typeface="+mn-lt"/>
+                <a:ea typeface="+mn-ea"/>
+                <a:cs typeface="+mn-cs"/>
+              </a:defRPr>
+            </a:lvl2pPr>
+            <a:lvl3pPr marL="914400" indent="0" algn="l" defTabSz="914400" rtl="0" eaLnBrk="1" latinLnBrk="0" hangingPunct="1">
+              <a:lnSpc>
+                <a:spcPct val="90000"/>
+              </a:lnSpc>
+              <a:spcBef>
+                <a:spcPts val="500"/>
+              </a:spcBef>
+              <a:buFont typeface="Arial" panose="020B0604020202020204" pitchFamily="34" charset="0"/>
+              <a:buNone/>
+              <a:defRPr sz="2000" kern="1200">
+                <a:solidFill>
+                  <a:schemeClr val="tx1"/>
+                </a:solidFill>
+                <a:latin typeface="+mn-lt"/>
+                <a:ea typeface="+mn-ea"/>
+                <a:cs typeface="+mn-cs"/>
+              </a:defRPr>
+            </a:lvl3pPr>
+            <a:lvl4pPr marL="1371600" indent="0" algn="l" defTabSz="914400" rtl="0" eaLnBrk="1" latinLnBrk="0" hangingPunct="1">
+              <a:lnSpc>
+                <a:spcPct val="90000"/>
+              </a:lnSpc>
+              <a:spcBef>
+                <a:spcPts val="500"/>
+              </a:spcBef>
+              <a:buFont typeface="Arial" panose="020B0604020202020204" pitchFamily="34" charset="0"/>
+              <a:buNone/>
+              <a:defRPr sz="1800" kern="1200">
+                <a:solidFill>
+                  <a:schemeClr val="tx1"/>
+                </a:solidFill>
+                <a:latin typeface="+mn-lt"/>
+                <a:ea typeface="+mn-ea"/>
+                <a:cs typeface="+mn-cs"/>
+              </a:defRPr>
+            </a:lvl4pPr>
+            <a:lvl5pPr marL="1828800" indent="0" algn="l" defTabSz="914400" rtl="0" eaLnBrk="1" latinLnBrk="0" hangingPunct="1">
+              <a:lnSpc>
+                <a:spcPct val="90000"/>
+              </a:lnSpc>
+              <a:spcBef>
+                <a:spcPts val="500"/>
+              </a:spcBef>
+              <a:buFont typeface="Arial" panose="020B0604020202020204" pitchFamily="34" charset="0"/>
+              <a:buNone/>
+              <a:defRPr sz="1800" kern="1200">
+                <a:solidFill>
+                  <a:schemeClr val="tx1"/>
+                </a:solidFill>
+                <a:latin typeface="+mn-lt"/>
+                <a:ea typeface="+mn-ea"/>
+                <a:cs typeface="+mn-cs"/>
+              </a:defRPr>
+            </a:lvl5pPr>
+            <a:lvl6pPr marL="2514600" indent="-228600" algn="l" defTabSz="914400" rtl="0" eaLnBrk="1" latinLnBrk="0" hangingPunct="1">
+              <a:lnSpc>
+                <a:spcPct val="90000"/>
+              </a:lnSpc>
+              <a:spcBef>
+                <a:spcPts val="500"/>
+              </a:spcBef>
+              <a:buFont typeface="Arial" panose="020B0604020202020204" pitchFamily="34" charset="0"/>
+              <a:buChar char="•"/>
+              <a:defRPr sz="1800" kern="1200">
+                <a:solidFill>
+                  <a:schemeClr val="tx1"/>
+                </a:solidFill>
+                <a:latin typeface="+mn-lt"/>
+                <a:ea typeface="+mn-ea"/>
+                <a:cs typeface="+mn-cs"/>
+              </a:defRPr>
+            </a:lvl6pPr>
+            <a:lvl7pPr marL="2971800" indent="-228600" algn="l" defTabSz="914400" rtl="0" eaLnBrk="1" latinLnBrk="0" hangingPunct="1">
+              <a:lnSpc>
+                <a:spcPct val="90000"/>
+              </a:lnSpc>
+              <a:spcBef>
+                <a:spcPts val="500"/>
+              </a:spcBef>
+              <a:buFont typeface="Arial" panose="020B0604020202020204" pitchFamily="34" charset="0"/>
+              <a:buChar char="•"/>
+              <a:defRPr sz="1800" kern="1200">
+                <a:solidFill>
+                  <a:schemeClr val="tx1"/>
+                </a:solidFill>
+                <a:latin typeface="+mn-lt"/>
+                <a:ea typeface="+mn-ea"/>
+                <a:cs typeface="+mn-cs"/>
+              </a:defRPr>
+            </a:lvl7pPr>
+            <a:lvl8pPr marL="3429000" indent="-228600" algn="l" defTabSz="914400" rtl="0" eaLnBrk="1" latinLnBrk="0" hangingPunct="1">
+              <a:lnSpc>
+                <a:spcPct val="90000"/>
+              </a:lnSpc>
+              <a:spcBef>
+                <a:spcPts val="500"/>
+              </a:spcBef>
+              <a:buFont typeface="Arial" panose="020B0604020202020204" pitchFamily="34" charset="0"/>
+              <a:buChar char="•"/>
+              <a:defRPr sz="1800" kern="1200">
+                <a:solidFill>
+                  <a:schemeClr val="tx1"/>
+                </a:solidFill>
+                <a:latin typeface="+mn-lt"/>
+                <a:ea typeface="+mn-ea"/>
+                <a:cs typeface="+mn-cs"/>
+              </a:defRPr>
+            </a:lvl8pPr>
+            <a:lvl9pPr marL="3886200" indent="-228600" algn="l" defTabSz="914400" rtl="0" eaLnBrk="1" latinLnBrk="0" hangingPunct="1">
+              <a:lnSpc>
+                <a:spcPct val="90000"/>
+              </a:lnSpc>
+              <a:spcBef>
+                <a:spcPts val="500"/>
+              </a:spcBef>
+              <a:buFont typeface="Arial" panose="020B0604020202020204" pitchFamily="34" charset="0"/>
+              <a:buChar char="•"/>
+              <a:defRPr sz="1800" kern="1200">
+                <a:solidFill>
+                  <a:schemeClr val="tx1"/>
+                </a:solidFill>
+                <a:latin typeface="+mn-lt"/>
+                <a:ea typeface="+mn-ea"/>
+                <a:cs typeface="+mn-cs"/>
+              </a:defRPr>
+            </a:lvl9pPr>
+          </a:lstStyle>
+          <a:p>
+            <a:pPr marL="514350" indent="-514350">
+              <a:buAutoNum type="arabicPeriod"/>
+            </a:pPr>
+            <a:r>
+              <a:rPr lang="zh-TW" altLang="en-US"/>
+              <a:t>符合 </a:t>
+            </a:r>
+            <a:r>
+              <a:rPr lang="en-US" altLang="zh-TW"/>
+              <a:t>Python </a:t>
+            </a:r>
+            <a:r>
+              <a:rPr lang="zh-TW" altLang="en-US"/>
+              <a:t>語法</a:t>
+            </a:r>
+            <a:endParaRPr lang="en-US" altLang="zh-TW"/>
+          </a:p>
+          <a:p>
+            <a:pPr marL="514350" indent="-514350">
+              <a:buAutoNum type="arabicPeriod"/>
+            </a:pPr>
+            <a:r>
+              <a:rPr lang="zh-TW" altLang="en-US"/>
+              <a:t>執行後可以輸出 </a:t>
+            </a:r>
+            <a:r>
+              <a:rPr lang="en-US" altLang="zh-TW"/>
+              <a:t>"Hello, World!"</a:t>
+            </a:r>
+          </a:p>
+        </p:txBody>
+      </p:sp>
+      <p:grpSp>
+        <p:nvGrpSpPr>
+          <p:cNvPr id="36" name="群組 35">
+            <a:extLst>
+              <a:ext uri="{FF2B5EF4-FFF2-40B4-BE49-F238E27FC236}">
+                <a16:creationId xmlns:a16="http://schemas.microsoft.com/office/drawing/2014/main" id="{2B050A73-9B0D-4B86-9050-07622E02F568}"/>
+              </a:ext>
+            </a:extLst>
+          </p:cNvPr>
+          <p:cNvGrpSpPr/>
+          <p:nvPr/>
+        </p:nvGrpSpPr>
+        <p:grpSpPr>
+          <a:xfrm>
+            <a:off x="838200" y="3281222"/>
+            <a:ext cx="2709482" cy="1198930"/>
+            <a:chOff x="838200" y="3558309"/>
+            <a:chExt cx="2709482" cy="1198930"/>
+          </a:xfrm>
+        </p:grpSpPr>
+        <p:pic>
+          <p:nvPicPr>
+            <p:cNvPr id="1028" name="Picture 4">
+              <a:extLst>
+                <a:ext uri="{FF2B5EF4-FFF2-40B4-BE49-F238E27FC236}">
+                  <a16:creationId xmlns:a16="http://schemas.microsoft.com/office/drawing/2014/main" id="{F0463617-46DC-49C1-ACB1-133081C981D7}"/>
+                </a:ext>
+              </a:extLst>
+            </p:cNvPr>
+            <p:cNvPicPr>
+              <a:picLocks noChangeAspect="1" noChangeArrowheads="1"/>
+            </p:cNvPicPr>
+            <p:nvPr/>
+          </p:nvPicPr>
+          <p:blipFill>
+            <a:blip r:embed="rId2">
+              <a:extLst>
+                <a:ext uri="{28A0092B-C50C-407E-A947-70E740481C1C}">
+                  <a14:useLocalDpi xmlns:a14="http://schemas.microsoft.com/office/drawing/2010/main" val="0"/>
+                </a:ext>
+              </a:extLst>
+            </a:blip>
+            <a:srcRect/>
+            <a:stretch>
+              <a:fillRect/>
+            </a:stretch>
+          </p:blipFill>
+          <p:spPr bwMode="auto">
+            <a:xfrm>
+              <a:off x="838200" y="3558309"/>
+              <a:ext cx="989301" cy="1198930"/>
+            </a:xfrm>
+            <a:prstGeom prst="rect">
+              <a:avLst/>
+            </a:prstGeom>
+            <a:noFill/>
+            <a:extLst>
+              <a:ext uri="{909E8E84-426E-40DD-AFC4-6F175D3DCCD1}">
+                <a14:hiddenFill xmlns:a14="http://schemas.microsoft.com/office/drawing/2010/main">
+                  <a:solidFill>
+                    <a:srgbClr val="FFFFFF"/>
+                  </a:solidFill>
+                </a14:hiddenFill>
+              </a:ext>
+            </a:extLst>
+          </p:spPr>
+        </p:pic>
+        <p:sp>
+          <p:nvSpPr>
+            <p:cNvPr id="30" name="文字方塊 29">
+              <a:extLst>
+                <a:ext uri="{FF2B5EF4-FFF2-40B4-BE49-F238E27FC236}">
+                  <a16:creationId xmlns:a16="http://schemas.microsoft.com/office/drawing/2014/main" id="{77F924FD-8672-48BB-ACF4-DD6D65C5536E}"/>
+                </a:ext>
+              </a:extLst>
+            </p:cNvPr>
+            <p:cNvSpPr txBox="1"/>
+            <p:nvPr/>
+          </p:nvSpPr>
+          <p:spPr>
+            <a:xfrm>
+              <a:off x="1828942" y="3834608"/>
+              <a:ext cx="1718740" cy="646331"/>
+            </a:xfrm>
+            <a:prstGeom prst="rect">
+              <a:avLst/>
+            </a:prstGeom>
+            <a:noFill/>
+          </p:spPr>
+          <p:txBody>
+            <a:bodyPr wrap="none" rtlCol="0">
+              <a:spAutoFit/>
+            </a:bodyPr>
+            <a:lstStyle/>
+            <a:p>
+              <a:r>
+                <a:rPr lang="en-US" altLang="zh-TW"/>
+                <a:t>CPython</a:t>
+              </a:r>
+            </a:p>
+            <a:p>
+              <a:r>
+                <a:rPr lang="zh-TW" altLang="en-US"/>
+                <a:t>使用</a:t>
+              </a:r>
+              <a:r>
+                <a:rPr lang="en-US" altLang="zh-TW"/>
+                <a:t>C</a:t>
+              </a:r>
+              <a:r>
+                <a:rPr lang="zh-TW" altLang="en-US"/>
+                <a:t>語言實作</a:t>
+              </a:r>
+              <a:endParaRPr lang="en-US" altLang="zh-TW"/>
+            </a:p>
+          </p:txBody>
+        </p:sp>
+      </p:grpSp>
+      <p:grpSp>
+        <p:nvGrpSpPr>
+          <p:cNvPr id="35" name="群組 34">
+            <a:extLst>
+              <a:ext uri="{FF2B5EF4-FFF2-40B4-BE49-F238E27FC236}">
+                <a16:creationId xmlns:a16="http://schemas.microsoft.com/office/drawing/2014/main" id="{CEDBF75B-DA9D-48B3-AB34-258BFD002B77}"/>
+              </a:ext>
+            </a:extLst>
+          </p:cNvPr>
+          <p:cNvGrpSpPr/>
+          <p:nvPr/>
+        </p:nvGrpSpPr>
+        <p:grpSpPr>
+          <a:xfrm>
+            <a:off x="3446963" y="3281222"/>
+            <a:ext cx="2624618" cy="1124527"/>
+            <a:chOff x="3446963" y="3558309"/>
+            <a:chExt cx="2624618" cy="1124527"/>
+          </a:xfrm>
+        </p:grpSpPr>
+        <p:pic>
+          <p:nvPicPr>
+            <p:cNvPr id="23" name="圖片 22">
+              <a:extLst>
+                <a:ext uri="{FF2B5EF4-FFF2-40B4-BE49-F238E27FC236}">
+                  <a16:creationId xmlns:a16="http://schemas.microsoft.com/office/drawing/2014/main" id="{CDCEEA36-E52B-4B45-8EA2-4D95C9460A74}"/>
+                </a:ext>
+              </a:extLst>
+            </p:cNvPr>
+            <p:cNvPicPr>
+              <a:picLocks noChangeAspect="1"/>
+            </p:cNvPicPr>
+            <p:nvPr/>
+          </p:nvPicPr>
+          <p:blipFill>
+            <a:blip r:embed="rId3">
+              <a:extLst>
+                <a:ext uri="{28A0092B-C50C-407E-A947-70E740481C1C}">
+                  <a14:useLocalDpi xmlns:a14="http://schemas.microsoft.com/office/drawing/2010/main" val="0"/>
+                </a:ext>
+              </a:extLst>
+            </a:blip>
+            <a:stretch>
+              <a:fillRect/>
+            </a:stretch>
+          </p:blipFill>
+          <p:spPr>
+            <a:xfrm>
+              <a:off x="3446963" y="3558309"/>
+              <a:ext cx="1124527" cy="1124527"/>
+            </a:xfrm>
+            <a:prstGeom prst="rect">
+              <a:avLst/>
+            </a:prstGeom>
+          </p:spPr>
+        </p:pic>
+        <p:sp>
+          <p:nvSpPr>
+            <p:cNvPr id="73" name="文字方塊 72">
+              <a:extLst>
+                <a:ext uri="{FF2B5EF4-FFF2-40B4-BE49-F238E27FC236}">
+                  <a16:creationId xmlns:a16="http://schemas.microsoft.com/office/drawing/2014/main" id="{696D6314-929F-4D13-B51E-CE931C2E0F30}"/>
+                </a:ext>
+              </a:extLst>
+            </p:cNvPr>
+            <p:cNvSpPr txBox="1"/>
+            <p:nvPr/>
+          </p:nvSpPr>
+          <p:spPr>
+            <a:xfrm>
+              <a:off x="4457036" y="3834608"/>
+              <a:ext cx="1614545" cy="646331"/>
+            </a:xfrm>
+            <a:prstGeom prst="rect">
+              <a:avLst/>
+            </a:prstGeom>
+            <a:noFill/>
+          </p:spPr>
+          <p:txBody>
+            <a:bodyPr wrap="none" rtlCol="0">
+              <a:spAutoFit/>
+            </a:bodyPr>
+            <a:lstStyle/>
+            <a:p>
+              <a:r>
+                <a:rPr lang="en-US" altLang="zh-TW"/>
+                <a:t>RustPython</a:t>
+              </a:r>
+            </a:p>
+            <a:p>
+              <a:r>
+                <a:rPr lang="zh-TW" altLang="en-US"/>
+                <a:t>使用</a:t>
+              </a:r>
+              <a:r>
+                <a:rPr lang="en-US" altLang="zh-TW"/>
+                <a:t>Rust</a:t>
+              </a:r>
+              <a:r>
+                <a:rPr lang="zh-TW" altLang="en-US"/>
+                <a:t>實作</a:t>
+              </a:r>
+              <a:endParaRPr lang="en-US" altLang="zh-TW"/>
+            </a:p>
+          </p:txBody>
+        </p:sp>
+      </p:grpSp>
+      <p:grpSp>
+        <p:nvGrpSpPr>
+          <p:cNvPr id="34" name="群組 33">
+            <a:extLst>
+              <a:ext uri="{FF2B5EF4-FFF2-40B4-BE49-F238E27FC236}">
+                <a16:creationId xmlns:a16="http://schemas.microsoft.com/office/drawing/2014/main" id="{2FA0FFBF-D91E-4B92-B15A-2A58B3090295}"/>
+              </a:ext>
+            </a:extLst>
+          </p:cNvPr>
+          <p:cNvGrpSpPr/>
+          <p:nvPr/>
+        </p:nvGrpSpPr>
+        <p:grpSpPr>
+          <a:xfrm>
+            <a:off x="6068229" y="3301837"/>
+            <a:ext cx="2234342" cy="1201600"/>
+            <a:chOff x="6068229" y="3578924"/>
+            <a:chExt cx="2234342" cy="1201600"/>
+          </a:xfrm>
+        </p:grpSpPr>
+        <p:pic>
+          <p:nvPicPr>
+            <p:cNvPr id="1036" name="Picture 12">
+              <a:extLst>
+                <a:ext uri="{FF2B5EF4-FFF2-40B4-BE49-F238E27FC236}">
+                  <a16:creationId xmlns:a16="http://schemas.microsoft.com/office/drawing/2014/main" id="{B488A72F-3C87-4C1B-804E-0B0593A455C1}"/>
+                </a:ext>
+              </a:extLst>
+            </p:cNvPr>
+            <p:cNvPicPr>
+              <a:picLocks noChangeAspect="1" noChangeArrowheads="1"/>
+            </p:cNvPicPr>
+            <p:nvPr/>
+          </p:nvPicPr>
+          <p:blipFill rotWithShape="1">
+            <a:blip r:embed="rId4">
+              <a:extLst>
+                <a:ext uri="{28A0092B-C50C-407E-A947-70E740481C1C}">
+                  <a14:useLocalDpi xmlns:a14="http://schemas.microsoft.com/office/drawing/2010/main" val="0"/>
+                </a:ext>
+              </a:extLst>
+            </a:blip>
+            <a:srcRect r="65702"/>
+            <a:stretch/>
+          </p:blipFill>
+          <p:spPr bwMode="auto">
+            <a:xfrm>
+              <a:off x="6068229" y="3578924"/>
+              <a:ext cx="675213" cy="1201600"/>
+            </a:xfrm>
+            <a:prstGeom prst="rect">
+              <a:avLst/>
+            </a:prstGeom>
+            <a:noFill/>
+            <a:extLst>
+              <a:ext uri="{909E8E84-426E-40DD-AFC4-6F175D3DCCD1}">
+                <a14:hiddenFill xmlns:a14="http://schemas.microsoft.com/office/drawing/2010/main">
+                  <a:solidFill>
+                    <a:srgbClr val="FFFFFF"/>
+                  </a:solidFill>
+                </a14:hiddenFill>
+              </a:ext>
+            </a:extLst>
+          </p:spPr>
+        </p:pic>
+        <p:sp>
+          <p:nvSpPr>
+            <p:cNvPr id="74" name="文字方塊 73">
+              <a:extLst>
+                <a:ext uri="{FF2B5EF4-FFF2-40B4-BE49-F238E27FC236}">
+                  <a16:creationId xmlns:a16="http://schemas.microsoft.com/office/drawing/2014/main" id="{DE9A9CCC-13BE-48B8-96D2-AECCD5CD16A4}"/>
+                </a:ext>
+              </a:extLst>
+            </p:cNvPr>
+            <p:cNvSpPr txBox="1"/>
+            <p:nvPr/>
+          </p:nvSpPr>
+          <p:spPr>
+            <a:xfrm>
+              <a:off x="6688026" y="3834608"/>
+              <a:ext cx="1614545" cy="646331"/>
+            </a:xfrm>
+            <a:prstGeom prst="rect">
+              <a:avLst/>
+            </a:prstGeom>
+            <a:noFill/>
+          </p:spPr>
+          <p:txBody>
+            <a:bodyPr wrap="none" rtlCol="0">
+              <a:spAutoFit/>
+            </a:bodyPr>
+            <a:lstStyle/>
+            <a:p>
+              <a:r>
+                <a:rPr lang="en-US" altLang="zh-TW"/>
+                <a:t>Jython</a:t>
+              </a:r>
+            </a:p>
+            <a:p>
+              <a:r>
+                <a:rPr lang="zh-TW" altLang="en-US"/>
+                <a:t>使用</a:t>
+              </a:r>
+              <a:r>
+                <a:rPr lang="en-US" altLang="zh-TW"/>
+                <a:t>Java</a:t>
+              </a:r>
+              <a:r>
+                <a:rPr lang="zh-TW" altLang="en-US"/>
+                <a:t>實作</a:t>
+              </a:r>
+              <a:endParaRPr lang="en-US" altLang="zh-TW"/>
+            </a:p>
+          </p:txBody>
+        </p:sp>
+      </p:grpSp>
+      <p:grpSp>
+        <p:nvGrpSpPr>
+          <p:cNvPr id="33" name="群組 32">
+            <a:extLst>
+              <a:ext uri="{FF2B5EF4-FFF2-40B4-BE49-F238E27FC236}">
+                <a16:creationId xmlns:a16="http://schemas.microsoft.com/office/drawing/2014/main" id="{5DCB48FD-066C-49A5-B087-62CCFD672219}"/>
+              </a:ext>
+            </a:extLst>
+          </p:cNvPr>
+          <p:cNvGrpSpPr/>
+          <p:nvPr/>
+        </p:nvGrpSpPr>
+        <p:grpSpPr>
+          <a:xfrm>
+            <a:off x="8271956" y="3320129"/>
+            <a:ext cx="3123830" cy="1183308"/>
+            <a:chOff x="8271956" y="3597216"/>
+            <a:chExt cx="3123830" cy="1183308"/>
+          </a:xfrm>
+        </p:grpSpPr>
+        <p:pic>
+          <p:nvPicPr>
+            <p:cNvPr id="26" name="圖形 25">
+              <a:extLst>
+                <a:ext uri="{FF2B5EF4-FFF2-40B4-BE49-F238E27FC236}">
+                  <a16:creationId xmlns:a16="http://schemas.microsoft.com/office/drawing/2014/main" id="{7B98A665-07C8-44DD-AFFA-F6F3DA01DE2F}"/>
+                </a:ext>
+              </a:extLst>
+            </p:cNvPr>
+            <p:cNvPicPr>
+              <a:picLocks noChangeAspect="1"/>
+            </p:cNvPicPr>
+            <p:nvPr/>
+          </p:nvPicPr>
+          <p:blipFill rotWithShape="1">
+            <a:blip r:embed="rId5">
+              <a:extLst>
+                <a:ext uri="{28A0092B-C50C-407E-A947-70E740481C1C}">
+                  <a14:useLocalDpi xmlns:a14="http://schemas.microsoft.com/office/drawing/2010/main" val="0"/>
+                </a:ext>
+                <a:ext uri="{96DAC541-7B7A-43D3-8B79-37D633B846F1}">
+                  <asvg:svgBlip xmlns:asvg="http://schemas.microsoft.com/office/drawing/2016/SVG/main" r:embed="rId6"/>
+                </a:ext>
+              </a:extLst>
+            </a:blip>
+            <a:srcRect r="52006"/>
+            <a:stretch/>
+          </p:blipFill>
+          <p:spPr>
+            <a:xfrm>
+              <a:off x="8271956" y="3597216"/>
+              <a:ext cx="1198930" cy="1183308"/>
+            </a:xfrm>
+            <a:prstGeom prst="rect">
+              <a:avLst/>
+            </a:prstGeom>
+          </p:spPr>
+        </p:pic>
+        <p:sp>
+          <p:nvSpPr>
+            <p:cNvPr id="75" name="文字方塊 74">
+              <a:extLst>
+                <a:ext uri="{FF2B5EF4-FFF2-40B4-BE49-F238E27FC236}">
+                  <a16:creationId xmlns:a16="http://schemas.microsoft.com/office/drawing/2014/main" id="{F2DA6E63-A81F-440A-B6D5-BC99A3CEEC39}"/>
+                </a:ext>
+              </a:extLst>
+            </p:cNvPr>
+            <p:cNvSpPr txBox="1"/>
+            <p:nvPr/>
+          </p:nvSpPr>
+          <p:spPr>
+            <a:xfrm>
+              <a:off x="9527967" y="3834608"/>
+              <a:ext cx="1867819" cy="646331"/>
+            </a:xfrm>
+            <a:prstGeom prst="rect">
+              <a:avLst/>
+            </a:prstGeom>
+            <a:noFill/>
+          </p:spPr>
+          <p:txBody>
+            <a:bodyPr wrap="none" rtlCol="0">
+              <a:spAutoFit/>
+            </a:bodyPr>
+            <a:lstStyle/>
+            <a:p>
+              <a:r>
+                <a:rPr lang="en-US" altLang="zh-TW"/>
+                <a:t>PyPy</a:t>
+              </a:r>
+            </a:p>
+            <a:p>
+              <a:r>
+                <a:rPr lang="zh-TW" altLang="en-US"/>
+                <a:t>使用</a:t>
+              </a:r>
+              <a:r>
+                <a:rPr lang="en-US" altLang="zh-TW"/>
+                <a:t>Python</a:t>
+              </a:r>
+              <a:r>
+                <a:rPr lang="zh-TW" altLang="en-US"/>
+                <a:t>實作</a:t>
+              </a:r>
+              <a:endParaRPr lang="en-US" altLang="zh-TW"/>
+            </a:p>
+          </p:txBody>
+        </p:sp>
+      </p:grpSp>
+      <p:sp>
+        <p:nvSpPr>
+          <p:cNvPr id="81" name="內容版面配置區 10">
+            <a:extLst>
+              <a:ext uri="{FF2B5EF4-FFF2-40B4-BE49-F238E27FC236}">
+                <a16:creationId xmlns:a16="http://schemas.microsoft.com/office/drawing/2014/main" id="{B29651C2-ABAA-4504-A0F3-87122A81E542}"/>
+              </a:ext>
+            </a:extLst>
+          </p:cNvPr>
+          <p:cNvSpPr txBox="1">
+            <a:spLocks/>
+          </p:cNvSpPr>
+          <p:nvPr/>
+        </p:nvSpPr>
+        <p:spPr>
+          <a:xfrm>
+            <a:off x="838200" y="5652656"/>
+            <a:ext cx="3816927" cy="627783"/>
+          </a:xfrm>
+          <a:prstGeom prst="rect">
+            <a:avLst/>
+          </a:prstGeom>
+        </p:spPr>
+        <p:txBody>
+          <a:bodyPr vert="horz" lIns="91440" tIns="45720" rIns="91440" bIns="45720" rtlCol="0">
+            <a:noAutofit/>
+          </a:bodyPr>
+          <a:lstStyle>
+            <a:lvl1pPr marL="0" indent="0" algn="l" defTabSz="914400" rtl="0" eaLnBrk="1" latinLnBrk="0" hangingPunct="1">
+              <a:lnSpc>
+                <a:spcPct val="90000"/>
+              </a:lnSpc>
+              <a:spcBef>
+                <a:spcPts val="1000"/>
+              </a:spcBef>
+              <a:buFont typeface="Arial" panose="020B0604020202020204" pitchFamily="34" charset="0"/>
+              <a:buNone/>
+              <a:defRPr sz="2800" kern="1200">
+                <a:solidFill>
+                  <a:schemeClr val="tx1"/>
+                </a:solidFill>
+                <a:latin typeface="+mn-lt"/>
+                <a:ea typeface="+mn-ea"/>
+                <a:cs typeface="+mn-cs"/>
+              </a:defRPr>
+            </a:lvl1pPr>
+            <a:lvl2pPr marL="457200" indent="0" algn="l" defTabSz="914400" rtl="0" eaLnBrk="1" latinLnBrk="0" hangingPunct="1">
+              <a:lnSpc>
+                <a:spcPct val="90000"/>
+              </a:lnSpc>
+              <a:spcBef>
+                <a:spcPts val="500"/>
+              </a:spcBef>
+              <a:buFont typeface="Arial" panose="020B0604020202020204" pitchFamily="34" charset="0"/>
+              <a:buNone/>
+              <a:defRPr sz="2400" kern="1200">
+                <a:solidFill>
+                  <a:schemeClr val="tx1"/>
+                </a:solidFill>
+                <a:latin typeface="+mn-lt"/>
+                <a:ea typeface="+mn-ea"/>
+                <a:cs typeface="+mn-cs"/>
+              </a:defRPr>
+            </a:lvl2pPr>
+            <a:lvl3pPr marL="914400" indent="0" algn="l" defTabSz="914400" rtl="0" eaLnBrk="1" latinLnBrk="0" hangingPunct="1">
+              <a:lnSpc>
+                <a:spcPct val="90000"/>
+              </a:lnSpc>
+              <a:spcBef>
+                <a:spcPts val="500"/>
+              </a:spcBef>
+              <a:buFont typeface="Arial" panose="020B0604020202020204" pitchFamily="34" charset="0"/>
+              <a:buNone/>
+              <a:defRPr sz="2000" kern="1200">
+                <a:solidFill>
+                  <a:schemeClr val="tx1"/>
+                </a:solidFill>
+                <a:latin typeface="+mn-lt"/>
+                <a:ea typeface="+mn-ea"/>
+                <a:cs typeface="+mn-cs"/>
+              </a:defRPr>
+            </a:lvl3pPr>
+            <a:lvl4pPr marL="1371600" indent="0" algn="l" defTabSz="914400" rtl="0" eaLnBrk="1" latinLnBrk="0" hangingPunct="1">
+              <a:lnSpc>
+                <a:spcPct val="90000"/>
+              </a:lnSpc>
+              <a:spcBef>
+                <a:spcPts val="500"/>
+              </a:spcBef>
+              <a:buFont typeface="Arial" panose="020B0604020202020204" pitchFamily="34" charset="0"/>
+              <a:buNone/>
+              <a:defRPr sz="1800" kern="1200">
+                <a:solidFill>
+                  <a:schemeClr val="tx1"/>
+                </a:solidFill>
+                <a:latin typeface="+mn-lt"/>
+                <a:ea typeface="+mn-ea"/>
+                <a:cs typeface="+mn-cs"/>
+              </a:defRPr>
+            </a:lvl4pPr>
+            <a:lvl5pPr marL="1828800" indent="0" algn="l" defTabSz="914400" rtl="0" eaLnBrk="1" latinLnBrk="0" hangingPunct="1">
+              <a:lnSpc>
+                <a:spcPct val="90000"/>
+              </a:lnSpc>
+              <a:spcBef>
+                <a:spcPts val="500"/>
+              </a:spcBef>
+              <a:buFont typeface="Arial" panose="020B0604020202020204" pitchFamily="34" charset="0"/>
+              <a:buNone/>
+              <a:defRPr sz="1800" kern="1200">
+                <a:solidFill>
+                  <a:schemeClr val="tx1"/>
+                </a:solidFill>
+                <a:latin typeface="+mn-lt"/>
+                <a:ea typeface="+mn-ea"/>
+                <a:cs typeface="+mn-cs"/>
+              </a:defRPr>
+            </a:lvl5pPr>
+            <a:lvl6pPr marL="2514600" indent="-228600" algn="l" defTabSz="914400" rtl="0" eaLnBrk="1" latinLnBrk="0" hangingPunct="1">
+              <a:lnSpc>
+                <a:spcPct val="90000"/>
+              </a:lnSpc>
+              <a:spcBef>
+                <a:spcPts val="500"/>
+              </a:spcBef>
+              <a:buFont typeface="Arial" panose="020B0604020202020204" pitchFamily="34" charset="0"/>
+              <a:buChar char="•"/>
+              <a:defRPr sz="1800" kern="1200">
+                <a:solidFill>
+                  <a:schemeClr val="tx1"/>
+                </a:solidFill>
+                <a:latin typeface="+mn-lt"/>
+                <a:ea typeface="+mn-ea"/>
+                <a:cs typeface="+mn-cs"/>
+              </a:defRPr>
+            </a:lvl6pPr>
+            <a:lvl7pPr marL="2971800" indent="-228600" algn="l" defTabSz="914400" rtl="0" eaLnBrk="1" latinLnBrk="0" hangingPunct="1">
+              <a:lnSpc>
+                <a:spcPct val="90000"/>
+              </a:lnSpc>
+              <a:spcBef>
+                <a:spcPts val="500"/>
+              </a:spcBef>
+              <a:buFont typeface="Arial" panose="020B0604020202020204" pitchFamily="34" charset="0"/>
+              <a:buChar char="•"/>
+              <a:defRPr sz="1800" kern="1200">
+                <a:solidFill>
+                  <a:schemeClr val="tx1"/>
+                </a:solidFill>
+                <a:latin typeface="+mn-lt"/>
+                <a:ea typeface="+mn-ea"/>
+                <a:cs typeface="+mn-cs"/>
+              </a:defRPr>
+            </a:lvl7pPr>
+            <a:lvl8pPr marL="3429000" indent="-228600" algn="l" defTabSz="914400" rtl="0" eaLnBrk="1" latinLnBrk="0" hangingPunct="1">
+              <a:lnSpc>
+                <a:spcPct val="90000"/>
+              </a:lnSpc>
+              <a:spcBef>
+                <a:spcPts val="500"/>
+              </a:spcBef>
+              <a:buFont typeface="Arial" panose="020B0604020202020204" pitchFamily="34" charset="0"/>
+              <a:buChar char="•"/>
+              <a:defRPr sz="1800" kern="1200">
+                <a:solidFill>
+                  <a:schemeClr val="tx1"/>
+                </a:solidFill>
+                <a:latin typeface="+mn-lt"/>
+                <a:ea typeface="+mn-ea"/>
+                <a:cs typeface="+mn-cs"/>
+              </a:defRPr>
+            </a:lvl8pPr>
+            <a:lvl9pPr marL="3886200" indent="-228600" algn="l" defTabSz="914400" rtl="0" eaLnBrk="1" latinLnBrk="0" hangingPunct="1">
+              <a:lnSpc>
+                <a:spcPct val="90000"/>
+              </a:lnSpc>
+              <a:spcBef>
+                <a:spcPts val="500"/>
+              </a:spcBef>
+              <a:buFont typeface="Arial" panose="020B0604020202020204" pitchFamily="34" charset="0"/>
+              <a:buChar char="•"/>
+              <a:defRPr sz="1800" kern="1200">
+                <a:solidFill>
+                  <a:schemeClr val="tx1"/>
+                </a:solidFill>
+                <a:latin typeface="+mn-lt"/>
+                <a:ea typeface="+mn-ea"/>
+                <a:cs typeface="+mn-cs"/>
+              </a:defRPr>
+            </a:lvl9pPr>
+          </a:lstStyle>
+          <a:p>
+            <a:r>
+              <a:rPr lang="zh-TW" altLang="en-US" sz="3200">
+                <a:solidFill>
+                  <a:srgbClr val="FFFF00"/>
+                </a:solidFill>
+              </a:rPr>
+              <a:t>那這就是 </a:t>
+            </a:r>
+            <a:r>
+              <a:rPr lang="en-US" altLang="zh-TW" sz="3200">
+                <a:solidFill>
+                  <a:srgbClr val="FFFF00"/>
+                </a:solidFill>
+              </a:rPr>
+              <a:t>Python</a:t>
+            </a:r>
+            <a:r>
+              <a:rPr lang="zh-TW" altLang="en-US" sz="3200">
+                <a:solidFill>
+                  <a:srgbClr val="FFFF00"/>
+                </a:solidFill>
+              </a:rPr>
+              <a:t>！</a:t>
+            </a:r>
+          </a:p>
+          <a:p>
+            <a:endParaRPr lang="en-US" altLang="zh-TW" sz="3200"/>
+          </a:p>
+        </p:txBody>
+      </p:sp>
+    </p:spTree>
+    <p:extLst>
+      <p:ext uri="{BB962C8B-B14F-4D97-AF65-F5344CB8AC3E}">
+        <p14:creationId xmlns:p14="http://schemas.microsoft.com/office/powerpoint/2010/main" val="223578154"/>
+      </p:ext>
+    </p:extLst>
+  </p:cSld>
+  <p:clrMapOvr>
+    <a:masterClrMapping/>
+  </p:clrMapOvr>
+  <p:transition spd="slow">
+    <p:push dir="u"/>
+  </p:transition>
+  <p:timing>
+    <p:tnLst>
+      <p:par>
+        <p:cTn id="1" dur="indefinite" restart="never" nodeType="tmRoot">
+          <p:childTnLst>
+            <p:seq concurrent="1" nextAc="seek">
+              <p:cTn id="2" dur="indefinite" nodeType="mainSeq">
+                <p:childTnLst>
+                  <p:par>
+                    <p:cTn id="3" fill="hold">
+                      <p:stCondLst>
+                        <p:cond delay="indefinite"/>
+                      </p:stCondLst>
+                      <p:childTnLst>
+                        <p:par>
+                          <p:cTn id="4" fill="hold">
+                            <p:stCondLst>
+                              <p:cond delay="0"/>
+                            </p:stCondLst>
+                            <p:childTnLst>
+                              <p:par>
+                                <p:cTn id="5" presetID="10" presetClass="entr" presetSubtype="0" fill="hold" nodeType="clickEffect">
+                                  <p:stCondLst>
+                                    <p:cond delay="0"/>
+                                  </p:stCondLst>
+                                  <p:childTnLst>
+                                    <p:set>
+                                      <p:cBhvr>
+                                        <p:cTn id="6" dur="1" fill="hold">
+                                          <p:stCondLst>
+                                            <p:cond delay="0"/>
+                                          </p:stCondLst>
+                                        </p:cTn>
+                                        <p:tgtEl>
+                                          <p:spTgt spid="15"/>
+                                        </p:tgtEl>
+                                        <p:attrNameLst>
+                                          <p:attrName>style.visibility</p:attrName>
+                                        </p:attrNameLst>
+                                      </p:cBhvr>
+                                      <p:to>
+                                        <p:strVal val="visible"/>
+                                      </p:to>
+                                    </p:set>
+                                    <p:animEffect transition="in" filter="fade">
+                                      <p:cBhvr>
+                                        <p:cTn id="7" dur="500"/>
+                                        <p:tgtEl>
+                                          <p:spTgt spid="15"/>
+                                        </p:tgtEl>
+                                      </p:cBhvr>
+                                    </p:animEffect>
+                                  </p:childTnLst>
+                                </p:cTn>
+                              </p:par>
+                            </p:childTnLst>
+                          </p:cTn>
+                        </p:par>
+                      </p:childTnLst>
+                    </p:cTn>
+                  </p:par>
+                  <p:par>
+                    <p:cTn id="8" fill="hold">
+                      <p:stCondLst>
+                        <p:cond delay="indefinite"/>
+                      </p:stCondLst>
+                      <p:childTnLst>
+                        <p:par>
+                          <p:cTn id="9" fill="hold">
+                            <p:stCondLst>
+                              <p:cond delay="0"/>
+                            </p:stCondLst>
+                            <p:childTnLst>
+                              <p:par>
+                                <p:cTn id="10" presetID="10" presetClass="entr" presetSubtype="0" fill="hold" nodeType="clickEffect">
+                                  <p:stCondLst>
+                                    <p:cond delay="0"/>
+                                  </p:stCondLst>
+                                  <p:childTnLst>
+                                    <p:set>
+                                      <p:cBhvr>
+                                        <p:cTn id="11" dur="1" fill="hold">
+                                          <p:stCondLst>
+                                            <p:cond delay="0"/>
+                                          </p:stCondLst>
+                                        </p:cTn>
+                                        <p:tgtEl>
+                                          <p:spTgt spid="36"/>
+                                        </p:tgtEl>
+                                        <p:attrNameLst>
+                                          <p:attrName>style.visibility</p:attrName>
+                                        </p:attrNameLst>
+                                      </p:cBhvr>
+                                      <p:to>
+                                        <p:strVal val="visible"/>
+                                      </p:to>
+                                    </p:set>
+                                    <p:animEffect transition="in" filter="fade">
+                                      <p:cBhvr>
+                                        <p:cTn id="12" dur="500"/>
+                                        <p:tgtEl>
+                                          <p:spTgt spid="36"/>
+                                        </p:tgtEl>
+                                      </p:cBhvr>
+                                    </p:animEffect>
+                                  </p:childTnLst>
+                                </p:cTn>
+                              </p:par>
+                            </p:childTnLst>
+                          </p:cTn>
+                        </p:par>
+                      </p:childTnLst>
+                    </p:cTn>
+                  </p:par>
+                  <p:par>
+                    <p:cTn id="13" fill="hold">
+                      <p:stCondLst>
+                        <p:cond delay="indefinite"/>
+                      </p:stCondLst>
+                      <p:childTnLst>
+                        <p:par>
+                          <p:cTn id="14" fill="hold">
+                            <p:stCondLst>
+                              <p:cond delay="0"/>
+                            </p:stCondLst>
+                            <p:childTnLst>
+                              <p:par>
+                                <p:cTn id="15" presetID="10" presetClass="entr" presetSubtype="0" fill="hold" nodeType="clickEffect">
+                                  <p:stCondLst>
+                                    <p:cond delay="0"/>
+                                  </p:stCondLst>
+                                  <p:childTnLst>
+                                    <p:set>
+                                      <p:cBhvr>
+                                        <p:cTn id="16" dur="1" fill="hold">
+                                          <p:stCondLst>
+                                            <p:cond delay="0"/>
+                                          </p:stCondLst>
+                                        </p:cTn>
+                                        <p:tgtEl>
+                                          <p:spTgt spid="35"/>
+                                        </p:tgtEl>
+                                        <p:attrNameLst>
+                                          <p:attrName>style.visibility</p:attrName>
+                                        </p:attrNameLst>
+                                      </p:cBhvr>
+                                      <p:to>
+                                        <p:strVal val="visible"/>
+                                      </p:to>
+                                    </p:set>
+                                    <p:animEffect transition="in" filter="fade">
+                                      <p:cBhvr>
+                                        <p:cTn id="17" dur="500"/>
+                                        <p:tgtEl>
+                                          <p:spTgt spid="35"/>
+                                        </p:tgtEl>
+                                      </p:cBhvr>
+                                    </p:animEffect>
+                                  </p:childTnLst>
+                                </p:cTn>
+                              </p:par>
+                            </p:childTnLst>
+                          </p:cTn>
+                        </p:par>
+                      </p:childTnLst>
+                    </p:cTn>
+                  </p:par>
+                  <p:par>
+                    <p:cTn id="18" fill="hold">
+                      <p:stCondLst>
+                        <p:cond delay="indefinite"/>
+                      </p:stCondLst>
+                      <p:childTnLst>
+                        <p:par>
+                          <p:cTn id="19" fill="hold">
+                            <p:stCondLst>
+                              <p:cond delay="0"/>
+                            </p:stCondLst>
+                            <p:childTnLst>
+                              <p:par>
+                                <p:cTn id="20" presetID="10" presetClass="entr" presetSubtype="0" fill="hold" nodeType="clickEffect">
+                                  <p:stCondLst>
+                                    <p:cond delay="0"/>
+                                  </p:stCondLst>
+                                  <p:childTnLst>
+                                    <p:set>
+                                      <p:cBhvr>
+                                        <p:cTn id="21" dur="1" fill="hold">
+                                          <p:stCondLst>
+                                            <p:cond delay="0"/>
+                                          </p:stCondLst>
+                                        </p:cTn>
+                                        <p:tgtEl>
+                                          <p:spTgt spid="34"/>
+                                        </p:tgtEl>
+                                        <p:attrNameLst>
+                                          <p:attrName>style.visibility</p:attrName>
+                                        </p:attrNameLst>
+                                      </p:cBhvr>
+                                      <p:to>
+                                        <p:strVal val="visible"/>
+                                      </p:to>
+                                    </p:set>
+                                    <p:animEffect transition="in" filter="fade">
+                                      <p:cBhvr>
+                                        <p:cTn id="22" dur="500"/>
+                                        <p:tgtEl>
+                                          <p:spTgt spid="34"/>
+                                        </p:tgtEl>
+                                      </p:cBhvr>
+                                    </p:animEffect>
+                                  </p:childTnLst>
+                                </p:cTn>
+                              </p:par>
+                            </p:childTnLst>
+                          </p:cTn>
+                        </p:par>
+                      </p:childTnLst>
+                    </p:cTn>
+                  </p:par>
+                  <p:par>
+                    <p:cTn id="23" fill="hold">
+                      <p:stCondLst>
+                        <p:cond delay="indefinite"/>
+                      </p:stCondLst>
+                      <p:childTnLst>
+                        <p:par>
+                          <p:cTn id="24" fill="hold">
+                            <p:stCondLst>
+                              <p:cond delay="0"/>
+                            </p:stCondLst>
+                            <p:childTnLst>
+                              <p:par>
+                                <p:cTn id="25" presetID="10" presetClass="entr" presetSubtype="0" fill="hold" nodeType="clickEffect">
+                                  <p:stCondLst>
+                                    <p:cond delay="0"/>
+                                  </p:stCondLst>
+                                  <p:childTnLst>
+                                    <p:set>
+                                      <p:cBhvr>
+                                        <p:cTn id="26" dur="1" fill="hold">
+                                          <p:stCondLst>
+                                            <p:cond delay="0"/>
+                                          </p:stCondLst>
+                                        </p:cTn>
+                                        <p:tgtEl>
+                                          <p:spTgt spid="33"/>
+                                        </p:tgtEl>
+                                        <p:attrNameLst>
+                                          <p:attrName>style.visibility</p:attrName>
+                                        </p:attrNameLst>
+                                      </p:cBhvr>
+                                      <p:to>
+                                        <p:strVal val="visible"/>
+                                      </p:to>
+                                    </p:set>
+                                    <p:animEffect transition="in" filter="fade">
+                                      <p:cBhvr>
+                                        <p:cTn id="27" dur="500"/>
+                                        <p:tgtEl>
+                                          <p:spTgt spid="33"/>
+                                        </p:tgtEl>
+                                      </p:cBhvr>
+                                    </p:animEffect>
+                                  </p:childTnLst>
+                                </p:cTn>
+                              </p:par>
+                            </p:childTnLst>
+                          </p:cTn>
+                        </p:par>
+                      </p:childTnLst>
+                    </p:cTn>
+                  </p:par>
+                  <p:par>
+                    <p:cTn id="28" fill="hold">
+                      <p:stCondLst>
+                        <p:cond delay="indefinite"/>
+                      </p:stCondLst>
+                      <p:childTnLst>
+                        <p:par>
+                          <p:cTn id="29" fill="hold">
+                            <p:stCondLst>
+                              <p:cond delay="0"/>
+                            </p:stCondLst>
+                            <p:childTnLst>
+                              <p:par>
+                                <p:cTn id="30" presetID="10" presetClass="entr" presetSubtype="0" fill="hold" grpId="0" nodeType="clickEffect">
+                                  <p:stCondLst>
+                                    <p:cond delay="0"/>
+                                  </p:stCondLst>
+                                  <p:childTnLst>
+                                    <p:set>
+                                      <p:cBhvr>
+                                        <p:cTn id="31" dur="1" fill="hold">
+                                          <p:stCondLst>
+                                            <p:cond delay="0"/>
+                                          </p:stCondLst>
+                                        </p:cTn>
+                                        <p:tgtEl>
+                                          <p:spTgt spid="57"/>
+                                        </p:tgtEl>
+                                        <p:attrNameLst>
+                                          <p:attrName>style.visibility</p:attrName>
+                                        </p:attrNameLst>
+                                      </p:cBhvr>
+                                      <p:to>
+                                        <p:strVal val="visible"/>
+                                      </p:to>
+                                    </p:set>
+                                    <p:animEffect transition="in" filter="fade">
+                                      <p:cBhvr>
+                                        <p:cTn id="32" dur="500"/>
+                                        <p:tgtEl>
+                                          <p:spTgt spid="57"/>
+                                        </p:tgtEl>
+                                      </p:cBhvr>
+                                    </p:animEffect>
+                                  </p:childTnLst>
+                                </p:cTn>
+                              </p:par>
+                            </p:childTnLst>
+                          </p:cTn>
+                        </p:par>
+                      </p:childTnLst>
+                    </p:cTn>
+                  </p:par>
+                  <p:par>
+                    <p:cTn id="33" fill="hold">
+                      <p:stCondLst>
+                        <p:cond delay="indefinite"/>
+                      </p:stCondLst>
+                      <p:childTnLst>
+                        <p:par>
+                          <p:cTn id="34" fill="hold">
+                            <p:stCondLst>
+                              <p:cond delay="0"/>
+                            </p:stCondLst>
+                            <p:childTnLst>
+                              <p:par>
+                                <p:cTn id="35" presetID="10" presetClass="entr" presetSubtype="0" fill="hold" grpId="0" nodeType="clickEffect">
+                                  <p:stCondLst>
+                                    <p:cond delay="0"/>
+                                  </p:stCondLst>
+                                  <p:childTnLst>
+                                    <p:set>
+                                      <p:cBhvr>
+                                        <p:cTn id="36" dur="1" fill="hold">
+                                          <p:stCondLst>
+                                            <p:cond delay="0"/>
+                                          </p:stCondLst>
+                                        </p:cTn>
+                                        <p:tgtEl>
+                                          <p:spTgt spid="81"/>
+                                        </p:tgtEl>
+                                        <p:attrNameLst>
+                                          <p:attrName>style.visibility</p:attrName>
+                                        </p:attrNameLst>
+                                      </p:cBhvr>
+                                      <p:to>
+                                        <p:strVal val="visible"/>
+                                      </p:to>
+                                    </p:set>
+                                    <p:animEffect transition="in" filter="fade">
+                                      <p:cBhvr>
+                                        <p:cTn id="37" dur="500"/>
+                                        <p:tgtEl>
+                                          <p:spTgt spid="81"/>
+                                        </p:tgtEl>
+                                      </p:cBhvr>
+                                    </p:animEffect>
+                                  </p:childTnLst>
+                                </p:cTn>
+                              </p:par>
+                            </p:childTnLst>
+                          </p:cTn>
+                        </p:par>
+                      </p:childTnLst>
+                    </p:cTn>
+                  </p:par>
+                </p:childTnLst>
+              </p:cTn>
+              <p:prevCondLst>
+                <p:cond evt="onPrev" delay="0">
+                  <p:tgtEl>
+                    <p:sldTgt/>
+                  </p:tgtEl>
+                </p:cond>
+              </p:prevCondLst>
+              <p:nextCondLst>
+                <p:cond evt="onNext" delay="0">
+                  <p:tgtEl>
+                    <p:sldTgt/>
+                  </p:tgtEl>
+                </p:cond>
+              </p:nextCondLst>
+            </p:seq>
+          </p:childTnLst>
+        </p:cTn>
+      </p:par>
+    </p:tnLst>
+    <p:bldLst>
+      <p:bldP spid="57" grpId="0"/>
+      <p:bldP spid="81" grpId="0"/>
     </p:bldLst>
   </p:timing>
 </p:sld>

--- a/powerpoint/02_程式語言簡介.pptx
+++ b/powerpoint/02_程式語言簡介.pptx
@@ -5,14 +5,15 @@
     <p:sldMasterId id="2147483660" r:id="rId1"/>
   </p:sldMasterIdLst>
   <p:notesMasterIdLst>
-    <p:notesMasterId r:id="rId7"/>
+    <p:notesMasterId r:id="rId8"/>
   </p:notesMasterIdLst>
   <p:sldIdLst>
     <p:sldId id="273" r:id="rId2"/>
     <p:sldId id="259" r:id="rId3"/>
     <p:sldId id="274" r:id="rId4"/>
-    <p:sldId id="275" r:id="rId5"/>
-    <p:sldId id="276" r:id="rId6"/>
+    <p:sldId id="277" r:id="rId5"/>
+    <p:sldId id="275" r:id="rId6"/>
+    <p:sldId id="276" r:id="rId7"/>
   </p:sldIdLst>
   <p:sldSz cx="12192000" cy="6858000"/>
   <p:notesSz cx="6858000" cy="9144000"/>
@@ -216,7 +217,7 @@
           <a:p>
             <a:fld id="{FF294DDF-BAE6-4F99-A8CC-1D49EAABBEEB}" type="datetimeFigureOut">
               <a:rPr lang="zh-TW" altLang="en-US" smtClean="0"/>
-              <a:t>2024/7/6</a:t>
+              <a:t>2024/7/7</a:t>
             </a:fld>
             <a:endParaRPr lang="zh-TW" altLang="en-US"/>
           </a:p>
@@ -611,6 +612,90 @@
           <a:bodyPr/>
           <a:lstStyle/>
           <a:p>
+            <a:endParaRPr lang="zh-TW" altLang="en-US"/>
+          </a:p>
+        </p:txBody>
+      </p:sp>
+      <p:sp>
+        <p:nvSpPr>
+          <p:cNvPr id="4" name="投影片編號版面配置區 3"/>
+          <p:cNvSpPr>
+            <a:spLocks noGrp="1"/>
+          </p:cNvSpPr>
+          <p:nvPr>
+            <p:ph type="sldNum" sz="quarter" idx="5"/>
+          </p:nvPr>
+        </p:nvSpPr>
+        <p:spPr/>
+        <p:txBody>
+          <a:bodyPr/>
+          <a:lstStyle/>
+          <a:p>
+            <a:fld id="{A3668D8F-3DA4-412A-BB7F-172E51E04D9D}" type="slidenum">
+              <a:rPr lang="zh-TW" altLang="en-US" smtClean="0"/>
+              <a:t>4</a:t>
+            </a:fld>
+            <a:endParaRPr lang="zh-TW" altLang="en-US"/>
+          </a:p>
+        </p:txBody>
+      </p:sp>
+    </p:spTree>
+    <p:extLst>
+      <p:ext uri="{BB962C8B-B14F-4D97-AF65-F5344CB8AC3E}">
+        <p14:creationId xmlns:p14="http://schemas.microsoft.com/office/powerpoint/2010/main" val="3490605204"/>
+      </p:ext>
+    </p:extLst>
+  </p:cSld>
+  <p:clrMapOvr>
+    <a:masterClrMapping/>
+  </p:clrMapOvr>
+</p:notes>
+</file>
+
+<file path=ppt/notesSlides/notesSlide3.xml><?xml version="1.0" encoding="utf-8"?>
+<p:notes xmlns:a="http://schemas.openxmlformats.org/drawingml/2006/main" xmlns:r="http://schemas.openxmlformats.org/officeDocument/2006/relationships" xmlns:p="http://schemas.openxmlformats.org/presentationml/2006/main">
+  <p:cSld>
+    <p:spTree>
+      <p:nvGrpSpPr>
+        <p:cNvPr id="1" name=""/>
+        <p:cNvGrpSpPr/>
+        <p:nvPr/>
+      </p:nvGrpSpPr>
+      <p:grpSpPr>
+        <a:xfrm>
+          <a:off x="0" y="0"/>
+          <a:ext cx="0" cy="0"/>
+          <a:chOff x="0" y="0"/>
+          <a:chExt cx="0" cy="0"/>
+        </a:xfrm>
+      </p:grpSpPr>
+      <p:sp>
+        <p:nvSpPr>
+          <p:cNvPr id="2" name="投影片影像版面配置區 1"/>
+          <p:cNvSpPr>
+            <a:spLocks noGrp="1" noRot="1" noChangeAspect="1"/>
+          </p:cNvSpPr>
+          <p:nvPr>
+            <p:ph type="sldImg"/>
+          </p:nvPr>
+        </p:nvSpPr>
+        <p:spPr/>
+      </p:sp>
+      <p:sp>
+        <p:nvSpPr>
+          <p:cNvPr id="3" name="備忘稿版面配置區 2"/>
+          <p:cNvSpPr>
+            <a:spLocks noGrp="1"/>
+          </p:cNvSpPr>
+          <p:nvPr>
+            <p:ph type="body" idx="1"/>
+          </p:nvPr>
+        </p:nvSpPr>
+        <p:spPr/>
+        <p:txBody>
+          <a:bodyPr/>
+          <a:lstStyle/>
+          <a:p>
             <a:endParaRPr lang="en-US" altLang="zh-TW"/>
           </a:p>
         </p:txBody>
@@ -632,7 +717,7 @@
           <a:p>
             <a:fld id="{B29CB067-BC29-4E03-9D8B-5E2AC68A99F3}" type="slidenum">
               <a:rPr lang="zh-TW" altLang="en-US" smtClean="0"/>
-              <a:t>4</a:t>
+              <a:t>5</a:t>
             </a:fld>
             <a:endParaRPr lang="zh-TW" altLang="en-US"/>
           </a:p>
@@ -8901,7 +8986,12 @@
             <p:ph type="title"/>
           </p:nvPr>
         </p:nvSpPr>
-        <p:spPr/>
+        <p:spPr>
+          <a:xfrm>
+            <a:off x="838200" y="318945"/>
+            <a:ext cx="10515600" cy="1325563"/>
+          </a:xfrm>
+        </p:spPr>
         <p:txBody>
           <a:bodyPr/>
           <a:lstStyle/>
@@ -8927,7 +9017,7 @@
         </p:nvGrpSpPr>
         <p:grpSpPr>
           <a:xfrm>
-            <a:off x="7749315" y="1430409"/>
+            <a:off x="7749315" y="1384229"/>
             <a:ext cx="3768718" cy="5068593"/>
             <a:chOff x="8081818" y="1424282"/>
             <a:chExt cx="3768718" cy="5068593"/>
@@ -9569,7 +9659,7 @@
         </p:nvGrpSpPr>
         <p:grpSpPr>
           <a:xfrm>
-            <a:off x="758769" y="1525659"/>
+            <a:off x="758769" y="1479479"/>
             <a:ext cx="6503477" cy="4889267"/>
             <a:chOff x="701679" y="1678895"/>
             <a:chExt cx="6503477" cy="4889267"/>
@@ -11496,7 +11586,7 @@
         </p:nvSpPr>
         <p:spPr>
           <a:xfrm>
-            <a:off x="4262762" y="4267137"/>
+            <a:off x="4262762" y="4220957"/>
             <a:ext cx="2770922" cy="1955939"/>
           </a:xfrm>
           <a:prstGeom prst="roundRect">
@@ -11681,6 +11771,4604 @@
 </file>
 
 <file path=ppt/slides/slide4.xml><?xml version="1.0" encoding="utf-8"?>
+<p:sld xmlns:a="http://schemas.openxmlformats.org/drawingml/2006/main" xmlns:r="http://schemas.openxmlformats.org/officeDocument/2006/relationships" xmlns:p="http://schemas.openxmlformats.org/presentationml/2006/main">
+  <p:cSld>
+    <p:spTree>
+      <p:nvGrpSpPr>
+        <p:cNvPr id="1" name=""/>
+        <p:cNvGrpSpPr/>
+        <p:nvPr/>
+      </p:nvGrpSpPr>
+      <p:grpSpPr>
+        <a:xfrm>
+          <a:off x="0" y="0"/>
+          <a:ext cx="0" cy="0"/>
+          <a:chOff x="0" y="0"/>
+          <a:chExt cx="0" cy="0"/>
+        </a:xfrm>
+      </p:grpSpPr>
+      <p:grpSp>
+        <p:nvGrpSpPr>
+          <p:cNvPr id="58" name="群組 57">
+            <a:extLst>
+              <a:ext uri="{FF2B5EF4-FFF2-40B4-BE49-F238E27FC236}">
+                <a16:creationId xmlns:a16="http://schemas.microsoft.com/office/drawing/2014/main" id="{FBBAF633-91BC-449E-8D56-F5EFE596DE66}"/>
+              </a:ext>
+            </a:extLst>
+          </p:cNvPr>
+          <p:cNvGrpSpPr/>
+          <p:nvPr/>
+        </p:nvGrpSpPr>
+        <p:grpSpPr>
+          <a:xfrm>
+            <a:off x="5351180" y="3352690"/>
+            <a:ext cx="3236558" cy="3141432"/>
+            <a:chOff x="5351180" y="3352690"/>
+            <a:chExt cx="3236558" cy="3141432"/>
+          </a:xfrm>
+        </p:grpSpPr>
+        <p:grpSp>
+          <p:nvGrpSpPr>
+            <p:cNvPr id="13" name="群組 12">
+              <a:extLst>
+                <a:ext uri="{FF2B5EF4-FFF2-40B4-BE49-F238E27FC236}">
+                  <a16:creationId xmlns:a16="http://schemas.microsoft.com/office/drawing/2014/main" id="{A6DB9B9D-0F10-48A9-8170-B7AAF7D4BDB5}"/>
+                </a:ext>
+              </a:extLst>
+            </p:cNvPr>
+            <p:cNvGrpSpPr/>
+            <p:nvPr/>
+          </p:nvGrpSpPr>
+          <p:grpSpPr>
+            <a:xfrm>
+              <a:off x="5351180" y="3352690"/>
+              <a:ext cx="3236558" cy="3139321"/>
+              <a:chOff x="5291698" y="1473427"/>
+              <a:chExt cx="3236558" cy="3139321"/>
+            </a:xfrm>
+          </p:grpSpPr>
+          <p:sp>
+            <p:nvSpPr>
+              <p:cNvPr id="10" name="矩形: 圓角 9">
+                <a:extLst>
+                  <a:ext uri="{FF2B5EF4-FFF2-40B4-BE49-F238E27FC236}">
+                    <a16:creationId xmlns:a16="http://schemas.microsoft.com/office/drawing/2014/main" id="{891F8263-0E2B-4116-A1E3-13EFC1803D0F}"/>
+                  </a:ext>
+                </a:extLst>
+              </p:cNvPr>
+              <p:cNvSpPr/>
+              <p:nvPr/>
+            </p:nvSpPr>
+            <p:spPr>
+              <a:xfrm>
+                <a:off x="5291698" y="1473427"/>
+                <a:ext cx="3181263" cy="3139321"/>
+              </a:xfrm>
+              <a:prstGeom prst="roundRect">
+                <a:avLst>
+                  <a:gd name="adj" fmla="val 6992"/>
+                </a:avLst>
+              </a:prstGeom>
+            </p:spPr>
+            <p:style>
+              <a:lnRef idx="2">
+                <a:schemeClr val="accent1">
+                  <a:shade val="50000"/>
+                </a:schemeClr>
+              </a:lnRef>
+              <a:fillRef idx="1">
+                <a:schemeClr val="accent1"/>
+              </a:fillRef>
+              <a:effectRef idx="0">
+                <a:schemeClr val="accent1"/>
+              </a:effectRef>
+              <a:fontRef idx="minor">
+                <a:schemeClr val="lt1"/>
+              </a:fontRef>
+            </p:style>
+            <p:txBody>
+              <a:bodyPr rtlCol="0" anchor="ctr"/>
+              <a:lstStyle/>
+              <a:p>
+                <a:pPr algn="ctr"/>
+                <a:endParaRPr lang="zh-TW" altLang="en-US"/>
+              </a:p>
+            </p:txBody>
+          </p:sp>
+          <p:sp>
+            <p:nvSpPr>
+              <p:cNvPr id="31" name="文字方塊 30">
+                <a:extLst>
+                  <a:ext uri="{FF2B5EF4-FFF2-40B4-BE49-F238E27FC236}">
+                    <a16:creationId xmlns:a16="http://schemas.microsoft.com/office/drawing/2014/main" id="{2645D935-8F58-48E2-8A2B-F8E4B19BB78A}"/>
+                  </a:ext>
+                </a:extLst>
+              </p:cNvPr>
+              <p:cNvSpPr txBox="1"/>
+              <p:nvPr/>
+            </p:nvSpPr>
+            <p:spPr>
+              <a:xfrm>
+                <a:off x="5307746" y="1473427"/>
+                <a:ext cx="3220510" cy="3139321"/>
+              </a:xfrm>
+              <a:prstGeom prst="rect">
+                <a:avLst/>
+              </a:prstGeom>
+              <a:noFill/>
+            </p:spPr>
+            <p:txBody>
+              <a:bodyPr wrap="square">
+                <a:spAutoFit/>
+              </a:bodyPr>
+              <a:lstStyle/>
+              <a:p>
+                <a:r>
+                  <a:rPr lang="zh-TW" altLang="en-US" sz="900">
+                    <a:solidFill>
+                      <a:schemeClr val="bg1"/>
+                    </a:solidFill>
+                  </a:rPr>
+                  <a:t>f3 0f 1e fa 48 83 ec 08 48 8b 05 d9 2f 00 00 48</a:t>
+                </a:r>
+              </a:p>
+              <a:p>
+                <a:r>
+                  <a:rPr lang="zh-TW" altLang="en-US" sz="900">
+                    <a:solidFill>
+                      <a:schemeClr val="bg1"/>
+                    </a:solidFill>
+                  </a:rPr>
+                  <a:t>85 c0 74 02 ff d0 48 83 c4 08 c3</a:t>
+                </a:r>
+              </a:p>
+              <a:p>
+                <a:r>
+                  <a:rPr lang="zh-TW" altLang="en-US" sz="900">
+                    <a:solidFill>
+                      <a:schemeClr val="bg1"/>
+                    </a:solidFill>
+                  </a:rPr>
+                  <a:t>ff 35 9a 2f 00 00 f2 ff 25 9b 2f 00 00 0f 1f 00</a:t>
+                </a:r>
+              </a:p>
+              <a:p>
+                <a:r>
+                  <a:rPr lang="zh-TW" altLang="en-US" sz="900">
+                    <a:solidFill>
+                      <a:schemeClr val="bg1"/>
+                    </a:solidFill>
+                  </a:rPr>
+                  <a:t>f3 0f 1e fa 68 00 00 00 00 f2 e9 e1 ff ff ff 90</a:t>
+                </a:r>
+              </a:p>
+              <a:p>
+                <a:r>
+                  <a:rPr lang="zh-TW" altLang="en-US" sz="900">
+                    <a:solidFill>
+                      <a:schemeClr val="bg1"/>
+                    </a:solidFill>
+                  </a:rPr>
+                  <a:t>f3 0f 1e fa f2 ff 25 ad 2f 00 00 0f 1f 44 00 00</a:t>
+                </a:r>
+              </a:p>
+              <a:p>
+                <a:r>
+                  <a:rPr lang="zh-TW" altLang="en-US" sz="900">
+                    <a:solidFill>
+                      <a:schemeClr val="bg1"/>
+                    </a:solidFill>
+                  </a:rPr>
+                  <a:t>f3 0f 1e fa f2 ff 25 75 2f 00 00 0f 1f 44 00 00</a:t>
+                </a:r>
+              </a:p>
+              <a:p>
+                <a:r>
+                  <a:rPr lang="zh-TW" altLang="en-US" sz="900">
+                    <a:solidFill>
+                      <a:schemeClr val="bg1"/>
+                    </a:solidFill>
+                  </a:rPr>
+                  <a:t>f3 0f 1e fa 31 ed 49 89 d1 5e 48 89 e2 48 83 e4</a:t>
+                </a:r>
+              </a:p>
+              <a:p>
+                <a:r>
+                  <a:rPr lang="zh-TW" altLang="en-US" sz="900">
+                    <a:solidFill>
+                      <a:schemeClr val="bg1"/>
+                    </a:solidFill>
+                  </a:rPr>
+                  <a:t>f0 50 54 45 31 c0 31 c9 48 8d 3d ca 00 00 00 ff</a:t>
+                </a:r>
+              </a:p>
+              <a:p>
+                <a:r>
+                  <a:rPr lang="zh-TW" altLang="en-US" sz="900">
+                    <a:solidFill>
+                      <a:schemeClr val="bg1"/>
+                    </a:solidFill>
+                  </a:rPr>
+                  <a:t>15 53 2f 00 00 f4 66 2e 0f 1f 84 00 00 00 00 00</a:t>
+                </a:r>
+              </a:p>
+              <a:p>
+                <a:r>
+                  <a:rPr lang="zh-TW" altLang="en-US" sz="900">
+                    <a:solidFill>
+                      <a:schemeClr val="bg1"/>
+                    </a:solidFill>
+                  </a:rPr>
+                  <a:t>48 8d 3d 79 2f 00 00 48 8d 05 72 2f 00 00 48 39</a:t>
+                </a:r>
+              </a:p>
+              <a:p>
+                <a:r>
+                  <a:rPr lang="zh-TW" altLang="en-US" sz="900">
+                    <a:solidFill>
+                      <a:schemeClr val="bg1"/>
+                    </a:solidFill>
+                  </a:rPr>
+                  <a:t>f8 74 15 48 8b 05 36 2f 00 00 48 85 c0 74 09 ff</a:t>
+                </a:r>
+              </a:p>
+              <a:p>
+                <a:r>
+                  <a:rPr lang="zh-TW" altLang="en-US" sz="900">
+                    <a:solidFill>
+                      <a:schemeClr val="bg1"/>
+                    </a:solidFill>
+                  </a:rPr>
+                  <a:t>e0 0f 1f 80 00 00 00 00 c3 0f 1f 80 00 00 00 00</a:t>
+                </a:r>
+              </a:p>
+              <a:p>
+                <a:r>
+                  <a:rPr lang="zh-TW" altLang="en-US" sz="900">
+                    <a:solidFill>
+                      <a:schemeClr val="bg1"/>
+                    </a:solidFill>
+                  </a:rPr>
+                  <a:t>48 8d 3d 49 2f 00 00 48 8d 35 42 2f 00 00 48 29</a:t>
+                </a:r>
+              </a:p>
+              <a:p>
+                <a:r>
+                  <a:rPr lang="zh-TW" altLang="en-US" sz="900">
+                    <a:solidFill>
+                      <a:schemeClr val="bg1"/>
+                    </a:solidFill>
+                  </a:rPr>
+                  <a:t>fe 48 89 f0 48 c1 ee 3f 48 c1 f8 03 48 01 c6 48</a:t>
+                </a:r>
+              </a:p>
+              <a:p>
+                <a:r>
+                  <a:rPr lang="zh-TW" altLang="en-US" sz="900">
+                    <a:solidFill>
+                      <a:schemeClr val="bg1"/>
+                    </a:solidFill>
+                  </a:rPr>
+                  <a:t>d1 fe 74 14 48 8b 05 05 2f 00 00 48 85 c0 74 08</a:t>
+                </a:r>
+              </a:p>
+              <a:p>
+                <a:r>
+                  <a:rPr lang="zh-TW" altLang="en-US" sz="900">
+                    <a:solidFill>
+                      <a:schemeClr val="bg1"/>
+                    </a:solidFill>
+                  </a:rPr>
+                  <a:t>ff e0 66 0f 1f 44 00 00 c3 0f 1f 80 00 00 00 00</a:t>
+                </a:r>
+              </a:p>
+              <a:p>
+                <a:r>
+                  <a:rPr lang="zh-TW" altLang="en-US" sz="900">
+                    <a:solidFill>
+                      <a:schemeClr val="bg1"/>
+                    </a:solidFill>
+                  </a:rPr>
+                  <a:t>f3 0f 1e fa 80 3d 05 2f 00 00 00 75 2b 55 48 83</a:t>
+                </a:r>
+              </a:p>
+              <a:p>
+                <a:r>
+                  <a:rPr lang="zh-TW" altLang="en-US" sz="900">
+                    <a:solidFill>
+                      <a:schemeClr val="bg1"/>
+                    </a:solidFill>
+                  </a:rPr>
+                  <a:t>3d e2 2e 00 00 00 48 89 e5 74 0c 48 8b 3d e6 2e</a:t>
+                </a:r>
+              </a:p>
+              <a:p>
+                <a:r>
+                  <a:rPr lang="zh-TW" altLang="en-US" sz="900">
+                    <a:solidFill>
+                      <a:schemeClr val="bg1"/>
+                    </a:solidFill>
+                  </a:rPr>
+                  <a:t>00 00 e8 19 ff ff ff e8 64 ff ff ff c6 05 dd 2e</a:t>
+                </a:r>
+              </a:p>
+              <a:p>
+                <a:r>
+                  <a:rPr lang="zh-TW" altLang="en-US" sz="900">
+                    <a:solidFill>
+                      <a:schemeClr val="bg1"/>
+                    </a:solidFill>
+                  </a:rPr>
+                  <a:t>00 00 01 5d c3 0f 1f 00 c3 0f 1f 80 00 00 00 00</a:t>
+                </a:r>
+              </a:p>
+              <a:p>
+                <a:r>
+                  <a:rPr lang="zh-TW" altLang="en-US" sz="900">
+                    <a:solidFill>
+                      <a:schemeClr val="bg1"/>
+                    </a:solidFill>
+                  </a:rPr>
+                  <a:t>f3 0f 1e fa e9 77 ff ff ff f3 0f 1e fa 48 83 ec</a:t>
+                </a:r>
+              </a:p>
+              <a:p>
+                <a:r>
+                  <a:rPr lang="zh-TW" altLang="en-US" sz="900">
+                    <a:solidFill>
+                      <a:schemeClr val="bg1"/>
+                    </a:solidFill>
+                  </a:rPr>
+                  <a:t>08 48 83 c4 08 c3</a:t>
+                </a:r>
+              </a:p>
+            </p:txBody>
+          </p:sp>
+        </p:grpSp>
+        <p:sp>
+          <p:nvSpPr>
+            <p:cNvPr id="42" name="文字方塊 41">
+              <a:extLst>
+                <a:ext uri="{FF2B5EF4-FFF2-40B4-BE49-F238E27FC236}">
+                  <a16:creationId xmlns:a16="http://schemas.microsoft.com/office/drawing/2014/main" id="{098B04D1-BC94-4386-B7F3-A86DA343FA60}"/>
+                </a:ext>
+              </a:extLst>
+            </p:cNvPr>
+            <p:cNvSpPr txBox="1"/>
+            <p:nvPr/>
+          </p:nvSpPr>
+          <p:spPr>
+            <a:xfrm>
+              <a:off x="8076265" y="6232512"/>
+              <a:ext cx="415498" cy="261610"/>
+            </a:xfrm>
+            <a:prstGeom prst="rect">
+              <a:avLst/>
+            </a:prstGeom>
+            <a:noFill/>
+          </p:spPr>
+          <p:txBody>
+            <a:bodyPr wrap="none" rtlCol="0">
+              <a:spAutoFit/>
+            </a:bodyPr>
+            <a:lstStyle/>
+            <a:p>
+              <a:r>
+                <a:rPr lang="en-US" altLang="zh-TW" sz="1100">
+                  <a:solidFill>
+                    <a:schemeClr val="accent4"/>
+                  </a:solidFill>
+                </a:rPr>
+                <a:t>bin</a:t>
+              </a:r>
+              <a:endParaRPr lang="zh-TW" altLang="en-US" sz="1100">
+                <a:solidFill>
+                  <a:schemeClr val="accent4"/>
+                </a:solidFill>
+              </a:endParaRPr>
+            </a:p>
+          </p:txBody>
+        </p:sp>
+      </p:grpSp>
+      <p:sp>
+        <p:nvSpPr>
+          <p:cNvPr id="2" name="標題 1">
+            <a:extLst>
+              <a:ext uri="{FF2B5EF4-FFF2-40B4-BE49-F238E27FC236}">
+                <a16:creationId xmlns:a16="http://schemas.microsoft.com/office/drawing/2014/main" id="{29161F7B-D407-4F77-A0FF-A83CD14E9650}"/>
+              </a:ext>
+            </a:extLst>
+          </p:cNvPr>
+          <p:cNvSpPr>
+            <a:spLocks noGrp="1"/>
+          </p:cNvSpPr>
+          <p:nvPr>
+            <p:ph type="title"/>
+          </p:nvPr>
+        </p:nvSpPr>
+        <p:spPr>
+          <a:xfrm>
+            <a:off x="838200" y="318945"/>
+            <a:ext cx="10515600" cy="1325563"/>
+          </a:xfrm>
+        </p:spPr>
+        <p:txBody>
+          <a:bodyPr/>
+          <a:lstStyle/>
+          <a:p>
+            <a:r>
+              <a:rPr lang="zh-TW" altLang="en-US"/>
+              <a:t>程式語言</a:t>
+            </a:r>
+          </a:p>
+        </p:txBody>
+      </p:sp>
+      <p:grpSp>
+        <p:nvGrpSpPr>
+          <p:cNvPr id="38" name="群組 37">
+            <a:extLst>
+              <a:ext uri="{FF2B5EF4-FFF2-40B4-BE49-F238E27FC236}">
+                <a16:creationId xmlns:a16="http://schemas.microsoft.com/office/drawing/2014/main" id="{FABB91AD-8845-44D0-A8F0-481FD8E6FAD4}"/>
+              </a:ext>
+            </a:extLst>
+          </p:cNvPr>
+          <p:cNvGrpSpPr/>
+          <p:nvPr/>
+        </p:nvGrpSpPr>
+        <p:grpSpPr>
+          <a:xfrm>
+            <a:off x="766136" y="1420563"/>
+            <a:ext cx="3768718" cy="5068593"/>
+            <a:chOff x="8081818" y="1424282"/>
+            <a:chExt cx="3768718" cy="5068593"/>
+          </a:xfrm>
+        </p:grpSpPr>
+        <p:sp>
+          <p:nvSpPr>
+            <p:cNvPr id="37" name="矩形: 圓角 36">
+              <a:extLst>
+                <a:ext uri="{FF2B5EF4-FFF2-40B4-BE49-F238E27FC236}">
+                  <a16:creationId xmlns:a16="http://schemas.microsoft.com/office/drawing/2014/main" id="{2ECE84C0-8367-450B-9B57-D6896C28AFAE}"/>
+                </a:ext>
+              </a:extLst>
+            </p:cNvPr>
+            <p:cNvSpPr/>
+            <p:nvPr/>
+          </p:nvSpPr>
+          <p:spPr>
+            <a:xfrm>
+              <a:off x="8081818" y="1424282"/>
+              <a:ext cx="3768718" cy="5068593"/>
+            </a:xfrm>
+            <a:prstGeom prst="roundRect">
+              <a:avLst/>
+            </a:prstGeom>
+            <a:solidFill>
+              <a:srgbClr val="EEFFDD"/>
+            </a:solidFill>
+            <a:ln w="38100">
+              <a:solidFill>
+                <a:srgbClr val="00B050"/>
+              </a:solidFill>
+            </a:ln>
+          </p:spPr>
+          <p:style>
+            <a:lnRef idx="2">
+              <a:schemeClr val="accent1">
+                <a:shade val="50000"/>
+              </a:schemeClr>
+            </a:lnRef>
+            <a:fillRef idx="1">
+              <a:schemeClr val="accent1"/>
+            </a:fillRef>
+            <a:effectRef idx="0">
+              <a:schemeClr val="accent1"/>
+            </a:effectRef>
+            <a:fontRef idx="minor">
+              <a:schemeClr val="lt1"/>
+            </a:fontRef>
+          </p:style>
+          <p:txBody>
+            <a:bodyPr rtlCol="0" anchor="ctr"/>
+            <a:lstStyle/>
+            <a:p>
+              <a:pPr algn="ctr"/>
+              <a:endParaRPr lang="zh-TW" altLang="en-US"/>
+            </a:p>
+          </p:txBody>
+        </p:sp>
+        <p:grpSp>
+          <p:nvGrpSpPr>
+            <p:cNvPr id="79" name="群組 78">
+              <a:extLst>
+                <a:ext uri="{FF2B5EF4-FFF2-40B4-BE49-F238E27FC236}">
+                  <a16:creationId xmlns:a16="http://schemas.microsoft.com/office/drawing/2014/main" id="{CC5D8463-34DB-408D-A196-F60C094B6DEA}"/>
+                </a:ext>
+              </a:extLst>
+            </p:cNvPr>
+            <p:cNvGrpSpPr/>
+            <p:nvPr/>
+          </p:nvGrpSpPr>
+          <p:grpSpPr>
+            <a:xfrm>
+              <a:off x="8323458" y="1505550"/>
+              <a:ext cx="3262432" cy="4961514"/>
+              <a:chOff x="7403257" y="1607149"/>
+              <a:chExt cx="3262432" cy="4961514"/>
+            </a:xfrm>
+          </p:grpSpPr>
+          <p:grpSp>
+            <p:nvGrpSpPr>
+              <p:cNvPr id="11" name="群組 10">
+                <a:extLst>
+                  <a:ext uri="{FF2B5EF4-FFF2-40B4-BE49-F238E27FC236}">
+                    <a16:creationId xmlns:a16="http://schemas.microsoft.com/office/drawing/2014/main" id="{7C725AF8-AF7C-4EE4-8A51-A86BC5011439}"/>
+                  </a:ext>
+                </a:extLst>
+              </p:cNvPr>
+              <p:cNvGrpSpPr/>
+              <p:nvPr/>
+            </p:nvGrpSpPr>
+            <p:grpSpPr>
+              <a:xfrm>
+                <a:off x="7403257" y="1607149"/>
+                <a:ext cx="3262432" cy="4961514"/>
+                <a:chOff x="838200" y="2937735"/>
+                <a:chExt cx="3262432" cy="4961514"/>
+              </a:xfrm>
+            </p:grpSpPr>
+            <p:sp>
+              <p:nvSpPr>
+                <p:cNvPr id="6" name="箭號: 向上 5">
+                  <a:extLst>
+                    <a:ext uri="{FF2B5EF4-FFF2-40B4-BE49-F238E27FC236}">
+                      <a16:creationId xmlns:a16="http://schemas.microsoft.com/office/drawing/2014/main" id="{91CE9796-725A-4A07-9467-BAAE7A46ABD7}"/>
+                    </a:ext>
+                  </a:extLst>
+                </p:cNvPr>
+                <p:cNvSpPr/>
+                <p:nvPr/>
+              </p:nvSpPr>
+              <p:spPr>
+                <a:xfrm>
+                  <a:off x="877717" y="3399399"/>
+                  <a:ext cx="856456" cy="4036151"/>
+                </a:xfrm>
+                <a:prstGeom prst="upArrow">
+                  <a:avLst/>
+                </a:prstGeom>
+                <a:solidFill>
+                  <a:srgbClr val="0033CC"/>
+                </a:solidFill>
+                <a:ln>
+                  <a:noFill/>
+                </a:ln>
+              </p:spPr>
+              <p:style>
+                <a:lnRef idx="2">
+                  <a:schemeClr val="accent1">
+                    <a:shade val="50000"/>
+                  </a:schemeClr>
+                </a:lnRef>
+                <a:fillRef idx="1">
+                  <a:schemeClr val="accent1"/>
+                </a:fillRef>
+                <a:effectRef idx="0">
+                  <a:schemeClr val="accent1"/>
+                </a:effectRef>
+                <a:fontRef idx="minor">
+                  <a:schemeClr val="lt1"/>
+                </a:fontRef>
+              </p:style>
+              <p:txBody>
+                <a:bodyPr rtlCol="0" anchor="ctr"/>
+                <a:lstStyle/>
+                <a:p>
+                  <a:pPr algn="ctr"/>
+                  <a:endParaRPr lang="zh-TW" altLang="en-US"/>
+                </a:p>
+              </p:txBody>
+            </p:sp>
+            <p:sp>
+              <p:nvSpPr>
+                <p:cNvPr id="7" name="文字方塊 6">
+                  <a:extLst>
+                    <a:ext uri="{FF2B5EF4-FFF2-40B4-BE49-F238E27FC236}">
+                      <a16:creationId xmlns:a16="http://schemas.microsoft.com/office/drawing/2014/main" id="{39BA9365-209D-43B2-8CA0-825EDFD2892D}"/>
+                    </a:ext>
+                  </a:extLst>
+                </p:cNvPr>
+                <p:cNvSpPr txBox="1"/>
+                <p:nvPr/>
+              </p:nvSpPr>
+              <p:spPr>
+                <a:xfrm>
+                  <a:off x="838200" y="2937735"/>
+                  <a:ext cx="3262432" cy="461665"/>
+                </a:xfrm>
+                <a:prstGeom prst="rect">
+                  <a:avLst/>
+                </a:prstGeom>
+                <a:noFill/>
+              </p:spPr>
+              <p:txBody>
+                <a:bodyPr wrap="none" rtlCol="0">
+                  <a:spAutoFit/>
+                </a:bodyPr>
+                <a:lstStyle/>
+                <a:p>
+                  <a:r>
+                    <a:rPr lang="zh-TW" altLang="en-US" sz="2400">
+                      <a:solidFill>
+                        <a:srgbClr val="0033CC"/>
+                      </a:solidFill>
+                    </a:rPr>
+                    <a:t>高階：易看懂、執行慢</a:t>
+                  </a:r>
+                </a:p>
+              </p:txBody>
+            </p:sp>
+            <p:sp>
+              <p:nvSpPr>
+                <p:cNvPr id="8" name="文字方塊 7">
+                  <a:extLst>
+                    <a:ext uri="{FF2B5EF4-FFF2-40B4-BE49-F238E27FC236}">
+                      <a16:creationId xmlns:a16="http://schemas.microsoft.com/office/drawing/2014/main" id="{F9B03BF1-8403-4F98-87BF-BBFCE9DDDDA6}"/>
+                    </a:ext>
+                  </a:extLst>
+                </p:cNvPr>
+                <p:cNvSpPr txBox="1"/>
+                <p:nvPr/>
+              </p:nvSpPr>
+              <p:spPr>
+                <a:xfrm>
+                  <a:off x="838200" y="7437584"/>
+                  <a:ext cx="3262432" cy="461665"/>
+                </a:xfrm>
+                <a:prstGeom prst="rect">
+                  <a:avLst/>
+                </a:prstGeom>
+                <a:noFill/>
+              </p:spPr>
+              <p:txBody>
+                <a:bodyPr wrap="none" rtlCol="0">
+                  <a:spAutoFit/>
+                </a:bodyPr>
+                <a:lstStyle/>
+                <a:p>
+                  <a:r>
+                    <a:rPr lang="zh-TW" altLang="en-US" sz="2400">
+                      <a:solidFill>
+                        <a:srgbClr val="0033CC"/>
+                      </a:solidFill>
+                    </a:rPr>
+                    <a:t>低階：難看懂、執行快</a:t>
+                  </a:r>
+                </a:p>
+              </p:txBody>
+            </p:sp>
+          </p:grpSp>
+          <p:pic>
+            <p:nvPicPr>
+              <p:cNvPr id="16" name="圖形 15">
+                <a:extLst>
+                  <a:ext uri="{FF2B5EF4-FFF2-40B4-BE49-F238E27FC236}">
+                    <a16:creationId xmlns:a16="http://schemas.microsoft.com/office/drawing/2014/main" id="{4F1FF68F-3524-44D1-937B-EC2E4E724ADE}"/>
+                  </a:ext>
+                </a:extLst>
+              </p:cNvPr>
+              <p:cNvPicPr>
+                <a:picLocks noChangeAspect="1"/>
+              </p:cNvPicPr>
+              <p:nvPr/>
+            </p:nvPicPr>
+            <p:blipFill>
+              <a:blip r:embed="rId3">
+                <a:extLst>
+                  <a:ext uri="{28A0092B-C50C-407E-A947-70E740481C1C}">
+                    <a14:useLocalDpi xmlns:a14="http://schemas.microsoft.com/office/drawing/2010/main" val="0"/>
+                  </a:ext>
+                  <a:ext uri="{96DAC541-7B7A-43D3-8B79-37D633B846F1}">
+                    <asvg:svgBlip xmlns:asvg="http://schemas.microsoft.com/office/drawing/2016/SVG/main" r:embed="rId4"/>
+                  </a:ext>
+                </a:extLst>
+              </a:blip>
+              <a:stretch>
+                <a:fillRect/>
+              </a:stretch>
+            </p:blipFill>
+            <p:spPr>
+              <a:xfrm>
+                <a:off x="9128498" y="2868606"/>
+                <a:ext cx="515825" cy="627354"/>
+              </a:xfrm>
+              <a:prstGeom prst="rect">
+                <a:avLst/>
+              </a:prstGeom>
+            </p:spPr>
+          </p:pic>
+          <p:grpSp>
+            <p:nvGrpSpPr>
+              <p:cNvPr id="21" name="群組 20">
+                <a:extLst>
+                  <a:ext uri="{FF2B5EF4-FFF2-40B4-BE49-F238E27FC236}">
+                    <a16:creationId xmlns:a16="http://schemas.microsoft.com/office/drawing/2014/main" id="{CFBEBB72-43C4-427D-81F8-46663D1EDF06}"/>
+                  </a:ext>
+                </a:extLst>
+              </p:cNvPr>
+              <p:cNvGrpSpPr/>
+              <p:nvPr/>
+            </p:nvGrpSpPr>
+            <p:grpSpPr>
+              <a:xfrm>
+                <a:off x="8817924" y="3623602"/>
+                <a:ext cx="847310" cy="1398879"/>
+                <a:chOff x="8251257" y="2813641"/>
+                <a:chExt cx="847310" cy="1398879"/>
+              </a:xfrm>
+            </p:grpSpPr>
+            <p:pic>
+              <p:nvPicPr>
+                <p:cNvPr id="14" name="圖形 13">
+                  <a:extLst>
+                    <a:ext uri="{FF2B5EF4-FFF2-40B4-BE49-F238E27FC236}">
+                      <a16:creationId xmlns:a16="http://schemas.microsoft.com/office/drawing/2014/main" id="{1CFE20D4-F7D9-4EBB-9AAE-ADCEF45AD987}"/>
+                    </a:ext>
+                  </a:extLst>
+                </p:cNvPr>
+                <p:cNvPicPr>
+                  <a:picLocks noChangeAspect="1"/>
+                </p:cNvPicPr>
+                <p:nvPr/>
+              </p:nvPicPr>
+              <p:blipFill>
+                <a:blip r:embed="rId5">
+                  <a:extLst>
+                    <a:ext uri="{28A0092B-C50C-407E-A947-70E740481C1C}">
+                      <a14:useLocalDpi xmlns:a14="http://schemas.microsoft.com/office/drawing/2010/main" val="0"/>
+                    </a:ext>
+                    <a:ext uri="{96DAC541-7B7A-43D3-8B79-37D633B846F1}">
+                      <asvg:svgBlip xmlns:asvg="http://schemas.microsoft.com/office/drawing/2016/SVG/main" r:embed="rId6"/>
+                    </a:ext>
+                  </a:extLst>
+                </a:blip>
+                <a:stretch>
+                  <a:fillRect/>
+                </a:stretch>
+              </p:blipFill>
+              <p:spPr>
+                <a:xfrm>
+                  <a:off x="8251257" y="2813641"/>
+                  <a:ext cx="558053" cy="627354"/>
+                </a:xfrm>
+                <a:prstGeom prst="rect">
+                  <a:avLst/>
+                </a:prstGeom>
+              </p:spPr>
+            </p:pic>
+            <p:pic>
+              <p:nvPicPr>
+                <p:cNvPr id="18" name="圖片 17">
+                  <a:extLst>
+                    <a:ext uri="{FF2B5EF4-FFF2-40B4-BE49-F238E27FC236}">
+                      <a16:creationId xmlns:a16="http://schemas.microsoft.com/office/drawing/2014/main" id="{EC9F3072-2930-4A17-984D-17E429D420B6}"/>
+                    </a:ext>
+                  </a:extLst>
+                </p:cNvPr>
+                <p:cNvPicPr>
+                  <a:picLocks noChangeAspect="1"/>
+                </p:cNvPicPr>
+                <p:nvPr/>
+              </p:nvPicPr>
+              <p:blipFill>
+                <a:blip r:embed="rId7">
+                  <a:extLst>
+                    <a:ext uri="{28A0092B-C50C-407E-A947-70E740481C1C}">
+                      <a14:useLocalDpi xmlns:a14="http://schemas.microsoft.com/office/drawing/2010/main" val="0"/>
+                    </a:ext>
+                  </a:extLst>
+                </a:blip>
+                <a:stretch>
+                  <a:fillRect/>
+                </a:stretch>
+              </p:blipFill>
+              <p:spPr>
+                <a:xfrm>
+                  <a:off x="8540919" y="3585166"/>
+                  <a:ext cx="557648" cy="627354"/>
+                </a:xfrm>
+                <a:prstGeom prst="rect">
+                  <a:avLst/>
+                </a:prstGeom>
+              </p:spPr>
+            </p:pic>
+          </p:grpSp>
+          <p:pic>
+            <p:nvPicPr>
+              <p:cNvPr id="20" name="圖形 19">
+                <a:extLst>
+                  <a:ext uri="{FF2B5EF4-FFF2-40B4-BE49-F238E27FC236}">
+                    <a16:creationId xmlns:a16="http://schemas.microsoft.com/office/drawing/2014/main" id="{FC6E0AEA-36B7-49EB-99A0-C143A6FE2EA4}"/>
+                  </a:ext>
+                </a:extLst>
+              </p:cNvPr>
+              <p:cNvPicPr>
+                <a:picLocks noChangeAspect="1"/>
+              </p:cNvPicPr>
+              <p:nvPr/>
+            </p:nvPicPr>
+            <p:blipFill>
+              <a:blip r:embed="rId8">
+                <a:extLst>
+                  <a:ext uri="{28A0092B-C50C-407E-A947-70E740481C1C}">
+                    <a14:useLocalDpi xmlns:a14="http://schemas.microsoft.com/office/drawing/2010/main" val="0"/>
+                  </a:ext>
+                  <a:ext uri="{96DAC541-7B7A-43D3-8B79-37D633B846F1}">
+                    <asvg:svgBlip xmlns:asvg="http://schemas.microsoft.com/office/drawing/2016/SVG/main" r:embed="rId9"/>
+                  </a:ext>
+                </a:extLst>
+              </a:blip>
+              <a:stretch>
+                <a:fillRect/>
+              </a:stretch>
+            </p:blipFill>
+            <p:spPr>
+              <a:xfrm>
+                <a:off x="9536528" y="3578762"/>
+                <a:ext cx="342992" cy="627354"/>
+              </a:xfrm>
+              <a:prstGeom prst="rect">
+                <a:avLst/>
+              </a:prstGeom>
+            </p:spPr>
+          </p:pic>
+          <p:sp>
+            <p:nvSpPr>
+              <p:cNvPr id="9" name="文字方塊 8">
+                <a:extLst>
+                  <a:ext uri="{FF2B5EF4-FFF2-40B4-BE49-F238E27FC236}">
+                    <a16:creationId xmlns:a16="http://schemas.microsoft.com/office/drawing/2014/main" id="{2886FAA4-8794-42E6-B8B7-BFF66115E348}"/>
+                  </a:ext>
+                </a:extLst>
+              </p:cNvPr>
+              <p:cNvSpPr txBox="1"/>
+              <p:nvPr/>
+            </p:nvSpPr>
+            <p:spPr>
+              <a:xfrm>
+                <a:off x="8742644" y="5273519"/>
+                <a:ext cx="1287532" cy="369332"/>
+              </a:xfrm>
+              <a:prstGeom prst="rect">
+                <a:avLst/>
+              </a:prstGeom>
+              <a:noFill/>
+            </p:spPr>
+            <p:txBody>
+              <a:bodyPr wrap="none" rtlCol="0">
+                <a:spAutoFit/>
+              </a:bodyPr>
+              <a:lstStyle/>
+              <a:p>
+                <a:r>
+                  <a:rPr lang="en-US" altLang="zh-TW" dirty="0">
+                    <a:solidFill>
+                      <a:schemeClr val="bg1"/>
+                    </a:solidFill>
+                  </a:rPr>
+                  <a:t>Assembly</a:t>
+                </a:r>
+                <a:endParaRPr lang="zh-TW" altLang="en-US">
+                  <a:solidFill>
+                    <a:schemeClr val="bg1"/>
+                  </a:solidFill>
+                </a:endParaRPr>
+              </a:p>
+            </p:txBody>
+          </p:sp>
+          <p:sp>
+            <p:nvSpPr>
+              <p:cNvPr id="17" name="文字方塊 16">
+                <a:extLst>
+                  <a:ext uri="{FF2B5EF4-FFF2-40B4-BE49-F238E27FC236}">
+                    <a16:creationId xmlns:a16="http://schemas.microsoft.com/office/drawing/2014/main" id="{CD251CBC-1A95-4905-A269-B18ADD4C8DFB}"/>
+                  </a:ext>
+                </a:extLst>
+              </p:cNvPr>
+              <p:cNvSpPr txBox="1"/>
+              <p:nvPr/>
+            </p:nvSpPr>
+            <p:spPr>
+              <a:xfrm>
+                <a:off x="8466928" y="5662990"/>
+                <a:ext cx="1838965" cy="369332"/>
+              </a:xfrm>
+              <a:prstGeom prst="rect">
+                <a:avLst/>
+              </a:prstGeom>
+              <a:noFill/>
+            </p:spPr>
+            <p:txBody>
+              <a:bodyPr wrap="none" rtlCol="0">
+                <a:spAutoFit/>
+              </a:bodyPr>
+              <a:lstStyle/>
+              <a:p>
+                <a:r>
+                  <a:rPr lang="en-US" altLang="zh-TW" dirty="0">
+                    <a:solidFill>
+                      <a:schemeClr val="bg1"/>
+                    </a:solidFill>
+                  </a:rPr>
+                  <a:t>Machine code</a:t>
+                </a:r>
+                <a:endParaRPr lang="zh-TW" altLang="en-US">
+                  <a:solidFill>
+                    <a:schemeClr val="bg1"/>
+                  </a:solidFill>
+                </a:endParaRPr>
+              </a:p>
+            </p:txBody>
+          </p:sp>
+          <p:pic>
+            <p:nvPicPr>
+              <p:cNvPr id="44" name="圖形 43">
+                <a:extLst>
+                  <a:ext uri="{FF2B5EF4-FFF2-40B4-BE49-F238E27FC236}">
+                    <a16:creationId xmlns:a16="http://schemas.microsoft.com/office/drawing/2014/main" id="{C5432F29-FC1D-4171-8594-ECED47B2AA25}"/>
+                  </a:ext>
+                </a:extLst>
+              </p:cNvPr>
+              <p:cNvPicPr>
+                <a:picLocks noChangeAspect="1"/>
+              </p:cNvPicPr>
+              <p:nvPr/>
+            </p:nvPicPr>
+            <p:blipFill>
+              <a:blip r:embed="rId10">
+                <a:extLst>
+                  <a:ext uri="{28A0092B-C50C-407E-A947-70E740481C1C}">
+                    <a14:useLocalDpi xmlns:a14="http://schemas.microsoft.com/office/drawing/2010/main" val="0"/>
+                  </a:ext>
+                  <a:ext uri="{96DAC541-7B7A-43D3-8B79-37D633B846F1}">
+                    <asvg:svgBlip xmlns:asvg="http://schemas.microsoft.com/office/drawing/2016/SVG/main" r:embed="rId11"/>
+                  </a:ext>
+                </a:extLst>
+              </a:blip>
+              <a:stretch>
+                <a:fillRect/>
+              </a:stretch>
+            </p:blipFill>
+            <p:spPr>
+              <a:xfrm>
+                <a:off x="8466928" y="2045668"/>
+                <a:ext cx="1838965" cy="618717"/>
+              </a:xfrm>
+              <a:prstGeom prst="rect">
+                <a:avLst/>
+              </a:prstGeom>
+            </p:spPr>
+          </p:pic>
+          <p:cxnSp>
+            <p:nvCxnSpPr>
+              <p:cNvPr id="46" name="直線接點 45">
+                <a:extLst>
+                  <a:ext uri="{FF2B5EF4-FFF2-40B4-BE49-F238E27FC236}">
+                    <a16:creationId xmlns:a16="http://schemas.microsoft.com/office/drawing/2014/main" id="{8FF20B6F-47C4-42A8-A134-57EB84E19106}"/>
+                  </a:ext>
+                </a:extLst>
+              </p:cNvPr>
+              <p:cNvCxnSpPr>
+                <a:cxnSpLocks/>
+              </p:cNvCxnSpPr>
+              <p:nvPr/>
+            </p:nvCxnSpPr>
+            <p:spPr>
+              <a:xfrm>
+                <a:off x="7681719" y="2672744"/>
+                <a:ext cx="2906588" cy="0"/>
+              </a:xfrm>
+              <a:prstGeom prst="line">
+                <a:avLst/>
+              </a:prstGeom>
+              <a:ln w="28575" cap="flat" cmpd="sng" algn="ctr">
+                <a:solidFill>
+                  <a:srgbClr val="0033CC"/>
+                </a:solidFill>
+                <a:prstDash val="dash"/>
+                <a:round/>
+                <a:headEnd type="none" w="med" len="med"/>
+                <a:tailEnd type="none" w="med" len="med"/>
+              </a:ln>
+            </p:spPr>
+            <p:style>
+              <a:lnRef idx="0">
+                <a:scrgbClr r="0" g="0" b="0"/>
+              </a:lnRef>
+              <a:fillRef idx="0">
+                <a:scrgbClr r="0" g="0" b="0"/>
+              </a:fillRef>
+              <a:effectRef idx="0">
+                <a:scrgbClr r="0" g="0" b="0"/>
+              </a:effectRef>
+              <a:fontRef idx="minor">
+                <a:schemeClr val="tx1"/>
+              </a:fontRef>
+            </p:style>
+          </p:cxnSp>
+          <p:cxnSp>
+            <p:nvCxnSpPr>
+              <p:cNvPr id="97" name="直線接點 96">
+                <a:extLst>
+                  <a:ext uri="{FF2B5EF4-FFF2-40B4-BE49-F238E27FC236}">
+                    <a16:creationId xmlns:a16="http://schemas.microsoft.com/office/drawing/2014/main" id="{6B0B455C-4496-44B6-8ADD-A58ADCFB3FCC}"/>
+                  </a:ext>
+                </a:extLst>
+              </p:cNvPr>
+              <p:cNvCxnSpPr>
+                <a:cxnSpLocks/>
+              </p:cNvCxnSpPr>
+              <p:nvPr/>
+            </p:nvCxnSpPr>
+            <p:spPr>
+              <a:xfrm>
+                <a:off x="7681719" y="5153451"/>
+                <a:ext cx="2983970" cy="0"/>
+              </a:xfrm>
+              <a:prstGeom prst="line">
+                <a:avLst/>
+              </a:prstGeom>
+              <a:ln w="28575" cap="flat" cmpd="sng" algn="ctr">
+                <a:solidFill>
+                  <a:srgbClr val="0033CC"/>
+                </a:solidFill>
+                <a:prstDash val="dash"/>
+                <a:round/>
+                <a:headEnd type="none" w="med" len="med"/>
+                <a:tailEnd type="none" w="med" len="med"/>
+              </a:ln>
+            </p:spPr>
+            <p:style>
+              <a:lnRef idx="0">
+                <a:scrgbClr r="0" g="0" b="0"/>
+              </a:lnRef>
+              <a:fillRef idx="0">
+                <a:scrgbClr r="0" g="0" b="0"/>
+              </a:fillRef>
+              <a:effectRef idx="0">
+                <a:scrgbClr r="0" g="0" b="0"/>
+              </a:effectRef>
+              <a:fontRef idx="minor">
+                <a:schemeClr val="tx1"/>
+              </a:fontRef>
+            </p:style>
+          </p:cxnSp>
+        </p:grpSp>
+      </p:grpSp>
+      <p:sp>
+        <p:nvSpPr>
+          <p:cNvPr id="28" name="矩形: 圓角 27">
+            <a:extLst>
+              <a:ext uri="{FF2B5EF4-FFF2-40B4-BE49-F238E27FC236}">
+                <a16:creationId xmlns:a16="http://schemas.microsoft.com/office/drawing/2014/main" id="{381F773E-D395-4F28-A6BD-254937452E10}"/>
+              </a:ext>
+            </a:extLst>
+          </p:cNvPr>
+          <p:cNvSpPr/>
+          <p:nvPr/>
+        </p:nvSpPr>
+        <p:spPr>
+          <a:xfrm>
+            <a:off x="2071447" y="5594220"/>
+            <a:ext cx="1669280" cy="286603"/>
+          </a:xfrm>
+          <a:prstGeom prst="roundRect">
+            <a:avLst/>
+          </a:prstGeom>
+          <a:noFill/>
+          <a:ln w="28575">
+            <a:solidFill>
+              <a:srgbClr val="FF0000"/>
+            </a:solidFill>
+          </a:ln>
+        </p:spPr>
+        <p:style>
+          <a:lnRef idx="2">
+            <a:schemeClr val="accent1">
+              <a:shade val="50000"/>
+            </a:schemeClr>
+          </a:lnRef>
+          <a:fillRef idx="1">
+            <a:schemeClr val="accent1"/>
+          </a:fillRef>
+          <a:effectRef idx="0">
+            <a:schemeClr val="accent1"/>
+          </a:effectRef>
+          <a:fontRef idx="minor">
+            <a:schemeClr val="lt1"/>
+          </a:fontRef>
+        </p:style>
+        <p:txBody>
+          <a:bodyPr rtlCol="0" anchor="ctr"/>
+          <a:lstStyle/>
+          <a:p>
+            <a:pPr algn="ctr"/>
+            <a:endParaRPr lang="zh-TW" altLang="en-US"/>
+          </a:p>
+        </p:txBody>
+      </p:sp>
+      <p:sp>
+        <p:nvSpPr>
+          <p:cNvPr id="51" name="矩形: 圓角 50">
+            <a:extLst>
+              <a:ext uri="{FF2B5EF4-FFF2-40B4-BE49-F238E27FC236}">
+                <a16:creationId xmlns:a16="http://schemas.microsoft.com/office/drawing/2014/main" id="{42860BB3-CC96-4DDD-9C11-7764827F0F18}"/>
+              </a:ext>
+            </a:extLst>
+          </p:cNvPr>
+          <p:cNvSpPr/>
+          <p:nvPr/>
+        </p:nvSpPr>
+        <p:spPr>
+          <a:xfrm>
+            <a:off x="2347163" y="5219548"/>
+            <a:ext cx="1136876" cy="273077"/>
+          </a:xfrm>
+          <a:prstGeom prst="roundRect">
+            <a:avLst/>
+          </a:prstGeom>
+          <a:noFill/>
+          <a:ln w="28575">
+            <a:solidFill>
+              <a:srgbClr val="FF0000"/>
+            </a:solidFill>
+          </a:ln>
+        </p:spPr>
+        <p:style>
+          <a:lnRef idx="2">
+            <a:schemeClr val="accent1">
+              <a:shade val="50000"/>
+            </a:schemeClr>
+          </a:lnRef>
+          <a:fillRef idx="1">
+            <a:schemeClr val="accent1"/>
+          </a:fillRef>
+          <a:effectRef idx="0">
+            <a:schemeClr val="accent1"/>
+          </a:effectRef>
+          <a:fontRef idx="minor">
+            <a:schemeClr val="lt1"/>
+          </a:fontRef>
+        </p:style>
+        <p:txBody>
+          <a:bodyPr rtlCol="0" anchor="ctr"/>
+          <a:lstStyle/>
+          <a:p>
+            <a:pPr algn="ctr"/>
+            <a:endParaRPr lang="zh-TW" altLang="en-US"/>
+          </a:p>
+        </p:txBody>
+      </p:sp>
+      <p:sp>
+        <p:nvSpPr>
+          <p:cNvPr id="52" name="矩形: 圓角 51">
+            <a:extLst>
+              <a:ext uri="{FF2B5EF4-FFF2-40B4-BE49-F238E27FC236}">
+                <a16:creationId xmlns:a16="http://schemas.microsoft.com/office/drawing/2014/main" id="{40EB04D1-7C57-4163-880C-2910561BCC79}"/>
+              </a:ext>
+            </a:extLst>
+          </p:cNvPr>
+          <p:cNvSpPr/>
+          <p:nvPr/>
+        </p:nvSpPr>
+        <p:spPr>
+          <a:xfrm>
+            <a:off x="2632364" y="4252231"/>
+            <a:ext cx="711200" cy="721225"/>
+          </a:xfrm>
+          <a:prstGeom prst="roundRect">
+            <a:avLst/>
+          </a:prstGeom>
+          <a:noFill/>
+          <a:ln w="28575">
+            <a:solidFill>
+              <a:srgbClr val="FF0000"/>
+            </a:solidFill>
+          </a:ln>
+        </p:spPr>
+        <p:style>
+          <a:lnRef idx="2">
+            <a:schemeClr val="accent1">
+              <a:shade val="50000"/>
+            </a:schemeClr>
+          </a:lnRef>
+          <a:fillRef idx="1">
+            <a:schemeClr val="accent1"/>
+          </a:fillRef>
+          <a:effectRef idx="0">
+            <a:schemeClr val="accent1"/>
+          </a:effectRef>
+          <a:fontRef idx="minor">
+            <a:schemeClr val="lt1"/>
+          </a:fontRef>
+        </p:style>
+        <p:txBody>
+          <a:bodyPr rtlCol="0" anchor="ctr"/>
+          <a:lstStyle/>
+          <a:p>
+            <a:pPr algn="ctr"/>
+            <a:endParaRPr lang="zh-TW" altLang="en-US"/>
+          </a:p>
+        </p:txBody>
+      </p:sp>
+      <p:cxnSp>
+        <p:nvCxnSpPr>
+          <p:cNvPr id="32" name="直線單箭頭接點 31">
+            <a:extLst>
+              <a:ext uri="{FF2B5EF4-FFF2-40B4-BE49-F238E27FC236}">
+                <a16:creationId xmlns:a16="http://schemas.microsoft.com/office/drawing/2014/main" id="{08300BDE-0044-47FA-9C6C-0AFC374DFAB4}"/>
+              </a:ext>
+            </a:extLst>
+          </p:cNvPr>
+          <p:cNvCxnSpPr>
+            <a:stCxn id="28" idx="3"/>
+            <a:endCxn id="31" idx="1"/>
+          </p:cNvCxnSpPr>
+          <p:nvPr/>
+        </p:nvCxnSpPr>
+        <p:spPr>
+          <a:xfrm flipV="1">
+            <a:off x="3740727" y="4922351"/>
+            <a:ext cx="1626501" cy="815171"/>
+          </a:xfrm>
+          <a:prstGeom prst="straightConnector1">
+            <a:avLst/>
+          </a:prstGeom>
+          <a:ln w="28575">
+            <a:solidFill>
+              <a:srgbClr val="FF0000"/>
+            </a:solidFill>
+            <a:tailEnd type="triangle"/>
+          </a:ln>
+        </p:spPr>
+        <p:style>
+          <a:lnRef idx="1">
+            <a:schemeClr val="accent1"/>
+          </a:lnRef>
+          <a:fillRef idx="0">
+            <a:schemeClr val="accent1"/>
+          </a:fillRef>
+          <a:effectRef idx="0">
+            <a:schemeClr val="accent1"/>
+          </a:effectRef>
+          <a:fontRef idx="minor">
+            <a:schemeClr val="tx1"/>
+          </a:fontRef>
+        </p:style>
+      </p:cxnSp>
+      <p:cxnSp>
+        <p:nvCxnSpPr>
+          <p:cNvPr id="53" name="直線單箭頭接點 52">
+            <a:extLst>
+              <a:ext uri="{FF2B5EF4-FFF2-40B4-BE49-F238E27FC236}">
+                <a16:creationId xmlns:a16="http://schemas.microsoft.com/office/drawing/2014/main" id="{A103D546-3FB3-41F3-A853-88EFA900BED2}"/>
+              </a:ext>
+            </a:extLst>
+          </p:cNvPr>
+          <p:cNvCxnSpPr>
+            <a:cxnSpLocks/>
+            <a:stCxn id="51" idx="3"/>
+            <a:endCxn id="23" idx="1"/>
+          </p:cNvCxnSpPr>
+          <p:nvPr/>
+        </p:nvCxnSpPr>
+        <p:spPr>
+          <a:xfrm flipV="1">
+            <a:off x="3484039" y="3917934"/>
+            <a:ext cx="5208955" cy="1438153"/>
+          </a:xfrm>
+          <a:prstGeom prst="straightConnector1">
+            <a:avLst/>
+          </a:prstGeom>
+          <a:ln w="28575">
+            <a:solidFill>
+              <a:srgbClr val="FF0000"/>
+            </a:solidFill>
+            <a:tailEnd type="triangle"/>
+          </a:ln>
+        </p:spPr>
+        <p:style>
+          <a:lnRef idx="1">
+            <a:schemeClr val="accent1"/>
+          </a:lnRef>
+          <a:fillRef idx="0">
+            <a:schemeClr val="accent1"/>
+          </a:fillRef>
+          <a:effectRef idx="0">
+            <a:schemeClr val="accent1"/>
+          </a:effectRef>
+          <a:fontRef idx="minor">
+            <a:schemeClr val="tx1"/>
+          </a:fontRef>
+        </p:style>
+      </p:cxnSp>
+      <p:cxnSp>
+        <p:nvCxnSpPr>
+          <p:cNvPr id="56" name="直線單箭頭接點 55">
+            <a:extLst>
+              <a:ext uri="{FF2B5EF4-FFF2-40B4-BE49-F238E27FC236}">
+                <a16:creationId xmlns:a16="http://schemas.microsoft.com/office/drawing/2014/main" id="{6785E34D-943C-44B7-97CC-E706E217E84E}"/>
+              </a:ext>
+            </a:extLst>
+          </p:cNvPr>
+          <p:cNvCxnSpPr>
+            <a:cxnSpLocks/>
+            <a:stCxn id="52" idx="3"/>
+            <a:endCxn id="45" idx="1"/>
+          </p:cNvCxnSpPr>
+          <p:nvPr/>
+        </p:nvCxnSpPr>
+        <p:spPr>
+          <a:xfrm flipV="1">
+            <a:off x="3343564" y="2205199"/>
+            <a:ext cx="2023664" cy="2407645"/>
+          </a:xfrm>
+          <a:prstGeom prst="straightConnector1">
+            <a:avLst/>
+          </a:prstGeom>
+          <a:ln w="28575">
+            <a:solidFill>
+              <a:srgbClr val="FF0000"/>
+            </a:solidFill>
+            <a:tailEnd type="triangle"/>
+          </a:ln>
+        </p:spPr>
+        <p:style>
+          <a:lnRef idx="1">
+            <a:schemeClr val="accent1"/>
+          </a:lnRef>
+          <a:fillRef idx="0">
+            <a:schemeClr val="accent1"/>
+          </a:fillRef>
+          <a:effectRef idx="0">
+            <a:schemeClr val="accent1"/>
+          </a:effectRef>
+          <a:fontRef idx="minor">
+            <a:schemeClr val="tx1"/>
+          </a:fontRef>
+        </p:style>
+      </p:cxnSp>
+      <p:grpSp>
+        <p:nvGrpSpPr>
+          <p:cNvPr id="57" name="群組 56">
+            <a:extLst>
+              <a:ext uri="{FF2B5EF4-FFF2-40B4-BE49-F238E27FC236}">
+                <a16:creationId xmlns:a16="http://schemas.microsoft.com/office/drawing/2014/main" id="{B202781B-25FD-4A72-8EE8-E3D3B8D4E02E}"/>
+              </a:ext>
+            </a:extLst>
+          </p:cNvPr>
+          <p:cNvGrpSpPr/>
+          <p:nvPr/>
+        </p:nvGrpSpPr>
+        <p:grpSpPr>
+          <a:xfrm>
+            <a:off x="8692994" y="1347898"/>
+            <a:ext cx="2889885" cy="5140071"/>
+            <a:chOff x="8692994" y="1347898"/>
+            <a:chExt cx="2889885" cy="5140071"/>
+          </a:xfrm>
+        </p:grpSpPr>
+        <p:grpSp>
+          <p:nvGrpSpPr>
+            <p:cNvPr id="24" name="群組 23">
+              <a:extLst>
+                <a:ext uri="{FF2B5EF4-FFF2-40B4-BE49-F238E27FC236}">
+                  <a16:creationId xmlns:a16="http://schemas.microsoft.com/office/drawing/2014/main" id="{DAE76038-4233-4995-98EA-951DB32E4D1F}"/>
+                </a:ext>
+              </a:extLst>
+            </p:cNvPr>
+            <p:cNvGrpSpPr/>
+            <p:nvPr/>
+          </p:nvGrpSpPr>
+          <p:grpSpPr>
+            <a:xfrm>
+              <a:off x="8692994" y="1347898"/>
+              <a:ext cx="2889885" cy="5140071"/>
+              <a:chOff x="7557415" y="1311564"/>
+              <a:chExt cx="2889885" cy="5140071"/>
+            </a:xfrm>
+          </p:grpSpPr>
+          <p:sp>
+            <p:nvSpPr>
+              <p:cNvPr id="23" name="矩形: 圓角 22">
+                <a:extLst>
+                  <a:ext uri="{FF2B5EF4-FFF2-40B4-BE49-F238E27FC236}">
+                    <a16:creationId xmlns:a16="http://schemas.microsoft.com/office/drawing/2014/main" id="{9FC66FB3-E603-49B9-ABA0-15AA333AFDEC}"/>
+                  </a:ext>
+                </a:extLst>
+              </p:cNvPr>
+              <p:cNvSpPr/>
+              <p:nvPr/>
+            </p:nvSpPr>
+            <p:spPr>
+              <a:xfrm>
+                <a:off x="7557415" y="1311564"/>
+                <a:ext cx="2889885" cy="5140071"/>
+              </a:xfrm>
+              <a:prstGeom prst="roundRect">
+                <a:avLst>
+                  <a:gd name="adj" fmla="val 7547"/>
+                </a:avLst>
+              </a:prstGeom>
+              <a:solidFill>
+                <a:schemeClr val="accent5">
+                  <a:lumMod val="75000"/>
+                </a:schemeClr>
+              </a:solidFill>
+              <a:ln w="19050">
+                <a:solidFill>
+                  <a:schemeClr val="accent1"/>
+                </a:solidFill>
+              </a:ln>
+            </p:spPr>
+            <p:style>
+              <a:lnRef idx="2">
+                <a:schemeClr val="accent1">
+                  <a:shade val="50000"/>
+                </a:schemeClr>
+              </a:lnRef>
+              <a:fillRef idx="1">
+                <a:schemeClr val="accent1"/>
+              </a:fillRef>
+              <a:effectRef idx="0">
+                <a:schemeClr val="accent1"/>
+              </a:effectRef>
+              <a:fontRef idx="minor">
+                <a:schemeClr val="lt1"/>
+              </a:fontRef>
+            </p:style>
+            <p:txBody>
+              <a:bodyPr rtlCol="0" anchor="ctr"/>
+              <a:lstStyle/>
+              <a:p>
+                <a:pPr algn="ctr"/>
+                <a:endParaRPr lang="zh-TW" altLang="en-US"/>
+              </a:p>
+            </p:txBody>
+          </p:sp>
+          <p:sp>
+            <p:nvSpPr>
+              <p:cNvPr id="40" name="文字方塊 39">
+                <a:extLst>
+                  <a:ext uri="{FF2B5EF4-FFF2-40B4-BE49-F238E27FC236}">
+                    <a16:creationId xmlns:a16="http://schemas.microsoft.com/office/drawing/2014/main" id="{81286468-F61E-4FAE-8378-80B222E5DDA8}"/>
+                  </a:ext>
+                </a:extLst>
+              </p:cNvPr>
+              <p:cNvSpPr txBox="1"/>
+              <p:nvPr/>
+            </p:nvSpPr>
+            <p:spPr>
+              <a:xfrm>
+                <a:off x="7570450" y="1357831"/>
+                <a:ext cx="2863815" cy="5047536"/>
+              </a:xfrm>
+              <a:prstGeom prst="rect">
+                <a:avLst/>
+              </a:prstGeom>
+              <a:noFill/>
+            </p:spPr>
+            <p:txBody>
+              <a:bodyPr wrap="square">
+                <a:spAutoFit/>
+              </a:bodyPr>
+              <a:lstStyle/>
+              <a:p>
+                <a:r>
+                  <a:rPr lang="en-US" altLang="zh-TW" sz="700">
+                    <a:solidFill>
+                      <a:srgbClr val="DCDCCC"/>
+                    </a:solidFill>
+                    <a:latin typeface="Consolas" panose="020B0609020204030204" pitchFamily="49" charset="0"/>
+                  </a:rPr>
+                  <a:t> </a:t>
+                </a:r>
+                <a:r>
+                  <a:rPr lang="en-US" altLang="zh-TW" sz="700">
+                    <a:solidFill>
+                      <a:srgbClr val="FFCFAF"/>
+                    </a:solidFill>
+                    <a:latin typeface="Consolas" panose="020B0609020204030204" pitchFamily="49" charset="0"/>
+                  </a:rPr>
+                  <a:t>.file</a:t>
+                </a:r>
+                <a:r>
+                  <a:rPr lang="en-US" altLang="zh-TW" sz="700">
+                    <a:solidFill>
+                      <a:srgbClr val="DCDCCC"/>
+                    </a:solidFill>
+                    <a:latin typeface="Consolas" panose="020B0609020204030204" pitchFamily="49" charset="0"/>
+                  </a:rPr>
+                  <a:t>  </a:t>
+                </a:r>
+                <a:r>
+                  <a:rPr lang="en-US" altLang="zh-TW" sz="700">
+                    <a:solidFill>
+                      <a:srgbClr val="C89191"/>
+                    </a:solidFill>
+                    <a:latin typeface="Consolas" panose="020B0609020204030204" pitchFamily="49" charset="0"/>
+                  </a:rPr>
+                  <a:t>"main.c"</a:t>
+                </a:r>
+                <a:endParaRPr lang="en-US" altLang="zh-TW" sz="700">
+                  <a:solidFill>
+                    <a:srgbClr val="DCDCCC"/>
+                  </a:solidFill>
+                  <a:latin typeface="Consolas" panose="020B0609020204030204" pitchFamily="49" charset="0"/>
+                </a:endParaRPr>
+              </a:p>
+              <a:p>
+                <a:r>
+                  <a:rPr lang="en-US" altLang="zh-TW" sz="700">
+                    <a:solidFill>
+                      <a:srgbClr val="DCDCCC"/>
+                    </a:solidFill>
+                    <a:latin typeface="Consolas" panose="020B0609020204030204" pitchFamily="49" charset="0"/>
+                  </a:rPr>
+                  <a:t>  </a:t>
+                </a:r>
+                <a:r>
+                  <a:rPr lang="en-US" altLang="zh-TW" sz="700" b="1">
+                    <a:solidFill>
+                      <a:srgbClr val="9F9D6D"/>
+                    </a:solidFill>
+                    <a:latin typeface="Consolas" panose="020B0609020204030204" pitchFamily="49" charset="0"/>
+                  </a:rPr>
+                  <a:t>.text</a:t>
+                </a:r>
+                <a:endParaRPr lang="en-US" altLang="zh-TW" sz="700" b="0">
+                  <a:solidFill>
+                    <a:srgbClr val="DCDCCC"/>
+                  </a:solidFill>
+                  <a:latin typeface="Consolas" panose="020B0609020204030204" pitchFamily="49" charset="0"/>
+                </a:endParaRPr>
+              </a:p>
+              <a:p>
+                <a:r>
+                  <a:rPr lang="en-US" altLang="zh-TW" sz="700" b="0">
+                    <a:solidFill>
+                      <a:srgbClr val="DCDCCC"/>
+                    </a:solidFill>
+                    <a:latin typeface="Consolas" panose="020B0609020204030204" pitchFamily="49" charset="0"/>
+                  </a:rPr>
+                  <a:t>  </a:t>
+                </a:r>
+                <a:r>
+                  <a:rPr lang="en-US" altLang="zh-TW" sz="700" b="0">
+                    <a:solidFill>
+                      <a:srgbClr val="FFCFAF"/>
+                    </a:solidFill>
+                    <a:latin typeface="Consolas" panose="020B0609020204030204" pitchFamily="49" charset="0"/>
+                  </a:rPr>
+                  <a:t>.section</a:t>
+                </a:r>
+                <a:r>
+                  <a:rPr lang="en-US" altLang="zh-TW" sz="700" b="0">
+                    <a:solidFill>
+                      <a:srgbClr val="DCDCCC"/>
+                    </a:solidFill>
+                    <a:latin typeface="Consolas" panose="020B0609020204030204" pitchFamily="49" charset="0"/>
+                  </a:rPr>
+                  <a:t>  </a:t>
+                </a:r>
+                <a:r>
+                  <a:rPr lang="en-US" altLang="zh-TW" sz="700" b="0">
+                    <a:solidFill>
+                      <a:srgbClr val="FFCFAF"/>
+                    </a:solidFill>
+                    <a:latin typeface="Consolas" panose="020B0609020204030204" pitchFamily="49" charset="0"/>
+                  </a:rPr>
+                  <a:t>.rodata</a:t>
+                </a:r>
+                <a:endParaRPr lang="en-US" altLang="zh-TW" sz="700" b="0">
+                  <a:solidFill>
+                    <a:srgbClr val="DCDCCC"/>
+                  </a:solidFill>
+                  <a:latin typeface="Consolas" panose="020B0609020204030204" pitchFamily="49" charset="0"/>
+                </a:endParaRPr>
+              </a:p>
+              <a:p>
+                <a:r>
+                  <a:rPr lang="en-US" altLang="zh-TW" sz="700" b="0">
+                    <a:solidFill>
+                      <a:srgbClr val="FFCFAF"/>
+                    </a:solidFill>
+                    <a:latin typeface="Consolas" panose="020B0609020204030204" pitchFamily="49" charset="0"/>
+                  </a:rPr>
+                  <a:t>.LC0</a:t>
+                </a:r>
+                <a:r>
+                  <a:rPr lang="en-US" altLang="zh-TW" sz="700" b="1">
+                    <a:solidFill>
+                      <a:srgbClr val="9F9D6D"/>
+                    </a:solidFill>
+                    <a:latin typeface="Consolas" panose="020B0609020204030204" pitchFamily="49" charset="0"/>
+                  </a:rPr>
+                  <a:t>:</a:t>
+                </a:r>
+                <a:endParaRPr lang="en-US" altLang="zh-TW" sz="700" b="0">
+                  <a:solidFill>
+                    <a:srgbClr val="DCDCCC"/>
+                  </a:solidFill>
+                  <a:latin typeface="Consolas" panose="020B0609020204030204" pitchFamily="49" charset="0"/>
+                </a:endParaRPr>
+              </a:p>
+              <a:p>
+                <a:r>
+                  <a:rPr lang="en-US" altLang="zh-TW" sz="700" b="0">
+                    <a:solidFill>
+                      <a:srgbClr val="DCDCCC"/>
+                    </a:solidFill>
+                    <a:latin typeface="Consolas" panose="020B0609020204030204" pitchFamily="49" charset="0"/>
+                  </a:rPr>
+                  <a:t>  </a:t>
+                </a:r>
+                <a:r>
+                  <a:rPr lang="en-US" altLang="zh-TW" sz="700" b="0">
+                    <a:solidFill>
+                      <a:srgbClr val="FFCFAF"/>
+                    </a:solidFill>
+                    <a:latin typeface="Consolas" panose="020B0609020204030204" pitchFamily="49" charset="0"/>
+                  </a:rPr>
+                  <a:t>.string</a:t>
+                </a:r>
+                <a:r>
+                  <a:rPr lang="en-US" altLang="zh-TW" sz="700" b="0">
+                    <a:solidFill>
+                      <a:srgbClr val="DCDCCC"/>
+                    </a:solidFill>
+                    <a:latin typeface="Consolas" panose="020B0609020204030204" pitchFamily="49" charset="0"/>
+                  </a:rPr>
+                  <a:t>  </a:t>
+                </a:r>
+                <a:r>
+                  <a:rPr lang="en-US" altLang="zh-TW" sz="700" b="0">
+                    <a:solidFill>
+                      <a:srgbClr val="C89191"/>
+                    </a:solidFill>
+                    <a:latin typeface="Consolas" panose="020B0609020204030204" pitchFamily="49" charset="0"/>
+                  </a:rPr>
+                  <a:t>"Hello, World!"</a:t>
+                </a:r>
+                <a:endParaRPr lang="en-US" altLang="zh-TW" sz="700" b="0">
+                  <a:solidFill>
+                    <a:srgbClr val="DCDCCC"/>
+                  </a:solidFill>
+                  <a:latin typeface="Consolas" panose="020B0609020204030204" pitchFamily="49" charset="0"/>
+                </a:endParaRPr>
+              </a:p>
+              <a:p>
+                <a:r>
+                  <a:rPr lang="en-US" altLang="zh-TW" sz="700" b="0">
+                    <a:solidFill>
+                      <a:srgbClr val="DCDCCC"/>
+                    </a:solidFill>
+                    <a:latin typeface="Consolas" panose="020B0609020204030204" pitchFamily="49" charset="0"/>
+                  </a:rPr>
+                  <a:t>  </a:t>
+                </a:r>
+                <a:r>
+                  <a:rPr lang="en-US" altLang="zh-TW" sz="700" b="1">
+                    <a:solidFill>
+                      <a:srgbClr val="9F9D6D"/>
+                    </a:solidFill>
+                    <a:latin typeface="Consolas" panose="020B0609020204030204" pitchFamily="49" charset="0"/>
+                  </a:rPr>
+                  <a:t>.text</a:t>
+                </a:r>
+                <a:endParaRPr lang="en-US" altLang="zh-TW" sz="700" b="0">
+                  <a:solidFill>
+                    <a:srgbClr val="DCDCCC"/>
+                  </a:solidFill>
+                  <a:latin typeface="Consolas" panose="020B0609020204030204" pitchFamily="49" charset="0"/>
+                </a:endParaRPr>
+              </a:p>
+              <a:p>
+                <a:r>
+                  <a:rPr lang="en-US" altLang="zh-TW" sz="700" b="0">
+                    <a:solidFill>
+                      <a:srgbClr val="DCDCCC"/>
+                    </a:solidFill>
+                    <a:latin typeface="Consolas" panose="020B0609020204030204" pitchFamily="49" charset="0"/>
+                  </a:rPr>
+                  <a:t>  </a:t>
+                </a:r>
+                <a:r>
+                  <a:rPr lang="en-US" altLang="zh-TW" sz="700" b="0">
+                    <a:solidFill>
+                      <a:srgbClr val="FFCFAF"/>
+                    </a:solidFill>
+                    <a:latin typeface="Consolas" panose="020B0609020204030204" pitchFamily="49" charset="0"/>
+                  </a:rPr>
+                  <a:t>.globl</a:t>
+                </a:r>
+                <a:r>
+                  <a:rPr lang="en-US" altLang="zh-TW" sz="700" b="0">
+                    <a:solidFill>
+                      <a:srgbClr val="DCDCCC"/>
+                    </a:solidFill>
+                    <a:latin typeface="Consolas" panose="020B0609020204030204" pitchFamily="49" charset="0"/>
+                  </a:rPr>
+                  <a:t>  </a:t>
+                </a:r>
+                <a:r>
+                  <a:rPr lang="en-US" altLang="zh-TW" sz="700" b="0">
+                    <a:solidFill>
+                      <a:srgbClr val="FFCFAF"/>
+                    </a:solidFill>
+                    <a:latin typeface="Consolas" panose="020B0609020204030204" pitchFamily="49" charset="0"/>
+                  </a:rPr>
+                  <a:t>main</a:t>
+                </a:r>
+                <a:endParaRPr lang="en-US" altLang="zh-TW" sz="700" b="0">
+                  <a:solidFill>
+                    <a:srgbClr val="DCDCCC"/>
+                  </a:solidFill>
+                  <a:latin typeface="Consolas" panose="020B0609020204030204" pitchFamily="49" charset="0"/>
+                </a:endParaRPr>
+              </a:p>
+              <a:p>
+                <a:r>
+                  <a:rPr lang="en-US" altLang="zh-TW" sz="700" b="0">
+                    <a:solidFill>
+                      <a:srgbClr val="DCDCCC"/>
+                    </a:solidFill>
+                    <a:latin typeface="Consolas" panose="020B0609020204030204" pitchFamily="49" charset="0"/>
+                  </a:rPr>
+                  <a:t>  </a:t>
+                </a:r>
+                <a:r>
+                  <a:rPr lang="en-US" altLang="zh-TW" sz="700" b="0">
+                    <a:solidFill>
+                      <a:srgbClr val="CEDF99"/>
+                    </a:solidFill>
+                    <a:latin typeface="Consolas" panose="020B0609020204030204" pitchFamily="49" charset="0"/>
+                  </a:rPr>
+                  <a:t>.type</a:t>
+                </a:r>
+                <a:r>
+                  <a:rPr lang="en-US" altLang="zh-TW" sz="700" b="0">
+                    <a:solidFill>
+                      <a:srgbClr val="DCDCCC"/>
+                    </a:solidFill>
+                    <a:latin typeface="Consolas" panose="020B0609020204030204" pitchFamily="49" charset="0"/>
+                  </a:rPr>
+                  <a:t>  </a:t>
+                </a:r>
+                <a:r>
+                  <a:rPr lang="en-US" altLang="zh-TW" sz="700" b="0">
+                    <a:solidFill>
+                      <a:srgbClr val="FFCFAF"/>
+                    </a:solidFill>
+                    <a:latin typeface="Consolas" panose="020B0609020204030204" pitchFamily="49" charset="0"/>
+                  </a:rPr>
+                  <a:t>main</a:t>
+                </a:r>
+                <a:r>
+                  <a:rPr lang="en-US" altLang="zh-TW" sz="700" b="1">
+                    <a:solidFill>
+                      <a:srgbClr val="9F9D6D"/>
+                    </a:solidFill>
+                    <a:latin typeface="Consolas" panose="020B0609020204030204" pitchFamily="49" charset="0"/>
+                  </a:rPr>
+                  <a:t>,</a:t>
+                </a:r>
+                <a:r>
+                  <a:rPr lang="en-US" altLang="zh-TW" sz="700" b="0">
+                    <a:solidFill>
+                      <a:srgbClr val="DCDCCC"/>
+                    </a:solidFill>
+                    <a:latin typeface="Consolas" panose="020B0609020204030204" pitchFamily="49" charset="0"/>
+                  </a:rPr>
+                  <a:t> </a:t>
+                </a:r>
+                <a:r>
+                  <a:rPr lang="en-US" altLang="zh-TW" sz="700" b="0">
+                    <a:solidFill>
+                      <a:srgbClr val="FFCFAF"/>
+                    </a:solidFill>
+                    <a:latin typeface="Consolas" panose="020B0609020204030204" pitchFamily="49" charset="0"/>
+                  </a:rPr>
+                  <a:t>@function</a:t>
+                </a:r>
+                <a:endParaRPr lang="en-US" altLang="zh-TW" sz="700" b="0">
+                  <a:solidFill>
+                    <a:srgbClr val="DCDCCC"/>
+                  </a:solidFill>
+                  <a:latin typeface="Consolas" panose="020B0609020204030204" pitchFamily="49" charset="0"/>
+                </a:endParaRPr>
+              </a:p>
+              <a:p>
+                <a:r>
+                  <a:rPr lang="en-US" altLang="zh-TW" sz="700" b="0">
+                    <a:solidFill>
+                      <a:srgbClr val="FFCFAF"/>
+                    </a:solidFill>
+                    <a:latin typeface="Consolas" panose="020B0609020204030204" pitchFamily="49" charset="0"/>
+                  </a:rPr>
+                  <a:t>main</a:t>
+                </a:r>
+                <a:r>
+                  <a:rPr lang="en-US" altLang="zh-TW" sz="700" b="1">
+                    <a:solidFill>
+                      <a:srgbClr val="9F9D6D"/>
+                    </a:solidFill>
+                    <a:latin typeface="Consolas" panose="020B0609020204030204" pitchFamily="49" charset="0"/>
+                  </a:rPr>
+                  <a:t>:</a:t>
+                </a:r>
+                <a:endParaRPr lang="en-US" altLang="zh-TW" sz="700" b="0">
+                  <a:solidFill>
+                    <a:srgbClr val="DCDCCC"/>
+                  </a:solidFill>
+                  <a:latin typeface="Consolas" panose="020B0609020204030204" pitchFamily="49" charset="0"/>
+                </a:endParaRPr>
+              </a:p>
+              <a:p>
+                <a:r>
+                  <a:rPr lang="en-US" altLang="zh-TW" sz="700" b="0">
+                    <a:solidFill>
+                      <a:srgbClr val="FFCFAF"/>
+                    </a:solidFill>
+                    <a:latin typeface="Consolas" panose="020B0609020204030204" pitchFamily="49" charset="0"/>
+                  </a:rPr>
+                  <a:t>.LFB0</a:t>
+                </a:r>
+                <a:r>
+                  <a:rPr lang="en-US" altLang="zh-TW" sz="700" b="1">
+                    <a:solidFill>
+                      <a:srgbClr val="9F9D6D"/>
+                    </a:solidFill>
+                    <a:latin typeface="Consolas" panose="020B0609020204030204" pitchFamily="49" charset="0"/>
+                  </a:rPr>
+                  <a:t>:</a:t>
+                </a:r>
+                <a:endParaRPr lang="en-US" altLang="zh-TW" sz="700" b="0">
+                  <a:solidFill>
+                    <a:srgbClr val="DCDCCC"/>
+                  </a:solidFill>
+                  <a:latin typeface="Consolas" panose="020B0609020204030204" pitchFamily="49" charset="0"/>
+                </a:endParaRPr>
+              </a:p>
+              <a:p>
+                <a:r>
+                  <a:rPr lang="en-US" altLang="zh-TW" sz="700" b="0">
+                    <a:solidFill>
+                      <a:srgbClr val="DCDCCC"/>
+                    </a:solidFill>
+                    <a:latin typeface="Consolas" panose="020B0609020204030204" pitchFamily="49" charset="0"/>
+                  </a:rPr>
+                  <a:t>  </a:t>
+                </a:r>
+                <a:r>
+                  <a:rPr lang="en-US" altLang="zh-TW" sz="700" b="0">
+                    <a:solidFill>
+                      <a:srgbClr val="FFCFAF"/>
+                    </a:solidFill>
+                    <a:latin typeface="Consolas" panose="020B0609020204030204" pitchFamily="49" charset="0"/>
+                  </a:rPr>
+                  <a:t>.cfi_startproc</a:t>
+                </a:r>
+                <a:endParaRPr lang="en-US" altLang="zh-TW" sz="700" b="0">
+                  <a:solidFill>
+                    <a:srgbClr val="DCDCCC"/>
+                  </a:solidFill>
+                  <a:latin typeface="Consolas" panose="020B0609020204030204" pitchFamily="49" charset="0"/>
+                </a:endParaRPr>
+              </a:p>
+              <a:p>
+                <a:r>
+                  <a:rPr lang="en-US" altLang="zh-TW" sz="700" b="0">
+                    <a:solidFill>
+                      <a:srgbClr val="DCDCCC"/>
+                    </a:solidFill>
+                    <a:latin typeface="Consolas" panose="020B0609020204030204" pitchFamily="49" charset="0"/>
+                  </a:rPr>
+                  <a:t>  </a:t>
+                </a:r>
+                <a:r>
+                  <a:rPr lang="en-US" altLang="zh-TW" sz="700" b="0">
+                    <a:solidFill>
+                      <a:srgbClr val="FFCFAF"/>
+                    </a:solidFill>
+                    <a:latin typeface="Consolas" panose="020B0609020204030204" pitchFamily="49" charset="0"/>
+                  </a:rPr>
+                  <a:t>endbr64</a:t>
+                </a:r>
+                <a:endParaRPr lang="en-US" altLang="zh-TW" sz="700" b="0">
+                  <a:solidFill>
+                    <a:srgbClr val="DCDCCC"/>
+                  </a:solidFill>
+                  <a:latin typeface="Consolas" panose="020B0609020204030204" pitchFamily="49" charset="0"/>
+                </a:endParaRPr>
+              </a:p>
+              <a:p>
+                <a:r>
+                  <a:rPr lang="en-US" altLang="zh-TW" sz="700" b="0">
+                    <a:solidFill>
+                      <a:srgbClr val="DCDCCC"/>
+                    </a:solidFill>
+                    <a:latin typeface="Consolas" panose="020B0609020204030204" pitchFamily="49" charset="0"/>
+                  </a:rPr>
+                  <a:t>  </a:t>
+                </a:r>
+                <a:r>
+                  <a:rPr lang="en-US" altLang="zh-TW" sz="700" b="0">
+                    <a:solidFill>
+                      <a:srgbClr val="FFCFAF"/>
+                    </a:solidFill>
+                    <a:latin typeface="Consolas" panose="020B0609020204030204" pitchFamily="49" charset="0"/>
+                  </a:rPr>
+                  <a:t>pushq</a:t>
+                </a:r>
+                <a:r>
+                  <a:rPr lang="en-US" altLang="zh-TW" sz="700" b="0">
+                    <a:solidFill>
+                      <a:srgbClr val="DCDCCC"/>
+                    </a:solidFill>
+                    <a:latin typeface="Consolas" panose="020B0609020204030204" pitchFamily="49" charset="0"/>
+                  </a:rPr>
+                  <a:t>  </a:t>
+                </a:r>
+                <a:r>
+                  <a:rPr lang="en-US" altLang="zh-TW" sz="700" b="0">
+                    <a:solidFill>
+                      <a:srgbClr val="FFCFAF"/>
+                    </a:solidFill>
+                    <a:latin typeface="Consolas" panose="020B0609020204030204" pitchFamily="49" charset="0"/>
+                  </a:rPr>
+                  <a:t>%rbp</a:t>
+                </a:r>
+                <a:endParaRPr lang="en-US" altLang="zh-TW" sz="700" b="0">
+                  <a:solidFill>
+                    <a:srgbClr val="DCDCCC"/>
+                  </a:solidFill>
+                  <a:latin typeface="Consolas" panose="020B0609020204030204" pitchFamily="49" charset="0"/>
+                </a:endParaRPr>
+              </a:p>
+              <a:p>
+                <a:r>
+                  <a:rPr lang="en-US" altLang="zh-TW" sz="700" b="0">
+                    <a:solidFill>
+                      <a:srgbClr val="DCDCCC"/>
+                    </a:solidFill>
+                    <a:latin typeface="Consolas" panose="020B0609020204030204" pitchFamily="49" charset="0"/>
+                  </a:rPr>
+                  <a:t>  </a:t>
+                </a:r>
+                <a:r>
+                  <a:rPr lang="en-US" altLang="zh-TW" sz="700" b="0">
+                    <a:solidFill>
+                      <a:srgbClr val="FFCFAF"/>
+                    </a:solidFill>
+                    <a:latin typeface="Consolas" panose="020B0609020204030204" pitchFamily="49" charset="0"/>
+                  </a:rPr>
+                  <a:t>.cfi_def_cfa_offset</a:t>
+                </a:r>
+                <a:r>
+                  <a:rPr lang="en-US" altLang="zh-TW" sz="700" b="0">
+                    <a:solidFill>
+                      <a:srgbClr val="DCDCCC"/>
+                    </a:solidFill>
+                    <a:latin typeface="Consolas" panose="020B0609020204030204" pitchFamily="49" charset="0"/>
+                  </a:rPr>
+                  <a:t> </a:t>
+                </a:r>
+                <a:r>
+                  <a:rPr lang="en-US" altLang="zh-TW" sz="700" b="0">
+                    <a:solidFill>
+                      <a:srgbClr val="8CD0D3"/>
+                    </a:solidFill>
+                    <a:latin typeface="Consolas" panose="020B0609020204030204" pitchFamily="49" charset="0"/>
+                  </a:rPr>
+                  <a:t>16</a:t>
+                </a:r>
+                <a:endParaRPr lang="en-US" altLang="zh-TW" sz="700" b="0">
+                  <a:solidFill>
+                    <a:srgbClr val="DCDCCC"/>
+                  </a:solidFill>
+                  <a:latin typeface="Consolas" panose="020B0609020204030204" pitchFamily="49" charset="0"/>
+                </a:endParaRPr>
+              </a:p>
+              <a:p>
+                <a:r>
+                  <a:rPr lang="en-US" altLang="zh-TW" sz="700" b="0">
+                    <a:solidFill>
+                      <a:srgbClr val="DCDCCC"/>
+                    </a:solidFill>
+                    <a:latin typeface="Consolas" panose="020B0609020204030204" pitchFamily="49" charset="0"/>
+                  </a:rPr>
+                  <a:t>  </a:t>
+                </a:r>
+                <a:r>
+                  <a:rPr lang="en-US" altLang="zh-TW" sz="700" b="0">
+                    <a:solidFill>
+                      <a:srgbClr val="FFCFAF"/>
+                    </a:solidFill>
+                    <a:latin typeface="Consolas" panose="020B0609020204030204" pitchFamily="49" charset="0"/>
+                  </a:rPr>
+                  <a:t>.cfi_offset</a:t>
+                </a:r>
+                <a:r>
+                  <a:rPr lang="en-US" altLang="zh-TW" sz="700" b="0">
+                    <a:solidFill>
+                      <a:srgbClr val="DCDCCC"/>
+                    </a:solidFill>
+                    <a:latin typeface="Consolas" panose="020B0609020204030204" pitchFamily="49" charset="0"/>
+                  </a:rPr>
+                  <a:t> </a:t>
+                </a:r>
+                <a:r>
+                  <a:rPr lang="en-US" altLang="zh-TW" sz="700" b="0">
+                    <a:solidFill>
+                      <a:srgbClr val="8CD0D3"/>
+                    </a:solidFill>
+                    <a:latin typeface="Consolas" panose="020B0609020204030204" pitchFamily="49" charset="0"/>
+                  </a:rPr>
+                  <a:t>6</a:t>
+                </a:r>
+                <a:r>
+                  <a:rPr lang="en-US" altLang="zh-TW" sz="700" b="1">
+                    <a:solidFill>
+                      <a:srgbClr val="9F9D6D"/>
+                    </a:solidFill>
+                    <a:latin typeface="Consolas" panose="020B0609020204030204" pitchFamily="49" charset="0"/>
+                  </a:rPr>
+                  <a:t>,</a:t>
+                </a:r>
+                <a:r>
+                  <a:rPr lang="en-US" altLang="zh-TW" sz="700" b="0">
+                    <a:solidFill>
+                      <a:srgbClr val="DCDCCC"/>
+                    </a:solidFill>
+                    <a:latin typeface="Consolas" panose="020B0609020204030204" pitchFamily="49" charset="0"/>
+                  </a:rPr>
+                  <a:t> </a:t>
+                </a:r>
+                <a:r>
+                  <a:rPr lang="en-US" altLang="zh-TW" sz="700" b="1">
+                    <a:solidFill>
+                      <a:srgbClr val="9F9D6D"/>
+                    </a:solidFill>
+                    <a:latin typeface="Consolas" panose="020B0609020204030204" pitchFamily="49" charset="0"/>
+                  </a:rPr>
+                  <a:t>-</a:t>
+                </a:r>
+                <a:r>
+                  <a:rPr lang="en-US" altLang="zh-TW" sz="700" b="0">
+                    <a:solidFill>
+                      <a:srgbClr val="8CD0D3"/>
+                    </a:solidFill>
+                    <a:latin typeface="Consolas" panose="020B0609020204030204" pitchFamily="49" charset="0"/>
+                  </a:rPr>
+                  <a:t>16</a:t>
+                </a:r>
+                <a:endParaRPr lang="en-US" altLang="zh-TW" sz="700" b="0">
+                  <a:solidFill>
+                    <a:srgbClr val="DCDCCC"/>
+                  </a:solidFill>
+                  <a:latin typeface="Consolas" panose="020B0609020204030204" pitchFamily="49" charset="0"/>
+                </a:endParaRPr>
+              </a:p>
+              <a:p>
+                <a:r>
+                  <a:rPr lang="en-US" altLang="zh-TW" sz="700" b="0">
+                    <a:solidFill>
+                      <a:srgbClr val="DCDCCC"/>
+                    </a:solidFill>
+                    <a:latin typeface="Consolas" panose="020B0609020204030204" pitchFamily="49" charset="0"/>
+                  </a:rPr>
+                  <a:t>  </a:t>
+                </a:r>
+                <a:r>
+                  <a:rPr lang="en-US" altLang="zh-TW" sz="700" b="1">
+                    <a:solidFill>
+                      <a:srgbClr val="E3CEAB"/>
+                    </a:solidFill>
+                    <a:latin typeface="Consolas" panose="020B0609020204030204" pitchFamily="49" charset="0"/>
+                  </a:rPr>
+                  <a:t>movq</a:t>
+                </a:r>
+                <a:r>
+                  <a:rPr lang="en-US" altLang="zh-TW" sz="700" b="0">
+                    <a:solidFill>
+                      <a:srgbClr val="DCDCCC"/>
+                    </a:solidFill>
+                    <a:latin typeface="Consolas" panose="020B0609020204030204" pitchFamily="49" charset="0"/>
+                  </a:rPr>
+                  <a:t>  </a:t>
+                </a:r>
+                <a:r>
+                  <a:rPr lang="en-US" altLang="zh-TW" sz="700" b="0">
+                    <a:solidFill>
+                      <a:srgbClr val="FFCFAF"/>
+                    </a:solidFill>
+                    <a:latin typeface="Consolas" panose="020B0609020204030204" pitchFamily="49" charset="0"/>
+                  </a:rPr>
+                  <a:t>%rsp</a:t>
+                </a:r>
+                <a:r>
+                  <a:rPr lang="en-US" altLang="zh-TW" sz="700" b="1">
+                    <a:solidFill>
+                      <a:srgbClr val="9F9D6D"/>
+                    </a:solidFill>
+                    <a:latin typeface="Consolas" panose="020B0609020204030204" pitchFamily="49" charset="0"/>
+                  </a:rPr>
+                  <a:t>,</a:t>
+                </a:r>
+                <a:r>
+                  <a:rPr lang="en-US" altLang="zh-TW" sz="700" b="0">
+                    <a:solidFill>
+                      <a:srgbClr val="DCDCCC"/>
+                    </a:solidFill>
+                    <a:latin typeface="Consolas" panose="020B0609020204030204" pitchFamily="49" charset="0"/>
+                  </a:rPr>
+                  <a:t> </a:t>
+                </a:r>
+                <a:r>
+                  <a:rPr lang="en-US" altLang="zh-TW" sz="700" b="0">
+                    <a:solidFill>
+                      <a:srgbClr val="FFCFAF"/>
+                    </a:solidFill>
+                    <a:latin typeface="Consolas" panose="020B0609020204030204" pitchFamily="49" charset="0"/>
+                  </a:rPr>
+                  <a:t>%rbp</a:t>
+                </a:r>
+                <a:endParaRPr lang="en-US" altLang="zh-TW" sz="700" b="0">
+                  <a:solidFill>
+                    <a:srgbClr val="DCDCCC"/>
+                  </a:solidFill>
+                  <a:latin typeface="Consolas" panose="020B0609020204030204" pitchFamily="49" charset="0"/>
+                </a:endParaRPr>
+              </a:p>
+              <a:p>
+                <a:r>
+                  <a:rPr lang="en-US" altLang="zh-TW" sz="700" b="0">
+                    <a:solidFill>
+                      <a:srgbClr val="DCDCCC"/>
+                    </a:solidFill>
+                    <a:latin typeface="Consolas" panose="020B0609020204030204" pitchFamily="49" charset="0"/>
+                  </a:rPr>
+                  <a:t>  </a:t>
+                </a:r>
+                <a:r>
+                  <a:rPr lang="en-US" altLang="zh-TW" sz="700" b="0">
+                    <a:solidFill>
+                      <a:srgbClr val="FFCFAF"/>
+                    </a:solidFill>
+                    <a:latin typeface="Consolas" panose="020B0609020204030204" pitchFamily="49" charset="0"/>
+                  </a:rPr>
+                  <a:t>.cfi_def_cfa_register</a:t>
+                </a:r>
+                <a:r>
+                  <a:rPr lang="en-US" altLang="zh-TW" sz="700" b="0">
+                    <a:solidFill>
+                      <a:srgbClr val="DCDCCC"/>
+                    </a:solidFill>
+                    <a:latin typeface="Consolas" panose="020B0609020204030204" pitchFamily="49" charset="0"/>
+                  </a:rPr>
+                  <a:t> </a:t>
+                </a:r>
+                <a:r>
+                  <a:rPr lang="en-US" altLang="zh-TW" sz="700" b="0">
+                    <a:solidFill>
+                      <a:srgbClr val="8CD0D3"/>
+                    </a:solidFill>
+                    <a:latin typeface="Consolas" panose="020B0609020204030204" pitchFamily="49" charset="0"/>
+                  </a:rPr>
+                  <a:t>6</a:t>
+                </a:r>
+                <a:endParaRPr lang="en-US" altLang="zh-TW" sz="700" b="0">
+                  <a:solidFill>
+                    <a:srgbClr val="DCDCCC"/>
+                  </a:solidFill>
+                  <a:latin typeface="Consolas" panose="020B0609020204030204" pitchFamily="49" charset="0"/>
+                </a:endParaRPr>
+              </a:p>
+              <a:p>
+                <a:r>
+                  <a:rPr lang="en-US" altLang="zh-TW" sz="700" b="0">
+                    <a:solidFill>
+                      <a:srgbClr val="DCDCCC"/>
+                    </a:solidFill>
+                    <a:latin typeface="Consolas" panose="020B0609020204030204" pitchFamily="49" charset="0"/>
+                  </a:rPr>
+                  <a:t>  </a:t>
+                </a:r>
+                <a:r>
+                  <a:rPr lang="en-US" altLang="zh-TW" sz="700" b="0">
+                    <a:solidFill>
+                      <a:srgbClr val="FFCFAF"/>
+                    </a:solidFill>
+                    <a:latin typeface="Consolas" panose="020B0609020204030204" pitchFamily="49" charset="0"/>
+                  </a:rPr>
+                  <a:t>leaq</a:t>
+                </a:r>
+                <a:r>
+                  <a:rPr lang="en-US" altLang="zh-TW" sz="700" b="0">
+                    <a:solidFill>
+                      <a:srgbClr val="DCDCCC"/>
+                    </a:solidFill>
+                    <a:latin typeface="Consolas" panose="020B0609020204030204" pitchFamily="49" charset="0"/>
+                  </a:rPr>
+                  <a:t>  </a:t>
+                </a:r>
+                <a:r>
+                  <a:rPr lang="en-US" altLang="zh-TW" sz="700" b="0">
+                    <a:solidFill>
+                      <a:srgbClr val="FFCFAF"/>
+                    </a:solidFill>
+                    <a:latin typeface="Consolas" panose="020B0609020204030204" pitchFamily="49" charset="0"/>
+                  </a:rPr>
+                  <a:t>.LC0</a:t>
+                </a:r>
+                <a:r>
+                  <a:rPr lang="en-US" altLang="zh-TW" sz="700" b="1">
+                    <a:solidFill>
+                      <a:srgbClr val="9F9D6D"/>
+                    </a:solidFill>
+                    <a:latin typeface="Consolas" panose="020B0609020204030204" pitchFamily="49" charset="0"/>
+                  </a:rPr>
+                  <a:t>(%</a:t>
+                </a:r>
+                <a:r>
+                  <a:rPr lang="en-US" altLang="zh-TW" sz="700" b="0">
+                    <a:solidFill>
+                      <a:srgbClr val="FFCFAF"/>
+                    </a:solidFill>
+                    <a:latin typeface="Consolas" panose="020B0609020204030204" pitchFamily="49" charset="0"/>
+                  </a:rPr>
+                  <a:t>rip</a:t>
+                </a:r>
+                <a:r>
+                  <a:rPr lang="en-US" altLang="zh-TW" sz="700" b="1">
+                    <a:solidFill>
+                      <a:srgbClr val="9F9D6D"/>
+                    </a:solidFill>
+                    <a:latin typeface="Consolas" panose="020B0609020204030204" pitchFamily="49" charset="0"/>
+                  </a:rPr>
+                  <a:t>),</a:t>
+                </a:r>
+                <a:r>
+                  <a:rPr lang="en-US" altLang="zh-TW" sz="700" b="0">
+                    <a:solidFill>
+                      <a:srgbClr val="DCDCCC"/>
+                    </a:solidFill>
+                    <a:latin typeface="Consolas" panose="020B0609020204030204" pitchFamily="49" charset="0"/>
+                  </a:rPr>
+                  <a:t> </a:t>
+                </a:r>
+                <a:r>
+                  <a:rPr lang="en-US" altLang="zh-TW" sz="700" b="0">
+                    <a:solidFill>
+                      <a:srgbClr val="FFCFAF"/>
+                    </a:solidFill>
+                    <a:latin typeface="Consolas" panose="020B0609020204030204" pitchFamily="49" charset="0"/>
+                  </a:rPr>
+                  <a:t>%rax</a:t>
+                </a:r>
+                <a:endParaRPr lang="en-US" altLang="zh-TW" sz="700" b="0">
+                  <a:solidFill>
+                    <a:srgbClr val="DCDCCC"/>
+                  </a:solidFill>
+                  <a:latin typeface="Consolas" panose="020B0609020204030204" pitchFamily="49" charset="0"/>
+                </a:endParaRPr>
+              </a:p>
+              <a:p>
+                <a:r>
+                  <a:rPr lang="en-US" altLang="zh-TW" sz="700" b="0">
+                    <a:solidFill>
+                      <a:srgbClr val="DCDCCC"/>
+                    </a:solidFill>
+                    <a:latin typeface="Consolas" panose="020B0609020204030204" pitchFamily="49" charset="0"/>
+                  </a:rPr>
+                  <a:t>  </a:t>
+                </a:r>
+                <a:r>
+                  <a:rPr lang="en-US" altLang="zh-TW" sz="700" b="1">
+                    <a:solidFill>
+                      <a:srgbClr val="E3CEAB"/>
+                    </a:solidFill>
+                    <a:latin typeface="Consolas" panose="020B0609020204030204" pitchFamily="49" charset="0"/>
+                  </a:rPr>
+                  <a:t>movq</a:t>
+                </a:r>
+                <a:r>
+                  <a:rPr lang="en-US" altLang="zh-TW" sz="700" b="0">
+                    <a:solidFill>
+                      <a:srgbClr val="DCDCCC"/>
+                    </a:solidFill>
+                    <a:latin typeface="Consolas" panose="020B0609020204030204" pitchFamily="49" charset="0"/>
+                  </a:rPr>
+                  <a:t>  </a:t>
+                </a:r>
+                <a:r>
+                  <a:rPr lang="en-US" altLang="zh-TW" sz="700" b="0">
+                    <a:solidFill>
+                      <a:srgbClr val="FFCFAF"/>
+                    </a:solidFill>
+                    <a:latin typeface="Consolas" panose="020B0609020204030204" pitchFamily="49" charset="0"/>
+                  </a:rPr>
+                  <a:t>%rax</a:t>
+                </a:r>
+                <a:r>
+                  <a:rPr lang="en-US" altLang="zh-TW" sz="700" b="1">
+                    <a:solidFill>
+                      <a:srgbClr val="9F9D6D"/>
+                    </a:solidFill>
+                    <a:latin typeface="Consolas" panose="020B0609020204030204" pitchFamily="49" charset="0"/>
+                  </a:rPr>
+                  <a:t>,</a:t>
+                </a:r>
+                <a:r>
+                  <a:rPr lang="en-US" altLang="zh-TW" sz="700" b="0">
+                    <a:solidFill>
+                      <a:srgbClr val="DCDCCC"/>
+                    </a:solidFill>
+                    <a:latin typeface="Consolas" panose="020B0609020204030204" pitchFamily="49" charset="0"/>
+                  </a:rPr>
+                  <a:t> </a:t>
+                </a:r>
+                <a:r>
+                  <a:rPr lang="en-US" altLang="zh-TW" sz="700" b="0">
+                    <a:solidFill>
+                      <a:srgbClr val="FFCFAF"/>
+                    </a:solidFill>
+                    <a:latin typeface="Consolas" panose="020B0609020204030204" pitchFamily="49" charset="0"/>
+                  </a:rPr>
+                  <a:t>%rdi</a:t>
+                </a:r>
+                <a:endParaRPr lang="en-US" altLang="zh-TW" sz="700" b="0">
+                  <a:solidFill>
+                    <a:srgbClr val="DCDCCC"/>
+                  </a:solidFill>
+                  <a:latin typeface="Consolas" panose="020B0609020204030204" pitchFamily="49" charset="0"/>
+                </a:endParaRPr>
+              </a:p>
+              <a:p>
+                <a:r>
+                  <a:rPr lang="en-US" altLang="zh-TW" sz="700" b="0">
+                    <a:solidFill>
+                      <a:srgbClr val="DCDCCC"/>
+                    </a:solidFill>
+                    <a:latin typeface="Consolas" panose="020B0609020204030204" pitchFamily="49" charset="0"/>
+                  </a:rPr>
+                  <a:t>  </a:t>
+                </a:r>
+                <a:r>
+                  <a:rPr lang="en-US" altLang="zh-TW" sz="700" b="0">
+                    <a:solidFill>
+                      <a:srgbClr val="FFCFAF"/>
+                    </a:solidFill>
+                    <a:latin typeface="Consolas" panose="020B0609020204030204" pitchFamily="49" charset="0"/>
+                  </a:rPr>
+                  <a:t>movl</a:t>
+                </a:r>
+                <a:r>
+                  <a:rPr lang="en-US" altLang="zh-TW" sz="700" b="0">
+                    <a:solidFill>
+                      <a:srgbClr val="DCDCCC"/>
+                    </a:solidFill>
+                    <a:latin typeface="Consolas" panose="020B0609020204030204" pitchFamily="49" charset="0"/>
+                  </a:rPr>
+                  <a:t>  </a:t>
+                </a:r>
+                <a:r>
+                  <a:rPr lang="en-US" altLang="zh-TW" sz="700" b="0">
+                    <a:solidFill>
+                      <a:srgbClr val="FFCFAF"/>
+                    </a:solidFill>
+                    <a:latin typeface="Consolas" panose="020B0609020204030204" pitchFamily="49" charset="0"/>
+                  </a:rPr>
+                  <a:t>$0</a:t>
+                </a:r>
+                <a:r>
+                  <a:rPr lang="en-US" altLang="zh-TW" sz="700" b="1">
+                    <a:solidFill>
+                      <a:srgbClr val="9F9D6D"/>
+                    </a:solidFill>
+                    <a:latin typeface="Consolas" panose="020B0609020204030204" pitchFamily="49" charset="0"/>
+                  </a:rPr>
+                  <a:t>,</a:t>
+                </a:r>
+                <a:r>
+                  <a:rPr lang="en-US" altLang="zh-TW" sz="700" b="0">
+                    <a:solidFill>
+                      <a:srgbClr val="DCDCCC"/>
+                    </a:solidFill>
+                    <a:latin typeface="Consolas" panose="020B0609020204030204" pitchFamily="49" charset="0"/>
+                  </a:rPr>
+                  <a:t> </a:t>
+                </a:r>
+                <a:r>
+                  <a:rPr lang="en-US" altLang="zh-TW" sz="700" b="0">
+                    <a:solidFill>
+                      <a:srgbClr val="FFCFAF"/>
+                    </a:solidFill>
+                    <a:latin typeface="Consolas" panose="020B0609020204030204" pitchFamily="49" charset="0"/>
+                  </a:rPr>
+                  <a:t>%eax</a:t>
+                </a:r>
+                <a:endParaRPr lang="en-US" altLang="zh-TW" sz="700" b="0">
+                  <a:solidFill>
+                    <a:srgbClr val="DCDCCC"/>
+                  </a:solidFill>
+                  <a:latin typeface="Consolas" panose="020B0609020204030204" pitchFamily="49" charset="0"/>
+                </a:endParaRPr>
+              </a:p>
+              <a:p>
+                <a:r>
+                  <a:rPr lang="en-US" altLang="zh-TW" sz="700" b="0">
+                    <a:solidFill>
+                      <a:srgbClr val="DCDCCC"/>
+                    </a:solidFill>
+                    <a:latin typeface="Consolas" panose="020B0609020204030204" pitchFamily="49" charset="0"/>
+                  </a:rPr>
+                  <a:t>  </a:t>
+                </a:r>
+                <a:r>
+                  <a:rPr lang="en-US" altLang="zh-TW" sz="700" b="1">
+                    <a:solidFill>
+                      <a:srgbClr val="E3CEAB"/>
+                    </a:solidFill>
+                    <a:latin typeface="Consolas" panose="020B0609020204030204" pitchFamily="49" charset="0"/>
+                  </a:rPr>
+                  <a:t>call</a:t>
+                </a:r>
+                <a:r>
+                  <a:rPr lang="en-US" altLang="zh-TW" sz="700" b="0">
+                    <a:solidFill>
+                      <a:srgbClr val="DCDCCC"/>
+                    </a:solidFill>
+                    <a:latin typeface="Consolas" panose="020B0609020204030204" pitchFamily="49" charset="0"/>
+                  </a:rPr>
+                  <a:t>  </a:t>
+                </a:r>
+                <a:r>
+                  <a:rPr lang="en-US" altLang="zh-TW" sz="700" b="0">
+                    <a:solidFill>
+                      <a:srgbClr val="FFCFAF"/>
+                    </a:solidFill>
+                    <a:latin typeface="Consolas" panose="020B0609020204030204" pitchFamily="49" charset="0"/>
+                  </a:rPr>
+                  <a:t>printf@PLT</a:t>
+                </a:r>
+                <a:endParaRPr lang="en-US" altLang="zh-TW" sz="700" b="0">
+                  <a:solidFill>
+                    <a:srgbClr val="DCDCCC"/>
+                  </a:solidFill>
+                  <a:latin typeface="Consolas" panose="020B0609020204030204" pitchFamily="49" charset="0"/>
+                </a:endParaRPr>
+              </a:p>
+              <a:p>
+                <a:r>
+                  <a:rPr lang="en-US" altLang="zh-TW" sz="700" b="0">
+                    <a:solidFill>
+                      <a:srgbClr val="DCDCCC"/>
+                    </a:solidFill>
+                    <a:latin typeface="Consolas" panose="020B0609020204030204" pitchFamily="49" charset="0"/>
+                  </a:rPr>
+                  <a:t>  </a:t>
+                </a:r>
+                <a:r>
+                  <a:rPr lang="en-US" altLang="zh-TW" sz="700" b="0">
+                    <a:solidFill>
+                      <a:srgbClr val="FFCFAF"/>
+                    </a:solidFill>
+                    <a:latin typeface="Consolas" panose="020B0609020204030204" pitchFamily="49" charset="0"/>
+                  </a:rPr>
+                  <a:t>movl</a:t>
+                </a:r>
+                <a:r>
+                  <a:rPr lang="en-US" altLang="zh-TW" sz="700" b="0">
+                    <a:solidFill>
+                      <a:srgbClr val="DCDCCC"/>
+                    </a:solidFill>
+                    <a:latin typeface="Consolas" panose="020B0609020204030204" pitchFamily="49" charset="0"/>
+                  </a:rPr>
+                  <a:t>  </a:t>
+                </a:r>
+                <a:r>
+                  <a:rPr lang="en-US" altLang="zh-TW" sz="700" b="0">
+                    <a:solidFill>
+                      <a:srgbClr val="FFCFAF"/>
+                    </a:solidFill>
+                    <a:latin typeface="Consolas" panose="020B0609020204030204" pitchFamily="49" charset="0"/>
+                  </a:rPr>
+                  <a:t>$0</a:t>
+                </a:r>
+                <a:r>
+                  <a:rPr lang="en-US" altLang="zh-TW" sz="700" b="1">
+                    <a:solidFill>
+                      <a:srgbClr val="9F9D6D"/>
+                    </a:solidFill>
+                    <a:latin typeface="Consolas" panose="020B0609020204030204" pitchFamily="49" charset="0"/>
+                  </a:rPr>
+                  <a:t>,</a:t>
+                </a:r>
+                <a:r>
+                  <a:rPr lang="en-US" altLang="zh-TW" sz="700" b="0">
+                    <a:solidFill>
+                      <a:srgbClr val="DCDCCC"/>
+                    </a:solidFill>
+                    <a:latin typeface="Consolas" panose="020B0609020204030204" pitchFamily="49" charset="0"/>
+                  </a:rPr>
+                  <a:t> </a:t>
+                </a:r>
+                <a:r>
+                  <a:rPr lang="en-US" altLang="zh-TW" sz="700" b="0">
+                    <a:solidFill>
+                      <a:srgbClr val="FFCFAF"/>
+                    </a:solidFill>
+                    <a:latin typeface="Consolas" panose="020B0609020204030204" pitchFamily="49" charset="0"/>
+                  </a:rPr>
+                  <a:t>%eax</a:t>
+                </a:r>
+                <a:endParaRPr lang="en-US" altLang="zh-TW" sz="700" b="0">
+                  <a:solidFill>
+                    <a:srgbClr val="DCDCCC"/>
+                  </a:solidFill>
+                  <a:latin typeface="Consolas" panose="020B0609020204030204" pitchFamily="49" charset="0"/>
+                </a:endParaRPr>
+              </a:p>
+              <a:p>
+                <a:r>
+                  <a:rPr lang="en-US" altLang="zh-TW" sz="700" b="0">
+                    <a:solidFill>
+                      <a:srgbClr val="DCDCCC"/>
+                    </a:solidFill>
+                    <a:latin typeface="Consolas" panose="020B0609020204030204" pitchFamily="49" charset="0"/>
+                  </a:rPr>
+                  <a:t>  </a:t>
+                </a:r>
+                <a:r>
+                  <a:rPr lang="en-US" altLang="zh-TW" sz="700" b="0">
+                    <a:solidFill>
+                      <a:srgbClr val="FFCFAF"/>
+                    </a:solidFill>
+                    <a:latin typeface="Consolas" panose="020B0609020204030204" pitchFamily="49" charset="0"/>
+                  </a:rPr>
+                  <a:t>popq</a:t>
+                </a:r>
+                <a:r>
+                  <a:rPr lang="en-US" altLang="zh-TW" sz="700" b="0">
+                    <a:solidFill>
+                      <a:srgbClr val="DCDCCC"/>
+                    </a:solidFill>
+                    <a:latin typeface="Consolas" panose="020B0609020204030204" pitchFamily="49" charset="0"/>
+                  </a:rPr>
+                  <a:t>  </a:t>
+                </a:r>
+                <a:r>
+                  <a:rPr lang="en-US" altLang="zh-TW" sz="700" b="0">
+                    <a:solidFill>
+                      <a:srgbClr val="FFCFAF"/>
+                    </a:solidFill>
+                    <a:latin typeface="Consolas" panose="020B0609020204030204" pitchFamily="49" charset="0"/>
+                  </a:rPr>
+                  <a:t>%rbp</a:t>
+                </a:r>
+                <a:endParaRPr lang="en-US" altLang="zh-TW" sz="700" b="0">
+                  <a:solidFill>
+                    <a:srgbClr val="DCDCCC"/>
+                  </a:solidFill>
+                  <a:latin typeface="Consolas" panose="020B0609020204030204" pitchFamily="49" charset="0"/>
+                </a:endParaRPr>
+              </a:p>
+              <a:p>
+                <a:r>
+                  <a:rPr lang="it-IT" altLang="zh-TW" sz="700" b="0">
+                    <a:solidFill>
+                      <a:srgbClr val="DCDCCC"/>
+                    </a:solidFill>
+                    <a:latin typeface="Consolas" panose="020B0609020204030204" pitchFamily="49" charset="0"/>
+                  </a:rPr>
+                  <a:t>  </a:t>
+                </a:r>
+                <a:r>
+                  <a:rPr lang="it-IT" altLang="zh-TW" sz="700" b="0">
+                    <a:solidFill>
+                      <a:srgbClr val="FFCFAF"/>
+                    </a:solidFill>
+                    <a:latin typeface="Consolas" panose="020B0609020204030204" pitchFamily="49" charset="0"/>
+                  </a:rPr>
+                  <a:t>.cfi_def_cfa</a:t>
+                </a:r>
+                <a:r>
+                  <a:rPr lang="it-IT" altLang="zh-TW" sz="700" b="0">
+                    <a:solidFill>
+                      <a:srgbClr val="DCDCCC"/>
+                    </a:solidFill>
+                    <a:latin typeface="Consolas" panose="020B0609020204030204" pitchFamily="49" charset="0"/>
+                  </a:rPr>
+                  <a:t> </a:t>
+                </a:r>
+                <a:r>
+                  <a:rPr lang="it-IT" altLang="zh-TW" sz="700" b="0">
+                    <a:solidFill>
+                      <a:srgbClr val="8CD0D3"/>
+                    </a:solidFill>
+                    <a:latin typeface="Consolas" panose="020B0609020204030204" pitchFamily="49" charset="0"/>
+                  </a:rPr>
+                  <a:t>7</a:t>
+                </a:r>
+                <a:r>
+                  <a:rPr lang="it-IT" altLang="zh-TW" sz="700" b="1">
+                    <a:solidFill>
+                      <a:srgbClr val="9F9D6D"/>
+                    </a:solidFill>
+                    <a:latin typeface="Consolas" panose="020B0609020204030204" pitchFamily="49" charset="0"/>
+                  </a:rPr>
+                  <a:t>,</a:t>
+                </a:r>
+                <a:r>
+                  <a:rPr lang="it-IT" altLang="zh-TW" sz="700" b="0">
+                    <a:solidFill>
+                      <a:srgbClr val="DCDCCC"/>
+                    </a:solidFill>
+                    <a:latin typeface="Consolas" panose="020B0609020204030204" pitchFamily="49" charset="0"/>
+                  </a:rPr>
+                  <a:t> </a:t>
+                </a:r>
+                <a:r>
+                  <a:rPr lang="it-IT" altLang="zh-TW" sz="700" b="0">
+                    <a:solidFill>
+                      <a:srgbClr val="8CD0D3"/>
+                    </a:solidFill>
+                    <a:latin typeface="Consolas" panose="020B0609020204030204" pitchFamily="49" charset="0"/>
+                  </a:rPr>
+                  <a:t>8</a:t>
+                </a:r>
+                <a:endParaRPr lang="it-IT" altLang="zh-TW" sz="700" b="0">
+                  <a:solidFill>
+                    <a:srgbClr val="DCDCCC"/>
+                  </a:solidFill>
+                  <a:latin typeface="Consolas" panose="020B0609020204030204" pitchFamily="49" charset="0"/>
+                </a:endParaRPr>
+              </a:p>
+              <a:p>
+                <a:r>
+                  <a:rPr lang="en-US" altLang="zh-TW" sz="700" b="0">
+                    <a:solidFill>
+                      <a:srgbClr val="DCDCCC"/>
+                    </a:solidFill>
+                    <a:latin typeface="Consolas" panose="020B0609020204030204" pitchFamily="49" charset="0"/>
+                  </a:rPr>
+                  <a:t>  </a:t>
+                </a:r>
+                <a:r>
+                  <a:rPr lang="en-US" altLang="zh-TW" sz="700" b="1">
+                    <a:solidFill>
+                      <a:srgbClr val="E3CEAB"/>
+                    </a:solidFill>
+                    <a:latin typeface="Consolas" panose="020B0609020204030204" pitchFamily="49" charset="0"/>
+                  </a:rPr>
+                  <a:t>ret</a:t>
+                </a:r>
+                <a:endParaRPr lang="en-US" altLang="zh-TW" sz="700" b="0">
+                  <a:solidFill>
+                    <a:srgbClr val="DCDCCC"/>
+                  </a:solidFill>
+                  <a:latin typeface="Consolas" panose="020B0609020204030204" pitchFamily="49" charset="0"/>
+                </a:endParaRPr>
+              </a:p>
+              <a:p>
+                <a:r>
+                  <a:rPr lang="en-US" altLang="zh-TW" sz="700" b="0">
+                    <a:solidFill>
+                      <a:srgbClr val="DCDCCC"/>
+                    </a:solidFill>
+                    <a:latin typeface="Consolas" panose="020B0609020204030204" pitchFamily="49" charset="0"/>
+                  </a:rPr>
+                  <a:t>  </a:t>
+                </a:r>
+                <a:r>
+                  <a:rPr lang="en-US" altLang="zh-TW" sz="700" b="0">
+                    <a:solidFill>
+                      <a:srgbClr val="FFCFAF"/>
+                    </a:solidFill>
+                    <a:latin typeface="Consolas" panose="020B0609020204030204" pitchFamily="49" charset="0"/>
+                  </a:rPr>
+                  <a:t>.cfi_endproc</a:t>
+                </a:r>
+                <a:endParaRPr lang="en-US" altLang="zh-TW" sz="700" b="0">
+                  <a:solidFill>
+                    <a:srgbClr val="DCDCCC"/>
+                  </a:solidFill>
+                  <a:latin typeface="Consolas" panose="020B0609020204030204" pitchFamily="49" charset="0"/>
+                </a:endParaRPr>
+              </a:p>
+              <a:p>
+                <a:r>
+                  <a:rPr lang="en-US" altLang="zh-TW" sz="700" b="0">
+                    <a:solidFill>
+                      <a:srgbClr val="FFCFAF"/>
+                    </a:solidFill>
+                    <a:latin typeface="Consolas" panose="020B0609020204030204" pitchFamily="49" charset="0"/>
+                  </a:rPr>
+                  <a:t>.LFE0</a:t>
+                </a:r>
+                <a:r>
+                  <a:rPr lang="en-US" altLang="zh-TW" sz="700" b="1">
+                    <a:solidFill>
+                      <a:srgbClr val="9F9D6D"/>
+                    </a:solidFill>
+                    <a:latin typeface="Consolas" panose="020B0609020204030204" pitchFamily="49" charset="0"/>
+                  </a:rPr>
+                  <a:t>:</a:t>
+                </a:r>
+                <a:endParaRPr lang="en-US" altLang="zh-TW" sz="700" b="0">
+                  <a:solidFill>
+                    <a:srgbClr val="DCDCCC"/>
+                  </a:solidFill>
+                  <a:latin typeface="Consolas" panose="020B0609020204030204" pitchFamily="49" charset="0"/>
+                </a:endParaRPr>
+              </a:p>
+              <a:p>
+                <a:r>
+                  <a:rPr lang="en-US" altLang="zh-TW" sz="700" b="0">
+                    <a:solidFill>
+                      <a:srgbClr val="DCDCCC"/>
+                    </a:solidFill>
+                    <a:latin typeface="Consolas" panose="020B0609020204030204" pitchFamily="49" charset="0"/>
+                  </a:rPr>
+                  <a:t>  </a:t>
+                </a:r>
+                <a:r>
+                  <a:rPr lang="en-US" altLang="zh-TW" sz="700" b="0">
+                    <a:solidFill>
+                      <a:srgbClr val="FFCFAF"/>
+                    </a:solidFill>
+                    <a:latin typeface="Consolas" panose="020B0609020204030204" pitchFamily="49" charset="0"/>
+                  </a:rPr>
+                  <a:t>.size</a:t>
+                </a:r>
+                <a:r>
+                  <a:rPr lang="en-US" altLang="zh-TW" sz="700" b="0">
+                    <a:solidFill>
+                      <a:srgbClr val="DCDCCC"/>
+                    </a:solidFill>
+                    <a:latin typeface="Consolas" panose="020B0609020204030204" pitchFamily="49" charset="0"/>
+                  </a:rPr>
+                  <a:t>  </a:t>
+                </a:r>
+                <a:r>
+                  <a:rPr lang="en-US" altLang="zh-TW" sz="700" b="0">
+                    <a:solidFill>
+                      <a:srgbClr val="FFCFAF"/>
+                    </a:solidFill>
+                    <a:latin typeface="Consolas" panose="020B0609020204030204" pitchFamily="49" charset="0"/>
+                  </a:rPr>
+                  <a:t>main</a:t>
+                </a:r>
+                <a:r>
+                  <a:rPr lang="en-US" altLang="zh-TW" sz="700" b="1">
+                    <a:solidFill>
+                      <a:srgbClr val="9F9D6D"/>
+                    </a:solidFill>
+                    <a:latin typeface="Consolas" panose="020B0609020204030204" pitchFamily="49" charset="0"/>
+                  </a:rPr>
+                  <a:t>,</a:t>
+                </a:r>
+                <a:r>
+                  <a:rPr lang="en-US" altLang="zh-TW" sz="700" b="0">
+                    <a:solidFill>
+                      <a:srgbClr val="DCDCCC"/>
+                    </a:solidFill>
+                    <a:latin typeface="Consolas" panose="020B0609020204030204" pitchFamily="49" charset="0"/>
+                  </a:rPr>
+                  <a:t> </a:t>
+                </a:r>
+                <a:r>
+                  <a:rPr lang="en-US" altLang="zh-TW" sz="700" b="0">
+                    <a:solidFill>
+                      <a:srgbClr val="FFCFAF"/>
+                    </a:solidFill>
+                    <a:latin typeface="Consolas" panose="020B0609020204030204" pitchFamily="49" charset="0"/>
+                  </a:rPr>
+                  <a:t>.</a:t>
+                </a:r>
+                <a:r>
+                  <a:rPr lang="en-US" altLang="zh-TW" sz="700" b="1">
+                    <a:solidFill>
+                      <a:srgbClr val="9F9D6D"/>
+                    </a:solidFill>
+                    <a:latin typeface="Consolas" panose="020B0609020204030204" pitchFamily="49" charset="0"/>
+                  </a:rPr>
+                  <a:t>-</a:t>
+                </a:r>
+                <a:r>
+                  <a:rPr lang="en-US" altLang="zh-TW" sz="700" b="0">
+                    <a:solidFill>
+                      <a:srgbClr val="FFCFAF"/>
+                    </a:solidFill>
+                    <a:latin typeface="Consolas" panose="020B0609020204030204" pitchFamily="49" charset="0"/>
+                  </a:rPr>
+                  <a:t>main</a:t>
+                </a:r>
+                <a:endParaRPr lang="en-US" altLang="zh-TW" sz="700" b="0">
+                  <a:solidFill>
+                    <a:srgbClr val="DCDCCC"/>
+                  </a:solidFill>
+                  <a:latin typeface="Consolas" panose="020B0609020204030204" pitchFamily="49" charset="0"/>
+                </a:endParaRPr>
+              </a:p>
+              <a:p>
+                <a:r>
+                  <a:rPr lang="en-US" altLang="zh-TW" sz="700" b="0">
+                    <a:solidFill>
+                      <a:srgbClr val="DCDCCC"/>
+                    </a:solidFill>
+                    <a:latin typeface="Consolas" panose="020B0609020204030204" pitchFamily="49" charset="0"/>
+                  </a:rPr>
+                  <a:t>  </a:t>
+                </a:r>
+                <a:r>
+                  <a:rPr lang="en-US" altLang="zh-TW" sz="700" b="0">
+                    <a:solidFill>
+                      <a:srgbClr val="FFCFAF"/>
+                    </a:solidFill>
+                    <a:latin typeface="Consolas" panose="020B0609020204030204" pitchFamily="49" charset="0"/>
+                  </a:rPr>
+                  <a:t>.ident</a:t>
+                </a:r>
+                <a:r>
+                  <a:rPr lang="en-US" altLang="zh-TW" sz="700" b="0">
+                    <a:solidFill>
+                      <a:srgbClr val="DCDCCC"/>
+                    </a:solidFill>
+                    <a:latin typeface="Consolas" panose="020B0609020204030204" pitchFamily="49" charset="0"/>
+                  </a:rPr>
+                  <a:t>  </a:t>
+                </a:r>
+                <a:r>
+                  <a:rPr lang="en-US" altLang="zh-TW" sz="700" b="0">
+                    <a:solidFill>
+                      <a:srgbClr val="C89191"/>
+                    </a:solidFill>
+                    <a:latin typeface="Consolas" panose="020B0609020204030204" pitchFamily="49" charset="0"/>
+                  </a:rPr>
+                  <a:t>"GCC: (Ubuntu 11.4.0-1ubuntu1~22.04) 11.4.0"</a:t>
+                </a:r>
+                <a:endParaRPr lang="en-US" altLang="zh-TW" sz="700" b="0">
+                  <a:solidFill>
+                    <a:srgbClr val="DCDCCC"/>
+                  </a:solidFill>
+                  <a:latin typeface="Consolas" panose="020B0609020204030204" pitchFamily="49" charset="0"/>
+                </a:endParaRPr>
+              </a:p>
+              <a:p>
+                <a:r>
+                  <a:rPr lang="en-US" altLang="zh-TW" sz="700" b="0">
+                    <a:solidFill>
+                      <a:srgbClr val="DCDCCC"/>
+                    </a:solidFill>
+                    <a:latin typeface="Consolas" panose="020B0609020204030204" pitchFamily="49" charset="0"/>
+                  </a:rPr>
+                  <a:t>  </a:t>
+                </a:r>
+                <a:r>
+                  <a:rPr lang="en-US" altLang="zh-TW" sz="700" b="0">
+                    <a:solidFill>
+                      <a:srgbClr val="FFCFAF"/>
+                    </a:solidFill>
+                    <a:latin typeface="Consolas" panose="020B0609020204030204" pitchFamily="49" charset="0"/>
+                  </a:rPr>
+                  <a:t>.section</a:t>
+                </a:r>
+                <a:r>
+                  <a:rPr lang="en-US" altLang="zh-TW" sz="700" b="0">
+                    <a:solidFill>
+                      <a:srgbClr val="DCDCCC"/>
+                    </a:solidFill>
+                    <a:latin typeface="Consolas" panose="020B0609020204030204" pitchFamily="49" charset="0"/>
+                  </a:rPr>
+                  <a:t>  </a:t>
+                </a:r>
+                <a:r>
+                  <a:rPr lang="en-US" altLang="zh-TW" sz="700" b="0">
+                    <a:solidFill>
+                      <a:srgbClr val="FFCFAF"/>
+                    </a:solidFill>
+                    <a:latin typeface="Consolas" panose="020B0609020204030204" pitchFamily="49" charset="0"/>
+                  </a:rPr>
+                  <a:t>.note.GNU</a:t>
+                </a:r>
+                <a:r>
+                  <a:rPr lang="en-US" altLang="zh-TW" sz="700" b="1">
+                    <a:solidFill>
+                      <a:srgbClr val="9F9D6D"/>
+                    </a:solidFill>
+                    <a:latin typeface="Consolas" panose="020B0609020204030204" pitchFamily="49" charset="0"/>
+                  </a:rPr>
+                  <a:t>-</a:t>
+                </a:r>
+                <a:r>
+                  <a:rPr lang="en-US" altLang="zh-TW" sz="700" b="0">
+                    <a:solidFill>
+                      <a:srgbClr val="FFCFAF"/>
+                    </a:solidFill>
+                    <a:latin typeface="Consolas" panose="020B0609020204030204" pitchFamily="49" charset="0"/>
+                  </a:rPr>
+                  <a:t>stack</a:t>
+                </a:r>
+                <a:r>
+                  <a:rPr lang="en-US" altLang="zh-TW" sz="700" b="1">
+                    <a:solidFill>
+                      <a:srgbClr val="9F9D6D"/>
+                    </a:solidFill>
+                    <a:latin typeface="Consolas" panose="020B0609020204030204" pitchFamily="49" charset="0"/>
+                  </a:rPr>
+                  <a:t>,</a:t>
+                </a:r>
+                <a:r>
+                  <a:rPr lang="en-US" altLang="zh-TW" sz="700" b="0">
+                    <a:solidFill>
+                      <a:srgbClr val="C89191"/>
+                    </a:solidFill>
+                    <a:latin typeface="Consolas" panose="020B0609020204030204" pitchFamily="49" charset="0"/>
+                  </a:rPr>
+                  <a:t>""</a:t>
+                </a:r>
+                <a:r>
+                  <a:rPr lang="en-US" altLang="zh-TW" sz="700" b="1">
+                    <a:solidFill>
+                      <a:srgbClr val="9F9D6D"/>
+                    </a:solidFill>
+                    <a:latin typeface="Consolas" panose="020B0609020204030204" pitchFamily="49" charset="0"/>
+                  </a:rPr>
+                  <a:t>,</a:t>
+                </a:r>
+                <a:r>
+                  <a:rPr lang="en-US" altLang="zh-TW" sz="700" b="0">
+                    <a:solidFill>
+                      <a:srgbClr val="FFCFAF"/>
+                    </a:solidFill>
+                    <a:latin typeface="Consolas" panose="020B0609020204030204" pitchFamily="49" charset="0"/>
+                  </a:rPr>
+                  <a:t>@progbits</a:t>
+                </a:r>
+                <a:endParaRPr lang="en-US" altLang="zh-TW" sz="700" b="0">
+                  <a:solidFill>
+                    <a:srgbClr val="DCDCCC"/>
+                  </a:solidFill>
+                  <a:latin typeface="Consolas" panose="020B0609020204030204" pitchFamily="49" charset="0"/>
+                </a:endParaRPr>
+              </a:p>
+              <a:p>
+                <a:r>
+                  <a:rPr lang="en-US" altLang="zh-TW" sz="700" b="0">
+                    <a:solidFill>
+                      <a:srgbClr val="DCDCCC"/>
+                    </a:solidFill>
+                    <a:latin typeface="Consolas" panose="020B0609020204030204" pitchFamily="49" charset="0"/>
+                  </a:rPr>
+                  <a:t>  </a:t>
+                </a:r>
+                <a:r>
+                  <a:rPr lang="en-US" altLang="zh-TW" sz="700" b="0">
+                    <a:solidFill>
+                      <a:srgbClr val="FFCFAF"/>
+                    </a:solidFill>
+                    <a:latin typeface="Consolas" panose="020B0609020204030204" pitchFamily="49" charset="0"/>
+                  </a:rPr>
+                  <a:t>.section</a:t>
+                </a:r>
+                <a:r>
+                  <a:rPr lang="en-US" altLang="zh-TW" sz="700" b="0">
+                    <a:solidFill>
+                      <a:srgbClr val="DCDCCC"/>
+                    </a:solidFill>
+                    <a:latin typeface="Consolas" panose="020B0609020204030204" pitchFamily="49" charset="0"/>
+                  </a:rPr>
+                  <a:t>  </a:t>
+                </a:r>
+                <a:r>
+                  <a:rPr lang="en-US" altLang="zh-TW" sz="700" b="0">
+                    <a:solidFill>
+                      <a:srgbClr val="FFCFAF"/>
+                    </a:solidFill>
+                    <a:latin typeface="Consolas" panose="020B0609020204030204" pitchFamily="49" charset="0"/>
+                  </a:rPr>
+                  <a:t>.note.gnu.property</a:t>
+                </a:r>
+                <a:r>
+                  <a:rPr lang="en-US" altLang="zh-TW" sz="700" b="1">
+                    <a:solidFill>
+                      <a:srgbClr val="9F9D6D"/>
+                    </a:solidFill>
+                    <a:latin typeface="Consolas" panose="020B0609020204030204" pitchFamily="49" charset="0"/>
+                  </a:rPr>
+                  <a:t>,</a:t>
+                </a:r>
+                <a:r>
+                  <a:rPr lang="en-US" altLang="zh-TW" sz="700" b="0">
+                    <a:solidFill>
+                      <a:srgbClr val="C89191"/>
+                    </a:solidFill>
+                    <a:latin typeface="Consolas" panose="020B0609020204030204" pitchFamily="49" charset="0"/>
+                  </a:rPr>
+                  <a:t>"a"</a:t>
+                </a:r>
+                <a:endParaRPr lang="en-US" altLang="zh-TW" sz="700" b="0">
+                  <a:solidFill>
+                    <a:srgbClr val="DCDCCC"/>
+                  </a:solidFill>
+                  <a:latin typeface="Consolas" panose="020B0609020204030204" pitchFamily="49" charset="0"/>
+                </a:endParaRPr>
+              </a:p>
+              <a:p>
+                <a:r>
+                  <a:rPr lang="en-US" altLang="zh-TW" sz="700" b="0">
+                    <a:solidFill>
+                      <a:srgbClr val="DCDCCC"/>
+                    </a:solidFill>
+                    <a:latin typeface="Consolas" panose="020B0609020204030204" pitchFamily="49" charset="0"/>
+                  </a:rPr>
+                  <a:t>  </a:t>
+                </a:r>
+                <a:r>
+                  <a:rPr lang="en-US" altLang="zh-TW" sz="700" b="0">
+                    <a:solidFill>
+                      <a:srgbClr val="FFCFAF"/>
+                    </a:solidFill>
+                    <a:latin typeface="Consolas" panose="020B0609020204030204" pitchFamily="49" charset="0"/>
+                  </a:rPr>
+                  <a:t>.align</a:t>
+                </a:r>
+                <a:r>
+                  <a:rPr lang="en-US" altLang="zh-TW" sz="700" b="0">
+                    <a:solidFill>
+                      <a:srgbClr val="DCDCCC"/>
+                    </a:solidFill>
+                    <a:latin typeface="Consolas" panose="020B0609020204030204" pitchFamily="49" charset="0"/>
+                  </a:rPr>
+                  <a:t> </a:t>
+                </a:r>
+                <a:r>
+                  <a:rPr lang="en-US" altLang="zh-TW" sz="700" b="0">
+                    <a:solidFill>
+                      <a:srgbClr val="8CD0D3"/>
+                    </a:solidFill>
+                    <a:latin typeface="Consolas" panose="020B0609020204030204" pitchFamily="49" charset="0"/>
+                  </a:rPr>
+                  <a:t>8</a:t>
+                </a:r>
+                <a:endParaRPr lang="en-US" altLang="zh-TW" sz="700" b="0">
+                  <a:solidFill>
+                    <a:srgbClr val="DCDCCC"/>
+                  </a:solidFill>
+                  <a:latin typeface="Consolas" panose="020B0609020204030204" pitchFamily="49" charset="0"/>
+                </a:endParaRPr>
+              </a:p>
+              <a:p>
+                <a:r>
+                  <a:rPr lang="en-US" altLang="zh-TW" sz="700" b="0">
+                    <a:solidFill>
+                      <a:srgbClr val="DCDCCC"/>
+                    </a:solidFill>
+                    <a:latin typeface="Consolas" panose="020B0609020204030204" pitchFamily="49" charset="0"/>
+                  </a:rPr>
+                  <a:t>  </a:t>
+                </a:r>
+                <a:r>
+                  <a:rPr lang="en-US" altLang="zh-TW" sz="700" b="0">
+                    <a:solidFill>
+                      <a:srgbClr val="FFCFAF"/>
+                    </a:solidFill>
+                    <a:latin typeface="Consolas" panose="020B0609020204030204" pitchFamily="49" charset="0"/>
+                  </a:rPr>
+                  <a:t>.long</a:t>
+                </a:r>
+                <a:r>
+                  <a:rPr lang="en-US" altLang="zh-TW" sz="700" b="0">
+                    <a:solidFill>
+                      <a:srgbClr val="DCDCCC"/>
+                    </a:solidFill>
+                    <a:latin typeface="Consolas" panose="020B0609020204030204" pitchFamily="49" charset="0"/>
+                  </a:rPr>
+                  <a:t>  </a:t>
+                </a:r>
+                <a:r>
+                  <a:rPr lang="en-US" altLang="zh-TW" sz="700" b="0">
+                    <a:solidFill>
+                      <a:srgbClr val="8CD0D3"/>
+                    </a:solidFill>
+                    <a:latin typeface="Consolas" panose="020B0609020204030204" pitchFamily="49" charset="0"/>
+                  </a:rPr>
+                  <a:t>1f</a:t>
+                </a:r>
+                <a:r>
+                  <a:rPr lang="en-US" altLang="zh-TW" sz="700" b="0">
+                    <a:solidFill>
+                      <a:srgbClr val="DCDCCC"/>
+                    </a:solidFill>
+                    <a:latin typeface="Consolas" panose="020B0609020204030204" pitchFamily="49" charset="0"/>
+                  </a:rPr>
+                  <a:t> </a:t>
+                </a:r>
+                <a:r>
+                  <a:rPr lang="en-US" altLang="zh-TW" sz="700" b="1">
+                    <a:solidFill>
+                      <a:srgbClr val="9F9D6D"/>
+                    </a:solidFill>
+                    <a:latin typeface="Consolas" panose="020B0609020204030204" pitchFamily="49" charset="0"/>
+                  </a:rPr>
+                  <a:t>-</a:t>
+                </a:r>
+                <a:r>
+                  <a:rPr lang="en-US" altLang="zh-TW" sz="700" b="0">
+                    <a:solidFill>
+                      <a:srgbClr val="DCDCCC"/>
+                    </a:solidFill>
+                    <a:latin typeface="Consolas" panose="020B0609020204030204" pitchFamily="49" charset="0"/>
+                  </a:rPr>
+                  <a:t> </a:t>
+                </a:r>
+                <a:r>
+                  <a:rPr lang="en-US" altLang="zh-TW" sz="700" b="0">
+                    <a:solidFill>
+                      <a:srgbClr val="8CD0D3"/>
+                    </a:solidFill>
+                    <a:latin typeface="Consolas" panose="020B0609020204030204" pitchFamily="49" charset="0"/>
+                  </a:rPr>
+                  <a:t>0f</a:t>
+                </a:r>
+                <a:endParaRPr lang="en-US" altLang="zh-TW" sz="700" b="0">
+                  <a:solidFill>
+                    <a:srgbClr val="DCDCCC"/>
+                  </a:solidFill>
+                  <a:latin typeface="Consolas" panose="020B0609020204030204" pitchFamily="49" charset="0"/>
+                </a:endParaRPr>
+              </a:p>
+              <a:p>
+                <a:r>
+                  <a:rPr lang="en-US" altLang="zh-TW" sz="700" b="0">
+                    <a:solidFill>
+                      <a:srgbClr val="DCDCCC"/>
+                    </a:solidFill>
+                    <a:latin typeface="Consolas" panose="020B0609020204030204" pitchFamily="49" charset="0"/>
+                  </a:rPr>
+                  <a:t>  </a:t>
+                </a:r>
+                <a:r>
+                  <a:rPr lang="en-US" altLang="zh-TW" sz="700" b="0">
+                    <a:solidFill>
+                      <a:srgbClr val="FFCFAF"/>
+                    </a:solidFill>
+                    <a:latin typeface="Consolas" panose="020B0609020204030204" pitchFamily="49" charset="0"/>
+                  </a:rPr>
+                  <a:t>.long</a:t>
+                </a:r>
+                <a:r>
+                  <a:rPr lang="en-US" altLang="zh-TW" sz="700" b="0">
+                    <a:solidFill>
+                      <a:srgbClr val="DCDCCC"/>
+                    </a:solidFill>
+                    <a:latin typeface="Consolas" panose="020B0609020204030204" pitchFamily="49" charset="0"/>
+                  </a:rPr>
+                  <a:t>  </a:t>
+                </a:r>
+                <a:r>
+                  <a:rPr lang="en-US" altLang="zh-TW" sz="700" b="0">
+                    <a:solidFill>
+                      <a:srgbClr val="8CD0D3"/>
+                    </a:solidFill>
+                    <a:latin typeface="Consolas" panose="020B0609020204030204" pitchFamily="49" charset="0"/>
+                  </a:rPr>
+                  <a:t>4f</a:t>
+                </a:r>
+                <a:r>
+                  <a:rPr lang="en-US" altLang="zh-TW" sz="700" b="0">
+                    <a:solidFill>
+                      <a:srgbClr val="DCDCCC"/>
+                    </a:solidFill>
+                    <a:latin typeface="Consolas" panose="020B0609020204030204" pitchFamily="49" charset="0"/>
+                  </a:rPr>
+                  <a:t> </a:t>
+                </a:r>
+                <a:r>
+                  <a:rPr lang="en-US" altLang="zh-TW" sz="700" b="1">
+                    <a:solidFill>
+                      <a:srgbClr val="9F9D6D"/>
+                    </a:solidFill>
+                    <a:latin typeface="Consolas" panose="020B0609020204030204" pitchFamily="49" charset="0"/>
+                  </a:rPr>
+                  <a:t>-</a:t>
+                </a:r>
+                <a:r>
+                  <a:rPr lang="en-US" altLang="zh-TW" sz="700" b="0">
+                    <a:solidFill>
+                      <a:srgbClr val="DCDCCC"/>
+                    </a:solidFill>
+                    <a:latin typeface="Consolas" panose="020B0609020204030204" pitchFamily="49" charset="0"/>
+                  </a:rPr>
+                  <a:t> </a:t>
+                </a:r>
+                <a:r>
+                  <a:rPr lang="en-US" altLang="zh-TW" sz="700" b="0">
+                    <a:solidFill>
+                      <a:srgbClr val="8CD0D3"/>
+                    </a:solidFill>
+                    <a:latin typeface="Consolas" panose="020B0609020204030204" pitchFamily="49" charset="0"/>
+                  </a:rPr>
+                  <a:t>1f</a:t>
+                </a:r>
+                <a:endParaRPr lang="en-US" altLang="zh-TW" sz="700" b="0">
+                  <a:solidFill>
+                    <a:srgbClr val="DCDCCC"/>
+                  </a:solidFill>
+                  <a:latin typeface="Consolas" panose="020B0609020204030204" pitchFamily="49" charset="0"/>
+                </a:endParaRPr>
+              </a:p>
+              <a:p>
+                <a:r>
+                  <a:rPr lang="en-US" altLang="zh-TW" sz="700" b="0">
+                    <a:solidFill>
+                      <a:srgbClr val="DCDCCC"/>
+                    </a:solidFill>
+                    <a:latin typeface="Consolas" panose="020B0609020204030204" pitchFamily="49" charset="0"/>
+                  </a:rPr>
+                  <a:t>  </a:t>
+                </a:r>
+                <a:r>
+                  <a:rPr lang="en-US" altLang="zh-TW" sz="700" b="0">
+                    <a:solidFill>
+                      <a:srgbClr val="FFCFAF"/>
+                    </a:solidFill>
+                    <a:latin typeface="Consolas" panose="020B0609020204030204" pitchFamily="49" charset="0"/>
+                  </a:rPr>
+                  <a:t>.long</a:t>
+                </a:r>
+                <a:r>
+                  <a:rPr lang="en-US" altLang="zh-TW" sz="700" b="0">
+                    <a:solidFill>
+                      <a:srgbClr val="DCDCCC"/>
+                    </a:solidFill>
+                    <a:latin typeface="Consolas" panose="020B0609020204030204" pitchFamily="49" charset="0"/>
+                  </a:rPr>
+                  <a:t>  </a:t>
+                </a:r>
+                <a:r>
+                  <a:rPr lang="en-US" altLang="zh-TW" sz="700" b="0">
+                    <a:solidFill>
+                      <a:srgbClr val="8CD0D3"/>
+                    </a:solidFill>
+                    <a:latin typeface="Consolas" panose="020B0609020204030204" pitchFamily="49" charset="0"/>
+                  </a:rPr>
+                  <a:t>5</a:t>
+                </a:r>
+                <a:endParaRPr lang="en-US" altLang="zh-TW" sz="700" b="0">
+                  <a:solidFill>
+                    <a:srgbClr val="DCDCCC"/>
+                  </a:solidFill>
+                  <a:latin typeface="Consolas" panose="020B0609020204030204" pitchFamily="49" charset="0"/>
+                </a:endParaRPr>
+              </a:p>
+              <a:p>
+                <a:r>
+                  <a:rPr lang="en-US" altLang="zh-TW" sz="700" b="0">
+                    <a:solidFill>
+                      <a:srgbClr val="8CD0D3"/>
+                    </a:solidFill>
+                    <a:latin typeface="Consolas" panose="020B0609020204030204" pitchFamily="49" charset="0"/>
+                  </a:rPr>
+                  <a:t>0</a:t>
+                </a:r>
+                <a:r>
+                  <a:rPr lang="en-US" altLang="zh-TW" sz="700" b="1">
+                    <a:solidFill>
+                      <a:srgbClr val="9F9D6D"/>
+                    </a:solidFill>
+                    <a:latin typeface="Consolas" panose="020B0609020204030204" pitchFamily="49" charset="0"/>
+                  </a:rPr>
+                  <a:t>:</a:t>
+                </a:r>
+                <a:endParaRPr lang="zh-TW" altLang="en-US" sz="700" b="0">
+                  <a:solidFill>
+                    <a:srgbClr val="DCDCCC"/>
+                  </a:solidFill>
+                  <a:latin typeface="Consolas" panose="020B0609020204030204" pitchFamily="49" charset="0"/>
+                </a:endParaRPr>
+              </a:p>
+              <a:p>
+                <a:r>
+                  <a:rPr lang="en-US" altLang="zh-TW" sz="700" b="0">
+                    <a:solidFill>
+                      <a:srgbClr val="DCDCCC"/>
+                    </a:solidFill>
+                    <a:latin typeface="Consolas" panose="020B0609020204030204" pitchFamily="49" charset="0"/>
+                  </a:rPr>
+                  <a:t>  </a:t>
+                </a:r>
+                <a:r>
+                  <a:rPr lang="en-US" altLang="zh-TW" sz="700" b="0">
+                    <a:solidFill>
+                      <a:srgbClr val="FFCFAF"/>
+                    </a:solidFill>
+                    <a:latin typeface="Consolas" panose="020B0609020204030204" pitchFamily="49" charset="0"/>
+                  </a:rPr>
+                  <a:t>.string</a:t>
+                </a:r>
+                <a:r>
+                  <a:rPr lang="en-US" altLang="zh-TW" sz="700" b="0">
+                    <a:solidFill>
+                      <a:srgbClr val="DCDCCC"/>
+                    </a:solidFill>
+                    <a:latin typeface="Consolas" panose="020B0609020204030204" pitchFamily="49" charset="0"/>
+                  </a:rPr>
+                  <a:t>  </a:t>
+                </a:r>
+                <a:r>
+                  <a:rPr lang="en-US" altLang="zh-TW" sz="700" b="0">
+                    <a:solidFill>
+                      <a:srgbClr val="C89191"/>
+                    </a:solidFill>
+                    <a:latin typeface="Consolas" panose="020B0609020204030204" pitchFamily="49" charset="0"/>
+                  </a:rPr>
+                  <a:t>"GNU"</a:t>
+                </a:r>
+                <a:endParaRPr lang="en-US" altLang="zh-TW" sz="700" b="0">
+                  <a:solidFill>
+                    <a:srgbClr val="DCDCCC"/>
+                  </a:solidFill>
+                  <a:latin typeface="Consolas" panose="020B0609020204030204" pitchFamily="49" charset="0"/>
+                </a:endParaRPr>
+              </a:p>
+              <a:p>
+                <a:r>
+                  <a:rPr lang="en-US" altLang="zh-TW" sz="700" b="0">
+                    <a:solidFill>
+                      <a:srgbClr val="8CD0D3"/>
+                    </a:solidFill>
+                    <a:latin typeface="Consolas" panose="020B0609020204030204" pitchFamily="49" charset="0"/>
+                  </a:rPr>
+                  <a:t>1</a:t>
+                </a:r>
+                <a:r>
+                  <a:rPr lang="en-US" altLang="zh-TW" sz="700" b="1">
+                    <a:solidFill>
+                      <a:srgbClr val="9F9D6D"/>
+                    </a:solidFill>
+                    <a:latin typeface="Consolas" panose="020B0609020204030204" pitchFamily="49" charset="0"/>
+                  </a:rPr>
+                  <a:t>:</a:t>
+                </a:r>
+                <a:endParaRPr lang="zh-TW" altLang="en-US" sz="700" b="0">
+                  <a:solidFill>
+                    <a:srgbClr val="DCDCCC"/>
+                  </a:solidFill>
+                  <a:latin typeface="Consolas" panose="020B0609020204030204" pitchFamily="49" charset="0"/>
+                </a:endParaRPr>
+              </a:p>
+              <a:p>
+                <a:r>
+                  <a:rPr lang="en-US" altLang="zh-TW" sz="700" b="0">
+                    <a:solidFill>
+                      <a:srgbClr val="DCDCCC"/>
+                    </a:solidFill>
+                    <a:latin typeface="Consolas" panose="020B0609020204030204" pitchFamily="49" charset="0"/>
+                  </a:rPr>
+                  <a:t>  </a:t>
+                </a:r>
+                <a:r>
+                  <a:rPr lang="en-US" altLang="zh-TW" sz="700" b="0">
+                    <a:solidFill>
+                      <a:srgbClr val="FFCFAF"/>
+                    </a:solidFill>
+                    <a:latin typeface="Consolas" panose="020B0609020204030204" pitchFamily="49" charset="0"/>
+                  </a:rPr>
+                  <a:t>.align</a:t>
+                </a:r>
+                <a:r>
+                  <a:rPr lang="en-US" altLang="zh-TW" sz="700" b="0">
+                    <a:solidFill>
+                      <a:srgbClr val="DCDCCC"/>
+                    </a:solidFill>
+                    <a:latin typeface="Consolas" panose="020B0609020204030204" pitchFamily="49" charset="0"/>
+                  </a:rPr>
+                  <a:t> </a:t>
+                </a:r>
+                <a:r>
+                  <a:rPr lang="en-US" altLang="zh-TW" sz="700" b="0">
+                    <a:solidFill>
+                      <a:srgbClr val="8CD0D3"/>
+                    </a:solidFill>
+                    <a:latin typeface="Consolas" panose="020B0609020204030204" pitchFamily="49" charset="0"/>
+                  </a:rPr>
+                  <a:t>8</a:t>
+                </a:r>
+                <a:endParaRPr lang="en-US" altLang="zh-TW" sz="700" b="0">
+                  <a:solidFill>
+                    <a:srgbClr val="DCDCCC"/>
+                  </a:solidFill>
+                  <a:latin typeface="Consolas" panose="020B0609020204030204" pitchFamily="49" charset="0"/>
+                </a:endParaRPr>
+              </a:p>
+              <a:p>
+                <a:r>
+                  <a:rPr lang="en-US" altLang="zh-TW" sz="700" b="0">
+                    <a:solidFill>
+                      <a:srgbClr val="DCDCCC"/>
+                    </a:solidFill>
+                    <a:latin typeface="Consolas" panose="020B0609020204030204" pitchFamily="49" charset="0"/>
+                  </a:rPr>
+                  <a:t>  </a:t>
+                </a:r>
+                <a:r>
+                  <a:rPr lang="en-US" altLang="zh-TW" sz="700" b="0">
+                    <a:solidFill>
+                      <a:srgbClr val="FFCFAF"/>
+                    </a:solidFill>
+                    <a:latin typeface="Consolas" panose="020B0609020204030204" pitchFamily="49" charset="0"/>
+                  </a:rPr>
+                  <a:t>.long</a:t>
+                </a:r>
+                <a:r>
+                  <a:rPr lang="en-US" altLang="zh-TW" sz="700" b="0">
+                    <a:solidFill>
+                      <a:srgbClr val="DCDCCC"/>
+                    </a:solidFill>
+                    <a:latin typeface="Consolas" panose="020B0609020204030204" pitchFamily="49" charset="0"/>
+                  </a:rPr>
+                  <a:t>  </a:t>
+                </a:r>
+                <a:r>
+                  <a:rPr lang="en-US" altLang="zh-TW" sz="700" b="0">
+                    <a:solidFill>
+                      <a:srgbClr val="8CD0D3"/>
+                    </a:solidFill>
+                    <a:latin typeface="Consolas" panose="020B0609020204030204" pitchFamily="49" charset="0"/>
+                  </a:rPr>
+                  <a:t>0xc0000002</a:t>
+                </a:r>
+                <a:endParaRPr lang="en-US" altLang="zh-TW" sz="700" b="0">
+                  <a:solidFill>
+                    <a:srgbClr val="DCDCCC"/>
+                  </a:solidFill>
+                  <a:latin typeface="Consolas" panose="020B0609020204030204" pitchFamily="49" charset="0"/>
+                </a:endParaRPr>
+              </a:p>
+              <a:p>
+                <a:r>
+                  <a:rPr lang="en-US" altLang="zh-TW" sz="700" b="0">
+                    <a:solidFill>
+                      <a:srgbClr val="DCDCCC"/>
+                    </a:solidFill>
+                    <a:latin typeface="Consolas" panose="020B0609020204030204" pitchFamily="49" charset="0"/>
+                  </a:rPr>
+                  <a:t>  </a:t>
+                </a:r>
+                <a:r>
+                  <a:rPr lang="en-US" altLang="zh-TW" sz="700" b="0">
+                    <a:solidFill>
+                      <a:srgbClr val="FFCFAF"/>
+                    </a:solidFill>
+                    <a:latin typeface="Consolas" panose="020B0609020204030204" pitchFamily="49" charset="0"/>
+                  </a:rPr>
+                  <a:t>.long</a:t>
+                </a:r>
+                <a:r>
+                  <a:rPr lang="en-US" altLang="zh-TW" sz="700" b="0">
+                    <a:solidFill>
+                      <a:srgbClr val="DCDCCC"/>
+                    </a:solidFill>
+                    <a:latin typeface="Consolas" panose="020B0609020204030204" pitchFamily="49" charset="0"/>
+                  </a:rPr>
+                  <a:t>  </a:t>
+                </a:r>
+                <a:r>
+                  <a:rPr lang="en-US" altLang="zh-TW" sz="700" b="0">
+                    <a:solidFill>
+                      <a:srgbClr val="8CD0D3"/>
+                    </a:solidFill>
+                    <a:latin typeface="Consolas" panose="020B0609020204030204" pitchFamily="49" charset="0"/>
+                  </a:rPr>
+                  <a:t>3f</a:t>
+                </a:r>
+                <a:r>
+                  <a:rPr lang="en-US" altLang="zh-TW" sz="700" b="0">
+                    <a:solidFill>
+                      <a:srgbClr val="DCDCCC"/>
+                    </a:solidFill>
+                    <a:latin typeface="Consolas" panose="020B0609020204030204" pitchFamily="49" charset="0"/>
+                  </a:rPr>
+                  <a:t> </a:t>
+                </a:r>
+                <a:r>
+                  <a:rPr lang="en-US" altLang="zh-TW" sz="700" b="1">
+                    <a:solidFill>
+                      <a:srgbClr val="9F9D6D"/>
+                    </a:solidFill>
+                    <a:latin typeface="Consolas" panose="020B0609020204030204" pitchFamily="49" charset="0"/>
+                  </a:rPr>
+                  <a:t>-</a:t>
+                </a:r>
+                <a:r>
+                  <a:rPr lang="en-US" altLang="zh-TW" sz="700" b="0">
+                    <a:solidFill>
+                      <a:srgbClr val="DCDCCC"/>
+                    </a:solidFill>
+                    <a:latin typeface="Consolas" panose="020B0609020204030204" pitchFamily="49" charset="0"/>
+                  </a:rPr>
+                  <a:t> </a:t>
+                </a:r>
+                <a:r>
+                  <a:rPr lang="en-US" altLang="zh-TW" sz="700" b="0">
+                    <a:solidFill>
+                      <a:srgbClr val="8CD0D3"/>
+                    </a:solidFill>
+                    <a:latin typeface="Consolas" panose="020B0609020204030204" pitchFamily="49" charset="0"/>
+                  </a:rPr>
+                  <a:t>2f</a:t>
+                </a:r>
+                <a:endParaRPr lang="en-US" altLang="zh-TW" sz="700" b="0">
+                  <a:solidFill>
+                    <a:srgbClr val="DCDCCC"/>
+                  </a:solidFill>
+                  <a:latin typeface="Consolas" panose="020B0609020204030204" pitchFamily="49" charset="0"/>
+                </a:endParaRPr>
+              </a:p>
+              <a:p>
+                <a:r>
+                  <a:rPr lang="en-US" altLang="zh-TW" sz="700" b="0">
+                    <a:solidFill>
+                      <a:srgbClr val="8CD0D3"/>
+                    </a:solidFill>
+                    <a:latin typeface="Consolas" panose="020B0609020204030204" pitchFamily="49" charset="0"/>
+                  </a:rPr>
+                  <a:t>2</a:t>
+                </a:r>
+                <a:r>
+                  <a:rPr lang="en-US" altLang="zh-TW" sz="700" b="1">
+                    <a:solidFill>
+                      <a:srgbClr val="9F9D6D"/>
+                    </a:solidFill>
+                    <a:latin typeface="Consolas" panose="020B0609020204030204" pitchFamily="49" charset="0"/>
+                  </a:rPr>
+                  <a:t>:</a:t>
+                </a:r>
+                <a:endParaRPr lang="zh-TW" altLang="en-US" sz="700" b="0">
+                  <a:solidFill>
+                    <a:srgbClr val="DCDCCC"/>
+                  </a:solidFill>
+                  <a:latin typeface="Consolas" panose="020B0609020204030204" pitchFamily="49" charset="0"/>
+                </a:endParaRPr>
+              </a:p>
+              <a:p>
+                <a:r>
+                  <a:rPr lang="en-US" altLang="zh-TW" sz="700" b="0">
+                    <a:solidFill>
+                      <a:srgbClr val="DCDCCC"/>
+                    </a:solidFill>
+                    <a:latin typeface="Consolas" panose="020B0609020204030204" pitchFamily="49" charset="0"/>
+                  </a:rPr>
+                  <a:t>  </a:t>
+                </a:r>
+                <a:r>
+                  <a:rPr lang="en-US" altLang="zh-TW" sz="700" b="0">
+                    <a:solidFill>
+                      <a:srgbClr val="FFCFAF"/>
+                    </a:solidFill>
+                    <a:latin typeface="Consolas" panose="020B0609020204030204" pitchFamily="49" charset="0"/>
+                  </a:rPr>
+                  <a:t>.long</a:t>
+                </a:r>
+                <a:r>
+                  <a:rPr lang="en-US" altLang="zh-TW" sz="700" b="0">
+                    <a:solidFill>
+                      <a:srgbClr val="DCDCCC"/>
+                    </a:solidFill>
+                    <a:latin typeface="Consolas" panose="020B0609020204030204" pitchFamily="49" charset="0"/>
+                  </a:rPr>
+                  <a:t>  </a:t>
+                </a:r>
+                <a:r>
+                  <a:rPr lang="en-US" altLang="zh-TW" sz="700" b="0">
+                    <a:solidFill>
+                      <a:srgbClr val="8CD0D3"/>
+                    </a:solidFill>
+                    <a:latin typeface="Consolas" panose="020B0609020204030204" pitchFamily="49" charset="0"/>
+                  </a:rPr>
+                  <a:t>0x3</a:t>
+                </a:r>
+                <a:endParaRPr lang="en-US" altLang="zh-TW" sz="700" b="0">
+                  <a:solidFill>
+                    <a:srgbClr val="DCDCCC"/>
+                  </a:solidFill>
+                  <a:latin typeface="Consolas" panose="020B0609020204030204" pitchFamily="49" charset="0"/>
+                </a:endParaRPr>
+              </a:p>
+              <a:p>
+                <a:r>
+                  <a:rPr lang="en-US" altLang="zh-TW" sz="700" b="0">
+                    <a:solidFill>
+                      <a:srgbClr val="8CD0D3"/>
+                    </a:solidFill>
+                    <a:latin typeface="Consolas" panose="020B0609020204030204" pitchFamily="49" charset="0"/>
+                  </a:rPr>
+                  <a:t>3</a:t>
+                </a:r>
+                <a:r>
+                  <a:rPr lang="en-US" altLang="zh-TW" sz="700" b="1">
+                    <a:solidFill>
+                      <a:srgbClr val="9F9D6D"/>
+                    </a:solidFill>
+                    <a:latin typeface="Consolas" panose="020B0609020204030204" pitchFamily="49" charset="0"/>
+                  </a:rPr>
+                  <a:t>:</a:t>
+                </a:r>
+                <a:endParaRPr lang="zh-TW" altLang="en-US" sz="700" b="0">
+                  <a:solidFill>
+                    <a:srgbClr val="DCDCCC"/>
+                  </a:solidFill>
+                  <a:latin typeface="Consolas" panose="020B0609020204030204" pitchFamily="49" charset="0"/>
+                </a:endParaRPr>
+              </a:p>
+              <a:p>
+                <a:r>
+                  <a:rPr lang="en-US" altLang="zh-TW" sz="700" b="0">
+                    <a:solidFill>
+                      <a:srgbClr val="DCDCCC"/>
+                    </a:solidFill>
+                    <a:latin typeface="Consolas" panose="020B0609020204030204" pitchFamily="49" charset="0"/>
+                  </a:rPr>
+                  <a:t>  </a:t>
+                </a:r>
+                <a:r>
+                  <a:rPr lang="en-US" altLang="zh-TW" sz="700" b="0">
+                    <a:solidFill>
+                      <a:srgbClr val="FFCFAF"/>
+                    </a:solidFill>
+                    <a:latin typeface="Consolas" panose="020B0609020204030204" pitchFamily="49" charset="0"/>
+                  </a:rPr>
+                  <a:t>.align</a:t>
+                </a:r>
+                <a:r>
+                  <a:rPr lang="en-US" altLang="zh-TW" sz="700" b="0">
+                    <a:solidFill>
+                      <a:srgbClr val="DCDCCC"/>
+                    </a:solidFill>
+                    <a:latin typeface="Consolas" panose="020B0609020204030204" pitchFamily="49" charset="0"/>
+                  </a:rPr>
+                  <a:t> </a:t>
+                </a:r>
+                <a:r>
+                  <a:rPr lang="en-US" altLang="zh-TW" sz="700" b="0">
+                    <a:solidFill>
+                      <a:srgbClr val="8CD0D3"/>
+                    </a:solidFill>
+                    <a:latin typeface="Consolas" panose="020B0609020204030204" pitchFamily="49" charset="0"/>
+                  </a:rPr>
+                  <a:t>8</a:t>
+                </a:r>
+                <a:endParaRPr lang="en-US" altLang="zh-TW" sz="700" b="0">
+                  <a:solidFill>
+                    <a:srgbClr val="DCDCCC"/>
+                  </a:solidFill>
+                  <a:latin typeface="Consolas" panose="020B0609020204030204" pitchFamily="49" charset="0"/>
+                </a:endParaRPr>
+              </a:p>
+              <a:p>
+                <a:r>
+                  <a:rPr lang="en-US" altLang="zh-TW" sz="700" b="0">
+                    <a:solidFill>
+                      <a:srgbClr val="8CD0D3"/>
+                    </a:solidFill>
+                    <a:latin typeface="Consolas" panose="020B0609020204030204" pitchFamily="49" charset="0"/>
+                  </a:rPr>
+                  <a:t>4</a:t>
+                </a:r>
+                <a:r>
+                  <a:rPr lang="en-US" altLang="zh-TW" sz="700" b="1">
+                    <a:solidFill>
+                      <a:srgbClr val="9F9D6D"/>
+                    </a:solidFill>
+                    <a:latin typeface="Consolas" panose="020B0609020204030204" pitchFamily="49" charset="0"/>
+                  </a:rPr>
+                  <a:t>:</a:t>
+                </a:r>
+                <a:endParaRPr lang="zh-TW" altLang="en-US" sz="700"/>
+              </a:p>
+            </p:txBody>
+          </p:sp>
+        </p:grpSp>
+        <p:sp>
+          <p:nvSpPr>
+            <p:cNvPr id="59" name="文字方塊 58">
+              <a:extLst>
+                <a:ext uri="{FF2B5EF4-FFF2-40B4-BE49-F238E27FC236}">
+                  <a16:creationId xmlns:a16="http://schemas.microsoft.com/office/drawing/2014/main" id="{F5590BC8-332D-4E95-A8DA-5BD2FC004A79}"/>
+                </a:ext>
+              </a:extLst>
+            </p:cNvPr>
+            <p:cNvSpPr txBox="1"/>
+            <p:nvPr/>
+          </p:nvSpPr>
+          <p:spPr>
+            <a:xfrm>
+              <a:off x="11146051" y="6201735"/>
+              <a:ext cx="415498" cy="261610"/>
+            </a:xfrm>
+            <a:prstGeom prst="rect">
+              <a:avLst/>
+            </a:prstGeom>
+            <a:noFill/>
+          </p:spPr>
+          <p:txBody>
+            <a:bodyPr wrap="none" rtlCol="0">
+              <a:spAutoFit/>
+            </a:bodyPr>
+            <a:lstStyle/>
+            <a:p>
+              <a:r>
+                <a:rPr lang="en-US" altLang="zh-TW" sz="1100">
+                  <a:solidFill>
+                    <a:schemeClr val="accent4"/>
+                  </a:solidFill>
+                </a:rPr>
+                <a:t>asm</a:t>
+              </a:r>
+              <a:endParaRPr lang="zh-TW" altLang="en-US" sz="1100">
+                <a:solidFill>
+                  <a:schemeClr val="accent4"/>
+                </a:solidFill>
+              </a:endParaRPr>
+            </a:p>
+          </p:txBody>
+        </p:sp>
+      </p:grpSp>
+      <p:grpSp>
+        <p:nvGrpSpPr>
+          <p:cNvPr id="60" name="群組 59">
+            <a:extLst>
+              <a:ext uri="{FF2B5EF4-FFF2-40B4-BE49-F238E27FC236}">
+                <a16:creationId xmlns:a16="http://schemas.microsoft.com/office/drawing/2014/main" id="{CF6D0588-2840-48D0-81C3-7C9043046305}"/>
+              </a:ext>
+            </a:extLst>
+          </p:cNvPr>
+          <p:cNvGrpSpPr/>
+          <p:nvPr/>
+        </p:nvGrpSpPr>
+        <p:grpSpPr>
+          <a:xfrm>
+            <a:off x="5367228" y="1390226"/>
+            <a:ext cx="3187708" cy="1629945"/>
+            <a:chOff x="5367228" y="1390226"/>
+            <a:chExt cx="3187708" cy="1629945"/>
+          </a:xfrm>
+        </p:grpSpPr>
+        <p:grpSp>
+          <p:nvGrpSpPr>
+            <p:cNvPr id="26" name="群組 25">
+              <a:extLst>
+                <a:ext uri="{FF2B5EF4-FFF2-40B4-BE49-F238E27FC236}">
+                  <a16:creationId xmlns:a16="http://schemas.microsoft.com/office/drawing/2014/main" id="{67E611F2-36C4-4F87-9946-035619656B80}"/>
+                </a:ext>
+              </a:extLst>
+            </p:cNvPr>
+            <p:cNvGrpSpPr/>
+            <p:nvPr/>
+          </p:nvGrpSpPr>
+          <p:grpSpPr>
+            <a:xfrm>
+              <a:off x="5367228" y="1390226"/>
+              <a:ext cx="3187708" cy="1629945"/>
+              <a:chOff x="4156436" y="4669273"/>
+              <a:chExt cx="3187708" cy="1629945"/>
+            </a:xfrm>
+          </p:grpSpPr>
+          <p:sp>
+            <p:nvSpPr>
+              <p:cNvPr id="45" name="矩形: 圓角 44">
+                <a:extLst>
+                  <a:ext uri="{FF2B5EF4-FFF2-40B4-BE49-F238E27FC236}">
+                    <a16:creationId xmlns:a16="http://schemas.microsoft.com/office/drawing/2014/main" id="{C28F110F-7D5F-45F4-966A-2D42E19263E6}"/>
+                  </a:ext>
+                </a:extLst>
+              </p:cNvPr>
+              <p:cNvSpPr/>
+              <p:nvPr/>
+            </p:nvSpPr>
+            <p:spPr>
+              <a:xfrm>
+                <a:off x="4156436" y="4669273"/>
+                <a:ext cx="3187708" cy="1629945"/>
+              </a:xfrm>
+              <a:prstGeom prst="roundRect">
+                <a:avLst>
+                  <a:gd name="adj" fmla="val 9784"/>
+                </a:avLst>
+              </a:prstGeom>
+              <a:solidFill>
+                <a:schemeClr val="accent5">
+                  <a:lumMod val="75000"/>
+                </a:schemeClr>
+              </a:solidFill>
+              <a:ln w="19050">
+                <a:solidFill>
+                  <a:schemeClr val="accent1"/>
+                </a:solidFill>
+              </a:ln>
+            </p:spPr>
+            <p:style>
+              <a:lnRef idx="2">
+                <a:schemeClr val="accent1">
+                  <a:shade val="50000"/>
+                </a:schemeClr>
+              </a:lnRef>
+              <a:fillRef idx="1">
+                <a:schemeClr val="accent1"/>
+              </a:fillRef>
+              <a:effectRef idx="0">
+                <a:schemeClr val="accent1"/>
+              </a:effectRef>
+              <a:fontRef idx="minor">
+                <a:schemeClr val="lt1"/>
+              </a:fontRef>
+            </p:style>
+            <p:txBody>
+              <a:bodyPr rtlCol="0" anchor="ctr"/>
+              <a:lstStyle/>
+              <a:p>
+                <a:pPr algn="ctr"/>
+                <a:endParaRPr lang="zh-TW" altLang="en-US"/>
+              </a:p>
+            </p:txBody>
+          </p:sp>
+          <p:sp>
+            <p:nvSpPr>
+              <p:cNvPr id="43" name="文字方塊 42">
+                <a:extLst>
+                  <a:ext uri="{FF2B5EF4-FFF2-40B4-BE49-F238E27FC236}">
+                    <a16:creationId xmlns:a16="http://schemas.microsoft.com/office/drawing/2014/main" id="{75F6467B-2988-4CC4-A4BB-735765F503BE}"/>
+                  </a:ext>
+                </a:extLst>
+              </p:cNvPr>
+              <p:cNvSpPr txBox="1"/>
+              <p:nvPr/>
+            </p:nvSpPr>
+            <p:spPr>
+              <a:xfrm>
+                <a:off x="4197329" y="4699415"/>
+                <a:ext cx="3105923" cy="1569660"/>
+              </a:xfrm>
+              <a:prstGeom prst="rect">
+                <a:avLst/>
+              </a:prstGeom>
+              <a:noFill/>
+            </p:spPr>
+            <p:txBody>
+              <a:bodyPr wrap="square">
+                <a:spAutoFit/>
+              </a:bodyPr>
+              <a:lstStyle/>
+              <a:p>
+                <a:r>
+                  <a:rPr lang="en-US" altLang="zh-TW" sz="1600">
+                    <a:solidFill>
+                      <a:srgbClr val="FFCFAF"/>
+                    </a:solidFill>
+                    <a:latin typeface="Consolas" panose="020B0609020204030204" pitchFamily="49" charset="0"/>
+                  </a:rPr>
+                  <a:t>#include &lt;stdio.h&gt;</a:t>
+                </a:r>
+              </a:p>
+              <a:p>
+                <a:endParaRPr lang="zh-TW" altLang="en-US" sz="1600">
+                  <a:solidFill>
+                    <a:srgbClr val="DCDCCC"/>
+                  </a:solidFill>
+                  <a:latin typeface="Consolas" panose="020B0609020204030204" pitchFamily="49" charset="0"/>
+                </a:endParaRPr>
+              </a:p>
+              <a:p>
+                <a:r>
+                  <a:rPr lang="en-US" altLang="zh-TW" sz="1600" b="1">
+                    <a:solidFill>
+                      <a:srgbClr val="CEDF99"/>
+                    </a:solidFill>
+                    <a:latin typeface="Consolas" panose="020B0609020204030204" pitchFamily="49" charset="0"/>
+                  </a:rPr>
+                  <a:t>int</a:t>
+                </a:r>
+                <a:r>
+                  <a:rPr lang="en-US" altLang="zh-TW" sz="1600" b="0">
+                    <a:solidFill>
+                      <a:srgbClr val="DCDCCC"/>
+                    </a:solidFill>
+                    <a:latin typeface="Consolas" panose="020B0609020204030204" pitchFamily="49" charset="0"/>
+                  </a:rPr>
+                  <a:t> main</a:t>
+                </a:r>
+                <a:r>
+                  <a:rPr lang="en-US" altLang="zh-TW" sz="1600" b="1">
+                    <a:solidFill>
+                      <a:srgbClr val="9F9D6D"/>
+                    </a:solidFill>
+                    <a:latin typeface="Consolas" panose="020B0609020204030204" pitchFamily="49" charset="0"/>
+                  </a:rPr>
+                  <a:t>(</a:t>
+                </a:r>
+                <a:r>
+                  <a:rPr lang="en-US" altLang="zh-TW" sz="1600" b="1">
+                    <a:solidFill>
+                      <a:srgbClr val="CEDF99"/>
+                    </a:solidFill>
+                    <a:latin typeface="Consolas" panose="020B0609020204030204" pitchFamily="49" charset="0"/>
+                  </a:rPr>
+                  <a:t>void</a:t>
+                </a:r>
+                <a:r>
+                  <a:rPr lang="en-US" altLang="zh-TW" sz="1600" b="1">
+                    <a:solidFill>
+                      <a:srgbClr val="9F9D6D"/>
+                    </a:solidFill>
+                    <a:latin typeface="Consolas" panose="020B0609020204030204" pitchFamily="49" charset="0"/>
+                  </a:rPr>
+                  <a:t>){</a:t>
+                </a:r>
+                <a:endParaRPr lang="en-US" altLang="zh-TW" sz="1600" b="0">
+                  <a:solidFill>
+                    <a:srgbClr val="DCDCCC"/>
+                  </a:solidFill>
+                  <a:latin typeface="Consolas" panose="020B0609020204030204" pitchFamily="49" charset="0"/>
+                </a:endParaRPr>
+              </a:p>
+              <a:p>
+                <a:r>
+                  <a:rPr lang="en-US" altLang="zh-TW" sz="1600" b="0">
+                    <a:solidFill>
+                      <a:srgbClr val="DCDCCC"/>
+                    </a:solidFill>
+                    <a:latin typeface="Consolas" panose="020B0609020204030204" pitchFamily="49" charset="0"/>
+                  </a:rPr>
+                  <a:t>  printf</a:t>
+                </a:r>
+                <a:r>
+                  <a:rPr lang="en-US" altLang="zh-TW" sz="1600" b="1">
+                    <a:solidFill>
+                      <a:srgbClr val="9F9D6D"/>
+                    </a:solidFill>
+                    <a:latin typeface="Consolas" panose="020B0609020204030204" pitchFamily="49" charset="0"/>
+                  </a:rPr>
+                  <a:t>(</a:t>
+                </a:r>
+                <a:r>
+                  <a:rPr lang="en-US" altLang="zh-TW" sz="1600" b="0">
+                    <a:solidFill>
+                      <a:srgbClr val="CC9393"/>
+                    </a:solidFill>
+                    <a:latin typeface="Consolas" panose="020B0609020204030204" pitchFamily="49" charset="0"/>
+                  </a:rPr>
+                  <a:t>"Hello, World!"</a:t>
+                </a:r>
+                <a:r>
+                  <a:rPr lang="en-US" altLang="zh-TW" sz="1600" b="1">
+                    <a:solidFill>
+                      <a:srgbClr val="9F9D6D"/>
+                    </a:solidFill>
+                    <a:latin typeface="Consolas" panose="020B0609020204030204" pitchFamily="49" charset="0"/>
+                  </a:rPr>
+                  <a:t>);</a:t>
+                </a:r>
+                <a:endParaRPr lang="en-US" altLang="zh-TW" sz="1600" b="0">
+                  <a:solidFill>
+                    <a:srgbClr val="DCDCCC"/>
+                  </a:solidFill>
+                  <a:latin typeface="Consolas" panose="020B0609020204030204" pitchFamily="49" charset="0"/>
+                </a:endParaRPr>
+              </a:p>
+              <a:p>
+                <a:r>
+                  <a:rPr lang="en-US" altLang="zh-TW" sz="1600" b="0">
+                    <a:solidFill>
+                      <a:srgbClr val="DCDCCC"/>
+                    </a:solidFill>
+                    <a:latin typeface="Consolas" panose="020B0609020204030204" pitchFamily="49" charset="0"/>
+                  </a:rPr>
+                  <a:t>  </a:t>
+                </a:r>
+                <a:r>
+                  <a:rPr lang="en-US" altLang="zh-TW" sz="1600" b="1">
+                    <a:solidFill>
+                      <a:srgbClr val="DFC47D"/>
+                    </a:solidFill>
+                    <a:latin typeface="Consolas" panose="020B0609020204030204" pitchFamily="49" charset="0"/>
+                  </a:rPr>
+                  <a:t>return</a:t>
+                </a:r>
+                <a:r>
+                  <a:rPr lang="en-US" altLang="zh-TW" sz="1600" b="0">
+                    <a:solidFill>
+                      <a:srgbClr val="DCDCCC"/>
+                    </a:solidFill>
+                    <a:latin typeface="Consolas" panose="020B0609020204030204" pitchFamily="49" charset="0"/>
+                  </a:rPr>
+                  <a:t> </a:t>
+                </a:r>
+                <a:r>
+                  <a:rPr lang="en-US" altLang="zh-TW" sz="1600" b="0">
+                    <a:solidFill>
+                      <a:srgbClr val="8CD0D3"/>
+                    </a:solidFill>
+                    <a:latin typeface="Consolas" panose="020B0609020204030204" pitchFamily="49" charset="0"/>
+                  </a:rPr>
+                  <a:t>0</a:t>
+                </a:r>
+                <a:r>
+                  <a:rPr lang="en-US" altLang="zh-TW" sz="1600" b="1">
+                    <a:solidFill>
+                      <a:srgbClr val="9F9D6D"/>
+                    </a:solidFill>
+                    <a:latin typeface="Consolas" panose="020B0609020204030204" pitchFamily="49" charset="0"/>
+                  </a:rPr>
+                  <a:t>;</a:t>
+                </a:r>
+                <a:endParaRPr lang="en-US" altLang="zh-TW" sz="1600" b="0">
+                  <a:solidFill>
+                    <a:srgbClr val="DCDCCC"/>
+                  </a:solidFill>
+                  <a:latin typeface="Consolas" panose="020B0609020204030204" pitchFamily="49" charset="0"/>
+                </a:endParaRPr>
+              </a:p>
+              <a:p>
+                <a:r>
+                  <a:rPr lang="en-US" altLang="zh-TW" sz="1600" b="1">
+                    <a:solidFill>
+                      <a:srgbClr val="9F9D6D"/>
+                    </a:solidFill>
+                    <a:latin typeface="Consolas" panose="020B0609020204030204" pitchFamily="49" charset="0"/>
+                  </a:rPr>
+                  <a:t>}</a:t>
+                </a:r>
+                <a:endParaRPr lang="zh-TW" altLang="en-US" sz="1600"/>
+              </a:p>
+            </p:txBody>
+          </p:sp>
+        </p:grpSp>
+        <p:sp>
+          <p:nvSpPr>
+            <p:cNvPr id="64" name="文字方塊 63">
+              <a:extLst>
+                <a:ext uri="{FF2B5EF4-FFF2-40B4-BE49-F238E27FC236}">
+                  <a16:creationId xmlns:a16="http://schemas.microsoft.com/office/drawing/2014/main" id="{80102525-8634-42E0-85C3-79789400A279}"/>
+                </a:ext>
+              </a:extLst>
+            </p:cNvPr>
+            <p:cNvSpPr txBox="1"/>
+            <p:nvPr/>
+          </p:nvSpPr>
+          <p:spPr>
+            <a:xfrm>
+              <a:off x="8270833" y="2748637"/>
+              <a:ext cx="261610" cy="261610"/>
+            </a:xfrm>
+            <a:prstGeom prst="rect">
+              <a:avLst/>
+            </a:prstGeom>
+            <a:noFill/>
+          </p:spPr>
+          <p:txBody>
+            <a:bodyPr wrap="none" rtlCol="0">
+              <a:spAutoFit/>
+            </a:bodyPr>
+            <a:lstStyle/>
+            <a:p>
+              <a:r>
+                <a:rPr lang="en-US" altLang="zh-TW" sz="1100">
+                  <a:solidFill>
+                    <a:schemeClr val="accent4"/>
+                  </a:solidFill>
+                </a:rPr>
+                <a:t>c</a:t>
+              </a:r>
+              <a:endParaRPr lang="zh-TW" altLang="en-US" sz="1100">
+                <a:solidFill>
+                  <a:schemeClr val="accent4"/>
+                </a:solidFill>
+              </a:endParaRPr>
+            </a:p>
+          </p:txBody>
+        </p:sp>
+      </p:grpSp>
+    </p:spTree>
+    <p:extLst>
+      <p:ext uri="{BB962C8B-B14F-4D97-AF65-F5344CB8AC3E}">
+        <p14:creationId xmlns:p14="http://schemas.microsoft.com/office/powerpoint/2010/main" val="437669120"/>
+      </p:ext>
+    </p:extLst>
+  </p:cSld>
+  <p:clrMapOvr>
+    <a:masterClrMapping/>
+  </p:clrMapOvr>
+  <mc:AlternateContent xmlns:mc="http://schemas.openxmlformats.org/markup-compatibility/2006">
+    <mc:Choice xmlns:p159="http://schemas.microsoft.com/office/powerpoint/2015/09/main" Requires="p159">
+      <p:transition xmlns:p14="http://schemas.microsoft.com/office/powerpoint/2010/main" spd="med" p14:dur="700">
+        <p159:morph option="byObject"/>
+      </p:transition>
+    </mc:Choice>
+    <mc:Fallback>
+      <p:transition spd="med">
+        <p:fade/>
+      </p:transition>
+    </mc:Fallback>
+  </mc:AlternateContent>
+  <p:timing>
+    <p:tnLst>
+      <p:par>
+        <p:cTn id="1" dur="indefinite" restart="never" nodeType="tmRoot">
+          <p:childTnLst>
+            <p:seq concurrent="1" nextAc="seek">
+              <p:cTn id="2" dur="indefinite" nodeType="mainSeq">
+                <p:childTnLst>
+                  <p:par>
+                    <p:cTn id="3" fill="hold">
+                      <p:stCondLst>
+                        <p:cond delay="indefinite"/>
+                        <p:cond evt="onBegin" delay="0">
+                          <p:tn val="2"/>
+                        </p:cond>
+                      </p:stCondLst>
+                      <p:childTnLst>
+                        <p:par>
+                          <p:cTn id="4" fill="hold">
+                            <p:stCondLst>
+                              <p:cond delay="0"/>
+                            </p:stCondLst>
+                            <p:childTnLst>
+                              <p:par>
+                                <p:cTn id="5" presetID="21" presetClass="entr" presetSubtype="1" fill="hold" grpId="0" nodeType="afterEffect">
+                                  <p:stCondLst>
+                                    <p:cond delay="0"/>
+                                  </p:stCondLst>
+                                  <p:childTnLst>
+                                    <p:set>
+                                      <p:cBhvr>
+                                        <p:cTn id="6" dur="1" fill="hold">
+                                          <p:stCondLst>
+                                            <p:cond delay="0"/>
+                                          </p:stCondLst>
+                                        </p:cTn>
+                                        <p:tgtEl>
+                                          <p:spTgt spid="28"/>
+                                        </p:tgtEl>
+                                        <p:attrNameLst>
+                                          <p:attrName>style.visibility</p:attrName>
+                                        </p:attrNameLst>
+                                      </p:cBhvr>
+                                      <p:to>
+                                        <p:strVal val="visible"/>
+                                      </p:to>
+                                    </p:set>
+                                    <p:animEffect transition="in" filter="wheel(1)">
+                                      <p:cBhvr>
+                                        <p:cTn id="7" dur="300"/>
+                                        <p:tgtEl>
+                                          <p:spTgt spid="28"/>
+                                        </p:tgtEl>
+                                      </p:cBhvr>
+                                    </p:animEffect>
+                                  </p:childTnLst>
+                                </p:cTn>
+                              </p:par>
+                            </p:childTnLst>
+                          </p:cTn>
+                        </p:par>
+                        <p:par>
+                          <p:cTn id="8" fill="hold">
+                            <p:stCondLst>
+                              <p:cond delay="300"/>
+                            </p:stCondLst>
+                            <p:childTnLst>
+                              <p:par>
+                                <p:cTn id="9" presetID="22" presetClass="entr" presetSubtype="8" fill="hold" nodeType="afterEffect">
+                                  <p:stCondLst>
+                                    <p:cond delay="0"/>
+                                  </p:stCondLst>
+                                  <p:childTnLst>
+                                    <p:set>
+                                      <p:cBhvr>
+                                        <p:cTn id="10" dur="1" fill="hold">
+                                          <p:stCondLst>
+                                            <p:cond delay="0"/>
+                                          </p:stCondLst>
+                                        </p:cTn>
+                                        <p:tgtEl>
+                                          <p:spTgt spid="32"/>
+                                        </p:tgtEl>
+                                        <p:attrNameLst>
+                                          <p:attrName>style.visibility</p:attrName>
+                                        </p:attrNameLst>
+                                      </p:cBhvr>
+                                      <p:to>
+                                        <p:strVal val="visible"/>
+                                      </p:to>
+                                    </p:set>
+                                    <p:animEffect transition="in" filter="wipe(left)">
+                                      <p:cBhvr>
+                                        <p:cTn id="11" dur="500"/>
+                                        <p:tgtEl>
+                                          <p:spTgt spid="32"/>
+                                        </p:tgtEl>
+                                      </p:cBhvr>
+                                    </p:animEffect>
+                                  </p:childTnLst>
+                                </p:cTn>
+                              </p:par>
+                            </p:childTnLst>
+                          </p:cTn>
+                        </p:par>
+                        <p:par>
+                          <p:cTn id="12" fill="hold">
+                            <p:stCondLst>
+                              <p:cond delay="800"/>
+                            </p:stCondLst>
+                            <p:childTnLst>
+                              <p:par>
+                                <p:cTn id="13" presetID="10" presetClass="entr" presetSubtype="0" fill="hold" nodeType="afterEffect">
+                                  <p:stCondLst>
+                                    <p:cond delay="0"/>
+                                  </p:stCondLst>
+                                  <p:childTnLst>
+                                    <p:set>
+                                      <p:cBhvr>
+                                        <p:cTn id="14" dur="1" fill="hold">
+                                          <p:stCondLst>
+                                            <p:cond delay="0"/>
+                                          </p:stCondLst>
+                                        </p:cTn>
+                                        <p:tgtEl>
+                                          <p:spTgt spid="58"/>
+                                        </p:tgtEl>
+                                        <p:attrNameLst>
+                                          <p:attrName>style.visibility</p:attrName>
+                                        </p:attrNameLst>
+                                      </p:cBhvr>
+                                      <p:to>
+                                        <p:strVal val="visible"/>
+                                      </p:to>
+                                    </p:set>
+                                    <p:animEffect transition="in" filter="fade">
+                                      <p:cBhvr>
+                                        <p:cTn id="15" dur="500"/>
+                                        <p:tgtEl>
+                                          <p:spTgt spid="58"/>
+                                        </p:tgtEl>
+                                      </p:cBhvr>
+                                    </p:animEffect>
+                                  </p:childTnLst>
+                                </p:cTn>
+                              </p:par>
+                            </p:childTnLst>
+                          </p:cTn>
+                        </p:par>
+                      </p:childTnLst>
+                    </p:cTn>
+                  </p:par>
+                  <p:par>
+                    <p:cTn id="16" fill="hold">
+                      <p:stCondLst>
+                        <p:cond delay="indefinite"/>
+                      </p:stCondLst>
+                      <p:childTnLst>
+                        <p:par>
+                          <p:cTn id="17" fill="hold">
+                            <p:stCondLst>
+                              <p:cond delay="0"/>
+                            </p:stCondLst>
+                            <p:childTnLst>
+                              <p:par>
+                                <p:cTn id="18" presetID="21" presetClass="entr" presetSubtype="1" fill="hold" grpId="0" nodeType="clickEffect">
+                                  <p:stCondLst>
+                                    <p:cond delay="0"/>
+                                  </p:stCondLst>
+                                  <p:childTnLst>
+                                    <p:set>
+                                      <p:cBhvr>
+                                        <p:cTn id="19" dur="1" fill="hold">
+                                          <p:stCondLst>
+                                            <p:cond delay="0"/>
+                                          </p:stCondLst>
+                                        </p:cTn>
+                                        <p:tgtEl>
+                                          <p:spTgt spid="51"/>
+                                        </p:tgtEl>
+                                        <p:attrNameLst>
+                                          <p:attrName>style.visibility</p:attrName>
+                                        </p:attrNameLst>
+                                      </p:cBhvr>
+                                      <p:to>
+                                        <p:strVal val="visible"/>
+                                      </p:to>
+                                    </p:set>
+                                    <p:animEffect transition="in" filter="wheel(1)">
+                                      <p:cBhvr>
+                                        <p:cTn id="20" dur="300"/>
+                                        <p:tgtEl>
+                                          <p:spTgt spid="51"/>
+                                        </p:tgtEl>
+                                      </p:cBhvr>
+                                    </p:animEffect>
+                                  </p:childTnLst>
+                                </p:cTn>
+                              </p:par>
+                            </p:childTnLst>
+                          </p:cTn>
+                        </p:par>
+                        <p:par>
+                          <p:cTn id="21" fill="hold">
+                            <p:stCondLst>
+                              <p:cond delay="300"/>
+                            </p:stCondLst>
+                            <p:childTnLst>
+                              <p:par>
+                                <p:cTn id="22" presetID="22" presetClass="entr" presetSubtype="8" fill="hold" nodeType="afterEffect">
+                                  <p:stCondLst>
+                                    <p:cond delay="0"/>
+                                  </p:stCondLst>
+                                  <p:childTnLst>
+                                    <p:set>
+                                      <p:cBhvr>
+                                        <p:cTn id="23" dur="1" fill="hold">
+                                          <p:stCondLst>
+                                            <p:cond delay="0"/>
+                                          </p:stCondLst>
+                                        </p:cTn>
+                                        <p:tgtEl>
+                                          <p:spTgt spid="53"/>
+                                        </p:tgtEl>
+                                        <p:attrNameLst>
+                                          <p:attrName>style.visibility</p:attrName>
+                                        </p:attrNameLst>
+                                      </p:cBhvr>
+                                      <p:to>
+                                        <p:strVal val="visible"/>
+                                      </p:to>
+                                    </p:set>
+                                    <p:animEffect transition="in" filter="wipe(left)">
+                                      <p:cBhvr>
+                                        <p:cTn id="24" dur="500"/>
+                                        <p:tgtEl>
+                                          <p:spTgt spid="53"/>
+                                        </p:tgtEl>
+                                      </p:cBhvr>
+                                    </p:animEffect>
+                                  </p:childTnLst>
+                                </p:cTn>
+                              </p:par>
+                            </p:childTnLst>
+                          </p:cTn>
+                        </p:par>
+                        <p:par>
+                          <p:cTn id="25" fill="hold">
+                            <p:stCondLst>
+                              <p:cond delay="800"/>
+                            </p:stCondLst>
+                            <p:childTnLst>
+                              <p:par>
+                                <p:cTn id="26" presetID="10" presetClass="entr" presetSubtype="0" fill="hold" nodeType="afterEffect">
+                                  <p:stCondLst>
+                                    <p:cond delay="0"/>
+                                  </p:stCondLst>
+                                  <p:childTnLst>
+                                    <p:set>
+                                      <p:cBhvr>
+                                        <p:cTn id="27" dur="1" fill="hold">
+                                          <p:stCondLst>
+                                            <p:cond delay="0"/>
+                                          </p:stCondLst>
+                                        </p:cTn>
+                                        <p:tgtEl>
+                                          <p:spTgt spid="57"/>
+                                        </p:tgtEl>
+                                        <p:attrNameLst>
+                                          <p:attrName>style.visibility</p:attrName>
+                                        </p:attrNameLst>
+                                      </p:cBhvr>
+                                      <p:to>
+                                        <p:strVal val="visible"/>
+                                      </p:to>
+                                    </p:set>
+                                    <p:animEffect transition="in" filter="fade">
+                                      <p:cBhvr>
+                                        <p:cTn id="28" dur="500"/>
+                                        <p:tgtEl>
+                                          <p:spTgt spid="57"/>
+                                        </p:tgtEl>
+                                      </p:cBhvr>
+                                    </p:animEffect>
+                                  </p:childTnLst>
+                                </p:cTn>
+                              </p:par>
+                            </p:childTnLst>
+                          </p:cTn>
+                        </p:par>
+                      </p:childTnLst>
+                    </p:cTn>
+                  </p:par>
+                  <p:par>
+                    <p:cTn id="29" fill="hold">
+                      <p:stCondLst>
+                        <p:cond delay="indefinite"/>
+                      </p:stCondLst>
+                      <p:childTnLst>
+                        <p:par>
+                          <p:cTn id="30" fill="hold">
+                            <p:stCondLst>
+                              <p:cond delay="0"/>
+                            </p:stCondLst>
+                            <p:childTnLst>
+                              <p:par>
+                                <p:cTn id="31" presetID="21" presetClass="entr" presetSubtype="1" fill="hold" grpId="0" nodeType="clickEffect">
+                                  <p:stCondLst>
+                                    <p:cond delay="0"/>
+                                  </p:stCondLst>
+                                  <p:childTnLst>
+                                    <p:set>
+                                      <p:cBhvr>
+                                        <p:cTn id="32" dur="1" fill="hold">
+                                          <p:stCondLst>
+                                            <p:cond delay="0"/>
+                                          </p:stCondLst>
+                                        </p:cTn>
+                                        <p:tgtEl>
+                                          <p:spTgt spid="52"/>
+                                        </p:tgtEl>
+                                        <p:attrNameLst>
+                                          <p:attrName>style.visibility</p:attrName>
+                                        </p:attrNameLst>
+                                      </p:cBhvr>
+                                      <p:to>
+                                        <p:strVal val="visible"/>
+                                      </p:to>
+                                    </p:set>
+                                    <p:animEffect transition="in" filter="wheel(1)">
+                                      <p:cBhvr>
+                                        <p:cTn id="33" dur="300"/>
+                                        <p:tgtEl>
+                                          <p:spTgt spid="52"/>
+                                        </p:tgtEl>
+                                      </p:cBhvr>
+                                    </p:animEffect>
+                                  </p:childTnLst>
+                                </p:cTn>
+                              </p:par>
+                            </p:childTnLst>
+                          </p:cTn>
+                        </p:par>
+                        <p:par>
+                          <p:cTn id="34" fill="hold">
+                            <p:stCondLst>
+                              <p:cond delay="300"/>
+                            </p:stCondLst>
+                            <p:childTnLst>
+                              <p:par>
+                                <p:cTn id="35" presetID="22" presetClass="entr" presetSubtype="8" fill="hold" nodeType="afterEffect">
+                                  <p:stCondLst>
+                                    <p:cond delay="0"/>
+                                  </p:stCondLst>
+                                  <p:childTnLst>
+                                    <p:set>
+                                      <p:cBhvr>
+                                        <p:cTn id="36" dur="1" fill="hold">
+                                          <p:stCondLst>
+                                            <p:cond delay="0"/>
+                                          </p:stCondLst>
+                                        </p:cTn>
+                                        <p:tgtEl>
+                                          <p:spTgt spid="56"/>
+                                        </p:tgtEl>
+                                        <p:attrNameLst>
+                                          <p:attrName>style.visibility</p:attrName>
+                                        </p:attrNameLst>
+                                      </p:cBhvr>
+                                      <p:to>
+                                        <p:strVal val="visible"/>
+                                      </p:to>
+                                    </p:set>
+                                    <p:animEffect transition="in" filter="wipe(left)">
+                                      <p:cBhvr>
+                                        <p:cTn id="37" dur="500"/>
+                                        <p:tgtEl>
+                                          <p:spTgt spid="56"/>
+                                        </p:tgtEl>
+                                      </p:cBhvr>
+                                    </p:animEffect>
+                                  </p:childTnLst>
+                                </p:cTn>
+                              </p:par>
+                            </p:childTnLst>
+                          </p:cTn>
+                        </p:par>
+                        <p:par>
+                          <p:cTn id="38" fill="hold">
+                            <p:stCondLst>
+                              <p:cond delay="800"/>
+                            </p:stCondLst>
+                            <p:childTnLst>
+                              <p:par>
+                                <p:cTn id="39" presetID="10" presetClass="entr" presetSubtype="0" fill="hold" nodeType="afterEffect">
+                                  <p:stCondLst>
+                                    <p:cond delay="0"/>
+                                  </p:stCondLst>
+                                  <p:childTnLst>
+                                    <p:set>
+                                      <p:cBhvr>
+                                        <p:cTn id="40" dur="1" fill="hold">
+                                          <p:stCondLst>
+                                            <p:cond delay="0"/>
+                                          </p:stCondLst>
+                                        </p:cTn>
+                                        <p:tgtEl>
+                                          <p:spTgt spid="60"/>
+                                        </p:tgtEl>
+                                        <p:attrNameLst>
+                                          <p:attrName>style.visibility</p:attrName>
+                                        </p:attrNameLst>
+                                      </p:cBhvr>
+                                      <p:to>
+                                        <p:strVal val="visible"/>
+                                      </p:to>
+                                    </p:set>
+                                    <p:animEffect transition="in" filter="fade">
+                                      <p:cBhvr>
+                                        <p:cTn id="41" dur="500"/>
+                                        <p:tgtEl>
+                                          <p:spTgt spid="60"/>
+                                        </p:tgtEl>
+                                      </p:cBhvr>
+                                    </p:animEffect>
+                                  </p:childTnLst>
+                                </p:cTn>
+                              </p:par>
+                            </p:childTnLst>
+                          </p:cTn>
+                        </p:par>
+                      </p:childTnLst>
+                    </p:cTn>
+                  </p:par>
+                </p:childTnLst>
+              </p:cTn>
+              <p:prevCondLst>
+                <p:cond evt="onPrev" delay="0">
+                  <p:tgtEl>
+                    <p:sldTgt/>
+                  </p:tgtEl>
+                </p:cond>
+              </p:prevCondLst>
+              <p:nextCondLst>
+                <p:cond evt="onNext" delay="0">
+                  <p:tgtEl>
+                    <p:sldTgt/>
+                  </p:tgtEl>
+                </p:cond>
+              </p:nextCondLst>
+            </p:seq>
+          </p:childTnLst>
+        </p:cTn>
+      </p:par>
+    </p:tnLst>
+    <p:bldLst>
+      <p:bldP spid="28" grpId="0" animBg="1"/>
+      <p:bldP spid="51" grpId="0" animBg="1"/>
+      <p:bldP spid="52" grpId="0" animBg="1"/>
+    </p:bldLst>
+  </p:timing>
+</p:sld>
+</file>
+
+<file path=ppt/slides/slide5.xml><?xml version="1.0" encoding="utf-8"?>
 <p:sld xmlns:a="http://schemas.openxmlformats.org/drawingml/2006/main" xmlns:r="http://schemas.openxmlformats.org/officeDocument/2006/relationships" xmlns:p="http://schemas.openxmlformats.org/presentationml/2006/main">
   <p:cSld>
     <p:spTree>
@@ -13674,7 +18362,7 @@
                   <a:srgbClr val="FFFF00"/>
                 </a:solidFill>
               </a:rPr>
-              <a:t>是這學期要上的</a:t>
+              <a:t>是這學年要上的</a:t>
             </a:r>
           </a:p>
         </p:txBody>
@@ -13871,7 +18559,7 @@
 </p:sld>
 </file>
 
-<file path=ppt/slides/slide5.xml><?xml version="1.0" encoding="utf-8"?>
+<file path=ppt/slides/slide6.xml><?xml version="1.0" encoding="utf-8"?>
 <p:sld xmlns:a="http://schemas.openxmlformats.org/drawingml/2006/main" xmlns:r="http://schemas.openxmlformats.org/officeDocument/2006/relationships" xmlns:p="http://schemas.openxmlformats.org/presentationml/2006/main">
   <p:cSld>
     <p:spTree>

--- a/powerpoint/02_程式語言簡介.pptx
+++ b/powerpoint/02_程式語言簡介.pptx
@@ -217,7 +217,7 @@
           <a:p>
             <a:fld id="{FF294DDF-BAE6-4F99-A8CC-1D49EAABBEEB}" type="datetimeFigureOut">
               <a:rPr lang="zh-TW" altLang="en-US" smtClean="0"/>
-              <a:t>2024/7/7</a:t>
+              <a:t>2024/7/9</a:t>
             </a:fld>
             <a:endParaRPr lang="zh-TW" altLang="en-US"/>
           </a:p>
@@ -9436,8 +9436,8 @@
             </p:nvSpPr>
             <p:spPr>
               <a:xfrm>
-                <a:off x="8742644" y="5273519"/>
-                <a:ext cx="1287532" cy="369332"/>
+                <a:off x="8258409" y="5273519"/>
+                <a:ext cx="2256002" cy="369332"/>
               </a:xfrm>
               <a:prstGeom prst="rect">
                 <a:avLst/>
@@ -9445,13 +9445,21 @@
               <a:noFill/>
             </p:spPr>
             <p:txBody>
-              <a:bodyPr wrap="none" rtlCol="0">
+              <a:bodyPr wrap="square" rtlCol="0">
                 <a:spAutoFit/>
               </a:bodyPr>
               <a:lstStyle/>
               <a:p>
                 <a:r>
-                  <a:rPr lang="en-US" altLang="zh-TW" dirty="0">
+                  <a:rPr lang="zh-TW" altLang="en-US">
+                    <a:solidFill>
+                      <a:schemeClr val="bg1"/>
+                    </a:solidFill>
+                  </a:rPr>
+                  <a:t>組合語言 </a:t>
+                </a:r>
+                <a:r>
+                  <a:rPr lang="en-US" altLang="zh-TW">
                     <a:solidFill>
                       <a:schemeClr val="bg1"/>
                     </a:solidFill>
@@ -9480,8 +9488,8 @@
             </p:nvSpPr>
             <p:spPr>
               <a:xfrm>
-                <a:off x="8466928" y="5662990"/>
-                <a:ext cx="1838965" cy="369332"/>
+                <a:off x="8107133" y="5662990"/>
+                <a:ext cx="2558556" cy="369332"/>
               </a:xfrm>
               <a:prstGeom prst="rect">
                 <a:avLst/>
@@ -9489,18 +9497,34 @@
               <a:noFill/>
             </p:spPr>
             <p:txBody>
-              <a:bodyPr wrap="none" rtlCol="0">
+              <a:bodyPr wrap="square" rtlCol="0">
                 <a:spAutoFit/>
               </a:bodyPr>
               <a:lstStyle/>
               <a:p>
                 <a:r>
+                  <a:rPr lang="zh-TW" altLang="en-US">
+                    <a:solidFill>
+                      <a:schemeClr val="bg1"/>
+                    </a:solidFill>
+                  </a:rPr>
+                  <a:t>機器碼 </a:t>
+                </a:r>
+                <a:r>
+                  <a:rPr lang="en-US" altLang="zh-TW">
+                    <a:solidFill>
+                      <a:schemeClr val="bg1"/>
+                    </a:solidFill>
+                  </a:rPr>
+                  <a:t>Machine </a:t>
+                </a:r>
+                <a:r>
                   <a:rPr lang="en-US" altLang="zh-TW" dirty="0">
                     <a:solidFill>
                       <a:schemeClr val="bg1"/>
                     </a:solidFill>
                   </a:rPr>
-                  <a:t>Machine code</a:t>
+                  <a:t>code</a:t>
                 </a:r>
                 <a:endParaRPr lang="zh-TW" altLang="en-US">
                   <a:solidFill>
@@ -11789,6 +11813,672 @@
       </p:grpSpPr>
       <p:grpSp>
         <p:nvGrpSpPr>
+          <p:cNvPr id="48" name="群組 47">
+            <a:extLst>
+              <a:ext uri="{FF2B5EF4-FFF2-40B4-BE49-F238E27FC236}">
+                <a16:creationId xmlns:a16="http://schemas.microsoft.com/office/drawing/2014/main" id="{5B2ADAFA-8E00-42F6-99E5-F4B9D317A963}"/>
+              </a:ext>
+            </a:extLst>
+          </p:cNvPr>
+          <p:cNvGrpSpPr/>
+          <p:nvPr/>
+        </p:nvGrpSpPr>
+        <p:grpSpPr>
+          <a:xfrm>
+            <a:off x="800455" y="1384229"/>
+            <a:ext cx="3768718" cy="5068593"/>
+            <a:chOff x="8081818" y="1424282"/>
+            <a:chExt cx="3768718" cy="5068593"/>
+          </a:xfrm>
+        </p:grpSpPr>
+        <p:sp>
+          <p:nvSpPr>
+            <p:cNvPr id="49" name="矩形: 圓角 48">
+              <a:extLst>
+                <a:ext uri="{FF2B5EF4-FFF2-40B4-BE49-F238E27FC236}">
+                  <a16:creationId xmlns:a16="http://schemas.microsoft.com/office/drawing/2014/main" id="{D0CC6C12-B054-4737-B711-33204FBFEF84}"/>
+                </a:ext>
+              </a:extLst>
+            </p:cNvPr>
+            <p:cNvSpPr/>
+            <p:nvPr/>
+          </p:nvSpPr>
+          <p:spPr>
+            <a:xfrm>
+              <a:off x="8081818" y="1424282"/>
+              <a:ext cx="3768718" cy="5068593"/>
+            </a:xfrm>
+            <a:prstGeom prst="roundRect">
+              <a:avLst/>
+            </a:prstGeom>
+            <a:solidFill>
+              <a:srgbClr val="EEFFDD"/>
+            </a:solidFill>
+            <a:ln w="38100">
+              <a:solidFill>
+                <a:srgbClr val="00B050"/>
+              </a:solidFill>
+            </a:ln>
+          </p:spPr>
+          <p:style>
+            <a:lnRef idx="2">
+              <a:schemeClr val="accent1">
+                <a:shade val="50000"/>
+              </a:schemeClr>
+            </a:lnRef>
+            <a:fillRef idx="1">
+              <a:schemeClr val="accent1"/>
+            </a:fillRef>
+            <a:effectRef idx="0">
+              <a:schemeClr val="accent1"/>
+            </a:effectRef>
+            <a:fontRef idx="minor">
+              <a:schemeClr val="lt1"/>
+            </a:fontRef>
+          </p:style>
+          <p:txBody>
+            <a:bodyPr rtlCol="0" anchor="ctr"/>
+            <a:lstStyle/>
+            <a:p>
+              <a:pPr algn="ctr"/>
+              <a:endParaRPr lang="zh-TW" altLang="en-US"/>
+            </a:p>
+          </p:txBody>
+        </p:sp>
+        <p:grpSp>
+          <p:nvGrpSpPr>
+            <p:cNvPr id="50" name="群組 49">
+              <a:extLst>
+                <a:ext uri="{FF2B5EF4-FFF2-40B4-BE49-F238E27FC236}">
+                  <a16:creationId xmlns:a16="http://schemas.microsoft.com/office/drawing/2014/main" id="{783B4FD8-E8E0-41B6-9AA1-BA0F3FCE1EC2}"/>
+                </a:ext>
+              </a:extLst>
+            </p:cNvPr>
+            <p:cNvGrpSpPr/>
+            <p:nvPr/>
+          </p:nvGrpSpPr>
+          <p:grpSpPr>
+            <a:xfrm>
+              <a:off x="8323458" y="1505550"/>
+              <a:ext cx="3262432" cy="4961514"/>
+              <a:chOff x="7403257" y="1607149"/>
+              <a:chExt cx="3262432" cy="4961514"/>
+            </a:xfrm>
+          </p:grpSpPr>
+          <p:grpSp>
+            <p:nvGrpSpPr>
+              <p:cNvPr id="54" name="群組 53">
+                <a:extLst>
+                  <a:ext uri="{FF2B5EF4-FFF2-40B4-BE49-F238E27FC236}">
+                    <a16:creationId xmlns:a16="http://schemas.microsoft.com/office/drawing/2014/main" id="{298B44FD-E6FD-4AEE-897F-A86027A1B21C}"/>
+                  </a:ext>
+                </a:extLst>
+              </p:cNvPr>
+              <p:cNvGrpSpPr/>
+              <p:nvPr/>
+            </p:nvGrpSpPr>
+            <p:grpSpPr>
+              <a:xfrm>
+                <a:off x="7403257" y="1607149"/>
+                <a:ext cx="3262432" cy="4961514"/>
+                <a:chOff x="838200" y="2937735"/>
+                <a:chExt cx="3262432" cy="4961514"/>
+              </a:xfrm>
+            </p:grpSpPr>
+            <p:sp>
+              <p:nvSpPr>
+                <p:cNvPr id="71" name="箭號: 向上 70">
+                  <a:extLst>
+                    <a:ext uri="{FF2B5EF4-FFF2-40B4-BE49-F238E27FC236}">
+                      <a16:creationId xmlns:a16="http://schemas.microsoft.com/office/drawing/2014/main" id="{F04874C0-8B12-4AB3-B2D1-F26CA8361C12}"/>
+                    </a:ext>
+                  </a:extLst>
+                </p:cNvPr>
+                <p:cNvSpPr/>
+                <p:nvPr/>
+              </p:nvSpPr>
+              <p:spPr>
+                <a:xfrm>
+                  <a:off x="877717" y="3399399"/>
+                  <a:ext cx="856456" cy="4036151"/>
+                </a:xfrm>
+                <a:prstGeom prst="upArrow">
+                  <a:avLst/>
+                </a:prstGeom>
+                <a:solidFill>
+                  <a:srgbClr val="0033CC"/>
+                </a:solidFill>
+                <a:ln>
+                  <a:noFill/>
+                </a:ln>
+              </p:spPr>
+              <p:style>
+                <a:lnRef idx="2">
+                  <a:schemeClr val="accent1">
+                    <a:shade val="50000"/>
+                  </a:schemeClr>
+                </a:lnRef>
+                <a:fillRef idx="1">
+                  <a:schemeClr val="accent1"/>
+                </a:fillRef>
+                <a:effectRef idx="0">
+                  <a:schemeClr val="accent1"/>
+                </a:effectRef>
+                <a:fontRef idx="minor">
+                  <a:schemeClr val="lt1"/>
+                </a:fontRef>
+              </p:style>
+              <p:txBody>
+                <a:bodyPr rtlCol="0" anchor="ctr"/>
+                <a:lstStyle/>
+                <a:p>
+                  <a:pPr algn="ctr"/>
+                  <a:endParaRPr lang="zh-TW" altLang="en-US"/>
+                </a:p>
+              </p:txBody>
+            </p:sp>
+            <p:sp>
+              <p:nvSpPr>
+                <p:cNvPr id="72" name="文字方塊 71">
+                  <a:extLst>
+                    <a:ext uri="{FF2B5EF4-FFF2-40B4-BE49-F238E27FC236}">
+                      <a16:creationId xmlns:a16="http://schemas.microsoft.com/office/drawing/2014/main" id="{B54C7AD7-246D-4D78-AC2C-E128CBB863F8}"/>
+                    </a:ext>
+                  </a:extLst>
+                </p:cNvPr>
+                <p:cNvSpPr txBox="1"/>
+                <p:nvPr/>
+              </p:nvSpPr>
+              <p:spPr>
+                <a:xfrm>
+                  <a:off x="838200" y="2937735"/>
+                  <a:ext cx="3262432" cy="461665"/>
+                </a:xfrm>
+                <a:prstGeom prst="rect">
+                  <a:avLst/>
+                </a:prstGeom>
+                <a:noFill/>
+              </p:spPr>
+              <p:txBody>
+                <a:bodyPr wrap="none" rtlCol="0">
+                  <a:spAutoFit/>
+                </a:bodyPr>
+                <a:lstStyle/>
+                <a:p>
+                  <a:r>
+                    <a:rPr lang="zh-TW" altLang="en-US" sz="2400">
+                      <a:solidFill>
+                        <a:srgbClr val="0033CC"/>
+                      </a:solidFill>
+                    </a:rPr>
+                    <a:t>高階：易看懂、執行慢</a:t>
+                  </a:r>
+                </a:p>
+              </p:txBody>
+            </p:sp>
+            <p:sp>
+              <p:nvSpPr>
+                <p:cNvPr id="73" name="文字方塊 72">
+                  <a:extLst>
+                    <a:ext uri="{FF2B5EF4-FFF2-40B4-BE49-F238E27FC236}">
+                      <a16:creationId xmlns:a16="http://schemas.microsoft.com/office/drawing/2014/main" id="{0D34E2F2-C435-4CFA-8306-3C5D9856E884}"/>
+                    </a:ext>
+                  </a:extLst>
+                </p:cNvPr>
+                <p:cNvSpPr txBox="1"/>
+                <p:nvPr/>
+              </p:nvSpPr>
+              <p:spPr>
+                <a:xfrm>
+                  <a:off x="838200" y="7437584"/>
+                  <a:ext cx="3262432" cy="461665"/>
+                </a:xfrm>
+                <a:prstGeom prst="rect">
+                  <a:avLst/>
+                </a:prstGeom>
+                <a:noFill/>
+              </p:spPr>
+              <p:txBody>
+                <a:bodyPr wrap="none" rtlCol="0">
+                  <a:spAutoFit/>
+                </a:bodyPr>
+                <a:lstStyle/>
+                <a:p>
+                  <a:r>
+                    <a:rPr lang="zh-TW" altLang="en-US" sz="2400">
+                      <a:solidFill>
+                        <a:srgbClr val="0033CC"/>
+                      </a:solidFill>
+                    </a:rPr>
+                    <a:t>低階：難看懂、執行快</a:t>
+                  </a:r>
+                </a:p>
+              </p:txBody>
+            </p:sp>
+          </p:grpSp>
+          <p:pic>
+            <p:nvPicPr>
+              <p:cNvPr id="55" name="圖形 54">
+                <a:extLst>
+                  <a:ext uri="{FF2B5EF4-FFF2-40B4-BE49-F238E27FC236}">
+                    <a16:creationId xmlns:a16="http://schemas.microsoft.com/office/drawing/2014/main" id="{EAF6790A-4877-431B-871A-6B2969ED9EF8}"/>
+                  </a:ext>
+                </a:extLst>
+              </p:cNvPr>
+              <p:cNvPicPr>
+                <a:picLocks noChangeAspect="1"/>
+              </p:cNvPicPr>
+              <p:nvPr/>
+            </p:nvPicPr>
+            <p:blipFill>
+              <a:blip r:embed="rId3">
+                <a:extLst>
+                  <a:ext uri="{28A0092B-C50C-407E-A947-70E740481C1C}">
+                    <a14:useLocalDpi xmlns:a14="http://schemas.microsoft.com/office/drawing/2010/main" val="0"/>
+                  </a:ext>
+                  <a:ext uri="{96DAC541-7B7A-43D3-8B79-37D633B846F1}">
+                    <asvg:svgBlip xmlns:asvg="http://schemas.microsoft.com/office/drawing/2016/SVG/main" r:embed="rId4"/>
+                  </a:ext>
+                </a:extLst>
+              </a:blip>
+              <a:stretch>
+                <a:fillRect/>
+              </a:stretch>
+            </p:blipFill>
+            <p:spPr>
+              <a:xfrm>
+                <a:off x="9128498" y="2868606"/>
+                <a:ext cx="515825" cy="627354"/>
+              </a:xfrm>
+              <a:prstGeom prst="rect">
+                <a:avLst/>
+              </a:prstGeom>
+            </p:spPr>
+          </p:pic>
+          <p:grpSp>
+            <p:nvGrpSpPr>
+              <p:cNvPr id="61" name="群組 60">
+                <a:extLst>
+                  <a:ext uri="{FF2B5EF4-FFF2-40B4-BE49-F238E27FC236}">
+                    <a16:creationId xmlns:a16="http://schemas.microsoft.com/office/drawing/2014/main" id="{9882C2F2-8FD1-45DC-96F5-FD8544795DE3}"/>
+                  </a:ext>
+                </a:extLst>
+              </p:cNvPr>
+              <p:cNvGrpSpPr/>
+              <p:nvPr/>
+            </p:nvGrpSpPr>
+            <p:grpSpPr>
+              <a:xfrm>
+                <a:off x="8817924" y="3623602"/>
+                <a:ext cx="847310" cy="1398879"/>
+                <a:chOff x="8251257" y="2813641"/>
+                <a:chExt cx="847310" cy="1398879"/>
+              </a:xfrm>
+            </p:grpSpPr>
+            <p:pic>
+              <p:nvPicPr>
+                <p:cNvPr id="69" name="圖形 68">
+                  <a:extLst>
+                    <a:ext uri="{FF2B5EF4-FFF2-40B4-BE49-F238E27FC236}">
+                      <a16:creationId xmlns:a16="http://schemas.microsoft.com/office/drawing/2014/main" id="{54630BD5-8CF0-4CD6-A15D-9FFE219A9F89}"/>
+                    </a:ext>
+                  </a:extLst>
+                </p:cNvPr>
+                <p:cNvPicPr>
+                  <a:picLocks noChangeAspect="1"/>
+                </p:cNvPicPr>
+                <p:nvPr/>
+              </p:nvPicPr>
+              <p:blipFill>
+                <a:blip r:embed="rId5">
+                  <a:extLst>
+                    <a:ext uri="{28A0092B-C50C-407E-A947-70E740481C1C}">
+                      <a14:useLocalDpi xmlns:a14="http://schemas.microsoft.com/office/drawing/2010/main" val="0"/>
+                    </a:ext>
+                    <a:ext uri="{96DAC541-7B7A-43D3-8B79-37D633B846F1}">
+                      <asvg:svgBlip xmlns:asvg="http://schemas.microsoft.com/office/drawing/2016/SVG/main" r:embed="rId6"/>
+                    </a:ext>
+                  </a:extLst>
+                </a:blip>
+                <a:stretch>
+                  <a:fillRect/>
+                </a:stretch>
+              </p:blipFill>
+              <p:spPr>
+                <a:xfrm>
+                  <a:off x="8251257" y="2813641"/>
+                  <a:ext cx="558053" cy="627354"/>
+                </a:xfrm>
+                <a:prstGeom prst="rect">
+                  <a:avLst/>
+                </a:prstGeom>
+              </p:spPr>
+            </p:pic>
+            <p:pic>
+              <p:nvPicPr>
+                <p:cNvPr id="70" name="圖片 69">
+                  <a:extLst>
+                    <a:ext uri="{FF2B5EF4-FFF2-40B4-BE49-F238E27FC236}">
+                      <a16:creationId xmlns:a16="http://schemas.microsoft.com/office/drawing/2014/main" id="{6CD56CC5-87A0-47A1-9378-0DCD0B0C1742}"/>
+                    </a:ext>
+                  </a:extLst>
+                </p:cNvPr>
+                <p:cNvPicPr>
+                  <a:picLocks noChangeAspect="1"/>
+                </p:cNvPicPr>
+                <p:nvPr/>
+              </p:nvPicPr>
+              <p:blipFill>
+                <a:blip r:embed="rId7">
+                  <a:extLst>
+                    <a:ext uri="{28A0092B-C50C-407E-A947-70E740481C1C}">
+                      <a14:useLocalDpi xmlns:a14="http://schemas.microsoft.com/office/drawing/2010/main" val="0"/>
+                    </a:ext>
+                  </a:extLst>
+                </a:blip>
+                <a:stretch>
+                  <a:fillRect/>
+                </a:stretch>
+              </p:blipFill>
+              <p:spPr>
+                <a:xfrm>
+                  <a:off x="8540919" y="3585166"/>
+                  <a:ext cx="557648" cy="627354"/>
+                </a:xfrm>
+                <a:prstGeom prst="rect">
+                  <a:avLst/>
+                </a:prstGeom>
+              </p:spPr>
+            </p:pic>
+          </p:grpSp>
+          <p:pic>
+            <p:nvPicPr>
+              <p:cNvPr id="62" name="圖形 61">
+                <a:extLst>
+                  <a:ext uri="{FF2B5EF4-FFF2-40B4-BE49-F238E27FC236}">
+                    <a16:creationId xmlns:a16="http://schemas.microsoft.com/office/drawing/2014/main" id="{F817C1B4-A868-4D5C-A96F-29A2A61247E8}"/>
+                  </a:ext>
+                </a:extLst>
+              </p:cNvPr>
+              <p:cNvPicPr>
+                <a:picLocks noChangeAspect="1"/>
+              </p:cNvPicPr>
+              <p:nvPr/>
+            </p:nvPicPr>
+            <p:blipFill>
+              <a:blip r:embed="rId8">
+                <a:extLst>
+                  <a:ext uri="{28A0092B-C50C-407E-A947-70E740481C1C}">
+                    <a14:useLocalDpi xmlns:a14="http://schemas.microsoft.com/office/drawing/2010/main" val="0"/>
+                  </a:ext>
+                  <a:ext uri="{96DAC541-7B7A-43D3-8B79-37D633B846F1}">
+                    <asvg:svgBlip xmlns:asvg="http://schemas.microsoft.com/office/drawing/2016/SVG/main" r:embed="rId9"/>
+                  </a:ext>
+                </a:extLst>
+              </a:blip>
+              <a:stretch>
+                <a:fillRect/>
+              </a:stretch>
+            </p:blipFill>
+            <p:spPr>
+              <a:xfrm>
+                <a:off x="9536528" y="3578762"/>
+                <a:ext cx="342992" cy="627354"/>
+              </a:xfrm>
+              <a:prstGeom prst="rect">
+                <a:avLst/>
+              </a:prstGeom>
+            </p:spPr>
+          </p:pic>
+          <p:sp>
+            <p:nvSpPr>
+              <p:cNvPr id="63" name="文字方塊 62">
+                <a:extLst>
+                  <a:ext uri="{FF2B5EF4-FFF2-40B4-BE49-F238E27FC236}">
+                    <a16:creationId xmlns:a16="http://schemas.microsoft.com/office/drawing/2014/main" id="{DD951076-F35D-41C5-B739-85758DBB2801}"/>
+                  </a:ext>
+                </a:extLst>
+              </p:cNvPr>
+              <p:cNvSpPr txBox="1"/>
+              <p:nvPr/>
+            </p:nvSpPr>
+            <p:spPr>
+              <a:xfrm>
+                <a:off x="8258409" y="5273519"/>
+                <a:ext cx="2256002" cy="369332"/>
+              </a:xfrm>
+              <a:prstGeom prst="rect">
+                <a:avLst/>
+              </a:prstGeom>
+              <a:noFill/>
+            </p:spPr>
+            <p:txBody>
+              <a:bodyPr wrap="square" rtlCol="0">
+                <a:spAutoFit/>
+              </a:bodyPr>
+              <a:lstStyle/>
+              <a:p>
+                <a:r>
+                  <a:rPr lang="zh-TW" altLang="en-US">
+                    <a:solidFill>
+                      <a:schemeClr val="bg1"/>
+                    </a:solidFill>
+                  </a:rPr>
+                  <a:t>組合語言 </a:t>
+                </a:r>
+                <a:r>
+                  <a:rPr lang="en-US" altLang="zh-TW">
+                    <a:solidFill>
+                      <a:schemeClr val="bg1"/>
+                    </a:solidFill>
+                  </a:rPr>
+                  <a:t>Assembly</a:t>
+                </a:r>
+                <a:endParaRPr lang="zh-TW" altLang="en-US">
+                  <a:solidFill>
+                    <a:schemeClr val="bg1"/>
+                  </a:solidFill>
+                </a:endParaRPr>
+              </a:p>
+            </p:txBody>
+          </p:sp>
+          <p:sp>
+            <p:nvSpPr>
+              <p:cNvPr id="65" name="文字方塊 64">
+                <a:extLst>
+                  <a:ext uri="{FF2B5EF4-FFF2-40B4-BE49-F238E27FC236}">
+                    <a16:creationId xmlns:a16="http://schemas.microsoft.com/office/drawing/2014/main" id="{C5156BF5-8939-4FB0-A702-661B90B4DFF9}"/>
+                  </a:ext>
+                </a:extLst>
+              </p:cNvPr>
+              <p:cNvSpPr txBox="1"/>
+              <p:nvPr/>
+            </p:nvSpPr>
+            <p:spPr>
+              <a:xfrm>
+                <a:off x="8107133" y="5662990"/>
+                <a:ext cx="2558556" cy="369332"/>
+              </a:xfrm>
+              <a:prstGeom prst="rect">
+                <a:avLst/>
+              </a:prstGeom>
+              <a:noFill/>
+            </p:spPr>
+            <p:txBody>
+              <a:bodyPr wrap="square" rtlCol="0">
+                <a:spAutoFit/>
+              </a:bodyPr>
+              <a:lstStyle/>
+              <a:p>
+                <a:r>
+                  <a:rPr lang="zh-TW" altLang="en-US">
+                    <a:solidFill>
+                      <a:schemeClr val="bg1"/>
+                    </a:solidFill>
+                  </a:rPr>
+                  <a:t>機器碼 </a:t>
+                </a:r>
+                <a:r>
+                  <a:rPr lang="en-US" altLang="zh-TW">
+                    <a:solidFill>
+                      <a:schemeClr val="bg1"/>
+                    </a:solidFill>
+                  </a:rPr>
+                  <a:t>Machine </a:t>
+                </a:r>
+                <a:r>
+                  <a:rPr lang="en-US" altLang="zh-TW" dirty="0">
+                    <a:solidFill>
+                      <a:schemeClr val="bg1"/>
+                    </a:solidFill>
+                  </a:rPr>
+                  <a:t>code</a:t>
+                </a:r>
+                <a:endParaRPr lang="zh-TW" altLang="en-US">
+                  <a:solidFill>
+                    <a:schemeClr val="bg1"/>
+                  </a:solidFill>
+                </a:endParaRPr>
+              </a:p>
+            </p:txBody>
+          </p:sp>
+          <p:pic>
+            <p:nvPicPr>
+              <p:cNvPr id="66" name="圖形 65">
+                <a:extLst>
+                  <a:ext uri="{FF2B5EF4-FFF2-40B4-BE49-F238E27FC236}">
+                    <a16:creationId xmlns:a16="http://schemas.microsoft.com/office/drawing/2014/main" id="{3A0BBA77-C468-46CB-AE73-9EE90920032F}"/>
+                  </a:ext>
+                </a:extLst>
+              </p:cNvPr>
+              <p:cNvPicPr>
+                <a:picLocks noChangeAspect="1"/>
+              </p:cNvPicPr>
+              <p:nvPr/>
+            </p:nvPicPr>
+            <p:blipFill>
+              <a:blip r:embed="rId10">
+                <a:extLst>
+                  <a:ext uri="{28A0092B-C50C-407E-A947-70E740481C1C}">
+                    <a14:useLocalDpi xmlns:a14="http://schemas.microsoft.com/office/drawing/2010/main" val="0"/>
+                  </a:ext>
+                  <a:ext uri="{96DAC541-7B7A-43D3-8B79-37D633B846F1}">
+                    <asvg:svgBlip xmlns:asvg="http://schemas.microsoft.com/office/drawing/2016/SVG/main" r:embed="rId11"/>
+                  </a:ext>
+                </a:extLst>
+              </a:blip>
+              <a:stretch>
+                <a:fillRect/>
+              </a:stretch>
+            </p:blipFill>
+            <p:spPr>
+              <a:xfrm>
+                <a:off x="8466928" y="2045668"/>
+                <a:ext cx="1838965" cy="618717"/>
+              </a:xfrm>
+              <a:prstGeom prst="rect">
+                <a:avLst/>
+              </a:prstGeom>
+            </p:spPr>
+          </p:pic>
+          <p:cxnSp>
+            <p:nvCxnSpPr>
+              <p:cNvPr id="67" name="直線接點 66">
+                <a:extLst>
+                  <a:ext uri="{FF2B5EF4-FFF2-40B4-BE49-F238E27FC236}">
+                    <a16:creationId xmlns:a16="http://schemas.microsoft.com/office/drawing/2014/main" id="{946FDAEC-A4A0-4E6E-81C2-4B1228AB108E}"/>
+                  </a:ext>
+                </a:extLst>
+              </p:cNvPr>
+              <p:cNvCxnSpPr>
+                <a:cxnSpLocks/>
+              </p:cNvCxnSpPr>
+              <p:nvPr/>
+            </p:nvCxnSpPr>
+            <p:spPr>
+              <a:xfrm>
+                <a:off x="7681719" y="2672744"/>
+                <a:ext cx="2906588" cy="0"/>
+              </a:xfrm>
+              <a:prstGeom prst="line">
+                <a:avLst/>
+              </a:prstGeom>
+              <a:ln w="28575" cap="flat" cmpd="sng" algn="ctr">
+                <a:solidFill>
+                  <a:srgbClr val="0033CC"/>
+                </a:solidFill>
+                <a:prstDash val="dash"/>
+                <a:round/>
+                <a:headEnd type="none" w="med" len="med"/>
+                <a:tailEnd type="none" w="med" len="med"/>
+              </a:ln>
+            </p:spPr>
+            <p:style>
+              <a:lnRef idx="0">
+                <a:scrgbClr r="0" g="0" b="0"/>
+              </a:lnRef>
+              <a:fillRef idx="0">
+                <a:scrgbClr r="0" g="0" b="0"/>
+              </a:fillRef>
+              <a:effectRef idx="0">
+                <a:scrgbClr r="0" g="0" b="0"/>
+              </a:effectRef>
+              <a:fontRef idx="minor">
+                <a:schemeClr val="tx1"/>
+              </a:fontRef>
+            </p:style>
+          </p:cxnSp>
+          <p:cxnSp>
+            <p:nvCxnSpPr>
+              <p:cNvPr id="68" name="直線接點 67">
+                <a:extLst>
+                  <a:ext uri="{FF2B5EF4-FFF2-40B4-BE49-F238E27FC236}">
+                    <a16:creationId xmlns:a16="http://schemas.microsoft.com/office/drawing/2014/main" id="{00149C2B-67A6-494B-B25D-4A0F351B273B}"/>
+                  </a:ext>
+                </a:extLst>
+              </p:cNvPr>
+              <p:cNvCxnSpPr>
+                <a:cxnSpLocks/>
+              </p:cNvCxnSpPr>
+              <p:nvPr/>
+            </p:nvCxnSpPr>
+            <p:spPr>
+              <a:xfrm>
+                <a:off x="7681719" y="5153451"/>
+                <a:ext cx="2983970" cy="0"/>
+              </a:xfrm>
+              <a:prstGeom prst="line">
+                <a:avLst/>
+              </a:prstGeom>
+              <a:ln w="28575" cap="flat" cmpd="sng" algn="ctr">
+                <a:solidFill>
+                  <a:srgbClr val="0033CC"/>
+                </a:solidFill>
+                <a:prstDash val="dash"/>
+                <a:round/>
+                <a:headEnd type="none" w="med" len="med"/>
+                <a:tailEnd type="none" w="med" len="med"/>
+              </a:ln>
+            </p:spPr>
+            <p:style>
+              <a:lnRef idx="0">
+                <a:scrgbClr r="0" g="0" b="0"/>
+              </a:lnRef>
+              <a:fillRef idx="0">
+                <a:scrgbClr r="0" g="0" b="0"/>
+              </a:fillRef>
+              <a:effectRef idx="0">
+                <a:scrgbClr r="0" g="0" b="0"/>
+              </a:effectRef>
+              <a:fontRef idx="minor">
+                <a:schemeClr val="tx1"/>
+              </a:fontRef>
+            </p:style>
+          </p:cxnSp>
+        </p:grpSp>
+      </p:grpSp>
+      <p:grpSp>
+        <p:nvGrpSpPr>
           <p:cNvPr id="58" name="群組 57">
             <a:extLst>
               <a:ext uri="{FF2B5EF4-FFF2-40B4-BE49-F238E27FC236}">
@@ -12203,648 +12893,6 @@
           </a:p>
         </p:txBody>
       </p:sp>
-      <p:grpSp>
-        <p:nvGrpSpPr>
-          <p:cNvPr id="38" name="群組 37">
-            <a:extLst>
-              <a:ext uri="{FF2B5EF4-FFF2-40B4-BE49-F238E27FC236}">
-                <a16:creationId xmlns:a16="http://schemas.microsoft.com/office/drawing/2014/main" id="{FABB91AD-8845-44D0-A8F0-481FD8E6FAD4}"/>
-              </a:ext>
-            </a:extLst>
-          </p:cNvPr>
-          <p:cNvGrpSpPr/>
-          <p:nvPr/>
-        </p:nvGrpSpPr>
-        <p:grpSpPr>
-          <a:xfrm>
-            <a:off x="766136" y="1420563"/>
-            <a:ext cx="3768718" cy="5068593"/>
-            <a:chOff x="8081818" y="1424282"/>
-            <a:chExt cx="3768718" cy="5068593"/>
-          </a:xfrm>
-        </p:grpSpPr>
-        <p:sp>
-          <p:nvSpPr>
-            <p:cNvPr id="37" name="矩形: 圓角 36">
-              <a:extLst>
-                <a:ext uri="{FF2B5EF4-FFF2-40B4-BE49-F238E27FC236}">
-                  <a16:creationId xmlns:a16="http://schemas.microsoft.com/office/drawing/2014/main" id="{2ECE84C0-8367-450B-9B57-D6896C28AFAE}"/>
-                </a:ext>
-              </a:extLst>
-            </p:cNvPr>
-            <p:cNvSpPr/>
-            <p:nvPr/>
-          </p:nvSpPr>
-          <p:spPr>
-            <a:xfrm>
-              <a:off x="8081818" y="1424282"/>
-              <a:ext cx="3768718" cy="5068593"/>
-            </a:xfrm>
-            <a:prstGeom prst="roundRect">
-              <a:avLst/>
-            </a:prstGeom>
-            <a:solidFill>
-              <a:srgbClr val="EEFFDD"/>
-            </a:solidFill>
-            <a:ln w="38100">
-              <a:solidFill>
-                <a:srgbClr val="00B050"/>
-              </a:solidFill>
-            </a:ln>
-          </p:spPr>
-          <p:style>
-            <a:lnRef idx="2">
-              <a:schemeClr val="accent1">
-                <a:shade val="50000"/>
-              </a:schemeClr>
-            </a:lnRef>
-            <a:fillRef idx="1">
-              <a:schemeClr val="accent1"/>
-            </a:fillRef>
-            <a:effectRef idx="0">
-              <a:schemeClr val="accent1"/>
-            </a:effectRef>
-            <a:fontRef idx="minor">
-              <a:schemeClr val="lt1"/>
-            </a:fontRef>
-          </p:style>
-          <p:txBody>
-            <a:bodyPr rtlCol="0" anchor="ctr"/>
-            <a:lstStyle/>
-            <a:p>
-              <a:pPr algn="ctr"/>
-              <a:endParaRPr lang="zh-TW" altLang="en-US"/>
-            </a:p>
-          </p:txBody>
-        </p:sp>
-        <p:grpSp>
-          <p:nvGrpSpPr>
-            <p:cNvPr id="79" name="群組 78">
-              <a:extLst>
-                <a:ext uri="{FF2B5EF4-FFF2-40B4-BE49-F238E27FC236}">
-                  <a16:creationId xmlns:a16="http://schemas.microsoft.com/office/drawing/2014/main" id="{CC5D8463-34DB-408D-A196-F60C094B6DEA}"/>
-                </a:ext>
-              </a:extLst>
-            </p:cNvPr>
-            <p:cNvGrpSpPr/>
-            <p:nvPr/>
-          </p:nvGrpSpPr>
-          <p:grpSpPr>
-            <a:xfrm>
-              <a:off x="8323458" y="1505550"/>
-              <a:ext cx="3262432" cy="4961514"/>
-              <a:chOff x="7403257" y="1607149"/>
-              <a:chExt cx="3262432" cy="4961514"/>
-            </a:xfrm>
-          </p:grpSpPr>
-          <p:grpSp>
-            <p:nvGrpSpPr>
-              <p:cNvPr id="11" name="群組 10">
-                <a:extLst>
-                  <a:ext uri="{FF2B5EF4-FFF2-40B4-BE49-F238E27FC236}">
-                    <a16:creationId xmlns:a16="http://schemas.microsoft.com/office/drawing/2014/main" id="{7C725AF8-AF7C-4EE4-8A51-A86BC5011439}"/>
-                  </a:ext>
-                </a:extLst>
-              </p:cNvPr>
-              <p:cNvGrpSpPr/>
-              <p:nvPr/>
-            </p:nvGrpSpPr>
-            <p:grpSpPr>
-              <a:xfrm>
-                <a:off x="7403257" y="1607149"/>
-                <a:ext cx="3262432" cy="4961514"/>
-                <a:chOff x="838200" y="2937735"/>
-                <a:chExt cx="3262432" cy="4961514"/>
-              </a:xfrm>
-            </p:grpSpPr>
-            <p:sp>
-              <p:nvSpPr>
-                <p:cNvPr id="6" name="箭號: 向上 5">
-                  <a:extLst>
-                    <a:ext uri="{FF2B5EF4-FFF2-40B4-BE49-F238E27FC236}">
-                      <a16:creationId xmlns:a16="http://schemas.microsoft.com/office/drawing/2014/main" id="{91CE9796-725A-4A07-9467-BAAE7A46ABD7}"/>
-                    </a:ext>
-                  </a:extLst>
-                </p:cNvPr>
-                <p:cNvSpPr/>
-                <p:nvPr/>
-              </p:nvSpPr>
-              <p:spPr>
-                <a:xfrm>
-                  <a:off x="877717" y="3399399"/>
-                  <a:ext cx="856456" cy="4036151"/>
-                </a:xfrm>
-                <a:prstGeom prst="upArrow">
-                  <a:avLst/>
-                </a:prstGeom>
-                <a:solidFill>
-                  <a:srgbClr val="0033CC"/>
-                </a:solidFill>
-                <a:ln>
-                  <a:noFill/>
-                </a:ln>
-              </p:spPr>
-              <p:style>
-                <a:lnRef idx="2">
-                  <a:schemeClr val="accent1">
-                    <a:shade val="50000"/>
-                  </a:schemeClr>
-                </a:lnRef>
-                <a:fillRef idx="1">
-                  <a:schemeClr val="accent1"/>
-                </a:fillRef>
-                <a:effectRef idx="0">
-                  <a:schemeClr val="accent1"/>
-                </a:effectRef>
-                <a:fontRef idx="minor">
-                  <a:schemeClr val="lt1"/>
-                </a:fontRef>
-              </p:style>
-              <p:txBody>
-                <a:bodyPr rtlCol="0" anchor="ctr"/>
-                <a:lstStyle/>
-                <a:p>
-                  <a:pPr algn="ctr"/>
-                  <a:endParaRPr lang="zh-TW" altLang="en-US"/>
-                </a:p>
-              </p:txBody>
-            </p:sp>
-            <p:sp>
-              <p:nvSpPr>
-                <p:cNvPr id="7" name="文字方塊 6">
-                  <a:extLst>
-                    <a:ext uri="{FF2B5EF4-FFF2-40B4-BE49-F238E27FC236}">
-                      <a16:creationId xmlns:a16="http://schemas.microsoft.com/office/drawing/2014/main" id="{39BA9365-209D-43B2-8CA0-825EDFD2892D}"/>
-                    </a:ext>
-                  </a:extLst>
-                </p:cNvPr>
-                <p:cNvSpPr txBox="1"/>
-                <p:nvPr/>
-              </p:nvSpPr>
-              <p:spPr>
-                <a:xfrm>
-                  <a:off x="838200" y="2937735"/>
-                  <a:ext cx="3262432" cy="461665"/>
-                </a:xfrm>
-                <a:prstGeom prst="rect">
-                  <a:avLst/>
-                </a:prstGeom>
-                <a:noFill/>
-              </p:spPr>
-              <p:txBody>
-                <a:bodyPr wrap="none" rtlCol="0">
-                  <a:spAutoFit/>
-                </a:bodyPr>
-                <a:lstStyle/>
-                <a:p>
-                  <a:r>
-                    <a:rPr lang="zh-TW" altLang="en-US" sz="2400">
-                      <a:solidFill>
-                        <a:srgbClr val="0033CC"/>
-                      </a:solidFill>
-                    </a:rPr>
-                    <a:t>高階：易看懂、執行慢</a:t>
-                  </a:r>
-                </a:p>
-              </p:txBody>
-            </p:sp>
-            <p:sp>
-              <p:nvSpPr>
-                <p:cNvPr id="8" name="文字方塊 7">
-                  <a:extLst>
-                    <a:ext uri="{FF2B5EF4-FFF2-40B4-BE49-F238E27FC236}">
-                      <a16:creationId xmlns:a16="http://schemas.microsoft.com/office/drawing/2014/main" id="{F9B03BF1-8403-4F98-87BF-BBFCE9DDDDA6}"/>
-                    </a:ext>
-                  </a:extLst>
-                </p:cNvPr>
-                <p:cNvSpPr txBox="1"/>
-                <p:nvPr/>
-              </p:nvSpPr>
-              <p:spPr>
-                <a:xfrm>
-                  <a:off x="838200" y="7437584"/>
-                  <a:ext cx="3262432" cy="461665"/>
-                </a:xfrm>
-                <a:prstGeom prst="rect">
-                  <a:avLst/>
-                </a:prstGeom>
-                <a:noFill/>
-              </p:spPr>
-              <p:txBody>
-                <a:bodyPr wrap="none" rtlCol="0">
-                  <a:spAutoFit/>
-                </a:bodyPr>
-                <a:lstStyle/>
-                <a:p>
-                  <a:r>
-                    <a:rPr lang="zh-TW" altLang="en-US" sz="2400">
-                      <a:solidFill>
-                        <a:srgbClr val="0033CC"/>
-                      </a:solidFill>
-                    </a:rPr>
-                    <a:t>低階：難看懂、執行快</a:t>
-                  </a:r>
-                </a:p>
-              </p:txBody>
-            </p:sp>
-          </p:grpSp>
-          <p:pic>
-            <p:nvPicPr>
-              <p:cNvPr id="16" name="圖形 15">
-                <a:extLst>
-                  <a:ext uri="{FF2B5EF4-FFF2-40B4-BE49-F238E27FC236}">
-                    <a16:creationId xmlns:a16="http://schemas.microsoft.com/office/drawing/2014/main" id="{4F1FF68F-3524-44D1-937B-EC2E4E724ADE}"/>
-                  </a:ext>
-                </a:extLst>
-              </p:cNvPr>
-              <p:cNvPicPr>
-                <a:picLocks noChangeAspect="1"/>
-              </p:cNvPicPr>
-              <p:nvPr/>
-            </p:nvPicPr>
-            <p:blipFill>
-              <a:blip r:embed="rId3">
-                <a:extLst>
-                  <a:ext uri="{28A0092B-C50C-407E-A947-70E740481C1C}">
-                    <a14:useLocalDpi xmlns:a14="http://schemas.microsoft.com/office/drawing/2010/main" val="0"/>
-                  </a:ext>
-                  <a:ext uri="{96DAC541-7B7A-43D3-8B79-37D633B846F1}">
-                    <asvg:svgBlip xmlns:asvg="http://schemas.microsoft.com/office/drawing/2016/SVG/main" r:embed="rId4"/>
-                  </a:ext>
-                </a:extLst>
-              </a:blip>
-              <a:stretch>
-                <a:fillRect/>
-              </a:stretch>
-            </p:blipFill>
-            <p:spPr>
-              <a:xfrm>
-                <a:off x="9128498" y="2868606"/>
-                <a:ext cx="515825" cy="627354"/>
-              </a:xfrm>
-              <a:prstGeom prst="rect">
-                <a:avLst/>
-              </a:prstGeom>
-            </p:spPr>
-          </p:pic>
-          <p:grpSp>
-            <p:nvGrpSpPr>
-              <p:cNvPr id="21" name="群組 20">
-                <a:extLst>
-                  <a:ext uri="{FF2B5EF4-FFF2-40B4-BE49-F238E27FC236}">
-                    <a16:creationId xmlns:a16="http://schemas.microsoft.com/office/drawing/2014/main" id="{CFBEBB72-43C4-427D-81F8-46663D1EDF06}"/>
-                  </a:ext>
-                </a:extLst>
-              </p:cNvPr>
-              <p:cNvGrpSpPr/>
-              <p:nvPr/>
-            </p:nvGrpSpPr>
-            <p:grpSpPr>
-              <a:xfrm>
-                <a:off x="8817924" y="3623602"/>
-                <a:ext cx="847310" cy="1398879"/>
-                <a:chOff x="8251257" y="2813641"/>
-                <a:chExt cx="847310" cy="1398879"/>
-              </a:xfrm>
-            </p:grpSpPr>
-            <p:pic>
-              <p:nvPicPr>
-                <p:cNvPr id="14" name="圖形 13">
-                  <a:extLst>
-                    <a:ext uri="{FF2B5EF4-FFF2-40B4-BE49-F238E27FC236}">
-                      <a16:creationId xmlns:a16="http://schemas.microsoft.com/office/drawing/2014/main" id="{1CFE20D4-F7D9-4EBB-9AAE-ADCEF45AD987}"/>
-                    </a:ext>
-                  </a:extLst>
-                </p:cNvPr>
-                <p:cNvPicPr>
-                  <a:picLocks noChangeAspect="1"/>
-                </p:cNvPicPr>
-                <p:nvPr/>
-              </p:nvPicPr>
-              <p:blipFill>
-                <a:blip r:embed="rId5">
-                  <a:extLst>
-                    <a:ext uri="{28A0092B-C50C-407E-A947-70E740481C1C}">
-                      <a14:useLocalDpi xmlns:a14="http://schemas.microsoft.com/office/drawing/2010/main" val="0"/>
-                    </a:ext>
-                    <a:ext uri="{96DAC541-7B7A-43D3-8B79-37D633B846F1}">
-                      <asvg:svgBlip xmlns:asvg="http://schemas.microsoft.com/office/drawing/2016/SVG/main" r:embed="rId6"/>
-                    </a:ext>
-                  </a:extLst>
-                </a:blip>
-                <a:stretch>
-                  <a:fillRect/>
-                </a:stretch>
-              </p:blipFill>
-              <p:spPr>
-                <a:xfrm>
-                  <a:off x="8251257" y="2813641"/>
-                  <a:ext cx="558053" cy="627354"/>
-                </a:xfrm>
-                <a:prstGeom prst="rect">
-                  <a:avLst/>
-                </a:prstGeom>
-              </p:spPr>
-            </p:pic>
-            <p:pic>
-              <p:nvPicPr>
-                <p:cNvPr id="18" name="圖片 17">
-                  <a:extLst>
-                    <a:ext uri="{FF2B5EF4-FFF2-40B4-BE49-F238E27FC236}">
-                      <a16:creationId xmlns:a16="http://schemas.microsoft.com/office/drawing/2014/main" id="{EC9F3072-2930-4A17-984D-17E429D420B6}"/>
-                    </a:ext>
-                  </a:extLst>
-                </p:cNvPr>
-                <p:cNvPicPr>
-                  <a:picLocks noChangeAspect="1"/>
-                </p:cNvPicPr>
-                <p:nvPr/>
-              </p:nvPicPr>
-              <p:blipFill>
-                <a:blip r:embed="rId7">
-                  <a:extLst>
-                    <a:ext uri="{28A0092B-C50C-407E-A947-70E740481C1C}">
-                      <a14:useLocalDpi xmlns:a14="http://schemas.microsoft.com/office/drawing/2010/main" val="0"/>
-                    </a:ext>
-                  </a:extLst>
-                </a:blip>
-                <a:stretch>
-                  <a:fillRect/>
-                </a:stretch>
-              </p:blipFill>
-              <p:spPr>
-                <a:xfrm>
-                  <a:off x="8540919" y="3585166"/>
-                  <a:ext cx="557648" cy="627354"/>
-                </a:xfrm>
-                <a:prstGeom prst="rect">
-                  <a:avLst/>
-                </a:prstGeom>
-              </p:spPr>
-            </p:pic>
-          </p:grpSp>
-          <p:pic>
-            <p:nvPicPr>
-              <p:cNvPr id="20" name="圖形 19">
-                <a:extLst>
-                  <a:ext uri="{FF2B5EF4-FFF2-40B4-BE49-F238E27FC236}">
-                    <a16:creationId xmlns:a16="http://schemas.microsoft.com/office/drawing/2014/main" id="{FC6E0AEA-36B7-49EB-99A0-C143A6FE2EA4}"/>
-                  </a:ext>
-                </a:extLst>
-              </p:cNvPr>
-              <p:cNvPicPr>
-                <a:picLocks noChangeAspect="1"/>
-              </p:cNvPicPr>
-              <p:nvPr/>
-            </p:nvPicPr>
-            <p:blipFill>
-              <a:blip r:embed="rId8">
-                <a:extLst>
-                  <a:ext uri="{28A0092B-C50C-407E-A947-70E740481C1C}">
-                    <a14:useLocalDpi xmlns:a14="http://schemas.microsoft.com/office/drawing/2010/main" val="0"/>
-                  </a:ext>
-                  <a:ext uri="{96DAC541-7B7A-43D3-8B79-37D633B846F1}">
-                    <asvg:svgBlip xmlns:asvg="http://schemas.microsoft.com/office/drawing/2016/SVG/main" r:embed="rId9"/>
-                  </a:ext>
-                </a:extLst>
-              </a:blip>
-              <a:stretch>
-                <a:fillRect/>
-              </a:stretch>
-            </p:blipFill>
-            <p:spPr>
-              <a:xfrm>
-                <a:off x="9536528" y="3578762"/>
-                <a:ext cx="342992" cy="627354"/>
-              </a:xfrm>
-              <a:prstGeom prst="rect">
-                <a:avLst/>
-              </a:prstGeom>
-            </p:spPr>
-          </p:pic>
-          <p:sp>
-            <p:nvSpPr>
-              <p:cNvPr id="9" name="文字方塊 8">
-                <a:extLst>
-                  <a:ext uri="{FF2B5EF4-FFF2-40B4-BE49-F238E27FC236}">
-                    <a16:creationId xmlns:a16="http://schemas.microsoft.com/office/drawing/2014/main" id="{2886FAA4-8794-42E6-B8B7-BFF66115E348}"/>
-                  </a:ext>
-                </a:extLst>
-              </p:cNvPr>
-              <p:cNvSpPr txBox="1"/>
-              <p:nvPr/>
-            </p:nvSpPr>
-            <p:spPr>
-              <a:xfrm>
-                <a:off x="8742644" y="5273519"/>
-                <a:ext cx="1287532" cy="369332"/>
-              </a:xfrm>
-              <a:prstGeom prst="rect">
-                <a:avLst/>
-              </a:prstGeom>
-              <a:noFill/>
-            </p:spPr>
-            <p:txBody>
-              <a:bodyPr wrap="none" rtlCol="0">
-                <a:spAutoFit/>
-              </a:bodyPr>
-              <a:lstStyle/>
-              <a:p>
-                <a:r>
-                  <a:rPr lang="en-US" altLang="zh-TW" dirty="0">
-                    <a:solidFill>
-                      <a:schemeClr val="bg1"/>
-                    </a:solidFill>
-                  </a:rPr>
-                  <a:t>Assembly</a:t>
-                </a:r>
-                <a:endParaRPr lang="zh-TW" altLang="en-US">
-                  <a:solidFill>
-                    <a:schemeClr val="bg1"/>
-                  </a:solidFill>
-                </a:endParaRPr>
-              </a:p>
-            </p:txBody>
-          </p:sp>
-          <p:sp>
-            <p:nvSpPr>
-              <p:cNvPr id="17" name="文字方塊 16">
-                <a:extLst>
-                  <a:ext uri="{FF2B5EF4-FFF2-40B4-BE49-F238E27FC236}">
-                    <a16:creationId xmlns:a16="http://schemas.microsoft.com/office/drawing/2014/main" id="{CD251CBC-1A95-4905-A269-B18ADD4C8DFB}"/>
-                  </a:ext>
-                </a:extLst>
-              </p:cNvPr>
-              <p:cNvSpPr txBox="1"/>
-              <p:nvPr/>
-            </p:nvSpPr>
-            <p:spPr>
-              <a:xfrm>
-                <a:off x="8466928" y="5662990"/>
-                <a:ext cx="1838965" cy="369332"/>
-              </a:xfrm>
-              <a:prstGeom prst="rect">
-                <a:avLst/>
-              </a:prstGeom>
-              <a:noFill/>
-            </p:spPr>
-            <p:txBody>
-              <a:bodyPr wrap="none" rtlCol="0">
-                <a:spAutoFit/>
-              </a:bodyPr>
-              <a:lstStyle/>
-              <a:p>
-                <a:r>
-                  <a:rPr lang="en-US" altLang="zh-TW" dirty="0">
-                    <a:solidFill>
-                      <a:schemeClr val="bg1"/>
-                    </a:solidFill>
-                  </a:rPr>
-                  <a:t>Machine code</a:t>
-                </a:r>
-                <a:endParaRPr lang="zh-TW" altLang="en-US">
-                  <a:solidFill>
-                    <a:schemeClr val="bg1"/>
-                  </a:solidFill>
-                </a:endParaRPr>
-              </a:p>
-            </p:txBody>
-          </p:sp>
-          <p:pic>
-            <p:nvPicPr>
-              <p:cNvPr id="44" name="圖形 43">
-                <a:extLst>
-                  <a:ext uri="{FF2B5EF4-FFF2-40B4-BE49-F238E27FC236}">
-                    <a16:creationId xmlns:a16="http://schemas.microsoft.com/office/drawing/2014/main" id="{C5432F29-FC1D-4171-8594-ECED47B2AA25}"/>
-                  </a:ext>
-                </a:extLst>
-              </p:cNvPr>
-              <p:cNvPicPr>
-                <a:picLocks noChangeAspect="1"/>
-              </p:cNvPicPr>
-              <p:nvPr/>
-            </p:nvPicPr>
-            <p:blipFill>
-              <a:blip r:embed="rId10">
-                <a:extLst>
-                  <a:ext uri="{28A0092B-C50C-407E-A947-70E740481C1C}">
-                    <a14:useLocalDpi xmlns:a14="http://schemas.microsoft.com/office/drawing/2010/main" val="0"/>
-                  </a:ext>
-                  <a:ext uri="{96DAC541-7B7A-43D3-8B79-37D633B846F1}">
-                    <asvg:svgBlip xmlns:asvg="http://schemas.microsoft.com/office/drawing/2016/SVG/main" r:embed="rId11"/>
-                  </a:ext>
-                </a:extLst>
-              </a:blip>
-              <a:stretch>
-                <a:fillRect/>
-              </a:stretch>
-            </p:blipFill>
-            <p:spPr>
-              <a:xfrm>
-                <a:off x="8466928" y="2045668"/>
-                <a:ext cx="1838965" cy="618717"/>
-              </a:xfrm>
-              <a:prstGeom prst="rect">
-                <a:avLst/>
-              </a:prstGeom>
-            </p:spPr>
-          </p:pic>
-          <p:cxnSp>
-            <p:nvCxnSpPr>
-              <p:cNvPr id="46" name="直線接點 45">
-                <a:extLst>
-                  <a:ext uri="{FF2B5EF4-FFF2-40B4-BE49-F238E27FC236}">
-                    <a16:creationId xmlns:a16="http://schemas.microsoft.com/office/drawing/2014/main" id="{8FF20B6F-47C4-42A8-A134-57EB84E19106}"/>
-                  </a:ext>
-                </a:extLst>
-              </p:cNvPr>
-              <p:cNvCxnSpPr>
-                <a:cxnSpLocks/>
-              </p:cNvCxnSpPr>
-              <p:nvPr/>
-            </p:nvCxnSpPr>
-            <p:spPr>
-              <a:xfrm>
-                <a:off x="7681719" y="2672744"/>
-                <a:ext cx="2906588" cy="0"/>
-              </a:xfrm>
-              <a:prstGeom prst="line">
-                <a:avLst/>
-              </a:prstGeom>
-              <a:ln w="28575" cap="flat" cmpd="sng" algn="ctr">
-                <a:solidFill>
-                  <a:srgbClr val="0033CC"/>
-                </a:solidFill>
-                <a:prstDash val="dash"/>
-                <a:round/>
-                <a:headEnd type="none" w="med" len="med"/>
-                <a:tailEnd type="none" w="med" len="med"/>
-              </a:ln>
-            </p:spPr>
-            <p:style>
-              <a:lnRef idx="0">
-                <a:scrgbClr r="0" g="0" b="0"/>
-              </a:lnRef>
-              <a:fillRef idx="0">
-                <a:scrgbClr r="0" g="0" b="0"/>
-              </a:fillRef>
-              <a:effectRef idx="0">
-                <a:scrgbClr r="0" g="0" b="0"/>
-              </a:effectRef>
-              <a:fontRef idx="minor">
-                <a:schemeClr val="tx1"/>
-              </a:fontRef>
-            </p:style>
-          </p:cxnSp>
-          <p:cxnSp>
-            <p:nvCxnSpPr>
-              <p:cNvPr id="97" name="直線接點 96">
-                <a:extLst>
-                  <a:ext uri="{FF2B5EF4-FFF2-40B4-BE49-F238E27FC236}">
-                    <a16:creationId xmlns:a16="http://schemas.microsoft.com/office/drawing/2014/main" id="{6B0B455C-4496-44B6-8ADD-A58ADCFB3FCC}"/>
-                  </a:ext>
-                </a:extLst>
-              </p:cNvPr>
-              <p:cNvCxnSpPr>
-                <a:cxnSpLocks/>
-              </p:cNvCxnSpPr>
-              <p:nvPr/>
-            </p:nvCxnSpPr>
-            <p:spPr>
-              <a:xfrm>
-                <a:off x="7681719" y="5153451"/>
-                <a:ext cx="2983970" cy="0"/>
-              </a:xfrm>
-              <a:prstGeom prst="line">
-                <a:avLst/>
-              </a:prstGeom>
-              <a:ln w="28575" cap="flat" cmpd="sng" algn="ctr">
-                <a:solidFill>
-                  <a:srgbClr val="0033CC"/>
-                </a:solidFill>
-                <a:prstDash val="dash"/>
-                <a:round/>
-                <a:headEnd type="none" w="med" len="med"/>
-                <a:tailEnd type="none" w="med" len="med"/>
-              </a:ln>
-            </p:spPr>
-            <p:style>
-              <a:lnRef idx="0">
-                <a:scrgbClr r="0" g="0" b="0"/>
-              </a:lnRef>
-              <a:fillRef idx="0">
-                <a:scrgbClr r="0" g="0" b="0"/>
-              </a:fillRef>
-              <a:effectRef idx="0">
-                <a:scrgbClr r="0" g="0" b="0"/>
-              </a:effectRef>
-              <a:fontRef idx="minor">
-                <a:schemeClr val="tx1"/>
-              </a:fontRef>
-            </p:style>
-          </p:cxnSp>
-        </p:grpSp>
-      </p:grpSp>
       <p:sp>
         <p:nvSpPr>
           <p:cNvPr id="28" name="矩形: 圓角 27">
@@ -12859,8 +12907,8 @@
         </p:nvSpPr>
         <p:spPr>
           <a:xfrm>
-            <a:off x="2071447" y="5594220"/>
-            <a:ext cx="1669280" cy="286603"/>
+            <a:off x="1812825" y="5548040"/>
+            <a:ext cx="2371244" cy="286603"/>
           </a:xfrm>
           <a:prstGeom prst="roundRect">
             <a:avLst/>
@@ -12911,8 +12959,8 @@
         </p:nvSpPr>
         <p:spPr>
           <a:xfrm>
-            <a:off x="2347163" y="5219548"/>
-            <a:ext cx="1136876" cy="273077"/>
+            <a:off x="1933453" y="5173368"/>
+            <a:ext cx="2149016" cy="273077"/>
           </a:xfrm>
           <a:prstGeom prst="roundRect">
             <a:avLst/>
@@ -12963,7 +13011,7 @@
         </p:nvSpPr>
         <p:spPr>
           <a:xfrm>
-            <a:off x="2632364" y="4252231"/>
+            <a:off x="2660072" y="4206051"/>
             <a:ext cx="711200" cy="721225"/>
           </a:xfrm>
           <a:prstGeom prst="roundRect">
@@ -13011,6 +13059,7 @@
             </a:extLst>
           </p:cNvPr>
           <p:cNvCxnSpPr>
+            <a:cxnSpLocks/>
             <a:stCxn id="28" idx="3"/>
             <a:endCxn id="31" idx="1"/>
           </p:cNvCxnSpPr>
@@ -13018,8 +13067,8 @@
         </p:nvCxnSpPr>
         <p:spPr>
           <a:xfrm flipV="1">
-            <a:off x="3740727" y="4922351"/>
-            <a:ext cx="1626501" cy="815171"/>
+            <a:off x="4184069" y="4922351"/>
+            <a:ext cx="1183159" cy="768991"/>
           </a:xfrm>
           <a:prstGeom prst="straightConnector1">
             <a:avLst/>
@@ -13064,8 +13113,8 @@
         </p:nvCxnSpPr>
         <p:spPr>
           <a:xfrm flipV="1">
-            <a:off x="3484039" y="3917934"/>
-            <a:ext cx="5208955" cy="1438153"/>
+            <a:off x="4082469" y="3917934"/>
+            <a:ext cx="4610525" cy="1391973"/>
           </a:xfrm>
           <a:prstGeom prst="straightConnector1">
             <a:avLst/>
@@ -13110,8 +13159,8 @@
         </p:nvCxnSpPr>
         <p:spPr>
           <a:xfrm flipV="1">
-            <a:off x="3343564" y="2205199"/>
-            <a:ext cx="2023664" cy="2407645"/>
+            <a:off x="3371272" y="2205199"/>
+            <a:ext cx="1995956" cy="2361465"/>
           </a:xfrm>
           <a:prstGeom prst="straightConnector1">
             <a:avLst/>
@@ -15892,13 +15941,13 @@
   <p:clrMapOvr>
     <a:masterClrMapping/>
   </p:clrMapOvr>
-  <mc:AlternateContent xmlns:mc="http://schemas.openxmlformats.org/markup-compatibility/2006">
-    <mc:Choice xmlns:p159="http://schemas.microsoft.com/office/powerpoint/2015/09/main" Requires="p159">
+  <mc:AlternateContent xmlns:mc="http://schemas.openxmlformats.org/markup-compatibility/2006" xmlns:p159="http://schemas.microsoft.com/office/powerpoint/2015/09/main">
+    <mc:Choice Requires="p159">
       <p:transition xmlns:p14="http://schemas.microsoft.com/office/powerpoint/2010/main" spd="med" p14:dur="700">
         <p159:morph option="byObject"/>
       </p:transition>
     </mc:Choice>
-    <mc:Fallback>
+    <mc:Fallback xmlns="">
       <p:transition spd="med">
         <p:fade/>
       </p:transition>

--- a/powerpoint/02_程式語言簡介.pptx
+++ b/powerpoint/02_程式語言簡介.pptx
@@ -5,15 +5,14 @@
     <p:sldMasterId id="2147483660" r:id="rId1"/>
   </p:sldMasterIdLst>
   <p:notesMasterIdLst>
-    <p:notesMasterId r:id="rId8"/>
+    <p:notesMasterId r:id="rId7"/>
   </p:notesMasterIdLst>
   <p:sldIdLst>
     <p:sldId id="273" r:id="rId2"/>
-    <p:sldId id="259" r:id="rId3"/>
-    <p:sldId id="274" r:id="rId4"/>
-    <p:sldId id="277" r:id="rId5"/>
-    <p:sldId id="275" r:id="rId6"/>
-    <p:sldId id="276" r:id="rId7"/>
+    <p:sldId id="274" r:id="rId3"/>
+    <p:sldId id="277" r:id="rId4"/>
+    <p:sldId id="275" r:id="rId5"/>
+    <p:sldId id="276" r:id="rId6"/>
   </p:sldIdLst>
   <p:sldSz cx="12192000" cy="6858000"/>
   <p:notesSz cx="6858000" cy="9144000"/>
@@ -549,7 +548,7 @@
           <a:p>
             <a:fld id="{A3668D8F-3DA4-412A-BB7F-172E51E04D9D}" type="slidenum">
               <a:rPr lang="zh-TW" altLang="en-US" smtClean="0"/>
-              <a:t>3</a:t>
+              <a:t>2</a:t>
             </a:fld>
             <a:endParaRPr lang="zh-TW" altLang="en-US"/>
           </a:p>
@@ -633,7 +632,7 @@
           <a:p>
             <a:fld id="{A3668D8F-3DA4-412A-BB7F-172E51E04D9D}" type="slidenum">
               <a:rPr lang="zh-TW" altLang="en-US" smtClean="0"/>
-              <a:t>4</a:t>
+              <a:t>3</a:t>
             </a:fld>
             <a:endParaRPr lang="zh-TW" altLang="en-US"/>
           </a:p>
@@ -717,7 +716,7 @@
           <a:p>
             <a:fld id="{B29CB067-BC29-4E03-9D8B-5E2AC68A99F3}" type="slidenum">
               <a:rPr lang="zh-TW" altLang="en-US" smtClean="0"/>
-              <a:t>5</a:t>
+              <a:t>4</a:t>
             </a:fld>
             <a:endParaRPr lang="zh-TW" altLang="en-US"/>
           </a:p>
@@ -8577,383 +8576,6 @@
 </file>
 
 <file path=ppt/slides/slide2.xml><?xml version="1.0" encoding="utf-8"?>
-<p:sld xmlns:a="http://schemas.openxmlformats.org/drawingml/2006/main" xmlns:r="http://schemas.openxmlformats.org/officeDocument/2006/relationships" xmlns:p="http://schemas.openxmlformats.org/presentationml/2006/main">
-  <p:cSld>
-    <p:spTree>
-      <p:nvGrpSpPr>
-        <p:cNvPr id="1" name=""/>
-        <p:cNvGrpSpPr/>
-        <p:nvPr/>
-      </p:nvGrpSpPr>
-      <p:grpSpPr>
-        <a:xfrm>
-          <a:off x="0" y="0"/>
-          <a:ext cx="0" cy="0"/>
-          <a:chOff x="0" y="0"/>
-          <a:chExt cx="0" cy="0"/>
-        </a:xfrm>
-      </p:grpSpPr>
-      <p:sp>
-        <p:nvSpPr>
-          <p:cNvPr id="2" name="標題 1">
-            <a:extLst>
-              <a:ext uri="{FF2B5EF4-FFF2-40B4-BE49-F238E27FC236}">
-                <a16:creationId xmlns:a16="http://schemas.microsoft.com/office/drawing/2014/main" id="{BD6681DD-ADCF-4792-88C3-D755C5AA131C}"/>
-              </a:ext>
-            </a:extLst>
-          </p:cNvPr>
-          <p:cNvSpPr>
-            <a:spLocks noGrp="1"/>
-          </p:cNvSpPr>
-          <p:nvPr>
-            <p:ph type="title"/>
-          </p:nvPr>
-        </p:nvSpPr>
-        <p:spPr/>
-        <p:txBody>
-          <a:bodyPr/>
-          <a:lstStyle/>
-          <a:p>
-            <a:r>
-              <a:rPr lang="zh-TW" altLang="en-US"/>
-              <a:t>常用快捷鍵</a:t>
-            </a:r>
-          </a:p>
-        </p:txBody>
-      </p:sp>
-      <p:sp>
-        <p:nvSpPr>
-          <p:cNvPr id="3" name="內容版面配置區 2">
-            <a:extLst>
-              <a:ext uri="{FF2B5EF4-FFF2-40B4-BE49-F238E27FC236}">
-                <a16:creationId xmlns:a16="http://schemas.microsoft.com/office/drawing/2014/main" id="{85EF9455-ACF1-40EE-9EED-D72C0D6ED26B}"/>
-              </a:ext>
-            </a:extLst>
-          </p:cNvPr>
-          <p:cNvSpPr>
-            <a:spLocks noGrp="1"/>
-          </p:cNvSpPr>
-          <p:nvPr>
-            <p:ph idx="1"/>
-          </p:nvPr>
-        </p:nvSpPr>
-        <p:spPr>
-          <a:xfrm>
-            <a:off x="838200" y="1663700"/>
-            <a:ext cx="6286500" cy="4794250"/>
-          </a:xfrm>
-        </p:spPr>
-        <p:txBody>
-          <a:bodyPr>
-            <a:normAutofit/>
-          </a:bodyPr>
-          <a:lstStyle/>
-          <a:p>
-            <a:pPr marL="514350" indent="-514350">
-              <a:buAutoNum type="arabicPeriod"/>
-            </a:pPr>
-            <a:r>
-              <a:rPr lang="en-US" altLang="zh-TW" noProof="1"/>
-              <a:t>Ctrl+A</a:t>
-            </a:r>
-            <a:r>
-              <a:rPr lang="en-US" altLang="zh-TW" dirty="0"/>
-              <a:t> </a:t>
-            </a:r>
-            <a:r>
-              <a:rPr lang="zh-TW" altLang="en-US"/>
-              <a:t>全選</a:t>
-            </a:r>
-            <a:endParaRPr lang="en-US" altLang="zh-TW" dirty="0"/>
-          </a:p>
-          <a:p>
-            <a:pPr marL="514350" indent="-514350">
-              <a:buAutoNum type="arabicPeriod"/>
-            </a:pPr>
-            <a:r>
-              <a:rPr lang="en-US" altLang="zh-TW" noProof="1"/>
-              <a:t>Ctrl+C</a:t>
-            </a:r>
-            <a:r>
-              <a:rPr lang="en-US" altLang="zh-TW" dirty="0"/>
-              <a:t> </a:t>
-            </a:r>
-            <a:r>
-              <a:rPr lang="zh-TW" altLang="en-US" dirty="0"/>
-              <a:t>複製</a:t>
-            </a:r>
-            <a:endParaRPr lang="en-US" altLang="zh-TW" dirty="0"/>
-          </a:p>
-          <a:p>
-            <a:pPr marL="514350" indent="-514350">
-              <a:buAutoNum type="arabicPeriod"/>
-            </a:pPr>
-            <a:r>
-              <a:rPr lang="en-US" altLang="zh-TW" dirty="0"/>
-              <a:t>Ctrl+V </a:t>
-            </a:r>
-            <a:r>
-              <a:rPr lang="zh-TW" altLang="en-US" dirty="0"/>
-              <a:t>貼上</a:t>
-            </a:r>
-            <a:endParaRPr lang="en-US" altLang="zh-TW" dirty="0"/>
-          </a:p>
-          <a:p>
-            <a:pPr marL="514350" indent="-514350">
-              <a:buAutoNum type="arabicPeriod"/>
-            </a:pPr>
-            <a:r>
-              <a:rPr lang="en-US" altLang="zh-TW" dirty="0"/>
-              <a:t>Ctrl+X </a:t>
-            </a:r>
-            <a:r>
-              <a:rPr lang="zh-TW" altLang="en-US" dirty="0"/>
-              <a:t>剪下</a:t>
-            </a:r>
-            <a:endParaRPr lang="en-US" altLang="zh-TW" dirty="0"/>
-          </a:p>
-          <a:p>
-            <a:pPr marL="514350" indent="-514350">
-              <a:buAutoNum type="arabicPeriod"/>
-            </a:pPr>
-            <a:r>
-              <a:rPr lang="en-US" altLang="zh-TW" dirty="0"/>
-              <a:t>Ctrl+Z </a:t>
-            </a:r>
-            <a:r>
-              <a:rPr lang="zh-TW" altLang="en-US" dirty="0"/>
-              <a:t>復原</a:t>
-            </a:r>
-            <a:endParaRPr lang="en-US" altLang="zh-TW" dirty="0"/>
-          </a:p>
-          <a:p>
-            <a:pPr marL="514350" indent="-514350">
-              <a:buAutoNum type="arabicPeriod"/>
-            </a:pPr>
-            <a:r>
-              <a:rPr lang="en-US" altLang="zh-TW" dirty="0"/>
-              <a:t>Ctrl+Y </a:t>
-            </a:r>
-            <a:r>
-              <a:rPr lang="zh-TW" altLang="en-US" dirty="0"/>
-              <a:t>或 </a:t>
-            </a:r>
-            <a:r>
-              <a:rPr lang="en-US" altLang="zh-TW" dirty="0"/>
-              <a:t>Ctrl+Shift+</a:t>
-            </a:r>
-            <a:r>
-              <a:rPr lang="en-US" altLang="zh-TW"/>
-              <a:t>Z </a:t>
-            </a:r>
-            <a:r>
-              <a:rPr lang="zh-TW" altLang="en-US"/>
-              <a:t>重做</a:t>
-            </a:r>
-            <a:endParaRPr lang="en-US" altLang="zh-TW"/>
-          </a:p>
-          <a:p>
-            <a:pPr marL="514350" indent="-514350">
-              <a:buAutoNum type="arabicPeriod"/>
-            </a:pPr>
-            <a:r>
-              <a:rPr lang="en-US" altLang="zh-TW"/>
-              <a:t>Ctrl+S </a:t>
-            </a:r>
-            <a:r>
-              <a:rPr lang="zh-TW" altLang="en-US"/>
-              <a:t>存檔</a:t>
-            </a:r>
-            <a:endParaRPr lang="en-US" altLang="zh-TW" dirty="0"/>
-          </a:p>
-          <a:p>
-            <a:pPr marL="514350" indent="-514350">
-              <a:buAutoNum type="arabicPeriod"/>
-            </a:pPr>
-            <a:r>
-              <a:rPr lang="en-US" altLang="zh-TW" noProof="1"/>
-              <a:t>Alt+Tab</a:t>
-            </a:r>
-            <a:r>
-              <a:rPr lang="zh-TW" altLang="en-US" dirty="0"/>
-              <a:t> 切換視窗</a:t>
-            </a:r>
-            <a:endParaRPr lang="en-US" altLang="zh-TW" dirty="0"/>
-          </a:p>
-          <a:p>
-            <a:pPr marL="514350" indent="-514350">
-              <a:buAutoNum type="arabicPeriod"/>
-            </a:pPr>
-            <a:r>
-              <a:rPr lang="en-US" altLang="zh-TW" noProof="1"/>
-              <a:t>Windows+V</a:t>
-            </a:r>
-            <a:r>
-              <a:rPr lang="en-US" altLang="zh-TW" dirty="0"/>
-              <a:t> </a:t>
-            </a:r>
-            <a:r>
-              <a:rPr lang="zh-TW" altLang="en-US" dirty="0"/>
-              <a:t>剪貼簿</a:t>
-            </a:r>
-            <a:endParaRPr lang="en-US" altLang="zh-TW" dirty="0"/>
-          </a:p>
-          <a:p>
-            <a:pPr marL="514350" indent="-514350">
-              <a:buAutoNum type="arabicPeriod"/>
-            </a:pPr>
-            <a:endParaRPr lang="zh-TW" altLang="en-US" dirty="0"/>
-          </a:p>
-        </p:txBody>
-      </p:sp>
-      <p:grpSp>
-        <p:nvGrpSpPr>
-          <p:cNvPr id="37" name="群組 36">
-            <a:extLst>
-              <a:ext uri="{FF2B5EF4-FFF2-40B4-BE49-F238E27FC236}">
-                <a16:creationId xmlns:a16="http://schemas.microsoft.com/office/drawing/2014/main" id="{B8BB4FBB-AC2B-4455-ABFB-EA45C4B5230E}"/>
-              </a:ext>
-            </a:extLst>
-          </p:cNvPr>
-          <p:cNvGrpSpPr/>
-          <p:nvPr/>
-        </p:nvGrpSpPr>
-        <p:grpSpPr>
-          <a:xfrm>
-            <a:off x="3971365" y="1663700"/>
-            <a:ext cx="7953701" cy="2449676"/>
-            <a:chOff x="3686175" y="1749425"/>
-            <a:chExt cx="8391291" cy="2584450"/>
-          </a:xfrm>
-        </p:grpSpPr>
-        <p:pic>
-          <p:nvPicPr>
-            <p:cNvPr id="33" name="圖形 32">
-              <a:extLst>
-                <a:ext uri="{FF2B5EF4-FFF2-40B4-BE49-F238E27FC236}">
-                  <a16:creationId xmlns:a16="http://schemas.microsoft.com/office/drawing/2014/main" id="{E3EB3D8A-B34C-44FC-9334-28ADA4B781EC}"/>
-                </a:ext>
-              </a:extLst>
-            </p:cNvPr>
-            <p:cNvPicPr>
-              <a:picLocks noChangeAspect="1"/>
-            </p:cNvPicPr>
-            <p:nvPr/>
-          </p:nvPicPr>
-          <p:blipFill rotWithShape="1">
-            <a:blip r:embed="rId2">
-              <a:extLst>
-                <a:ext uri="{28A0092B-C50C-407E-A947-70E740481C1C}">
-                  <a14:useLocalDpi xmlns:a14="http://schemas.microsoft.com/office/drawing/2010/main" val="0"/>
-                </a:ext>
-                <a:ext uri="{96DAC541-7B7A-43D3-8B79-37D633B846F1}">
-                  <asvg:svgBlip xmlns:asvg="http://schemas.microsoft.com/office/drawing/2016/SVG/main" r:embed="rId3"/>
-                </a:ext>
-              </a:extLst>
-            </a:blip>
-            <a:srcRect t="3338" b="32744"/>
-            <a:stretch/>
-          </p:blipFill>
-          <p:spPr>
-            <a:xfrm>
-              <a:off x="3686175" y="1749425"/>
-              <a:ext cx="8391291" cy="2584450"/>
-            </a:xfrm>
-            <a:prstGeom prst="rect">
-              <a:avLst/>
-            </a:prstGeom>
-          </p:spPr>
-        </p:pic>
-        <p:pic>
-          <p:nvPicPr>
-            <p:cNvPr id="35" name="圖片 34">
-              <a:extLst>
-                <a:ext uri="{FF2B5EF4-FFF2-40B4-BE49-F238E27FC236}">
-                  <a16:creationId xmlns:a16="http://schemas.microsoft.com/office/drawing/2014/main" id="{33DE3C15-47CA-4452-BBEC-484085149178}"/>
-                </a:ext>
-              </a:extLst>
-            </p:cNvPr>
-            <p:cNvPicPr>
-              <a:picLocks noChangeAspect="1"/>
-            </p:cNvPicPr>
-            <p:nvPr/>
-          </p:nvPicPr>
-          <p:blipFill>
-            <a:blip r:embed="rId4">
-              <a:extLst>
-                <a:ext uri="{28A0092B-C50C-407E-A947-70E740481C1C}">
-                  <a14:useLocalDpi xmlns:a14="http://schemas.microsoft.com/office/drawing/2010/main" val="0"/>
-                </a:ext>
-              </a:extLst>
-            </a:blip>
-            <a:stretch>
-              <a:fillRect/>
-            </a:stretch>
-          </p:blipFill>
-          <p:spPr>
-            <a:xfrm>
-              <a:off x="4622006" y="3748087"/>
-              <a:ext cx="142875" cy="142875"/>
-            </a:xfrm>
-            <a:prstGeom prst="rect">
-              <a:avLst/>
-            </a:prstGeom>
-          </p:spPr>
-        </p:pic>
-        <p:pic>
-          <p:nvPicPr>
-            <p:cNvPr id="36" name="圖片 35">
-              <a:extLst>
-                <a:ext uri="{FF2B5EF4-FFF2-40B4-BE49-F238E27FC236}">
-                  <a16:creationId xmlns:a16="http://schemas.microsoft.com/office/drawing/2014/main" id="{81E55520-5A43-48FF-A2D7-796D08F5E5B3}"/>
-                </a:ext>
-              </a:extLst>
-            </p:cNvPr>
-            <p:cNvPicPr>
-              <a:picLocks noChangeAspect="1"/>
-            </p:cNvPicPr>
-            <p:nvPr/>
-          </p:nvPicPr>
-          <p:blipFill>
-            <a:blip r:embed="rId4">
-              <a:extLst>
-                <a:ext uri="{28A0092B-C50C-407E-A947-70E740481C1C}">
-                  <a14:useLocalDpi xmlns:a14="http://schemas.microsoft.com/office/drawing/2010/main" val="0"/>
-                </a:ext>
-              </a:extLst>
-            </a:blip>
-            <a:stretch>
-              <a:fillRect/>
-            </a:stretch>
-          </p:blipFill>
-          <p:spPr>
-            <a:xfrm>
-              <a:off x="7810382" y="3748087"/>
-              <a:ext cx="142875" cy="142875"/>
-            </a:xfrm>
-            <a:prstGeom prst="rect">
-              <a:avLst/>
-            </a:prstGeom>
-          </p:spPr>
-        </p:pic>
-      </p:grpSp>
-    </p:spTree>
-    <p:extLst>
-      <p:ext uri="{BB962C8B-B14F-4D97-AF65-F5344CB8AC3E}">
-        <p14:creationId xmlns:p14="http://schemas.microsoft.com/office/powerpoint/2010/main" val="1626098002"/>
-      </p:ext>
-    </p:extLst>
-  </p:cSld>
-  <p:clrMapOvr>
-    <a:masterClrMapping/>
-  </p:clrMapOvr>
-  <p:transition spd="slow">
-    <p:push dir="u"/>
-  </p:transition>
-</p:sld>
-</file>
-
-<file path=ppt/slides/slide3.xml><?xml version="1.0" encoding="utf-8"?>
 <p:sld xmlns:a="http://schemas.openxmlformats.org/drawingml/2006/main" xmlns:r="http://schemas.openxmlformats.org/officeDocument/2006/relationships" xmlns:p="http://schemas.openxmlformats.org/presentationml/2006/main">
   <p:cSld>
     <p:spTree>
@@ -11794,7 +11416,7 @@
 </p:sld>
 </file>
 
-<file path=ppt/slides/slide4.xml><?xml version="1.0" encoding="utf-8"?>
+<file path=ppt/slides/slide3.xml><?xml version="1.0" encoding="utf-8"?>
 <p:sld xmlns:a="http://schemas.openxmlformats.org/drawingml/2006/main" xmlns:r="http://schemas.openxmlformats.org/officeDocument/2006/relationships" xmlns:p="http://schemas.openxmlformats.org/presentationml/2006/main">
   <p:cSld>
     <p:spTree>
@@ -16417,7 +16039,7 @@
 </p:sld>
 </file>
 
-<file path=ppt/slides/slide5.xml><?xml version="1.0" encoding="utf-8"?>
+<file path=ppt/slides/slide4.xml><?xml version="1.0" encoding="utf-8"?>
 <p:sld xmlns:a="http://schemas.openxmlformats.org/drawingml/2006/main" xmlns:r="http://schemas.openxmlformats.org/officeDocument/2006/relationships" xmlns:p="http://schemas.openxmlformats.org/presentationml/2006/main">
   <p:cSld>
     <p:spTree>
@@ -18608,7 +18230,7 @@
 </p:sld>
 </file>
 
-<file path=ppt/slides/slide6.xml><?xml version="1.0" encoding="utf-8"?>
+<file path=ppt/slides/slide5.xml><?xml version="1.0" encoding="utf-8"?>
 <p:sld xmlns:a="http://schemas.openxmlformats.org/drawingml/2006/main" xmlns:r="http://schemas.openxmlformats.org/officeDocument/2006/relationships" xmlns:p="http://schemas.openxmlformats.org/presentationml/2006/main">
   <p:cSld>
     <p:spTree>

--- a/powerpoint/02_程式語言簡介.pptx
+++ b/powerpoint/02_程式語言簡介.pptx
@@ -216,7 +216,7 @@
           <a:p>
             <a:fld id="{FF294DDF-BAE6-4F99-A8CC-1D49EAABBEEB}" type="datetimeFigureOut">
               <a:rPr lang="zh-TW" altLang="en-US" smtClean="0"/>
-              <a:t>2024/7/9</a:t>
+              <a:t>2024/7/10</a:t>
             </a:fld>
             <a:endParaRPr lang="zh-TW" altLang="en-US"/>
           </a:p>
@@ -16071,9 +16071,9 @@
         <p:grpSpPr>
           <a:xfrm>
             <a:off x="480291" y="1420685"/>
-            <a:ext cx="10935854" cy="4851892"/>
+            <a:ext cx="10935854" cy="4851893"/>
             <a:chOff x="480291" y="1420685"/>
-            <a:chExt cx="10935854" cy="4851892"/>
+            <a:chExt cx="10935854" cy="4851893"/>
           </a:xfrm>
         </p:grpSpPr>
         <p:sp>
@@ -17771,7 +17771,7 @@
           <p:spPr>
             <a:xfrm>
               <a:off x="8237070" y="5903246"/>
-              <a:ext cx="3179075" cy="369331"/>
+              <a:ext cx="3179075" cy="369332"/>
             </a:xfrm>
             <a:prstGeom prst="rect">
               <a:avLst/>
@@ -17786,7 +17786,7 @@
             <a:p>
               <a:r>
                 <a:rPr lang="en-US" altLang="zh-TW"/>
-                <a:t>2023 Stack OverFlow </a:t>
+                <a:t>2023 Stack Overflow </a:t>
               </a:r>
               <a:r>
                 <a:rPr lang="zh-TW" altLang="en-US"/>
@@ -18033,7 +18033,7 @@
                   <a:srgbClr val="FFFF00"/>
                 </a:solidFill>
               </a:rPr>
-              <a:t>是這學年要上的</a:t>
+              <a:t> 是這學年要上的</a:t>
             </a:r>
           </a:p>
         </p:txBody>

--- a/powerpoint/02_程式語言簡介.pptx
+++ b/powerpoint/02_程式語言簡介.pptx
@@ -216,7 +216,7 @@
           <a:p>
             <a:fld id="{FF294DDF-BAE6-4F99-A8CC-1D49EAABBEEB}" type="datetimeFigureOut">
               <a:rPr lang="zh-TW" altLang="en-US" smtClean="0"/>
-              <a:t>2024/7/10</a:t>
+              <a:t>2024/7/15</a:t>
             </a:fld>
             <a:endParaRPr lang="zh-TW" altLang="en-US"/>
           </a:p>
@@ -16058,10 +16058,10 @@
       </p:grpSpPr>
       <p:grpSp>
         <p:nvGrpSpPr>
-          <p:cNvPr id="25" name="群組 24">
+          <p:cNvPr id="3" name="群組 2">
             <a:extLst>
               <a:ext uri="{FF2B5EF4-FFF2-40B4-BE49-F238E27FC236}">
-                <a16:creationId xmlns:a16="http://schemas.microsoft.com/office/drawing/2014/main" id="{261E2CA7-19BF-4EEB-8EDF-2209D341E1C0}"/>
+                <a16:creationId xmlns:a16="http://schemas.microsoft.com/office/drawing/2014/main" id="{9B8C1EE5-8D5E-49CD-8F07-8F566412D8C6}"/>
               </a:ext>
             </a:extLst>
           </p:cNvPr>
@@ -16071,225 +16071,17 @@
         <p:grpSpPr>
           <a:xfrm>
             <a:off x="480291" y="1420685"/>
-            <a:ext cx="10935854" cy="4851893"/>
+            <a:ext cx="10935854" cy="5247074"/>
             <a:chOff x="480291" y="1420685"/>
-            <a:chExt cx="10935854" cy="4851893"/>
+            <a:chExt cx="10935854" cy="5247074"/>
           </a:xfrm>
         </p:grpSpPr>
-        <p:sp>
-          <p:nvSpPr>
-            <p:cNvPr id="7" name="矩形: 圓角 6">
+        <p:grpSp>
+          <p:nvGrpSpPr>
+            <p:cNvPr id="25" name="群組 24">
               <a:extLst>
                 <a:ext uri="{FF2B5EF4-FFF2-40B4-BE49-F238E27FC236}">
-                  <a16:creationId xmlns:a16="http://schemas.microsoft.com/office/drawing/2014/main" id="{06DA10A7-1EA5-4C33-A493-A64D766B9313}"/>
-                </a:ext>
-              </a:extLst>
-            </p:cNvPr>
-            <p:cNvSpPr/>
-            <p:nvPr/>
-          </p:nvSpPr>
-          <p:spPr>
-            <a:xfrm>
-              <a:off x="1954912" y="4863898"/>
-              <a:ext cx="414552" cy="197630"/>
-            </a:xfrm>
-            <a:prstGeom prst="roundRect">
-              <a:avLst/>
-            </a:prstGeom>
-            <a:noFill/>
-            <a:ln w="28575">
-              <a:solidFill>
-                <a:srgbClr val="FF0000"/>
-              </a:solidFill>
-            </a:ln>
-          </p:spPr>
-          <p:style>
-            <a:lnRef idx="2">
-              <a:schemeClr val="accent1">
-                <a:shade val="50000"/>
-              </a:schemeClr>
-            </a:lnRef>
-            <a:fillRef idx="1">
-              <a:schemeClr val="accent1"/>
-            </a:fillRef>
-            <a:effectRef idx="0">
-              <a:schemeClr val="accent1"/>
-            </a:effectRef>
-            <a:fontRef idx="minor">
-              <a:schemeClr val="lt1"/>
-            </a:fontRef>
-          </p:style>
-          <p:txBody>
-            <a:bodyPr rtlCol="0" anchor="ctr"/>
-            <a:lstStyle/>
-            <a:p>
-              <a:pPr algn="ctr"/>
-              <a:endParaRPr lang="zh-TW" altLang="en-US"/>
-            </a:p>
-          </p:txBody>
-        </p:sp>
-        <p:sp>
-          <p:nvSpPr>
-            <p:cNvPr id="48" name="矩形: 圓角 47">
-              <a:extLst>
-                <a:ext uri="{FF2B5EF4-FFF2-40B4-BE49-F238E27FC236}">
-                  <a16:creationId xmlns:a16="http://schemas.microsoft.com/office/drawing/2014/main" id="{F2A7958F-7B4B-42B3-95D2-FACA21224267}"/>
-                </a:ext>
-              </a:extLst>
-            </p:cNvPr>
-            <p:cNvSpPr/>
-            <p:nvPr/>
-          </p:nvSpPr>
-          <p:spPr>
-            <a:xfrm>
-              <a:off x="8441240" y="2341700"/>
-              <a:ext cx="401619" cy="197630"/>
-            </a:xfrm>
-            <a:prstGeom prst="roundRect">
-              <a:avLst/>
-            </a:prstGeom>
-            <a:noFill/>
-            <a:ln w="28575">
-              <a:solidFill>
-                <a:srgbClr val="FF0000"/>
-              </a:solidFill>
-            </a:ln>
-          </p:spPr>
-          <p:style>
-            <a:lnRef idx="2">
-              <a:schemeClr val="accent1">
-                <a:shade val="50000"/>
-              </a:schemeClr>
-            </a:lnRef>
-            <a:fillRef idx="1">
-              <a:schemeClr val="accent1"/>
-            </a:fillRef>
-            <a:effectRef idx="0">
-              <a:schemeClr val="accent1"/>
-            </a:effectRef>
-            <a:fontRef idx="minor">
-              <a:schemeClr val="lt1"/>
-            </a:fontRef>
-          </p:style>
-          <p:txBody>
-            <a:bodyPr rtlCol="0" anchor="ctr"/>
-            <a:lstStyle/>
-            <a:p>
-              <a:pPr algn="ctr"/>
-              <a:endParaRPr lang="zh-TW" altLang="en-US"/>
-            </a:p>
-          </p:txBody>
-        </p:sp>
-        <p:sp>
-          <p:nvSpPr>
-            <p:cNvPr id="49" name="矩形: 圓角 48">
-              <a:extLst>
-                <a:ext uri="{FF2B5EF4-FFF2-40B4-BE49-F238E27FC236}">
-                  <a16:creationId xmlns:a16="http://schemas.microsoft.com/office/drawing/2014/main" id="{B01B958B-E803-4242-97CA-02E97984537F}"/>
-                </a:ext>
-              </a:extLst>
-            </p:cNvPr>
-            <p:cNvSpPr/>
-            <p:nvPr/>
-          </p:nvSpPr>
-          <p:spPr>
-            <a:xfrm>
-              <a:off x="8624792" y="2822653"/>
-              <a:ext cx="218068" cy="197624"/>
-            </a:xfrm>
-            <a:prstGeom prst="roundRect">
-              <a:avLst/>
-            </a:prstGeom>
-            <a:noFill/>
-            <a:ln w="28575">
-              <a:solidFill>
-                <a:srgbClr val="FF0000"/>
-              </a:solidFill>
-            </a:ln>
-          </p:spPr>
-          <p:style>
-            <a:lnRef idx="2">
-              <a:schemeClr val="accent1">
-                <a:shade val="50000"/>
-              </a:schemeClr>
-            </a:lnRef>
-            <a:fillRef idx="1">
-              <a:schemeClr val="accent1"/>
-            </a:fillRef>
-            <a:effectRef idx="0">
-              <a:schemeClr val="accent1"/>
-            </a:effectRef>
-            <a:fontRef idx="minor">
-              <a:schemeClr val="lt1"/>
-            </a:fontRef>
-          </p:style>
-          <p:txBody>
-            <a:bodyPr rtlCol="0" anchor="ctr"/>
-            <a:lstStyle/>
-            <a:p>
-              <a:pPr algn="ctr"/>
-              <a:endParaRPr lang="zh-TW" altLang="en-US"/>
-            </a:p>
-          </p:txBody>
-        </p:sp>
-        <p:sp>
-          <p:nvSpPr>
-            <p:cNvPr id="50" name="矩形: 圓角 49">
-              <a:extLst>
-                <a:ext uri="{FF2B5EF4-FFF2-40B4-BE49-F238E27FC236}">
-                  <a16:creationId xmlns:a16="http://schemas.microsoft.com/office/drawing/2014/main" id="{3537AA09-A010-42A8-AE16-37D8C70C777C}"/>
-                </a:ext>
-              </a:extLst>
-            </p:cNvPr>
-            <p:cNvSpPr/>
-            <p:nvPr/>
-          </p:nvSpPr>
-          <p:spPr>
-            <a:xfrm>
-              <a:off x="1809774" y="3099277"/>
-              <a:ext cx="559694" cy="231061"/>
-            </a:xfrm>
-            <a:prstGeom prst="roundRect">
-              <a:avLst/>
-            </a:prstGeom>
-            <a:noFill/>
-            <a:ln w="28575">
-              <a:solidFill>
-                <a:srgbClr val="FF0000"/>
-              </a:solidFill>
-            </a:ln>
-          </p:spPr>
-          <p:style>
-            <a:lnRef idx="2">
-              <a:schemeClr val="accent1">
-                <a:shade val="50000"/>
-              </a:schemeClr>
-            </a:lnRef>
-            <a:fillRef idx="1">
-              <a:schemeClr val="accent1"/>
-            </a:fillRef>
-            <a:effectRef idx="0">
-              <a:schemeClr val="accent1"/>
-            </a:effectRef>
-            <a:fontRef idx="minor">
-              <a:schemeClr val="lt1"/>
-            </a:fontRef>
-          </p:style>
-          <p:txBody>
-            <a:bodyPr rtlCol="0" anchor="ctr"/>
-            <a:lstStyle/>
-            <a:p>
-              <a:pPr algn="ctr"/>
-              <a:endParaRPr lang="zh-TW" altLang="en-US"/>
-            </a:p>
-          </p:txBody>
-        </p:sp>
-        <p:grpSp>
-          <p:nvGrpSpPr>
-            <p:cNvPr id="161" name="群組 160">
-              <a:extLst>
-                <a:ext uri="{FF2B5EF4-FFF2-40B4-BE49-F238E27FC236}">
-                  <a16:creationId xmlns:a16="http://schemas.microsoft.com/office/drawing/2014/main" id="{366E84E8-961F-4C70-810E-FCBE84817B1E}"/>
+                  <a16:creationId xmlns:a16="http://schemas.microsoft.com/office/drawing/2014/main" id="{261E2CA7-19BF-4EEB-8EDF-2209D341E1C0}"/>
                 </a:ext>
               </a:extLst>
             </p:cNvPr>
@@ -16298,148 +16090,18 @@
           </p:nvGrpSpPr>
           <p:grpSpPr>
             <a:xfrm>
-              <a:off x="480291" y="1607399"/>
-              <a:ext cx="10935853" cy="4305086"/>
-              <a:chOff x="1269486" y="1351054"/>
-              <a:chExt cx="9758731" cy="3841691"/>
+              <a:off x="480291" y="1420685"/>
+              <a:ext cx="10935854" cy="5222140"/>
+              <a:chOff x="480291" y="1420685"/>
+              <a:chExt cx="10935854" cy="5222140"/>
             </a:xfrm>
           </p:grpSpPr>
-          <p:grpSp>
-            <p:nvGrpSpPr>
-              <p:cNvPr id="29" name="群組 28">
+          <p:sp>
+            <p:nvSpPr>
+              <p:cNvPr id="7" name="矩形: 圓角 6">
                 <a:extLst>
                   <a:ext uri="{FF2B5EF4-FFF2-40B4-BE49-F238E27FC236}">
-                    <a16:creationId xmlns:a16="http://schemas.microsoft.com/office/drawing/2014/main" id="{63EE547A-D7E8-48D7-89BC-E5B97C9CA250}"/>
-                  </a:ext>
-                </a:extLst>
-              </p:cNvPr>
-              <p:cNvGrpSpPr/>
-              <p:nvPr/>
-            </p:nvGrpSpPr>
-            <p:grpSpPr>
-              <a:xfrm>
-                <a:off x="1605500" y="1846886"/>
-                <a:ext cx="9422717" cy="3345859"/>
-                <a:chOff x="164628" y="1846886"/>
-                <a:chExt cx="9422717" cy="3345859"/>
-              </a:xfrm>
-            </p:grpSpPr>
-            <p:grpSp>
-              <p:nvGrpSpPr>
-                <p:cNvPr id="22" name="群組 21">
-                  <a:extLst>
-                    <a:ext uri="{FF2B5EF4-FFF2-40B4-BE49-F238E27FC236}">
-                      <a16:creationId xmlns:a16="http://schemas.microsoft.com/office/drawing/2014/main" id="{CF1D1629-8EAC-4C5B-90A8-F3A6E31D7B3E}"/>
-                    </a:ext>
-                  </a:extLst>
-                </p:cNvPr>
-                <p:cNvGrpSpPr/>
-                <p:nvPr/>
-              </p:nvGrpSpPr>
-              <p:grpSpPr>
-                <a:xfrm>
-                  <a:off x="164628" y="1846886"/>
-                  <a:ext cx="9422717" cy="3038764"/>
-                  <a:chOff x="403413" y="1462523"/>
-                  <a:chExt cx="9422717" cy="3038764"/>
-                </a:xfrm>
-              </p:grpSpPr>
-              <p:pic>
-                <p:nvPicPr>
-                  <p:cNvPr id="14" name="圖片 13">
-                    <a:extLst>
-                      <a:ext uri="{FF2B5EF4-FFF2-40B4-BE49-F238E27FC236}">
-                        <a16:creationId xmlns:a16="http://schemas.microsoft.com/office/drawing/2014/main" id="{DB02232E-69F4-4B0C-B9DB-E641010E2772}"/>
-                      </a:ext>
-                    </a:extLst>
-                  </p:cNvPr>
-                  <p:cNvPicPr>
-                    <a:picLocks noChangeAspect="1"/>
-                  </p:cNvPicPr>
-                  <p:nvPr/>
-                </p:nvPicPr>
-                <p:blipFill rotWithShape="1">
-                  <a:blip r:embed="rId3"/>
-                  <a:srcRect t="-1" b="50848"/>
-                  <a:stretch/>
-                </p:blipFill>
-                <p:spPr>
-                  <a:xfrm>
-                    <a:off x="403413" y="1464329"/>
-                    <a:ext cx="5622290" cy="3036958"/>
-                  </a:xfrm>
-                  <a:prstGeom prst="rect">
-                    <a:avLst/>
-                  </a:prstGeom>
-                </p:spPr>
-              </p:pic>
-              <p:pic>
-                <p:nvPicPr>
-                  <p:cNvPr id="21" name="圖片 20">
-                    <a:extLst>
-                      <a:ext uri="{FF2B5EF4-FFF2-40B4-BE49-F238E27FC236}">
-                        <a16:creationId xmlns:a16="http://schemas.microsoft.com/office/drawing/2014/main" id="{01F0B8B3-EC06-426B-A133-2AA35AA71147}"/>
-                      </a:ext>
-                    </a:extLst>
-                  </p:cNvPr>
-                  <p:cNvPicPr>
-                    <a:picLocks noChangeAspect="1"/>
-                  </p:cNvPicPr>
-                  <p:nvPr/>
-                </p:nvPicPr>
-                <p:blipFill rotWithShape="1">
-                  <a:blip r:embed="rId4"/>
-                  <a:srcRect t="49211" r="39100" b="6479"/>
-                  <a:stretch/>
-                </p:blipFill>
-                <p:spPr>
-                  <a:xfrm>
-                    <a:off x="6025703" y="1462523"/>
-                    <a:ext cx="3800427" cy="3038763"/>
-                  </a:xfrm>
-                  <a:prstGeom prst="rect">
-                    <a:avLst/>
-                  </a:prstGeom>
-                </p:spPr>
-              </p:pic>
-            </p:grpSp>
-            <p:pic>
-              <p:nvPicPr>
-                <p:cNvPr id="28" name="圖片 27">
-                  <a:extLst>
-                    <a:ext uri="{FF2B5EF4-FFF2-40B4-BE49-F238E27FC236}">
-                      <a16:creationId xmlns:a16="http://schemas.microsoft.com/office/drawing/2014/main" id="{749C3E22-5DDD-4F41-8006-A31D710026D8}"/>
-                    </a:ext>
-                  </a:extLst>
-                </p:cNvPr>
-                <p:cNvPicPr>
-                  <a:picLocks noChangeAspect="1"/>
-                </p:cNvPicPr>
-                <p:nvPr/>
-              </p:nvPicPr>
-              <p:blipFill>
-                <a:blip r:embed="rId5"/>
-                <a:stretch>
-                  <a:fillRect/>
-                </a:stretch>
-              </p:blipFill>
-              <p:spPr>
-                <a:xfrm>
-                  <a:off x="8216535" y="4879943"/>
-                  <a:ext cx="1370810" cy="312802"/>
-                </a:xfrm>
-                <a:prstGeom prst="rect">
-                  <a:avLst/>
-                </a:prstGeom>
-              </p:spPr>
-            </p:pic>
-          </p:grpSp>
-          <p:sp>
-            <p:nvSpPr>
-              <p:cNvPr id="27" name="矩形: 圓角 26">
-                <a:extLst>
-                  <a:ext uri="{FF2B5EF4-FFF2-40B4-BE49-F238E27FC236}">
-                    <a16:creationId xmlns:a16="http://schemas.microsoft.com/office/drawing/2014/main" id="{72ECA91B-7FCE-4B63-8724-1D8D956E2C5F}"/>
+                    <a16:creationId xmlns:a16="http://schemas.microsoft.com/office/drawing/2014/main" id="{06DA10A7-1EA5-4C33-A493-A64D766B9313}"/>
                   </a:ext>
                 </a:extLst>
               </p:cNvPr>
@@ -16448,8 +16110,8 @@
             </p:nvSpPr>
             <p:spPr>
               <a:xfrm>
-                <a:off x="2216848" y="1846886"/>
-                <a:ext cx="771000" cy="734949"/>
+                <a:off x="1954912" y="4863898"/>
+                <a:ext cx="414552" cy="197630"/>
               </a:xfrm>
               <a:prstGeom prst="roundRect">
                 <a:avLst/>
@@ -16457,7 +16119,7 @@
               <a:noFill/>
               <a:ln w="28575">
                 <a:solidFill>
-                  <a:srgbClr val="00FFCC"/>
+                  <a:srgbClr val="FF0000"/>
                 </a:solidFill>
               </a:ln>
             </p:spPr>
@@ -16482,65 +16144,172 @@
               <a:lstStyle/>
               <a:p>
                 <a:pPr algn="ctr"/>
-                <a:endParaRPr lang="zh-TW" altLang="en-US">
-                  <a:solidFill>
-                    <a:srgbClr val="00FFCC"/>
-                  </a:solidFill>
-                </a:endParaRPr>
+                <a:endParaRPr lang="zh-TW" altLang="en-US"/>
               </a:p>
             </p:txBody>
           </p:sp>
-          <p:cxnSp>
-            <p:nvCxnSpPr>
-              <p:cNvPr id="32" name="直線單箭頭接點 31">
+          <p:sp>
+            <p:nvSpPr>
+              <p:cNvPr id="48" name="矩形: 圓角 47">
                 <a:extLst>
                   <a:ext uri="{FF2B5EF4-FFF2-40B4-BE49-F238E27FC236}">
-                    <a16:creationId xmlns:a16="http://schemas.microsoft.com/office/drawing/2014/main" id="{E4644E95-FC27-477B-9BBC-F08044403413}"/>
+                    <a16:creationId xmlns:a16="http://schemas.microsoft.com/office/drawing/2014/main" id="{F2A7958F-7B4B-42B3-95D2-FACA21224267}"/>
                   </a:ext>
                 </a:extLst>
               </p:cNvPr>
-              <p:cNvCxnSpPr>
-                <a:cxnSpLocks/>
-                <a:stCxn id="27" idx="0"/>
-              </p:cNvCxnSpPr>
+              <p:cNvSpPr/>
               <p:nvPr/>
-            </p:nvCxnSpPr>
+            </p:nvSpPr>
             <p:spPr>
-              <a:xfrm flipV="1">
-                <a:off x="2602348" y="1509729"/>
-                <a:ext cx="299771" cy="337157"/>
+              <a:xfrm>
+                <a:off x="8441240" y="2341700"/>
+                <a:ext cx="401619" cy="197630"/>
               </a:xfrm>
-              <a:prstGeom prst="straightConnector1">
+              <a:prstGeom prst="roundRect">
                 <a:avLst/>
               </a:prstGeom>
-              <a:ln>
-                <a:solidFill>
-                  <a:srgbClr val="00FFCC"/>
-                </a:solidFill>
-                <a:tailEnd type="triangle"/>
+              <a:noFill/>
+              <a:ln w="28575">
+                <a:solidFill>
+                  <a:srgbClr val="FF0000"/>
+                </a:solidFill>
               </a:ln>
             </p:spPr>
             <p:style>
-              <a:lnRef idx="1">
-                <a:schemeClr val="accent1"/>
+              <a:lnRef idx="2">
+                <a:schemeClr val="accent1">
+                  <a:shade val="50000"/>
+                </a:schemeClr>
               </a:lnRef>
-              <a:fillRef idx="0">
+              <a:fillRef idx="1">
                 <a:schemeClr val="accent1"/>
               </a:fillRef>
               <a:effectRef idx="0">
                 <a:schemeClr val="accent1"/>
               </a:effectRef>
               <a:fontRef idx="minor">
-                <a:schemeClr val="tx1"/>
+                <a:schemeClr val="lt1"/>
               </a:fontRef>
             </p:style>
-          </p:cxnSp>
+            <p:txBody>
+              <a:bodyPr rtlCol="0" anchor="ctr"/>
+              <a:lstStyle/>
+              <a:p>
+                <a:pPr algn="ctr"/>
+                <a:endParaRPr lang="zh-TW" altLang="en-US"/>
+              </a:p>
+            </p:txBody>
+          </p:sp>
+          <p:sp>
+            <p:nvSpPr>
+              <p:cNvPr id="49" name="矩形: 圓角 48">
+                <a:extLst>
+                  <a:ext uri="{FF2B5EF4-FFF2-40B4-BE49-F238E27FC236}">
+                    <a16:creationId xmlns:a16="http://schemas.microsoft.com/office/drawing/2014/main" id="{B01B958B-E803-4242-97CA-02E97984537F}"/>
+                  </a:ext>
+                </a:extLst>
+              </p:cNvPr>
+              <p:cNvSpPr/>
+              <p:nvPr/>
+            </p:nvSpPr>
+            <p:spPr>
+              <a:xfrm>
+                <a:off x="8624792" y="2822653"/>
+                <a:ext cx="218068" cy="197624"/>
+              </a:xfrm>
+              <a:prstGeom prst="roundRect">
+                <a:avLst/>
+              </a:prstGeom>
+              <a:noFill/>
+              <a:ln w="28575">
+                <a:solidFill>
+                  <a:srgbClr val="FF0000"/>
+                </a:solidFill>
+              </a:ln>
+            </p:spPr>
+            <p:style>
+              <a:lnRef idx="2">
+                <a:schemeClr val="accent1">
+                  <a:shade val="50000"/>
+                </a:schemeClr>
+              </a:lnRef>
+              <a:fillRef idx="1">
+                <a:schemeClr val="accent1"/>
+              </a:fillRef>
+              <a:effectRef idx="0">
+                <a:schemeClr val="accent1"/>
+              </a:effectRef>
+              <a:fontRef idx="minor">
+                <a:schemeClr val="lt1"/>
+              </a:fontRef>
+            </p:style>
+            <p:txBody>
+              <a:bodyPr rtlCol="0" anchor="ctr"/>
+              <a:lstStyle/>
+              <a:p>
+                <a:pPr algn="ctr"/>
+                <a:endParaRPr lang="zh-TW" altLang="en-US"/>
+              </a:p>
+            </p:txBody>
+          </p:sp>
+          <p:sp>
+            <p:nvSpPr>
+              <p:cNvPr id="50" name="矩形: 圓角 49">
+                <a:extLst>
+                  <a:ext uri="{FF2B5EF4-FFF2-40B4-BE49-F238E27FC236}">
+                    <a16:creationId xmlns:a16="http://schemas.microsoft.com/office/drawing/2014/main" id="{3537AA09-A010-42A8-AE16-37D8C70C777C}"/>
+                  </a:ext>
+                </a:extLst>
+              </p:cNvPr>
+              <p:cNvSpPr/>
+              <p:nvPr/>
+            </p:nvSpPr>
+            <p:spPr>
+              <a:xfrm>
+                <a:off x="1809774" y="3099277"/>
+                <a:ext cx="559694" cy="231061"/>
+              </a:xfrm>
+              <a:prstGeom prst="roundRect">
+                <a:avLst/>
+              </a:prstGeom>
+              <a:noFill/>
+              <a:ln w="28575">
+                <a:solidFill>
+                  <a:srgbClr val="FF0000"/>
+                </a:solidFill>
+              </a:ln>
+            </p:spPr>
+            <p:style>
+              <a:lnRef idx="2">
+                <a:schemeClr val="accent1">
+                  <a:shade val="50000"/>
+                </a:schemeClr>
+              </a:lnRef>
+              <a:fillRef idx="1">
+                <a:schemeClr val="accent1"/>
+              </a:fillRef>
+              <a:effectRef idx="0">
+                <a:schemeClr val="accent1"/>
+              </a:effectRef>
+              <a:fontRef idx="minor">
+                <a:schemeClr val="lt1"/>
+              </a:fontRef>
+            </p:style>
+            <p:txBody>
+              <a:bodyPr rtlCol="0" anchor="ctr"/>
+              <a:lstStyle/>
+              <a:p>
+                <a:pPr algn="ctr"/>
+                <a:endParaRPr lang="zh-TW" altLang="en-US"/>
+              </a:p>
+            </p:txBody>
+          </p:sp>
           <p:grpSp>
             <p:nvGrpSpPr>
-              <p:cNvPr id="83" name="群組 82">
+              <p:cNvPr id="161" name="群組 160">
                 <a:extLst>
                   <a:ext uri="{FF2B5EF4-FFF2-40B4-BE49-F238E27FC236}">
-                    <a16:creationId xmlns:a16="http://schemas.microsoft.com/office/drawing/2014/main" id="{30906B54-CFE3-4DE3-B2DB-EEFA5E284576}"/>
+                    <a16:creationId xmlns:a16="http://schemas.microsoft.com/office/drawing/2014/main" id="{366E84E8-961F-4C70-810E-FCBE84817B1E}"/>
                   </a:ext>
                 </a:extLst>
               </p:cNvPr>
@@ -16549,40 +16318,226 @@
             </p:nvGrpSpPr>
             <p:grpSpPr>
               <a:xfrm>
-                <a:off x="1487047" y="2013528"/>
-                <a:ext cx="792025" cy="1554303"/>
-                <a:chOff x="83119" y="2032000"/>
-                <a:chExt cx="792025" cy="1554303"/>
+                <a:off x="480291" y="1607399"/>
+                <a:ext cx="10935853" cy="4305086"/>
+                <a:chOff x="1269486" y="1351054"/>
+                <a:chExt cx="9758731" cy="3841691"/>
               </a:xfrm>
             </p:grpSpPr>
+            <p:grpSp>
+              <p:nvGrpSpPr>
+                <p:cNvPr id="29" name="群組 28">
+                  <a:extLst>
+                    <a:ext uri="{FF2B5EF4-FFF2-40B4-BE49-F238E27FC236}">
+                      <a16:creationId xmlns:a16="http://schemas.microsoft.com/office/drawing/2014/main" id="{63EE547A-D7E8-48D7-89BC-E5B97C9CA250}"/>
+                    </a:ext>
+                  </a:extLst>
+                </p:cNvPr>
+                <p:cNvGrpSpPr/>
+                <p:nvPr/>
+              </p:nvGrpSpPr>
+              <p:grpSpPr>
+                <a:xfrm>
+                  <a:off x="1605500" y="1846886"/>
+                  <a:ext cx="9422717" cy="3345859"/>
+                  <a:chOff x="164628" y="1846886"/>
+                  <a:chExt cx="9422717" cy="3345859"/>
+                </a:xfrm>
+              </p:grpSpPr>
+              <p:grpSp>
+                <p:nvGrpSpPr>
+                  <p:cNvPr id="22" name="群組 21">
+                    <a:extLst>
+                      <a:ext uri="{FF2B5EF4-FFF2-40B4-BE49-F238E27FC236}">
+                        <a16:creationId xmlns:a16="http://schemas.microsoft.com/office/drawing/2014/main" id="{CF1D1629-8EAC-4C5B-90A8-F3A6E31D7B3E}"/>
+                      </a:ext>
+                    </a:extLst>
+                  </p:cNvPr>
+                  <p:cNvGrpSpPr/>
+                  <p:nvPr/>
+                </p:nvGrpSpPr>
+                <p:grpSpPr>
+                  <a:xfrm>
+                    <a:off x="164628" y="1846886"/>
+                    <a:ext cx="9422717" cy="3038764"/>
+                    <a:chOff x="403413" y="1462523"/>
+                    <a:chExt cx="9422717" cy="3038764"/>
+                  </a:xfrm>
+                </p:grpSpPr>
+                <p:pic>
+                  <p:nvPicPr>
+                    <p:cNvPr id="14" name="圖片 13">
+                      <a:extLst>
+                        <a:ext uri="{FF2B5EF4-FFF2-40B4-BE49-F238E27FC236}">
+                          <a16:creationId xmlns:a16="http://schemas.microsoft.com/office/drawing/2014/main" id="{DB02232E-69F4-4B0C-B9DB-E641010E2772}"/>
+                        </a:ext>
+                      </a:extLst>
+                    </p:cNvPr>
+                    <p:cNvPicPr>
+                      <a:picLocks noChangeAspect="1"/>
+                    </p:cNvPicPr>
+                    <p:nvPr/>
+                  </p:nvPicPr>
+                  <p:blipFill rotWithShape="1">
+                    <a:blip r:embed="rId3"/>
+                    <a:srcRect t="-1" b="50848"/>
+                    <a:stretch/>
+                  </p:blipFill>
+                  <p:spPr>
+                    <a:xfrm>
+                      <a:off x="403413" y="1464329"/>
+                      <a:ext cx="5622290" cy="3036958"/>
+                    </a:xfrm>
+                    <a:prstGeom prst="rect">
+                      <a:avLst/>
+                    </a:prstGeom>
+                  </p:spPr>
+                </p:pic>
+                <p:pic>
+                  <p:nvPicPr>
+                    <p:cNvPr id="21" name="圖片 20">
+                      <a:extLst>
+                        <a:ext uri="{FF2B5EF4-FFF2-40B4-BE49-F238E27FC236}">
+                          <a16:creationId xmlns:a16="http://schemas.microsoft.com/office/drawing/2014/main" id="{01F0B8B3-EC06-426B-A133-2AA35AA71147}"/>
+                        </a:ext>
+                      </a:extLst>
+                    </p:cNvPr>
+                    <p:cNvPicPr>
+                      <a:picLocks noChangeAspect="1"/>
+                    </p:cNvPicPr>
+                    <p:nvPr/>
+                  </p:nvPicPr>
+                  <p:blipFill rotWithShape="1">
+                    <a:blip r:embed="rId4"/>
+                    <a:srcRect t="49211" r="39100" b="6479"/>
+                    <a:stretch/>
+                  </p:blipFill>
+                  <p:spPr>
+                    <a:xfrm>
+                      <a:off x="6025703" y="1462523"/>
+                      <a:ext cx="3800427" cy="3038763"/>
+                    </a:xfrm>
+                    <a:prstGeom prst="rect">
+                      <a:avLst/>
+                    </a:prstGeom>
+                  </p:spPr>
+                </p:pic>
+              </p:grpSp>
+              <p:pic>
+                <p:nvPicPr>
+                  <p:cNvPr id="28" name="圖片 27">
+                    <a:extLst>
+                      <a:ext uri="{FF2B5EF4-FFF2-40B4-BE49-F238E27FC236}">
+                        <a16:creationId xmlns:a16="http://schemas.microsoft.com/office/drawing/2014/main" id="{749C3E22-5DDD-4F41-8006-A31D710026D8}"/>
+                      </a:ext>
+                    </a:extLst>
+                  </p:cNvPr>
+                  <p:cNvPicPr>
+                    <a:picLocks noChangeAspect="1"/>
+                  </p:cNvPicPr>
+                  <p:nvPr/>
+                </p:nvPicPr>
+                <p:blipFill>
+                  <a:blip r:embed="rId5"/>
+                  <a:stretch>
+                    <a:fillRect/>
+                  </a:stretch>
+                </p:blipFill>
+                <p:spPr>
+                  <a:xfrm>
+                    <a:off x="8216535" y="4879943"/>
+                    <a:ext cx="1370810" cy="312802"/>
+                  </a:xfrm>
+                  <a:prstGeom prst="rect">
+                    <a:avLst/>
+                  </a:prstGeom>
+                </p:spPr>
+              </p:pic>
+            </p:grpSp>
+            <p:sp>
+              <p:nvSpPr>
+                <p:cNvPr id="27" name="矩形: 圓角 26">
+                  <a:extLst>
+                    <a:ext uri="{FF2B5EF4-FFF2-40B4-BE49-F238E27FC236}">
+                      <a16:creationId xmlns:a16="http://schemas.microsoft.com/office/drawing/2014/main" id="{72ECA91B-7FCE-4B63-8724-1D8D956E2C5F}"/>
+                    </a:ext>
+                  </a:extLst>
+                </p:cNvPr>
+                <p:cNvSpPr/>
+                <p:nvPr/>
+              </p:nvSpPr>
+              <p:spPr>
+                <a:xfrm>
+                  <a:off x="2216848" y="1846886"/>
+                  <a:ext cx="771000" cy="734949"/>
+                </a:xfrm>
+                <a:prstGeom prst="roundRect">
+                  <a:avLst/>
+                </a:prstGeom>
+                <a:noFill/>
+                <a:ln w="28575">
+                  <a:solidFill>
+                    <a:srgbClr val="00FFCC"/>
+                  </a:solidFill>
+                </a:ln>
+              </p:spPr>
+              <p:style>
+                <a:lnRef idx="2">
+                  <a:schemeClr val="accent1">
+                    <a:shade val="50000"/>
+                  </a:schemeClr>
+                </a:lnRef>
+                <a:fillRef idx="1">
+                  <a:schemeClr val="accent1"/>
+                </a:fillRef>
+                <a:effectRef idx="0">
+                  <a:schemeClr val="accent1"/>
+                </a:effectRef>
+                <a:fontRef idx="minor">
+                  <a:schemeClr val="lt1"/>
+                </a:fontRef>
+              </p:style>
+              <p:txBody>
+                <a:bodyPr rtlCol="0" anchor="ctr"/>
+                <a:lstStyle/>
+                <a:p>
+                  <a:pPr algn="ctr"/>
+                  <a:endParaRPr lang="zh-TW" altLang="en-US">
+                    <a:solidFill>
+                      <a:srgbClr val="00FFCC"/>
+                    </a:solidFill>
+                  </a:endParaRPr>
+                </a:p>
+              </p:txBody>
+            </p:sp>
             <p:cxnSp>
               <p:nvCxnSpPr>
-                <p:cNvPr id="76" name="直線接點 75">
+                <p:cNvPr id="32" name="直線單箭頭接點 31">
                   <a:extLst>
                     <a:ext uri="{FF2B5EF4-FFF2-40B4-BE49-F238E27FC236}">
-                      <a16:creationId xmlns:a16="http://schemas.microsoft.com/office/drawing/2014/main" id="{143E1E91-72B2-40B5-A706-0F2C33158A59}"/>
+                      <a16:creationId xmlns:a16="http://schemas.microsoft.com/office/drawing/2014/main" id="{E4644E95-FC27-477B-9BBC-F08044403413}"/>
                     </a:ext>
                   </a:extLst>
                 </p:cNvPr>
                 <p:cNvCxnSpPr>
                   <a:cxnSpLocks/>
+                  <a:stCxn id="27" idx="0"/>
                 </p:cNvCxnSpPr>
                 <p:nvPr/>
               </p:nvCxnSpPr>
               <p:spPr>
-                <a:xfrm flipH="1">
-                  <a:off x="83119" y="3586303"/>
-                  <a:ext cx="755081" cy="0"/>
+                <a:xfrm flipV="1">
+                  <a:off x="2602348" y="1509729"/>
+                  <a:ext cx="299771" cy="337157"/>
                 </a:xfrm>
-                <a:prstGeom prst="line">
+                <a:prstGeom prst="straightConnector1">
                   <a:avLst/>
                 </a:prstGeom>
-                <a:ln w="38100">
+                <a:ln>
                   <a:solidFill>
-                    <a:srgbClr val="00B0F0"/>
+                    <a:srgbClr val="00FFCC"/>
                   </a:solidFill>
-                  <a:headEnd type="triangle" w="med" len="med"/>
-                  <a:tailEnd type="none" w="med" len="med"/>
+                  <a:tailEnd type="triangle"/>
                 </a:ln>
               </p:spPr>
               <p:style>
@@ -16600,272 +16555,12 @@
                 </a:fontRef>
               </p:style>
             </p:cxnSp>
-            <p:cxnSp>
-              <p:nvCxnSpPr>
-                <p:cNvPr id="78" name="直線接點 77">
+            <p:grpSp>
+              <p:nvGrpSpPr>
+                <p:cNvPr id="83" name="群組 82">
                   <a:extLst>
                     <a:ext uri="{FF2B5EF4-FFF2-40B4-BE49-F238E27FC236}">
-                      <a16:creationId xmlns:a16="http://schemas.microsoft.com/office/drawing/2014/main" id="{63B35E56-A918-44F5-8B0E-3224BBC638F3}"/>
-                    </a:ext>
-                  </a:extLst>
-                </p:cNvPr>
-                <p:cNvCxnSpPr>
-                  <a:cxnSpLocks/>
-                </p:cNvCxnSpPr>
-                <p:nvPr/>
-              </p:nvCxnSpPr>
-              <p:spPr>
-                <a:xfrm flipV="1">
-                  <a:off x="99603" y="2032001"/>
-                  <a:ext cx="0" cy="1554302"/>
-                </a:xfrm>
-                <a:prstGeom prst="line">
-                  <a:avLst/>
-                </a:prstGeom>
-                <a:ln w="38100">
-                  <a:solidFill>
-                    <a:srgbClr val="00B0F0"/>
-                  </a:solidFill>
-                </a:ln>
-              </p:spPr>
-              <p:style>
-                <a:lnRef idx="1">
-                  <a:schemeClr val="accent1"/>
-                </a:lnRef>
-                <a:fillRef idx="0">
-                  <a:schemeClr val="accent1"/>
-                </a:fillRef>
-                <a:effectRef idx="0">
-                  <a:schemeClr val="accent1"/>
-                </a:effectRef>
-                <a:fontRef idx="minor">
-                  <a:schemeClr val="tx1"/>
-                </a:fontRef>
-              </p:style>
-            </p:cxnSp>
-            <p:cxnSp>
-              <p:nvCxnSpPr>
-                <p:cNvPr id="82" name="直線單箭頭接點 81">
-                  <a:extLst>
-                    <a:ext uri="{FF2B5EF4-FFF2-40B4-BE49-F238E27FC236}">
-                      <a16:creationId xmlns:a16="http://schemas.microsoft.com/office/drawing/2014/main" id="{71941484-D4BF-4A98-A223-19C8383534E2}"/>
-                    </a:ext>
-                  </a:extLst>
-                </p:cNvPr>
-                <p:cNvCxnSpPr>
-                  <a:cxnSpLocks/>
-                </p:cNvCxnSpPr>
-                <p:nvPr/>
-              </p:nvCxnSpPr>
-              <p:spPr>
-                <a:xfrm>
-                  <a:off x="83119" y="2032000"/>
-                  <a:ext cx="792025" cy="0"/>
-                </a:xfrm>
-                <a:prstGeom prst="straightConnector1">
-                  <a:avLst/>
-                </a:prstGeom>
-                <a:ln w="38100">
-                  <a:solidFill>
-                    <a:srgbClr val="00B0F0"/>
-                  </a:solidFill>
-                  <a:headEnd type="none" w="med" len="med"/>
-                  <a:tailEnd type="none" w="med" len="med"/>
-                </a:ln>
-              </p:spPr>
-              <p:style>
-                <a:lnRef idx="1">
-                  <a:schemeClr val="accent1"/>
-                </a:lnRef>
-                <a:fillRef idx="0">
-                  <a:schemeClr val="accent1"/>
-                </a:fillRef>
-                <a:effectRef idx="0">
-                  <a:schemeClr val="accent1"/>
-                </a:effectRef>
-                <a:fontRef idx="minor">
-                  <a:schemeClr val="tx1"/>
-                </a:fontRef>
-              </p:style>
-            </p:cxnSp>
-          </p:grpSp>
-          <p:sp>
-            <p:nvSpPr>
-              <p:cNvPr id="86" name="文字方塊 85">
-                <a:extLst>
-                  <a:ext uri="{FF2B5EF4-FFF2-40B4-BE49-F238E27FC236}">
-                    <a16:creationId xmlns:a16="http://schemas.microsoft.com/office/drawing/2014/main" id="{7234F9BD-1EF2-47E6-BC83-B506E070CB87}"/>
-                  </a:ext>
-                </a:extLst>
-              </p:cNvPr>
-              <p:cNvSpPr txBox="1"/>
-              <p:nvPr/>
-            </p:nvSpPr>
-            <p:spPr>
-              <a:xfrm>
-                <a:off x="1544744" y="2965835"/>
-                <a:ext cx="1194718" cy="494366"/>
-              </a:xfrm>
-              <a:prstGeom prst="rect">
-                <a:avLst/>
-              </a:prstGeom>
-              <a:noFill/>
-            </p:spPr>
-            <p:txBody>
-              <a:bodyPr wrap="none" rtlCol="0">
-                <a:spAutoFit/>
-              </a:bodyPr>
-              <a:lstStyle/>
-              <a:p>
-                <a:pPr>
-                  <a:lnSpc>
-                    <a:spcPts val="1800"/>
-                  </a:lnSpc>
-                </a:pPr>
-                <a:r>
-                  <a:rPr lang="zh-TW" altLang="en-US">
-                    <a:solidFill>
-                      <a:srgbClr val="00B0F0"/>
-                    </a:solidFill>
-                    <a:latin typeface="+mn-ea"/>
-                  </a:rPr>
-                  <a:t>變強型別、</a:t>
-                </a:r>
-                <a:endParaRPr lang="en-US" altLang="zh-TW" dirty="0">
-                  <a:solidFill>
-                    <a:srgbClr val="00B0F0"/>
-                  </a:solidFill>
-                  <a:latin typeface="+mn-ea"/>
-                </a:endParaRPr>
-              </a:p>
-              <a:p>
-                <a:pPr>
-                  <a:lnSpc>
-                    <a:spcPts val="1800"/>
-                  </a:lnSpc>
-                </a:pPr>
-                <a:r>
-                  <a:rPr lang="zh-TW" altLang="en-US">
-                    <a:solidFill>
-                      <a:srgbClr val="00B0F0"/>
-                    </a:solidFill>
-                    <a:latin typeface="+mn-ea"/>
-                  </a:rPr>
-                  <a:t>靜態型別</a:t>
-                </a:r>
-              </a:p>
-            </p:txBody>
-          </p:sp>
-          <p:sp>
-            <p:nvSpPr>
-              <p:cNvPr id="91" name="文字方塊 90">
-                <a:extLst>
-                  <a:ext uri="{FF2B5EF4-FFF2-40B4-BE49-F238E27FC236}">
-                    <a16:creationId xmlns:a16="http://schemas.microsoft.com/office/drawing/2014/main" id="{8A7D2555-EC39-49E6-BA6D-0566F7B50D52}"/>
-                  </a:ext>
-                </a:extLst>
-              </p:cNvPr>
-              <p:cNvSpPr txBox="1"/>
-              <p:nvPr/>
-            </p:nvSpPr>
-            <p:spPr>
-              <a:xfrm>
-                <a:off x="7724081" y="4714794"/>
-                <a:ext cx="646331" cy="369332"/>
-              </a:xfrm>
-              <a:prstGeom prst="rect">
-                <a:avLst/>
-              </a:prstGeom>
-              <a:noFill/>
-            </p:spPr>
-            <p:txBody>
-              <a:bodyPr wrap="none" rtlCol="0">
-                <a:spAutoFit/>
-              </a:bodyPr>
-              <a:lstStyle/>
-              <a:p>
-                <a:r>
-                  <a:rPr lang="zh-TW" altLang="en-US">
-                    <a:solidFill>
-                      <a:srgbClr val="00B0F0"/>
-                    </a:solidFill>
-                  </a:rPr>
-                  <a:t>增強</a:t>
-                </a:r>
-              </a:p>
-            </p:txBody>
-          </p:sp>
-          <p:grpSp>
-            <p:nvGrpSpPr>
-              <p:cNvPr id="99" name="群組 98">
-                <a:extLst>
-                  <a:ext uri="{FF2B5EF4-FFF2-40B4-BE49-F238E27FC236}">
-                    <a16:creationId xmlns:a16="http://schemas.microsoft.com/office/drawing/2014/main" id="{C7ED0038-B976-4857-BC42-646213FDC98C}"/>
-                  </a:ext>
-                </a:extLst>
-              </p:cNvPr>
-              <p:cNvGrpSpPr/>
-              <p:nvPr/>
-            </p:nvGrpSpPr>
-            <p:grpSpPr>
-              <a:xfrm>
-                <a:off x="2065484" y="4338641"/>
-                <a:ext cx="6455490" cy="697703"/>
-                <a:chOff x="624612" y="4338641"/>
-                <a:chExt cx="6455490" cy="697703"/>
-              </a:xfrm>
-            </p:grpSpPr>
-            <p:cxnSp>
-              <p:nvCxnSpPr>
-                <p:cNvPr id="88" name="直線接點 87">
-                  <a:extLst>
-                    <a:ext uri="{FF2B5EF4-FFF2-40B4-BE49-F238E27FC236}">
-                      <a16:creationId xmlns:a16="http://schemas.microsoft.com/office/drawing/2014/main" id="{F25746AC-1BDC-4825-A36B-96FA953F4976}"/>
-                    </a:ext>
-                  </a:extLst>
-                </p:cNvPr>
-                <p:cNvCxnSpPr>
-                  <a:cxnSpLocks/>
-                </p:cNvCxnSpPr>
-                <p:nvPr/>
-              </p:nvCxnSpPr>
-              <p:spPr>
-                <a:xfrm>
-                  <a:off x="7080102" y="4798237"/>
-                  <a:ext cx="0" cy="238107"/>
-                </a:xfrm>
-                <a:prstGeom prst="line">
-                  <a:avLst/>
-                </a:prstGeom>
-                <a:ln w="38100">
-                  <a:solidFill>
-                    <a:srgbClr val="00B0F0"/>
-                  </a:solidFill>
-                  <a:headEnd type="triangle" w="med" len="med"/>
-                  <a:tailEnd type="none" w="med" len="med"/>
-                </a:ln>
-              </p:spPr>
-              <p:style>
-                <a:lnRef idx="1">
-                  <a:schemeClr val="accent1"/>
-                </a:lnRef>
-                <a:fillRef idx="0">
-                  <a:schemeClr val="accent1"/>
-                </a:fillRef>
-                <a:effectRef idx="0">
-                  <a:schemeClr val="accent1"/>
-                </a:effectRef>
-                <a:fontRef idx="minor">
-                  <a:schemeClr val="tx1"/>
-                </a:fontRef>
-              </p:style>
-            </p:cxnSp>
-            <p:grpSp>
-              <p:nvGrpSpPr>
-                <p:cNvPr id="98" name="群組 97">
-                  <a:extLst>
-                    <a:ext uri="{FF2B5EF4-FFF2-40B4-BE49-F238E27FC236}">
-                      <a16:creationId xmlns:a16="http://schemas.microsoft.com/office/drawing/2014/main" id="{53360773-DF90-414E-B716-AD36DD6B0027}"/>
+                      <a16:creationId xmlns:a16="http://schemas.microsoft.com/office/drawing/2014/main" id="{30906B54-CFE3-4DE3-B2DB-EEFA5E284576}"/>
                     </a:ext>
                   </a:extLst>
                 </p:cNvPr>
@@ -16874,18 +16569,18 @@
               </p:nvGrpSpPr>
               <p:grpSpPr>
                 <a:xfrm>
-                  <a:off x="624612" y="4338641"/>
-                  <a:ext cx="6455490" cy="679538"/>
-                  <a:chOff x="624612" y="4338641"/>
-                  <a:chExt cx="6455490" cy="679538"/>
+                  <a:off x="1487047" y="2013528"/>
+                  <a:ext cx="792025" cy="1554303"/>
+                  <a:chOff x="83119" y="2032000"/>
+                  <a:chExt cx="792025" cy="1554303"/>
                 </a:xfrm>
               </p:grpSpPr>
               <p:cxnSp>
                 <p:nvCxnSpPr>
-                  <p:cNvPr id="89" name="直線接點 88">
+                  <p:cNvPr id="76" name="直線接點 75">
                     <a:extLst>
                       <a:ext uri="{FF2B5EF4-FFF2-40B4-BE49-F238E27FC236}">
-                        <a16:creationId xmlns:a16="http://schemas.microsoft.com/office/drawing/2014/main" id="{21D1CB1E-A784-430F-BCF4-EEF46FE8DE12}"/>
+                        <a16:creationId xmlns:a16="http://schemas.microsoft.com/office/drawing/2014/main" id="{143E1E91-72B2-40B5-A706-0F2C33158A59}"/>
                       </a:ext>
                     </a:extLst>
                   </p:cNvPr>
@@ -16896,8 +16591,8 @@
                 </p:nvCxnSpPr>
                 <p:spPr>
                   <a:xfrm flipH="1">
-                    <a:off x="624612" y="5018179"/>
-                    <a:ext cx="6455490" cy="0"/>
+                    <a:off x="83119" y="3586303"/>
+                    <a:ext cx="755081" cy="0"/>
                   </a:xfrm>
                   <a:prstGeom prst="line">
                     <a:avLst/>
@@ -16906,6 +16601,8 @@
                     <a:solidFill>
                       <a:srgbClr val="00B0F0"/>
                     </a:solidFill>
+                    <a:headEnd type="triangle" w="med" len="med"/>
+                    <a:tailEnd type="none" w="med" len="med"/>
                   </a:ln>
                 </p:spPr>
                 <p:style>
@@ -16925,10 +16622,53 @@
               </p:cxnSp>
               <p:cxnSp>
                 <p:nvCxnSpPr>
-                  <p:cNvPr id="90" name="直線單箭頭接點 89">
+                  <p:cNvPr id="78" name="直線接點 77">
                     <a:extLst>
                       <a:ext uri="{FF2B5EF4-FFF2-40B4-BE49-F238E27FC236}">
-                        <a16:creationId xmlns:a16="http://schemas.microsoft.com/office/drawing/2014/main" id="{EADC73FD-9096-408E-AAA8-56614EEC1C07}"/>
+                        <a16:creationId xmlns:a16="http://schemas.microsoft.com/office/drawing/2014/main" id="{63B35E56-A918-44F5-8B0E-3224BBC638F3}"/>
+                      </a:ext>
+                    </a:extLst>
+                  </p:cNvPr>
+                  <p:cNvCxnSpPr>
+                    <a:cxnSpLocks/>
+                  </p:cNvCxnSpPr>
+                  <p:nvPr/>
+                </p:nvCxnSpPr>
+                <p:spPr>
+                  <a:xfrm flipV="1">
+                    <a:off x="99603" y="2032001"/>
+                    <a:ext cx="0" cy="1554302"/>
+                  </a:xfrm>
+                  <a:prstGeom prst="line">
+                    <a:avLst/>
+                  </a:prstGeom>
+                  <a:ln w="38100">
+                    <a:solidFill>
+                      <a:srgbClr val="00B0F0"/>
+                    </a:solidFill>
+                  </a:ln>
+                </p:spPr>
+                <p:style>
+                  <a:lnRef idx="1">
+                    <a:schemeClr val="accent1"/>
+                  </a:lnRef>
+                  <a:fillRef idx="0">
+                    <a:schemeClr val="accent1"/>
+                  </a:fillRef>
+                  <a:effectRef idx="0">
+                    <a:schemeClr val="accent1"/>
+                  </a:effectRef>
+                  <a:fontRef idx="minor">
+                    <a:schemeClr val="tx1"/>
+                  </a:fontRef>
+                </p:style>
+              </p:cxnSp>
+              <p:cxnSp>
+                <p:nvCxnSpPr>
+                  <p:cNvPr id="82" name="直線單箭頭接點 81">
+                    <a:extLst>
+                      <a:ext uri="{FF2B5EF4-FFF2-40B4-BE49-F238E27FC236}">
+                        <a16:creationId xmlns:a16="http://schemas.microsoft.com/office/drawing/2014/main" id="{71941484-D4BF-4A98-A223-19C8383534E2}"/>
                       </a:ext>
                     </a:extLst>
                   </p:cNvPr>
@@ -16939,8 +16679,8 @@
                 </p:nvCxnSpPr>
                 <p:spPr>
                   <a:xfrm>
-                    <a:off x="624612" y="4347635"/>
-                    <a:ext cx="495171" cy="0"/>
+                    <a:off x="83119" y="2032000"/>
+                    <a:ext cx="792025" cy="0"/>
                   </a:xfrm>
                   <a:prstGeom prst="straightConnector1">
                     <a:avLst/>
@@ -16948,6 +16688,908 @@
                   <a:ln w="38100">
                     <a:solidFill>
                       <a:srgbClr val="00B0F0"/>
+                    </a:solidFill>
+                    <a:headEnd type="none" w="med" len="med"/>
+                    <a:tailEnd type="none" w="med" len="med"/>
+                  </a:ln>
+                </p:spPr>
+                <p:style>
+                  <a:lnRef idx="1">
+                    <a:schemeClr val="accent1"/>
+                  </a:lnRef>
+                  <a:fillRef idx="0">
+                    <a:schemeClr val="accent1"/>
+                  </a:fillRef>
+                  <a:effectRef idx="0">
+                    <a:schemeClr val="accent1"/>
+                  </a:effectRef>
+                  <a:fontRef idx="minor">
+                    <a:schemeClr val="tx1"/>
+                  </a:fontRef>
+                </p:style>
+              </p:cxnSp>
+            </p:grpSp>
+            <p:sp>
+              <p:nvSpPr>
+                <p:cNvPr id="86" name="文字方塊 85">
+                  <a:extLst>
+                    <a:ext uri="{FF2B5EF4-FFF2-40B4-BE49-F238E27FC236}">
+                      <a16:creationId xmlns:a16="http://schemas.microsoft.com/office/drawing/2014/main" id="{7234F9BD-1EF2-47E6-BC83-B506E070CB87}"/>
+                    </a:ext>
+                  </a:extLst>
+                </p:cNvPr>
+                <p:cNvSpPr txBox="1"/>
+                <p:nvPr/>
+              </p:nvSpPr>
+              <p:spPr>
+                <a:xfrm>
+                  <a:off x="1544744" y="2965835"/>
+                  <a:ext cx="1194718" cy="494366"/>
+                </a:xfrm>
+                <a:prstGeom prst="rect">
+                  <a:avLst/>
+                </a:prstGeom>
+                <a:noFill/>
+              </p:spPr>
+              <p:txBody>
+                <a:bodyPr wrap="none" rtlCol="0">
+                  <a:spAutoFit/>
+                </a:bodyPr>
+                <a:lstStyle/>
+                <a:p>
+                  <a:pPr>
+                    <a:lnSpc>
+                      <a:spcPts val="1800"/>
+                    </a:lnSpc>
+                  </a:pPr>
+                  <a:r>
+                    <a:rPr lang="zh-TW" altLang="en-US">
+                      <a:solidFill>
+                        <a:srgbClr val="00B0F0"/>
+                      </a:solidFill>
+                      <a:latin typeface="+mn-ea"/>
+                    </a:rPr>
+                    <a:t>變強型別、</a:t>
+                  </a:r>
+                  <a:endParaRPr lang="en-US" altLang="zh-TW" dirty="0">
+                    <a:solidFill>
+                      <a:srgbClr val="00B0F0"/>
+                    </a:solidFill>
+                    <a:latin typeface="+mn-ea"/>
+                  </a:endParaRPr>
+                </a:p>
+                <a:p>
+                  <a:pPr>
+                    <a:lnSpc>
+                      <a:spcPts val="1800"/>
+                    </a:lnSpc>
+                  </a:pPr>
+                  <a:r>
+                    <a:rPr lang="zh-TW" altLang="en-US">
+                      <a:solidFill>
+                        <a:srgbClr val="00B0F0"/>
+                      </a:solidFill>
+                      <a:latin typeface="+mn-ea"/>
+                    </a:rPr>
+                    <a:t>靜態型別</a:t>
+                  </a:r>
+                </a:p>
+              </p:txBody>
+            </p:sp>
+            <p:sp>
+              <p:nvSpPr>
+                <p:cNvPr id="91" name="文字方塊 90">
+                  <a:extLst>
+                    <a:ext uri="{FF2B5EF4-FFF2-40B4-BE49-F238E27FC236}">
+                      <a16:creationId xmlns:a16="http://schemas.microsoft.com/office/drawing/2014/main" id="{8A7D2555-EC39-49E6-BA6D-0566F7B50D52}"/>
+                    </a:ext>
+                  </a:extLst>
+                </p:cNvPr>
+                <p:cNvSpPr txBox="1"/>
+                <p:nvPr/>
+              </p:nvSpPr>
+              <p:spPr>
+                <a:xfrm>
+                  <a:off x="2051271" y="4021899"/>
+                  <a:ext cx="646331" cy="369332"/>
+                </a:xfrm>
+                <a:prstGeom prst="rect">
+                  <a:avLst/>
+                </a:prstGeom>
+                <a:noFill/>
+              </p:spPr>
+              <p:txBody>
+                <a:bodyPr wrap="none" rtlCol="0">
+                  <a:spAutoFit/>
+                </a:bodyPr>
+                <a:lstStyle/>
+                <a:p>
+                  <a:r>
+                    <a:rPr lang="zh-TW" altLang="en-US">
+                      <a:solidFill>
+                        <a:srgbClr val="00B0F0"/>
+                      </a:solidFill>
+                    </a:rPr>
+                    <a:t>增強</a:t>
+                  </a:r>
+                </a:p>
+              </p:txBody>
+            </p:sp>
+            <p:grpSp>
+              <p:nvGrpSpPr>
+                <p:cNvPr id="99" name="群組 98">
+                  <a:extLst>
+                    <a:ext uri="{FF2B5EF4-FFF2-40B4-BE49-F238E27FC236}">
+                      <a16:creationId xmlns:a16="http://schemas.microsoft.com/office/drawing/2014/main" id="{C7ED0038-B976-4857-BC42-646213FDC98C}"/>
+                    </a:ext>
+                  </a:extLst>
+                </p:cNvPr>
+                <p:cNvGrpSpPr/>
+                <p:nvPr/>
+              </p:nvGrpSpPr>
+              <p:grpSpPr>
+                <a:xfrm>
+                  <a:off x="2065484" y="4338641"/>
+                  <a:ext cx="6455490" cy="697703"/>
+                  <a:chOff x="624612" y="4338641"/>
+                  <a:chExt cx="6455490" cy="697703"/>
+                </a:xfrm>
+              </p:grpSpPr>
+              <p:cxnSp>
+                <p:nvCxnSpPr>
+                  <p:cNvPr id="88" name="直線接點 87">
+                    <a:extLst>
+                      <a:ext uri="{FF2B5EF4-FFF2-40B4-BE49-F238E27FC236}">
+                        <a16:creationId xmlns:a16="http://schemas.microsoft.com/office/drawing/2014/main" id="{F25746AC-1BDC-4825-A36B-96FA953F4976}"/>
+                      </a:ext>
+                    </a:extLst>
+                  </p:cNvPr>
+                  <p:cNvCxnSpPr>
+                    <a:cxnSpLocks/>
+                  </p:cNvCxnSpPr>
+                  <p:nvPr/>
+                </p:nvCxnSpPr>
+                <p:spPr>
+                  <a:xfrm>
+                    <a:off x="7080102" y="4798237"/>
+                    <a:ext cx="0" cy="238107"/>
+                  </a:xfrm>
+                  <a:prstGeom prst="line">
+                    <a:avLst/>
+                  </a:prstGeom>
+                  <a:ln w="38100">
+                    <a:solidFill>
+                      <a:srgbClr val="00B0F0"/>
+                    </a:solidFill>
+                    <a:headEnd type="triangle" w="med" len="med"/>
+                    <a:tailEnd type="none" w="med" len="med"/>
+                  </a:ln>
+                </p:spPr>
+                <p:style>
+                  <a:lnRef idx="1">
+                    <a:schemeClr val="accent1"/>
+                  </a:lnRef>
+                  <a:fillRef idx="0">
+                    <a:schemeClr val="accent1"/>
+                  </a:fillRef>
+                  <a:effectRef idx="0">
+                    <a:schemeClr val="accent1"/>
+                  </a:effectRef>
+                  <a:fontRef idx="minor">
+                    <a:schemeClr val="tx1"/>
+                  </a:fontRef>
+                </p:style>
+              </p:cxnSp>
+              <p:grpSp>
+                <p:nvGrpSpPr>
+                  <p:cNvPr id="98" name="群組 97">
+                    <a:extLst>
+                      <a:ext uri="{FF2B5EF4-FFF2-40B4-BE49-F238E27FC236}">
+                        <a16:creationId xmlns:a16="http://schemas.microsoft.com/office/drawing/2014/main" id="{53360773-DF90-414E-B716-AD36DD6B0027}"/>
+                      </a:ext>
+                    </a:extLst>
+                  </p:cNvPr>
+                  <p:cNvGrpSpPr/>
+                  <p:nvPr/>
+                </p:nvGrpSpPr>
+                <p:grpSpPr>
+                  <a:xfrm>
+                    <a:off x="624612" y="4338641"/>
+                    <a:ext cx="6455490" cy="679538"/>
+                    <a:chOff x="624612" y="4338641"/>
+                    <a:chExt cx="6455490" cy="679538"/>
+                  </a:xfrm>
+                </p:grpSpPr>
+                <p:cxnSp>
+                  <p:nvCxnSpPr>
+                    <p:cNvPr id="89" name="直線接點 88">
+                      <a:extLst>
+                        <a:ext uri="{FF2B5EF4-FFF2-40B4-BE49-F238E27FC236}">
+                          <a16:creationId xmlns:a16="http://schemas.microsoft.com/office/drawing/2014/main" id="{21D1CB1E-A784-430F-BCF4-EEF46FE8DE12}"/>
+                        </a:ext>
+                      </a:extLst>
+                    </p:cNvPr>
+                    <p:cNvCxnSpPr>
+                      <a:cxnSpLocks/>
+                    </p:cNvCxnSpPr>
+                    <p:nvPr/>
+                  </p:nvCxnSpPr>
+                  <p:spPr>
+                    <a:xfrm flipH="1">
+                      <a:off x="624612" y="5018179"/>
+                      <a:ext cx="6455490" cy="0"/>
+                    </a:xfrm>
+                    <a:prstGeom prst="line">
+                      <a:avLst/>
+                    </a:prstGeom>
+                    <a:ln w="38100">
+                      <a:solidFill>
+                        <a:srgbClr val="00B0F0"/>
+                      </a:solidFill>
+                    </a:ln>
+                  </p:spPr>
+                  <p:style>
+                    <a:lnRef idx="1">
+                      <a:schemeClr val="accent1"/>
+                    </a:lnRef>
+                    <a:fillRef idx="0">
+                      <a:schemeClr val="accent1"/>
+                    </a:fillRef>
+                    <a:effectRef idx="0">
+                      <a:schemeClr val="accent1"/>
+                    </a:effectRef>
+                    <a:fontRef idx="minor">
+                      <a:schemeClr val="tx1"/>
+                    </a:fontRef>
+                  </p:style>
+                </p:cxnSp>
+                <p:cxnSp>
+                  <p:nvCxnSpPr>
+                    <p:cNvPr id="90" name="直線單箭頭接點 89">
+                      <a:extLst>
+                        <a:ext uri="{FF2B5EF4-FFF2-40B4-BE49-F238E27FC236}">
+                          <a16:creationId xmlns:a16="http://schemas.microsoft.com/office/drawing/2014/main" id="{EADC73FD-9096-408E-AAA8-56614EEC1C07}"/>
+                        </a:ext>
+                      </a:extLst>
+                    </p:cNvPr>
+                    <p:cNvCxnSpPr>
+                      <a:cxnSpLocks/>
+                    </p:cNvCxnSpPr>
+                    <p:nvPr/>
+                  </p:nvCxnSpPr>
+                  <p:spPr>
+                    <a:xfrm>
+                      <a:off x="624612" y="4347635"/>
+                      <a:ext cx="495171" cy="0"/>
+                    </a:xfrm>
+                    <a:prstGeom prst="straightConnector1">
+                      <a:avLst/>
+                    </a:prstGeom>
+                    <a:ln w="38100">
+                      <a:solidFill>
+                        <a:srgbClr val="00B0F0"/>
+                      </a:solidFill>
+                      <a:headEnd type="none" w="med" len="med"/>
+                      <a:tailEnd type="none" w="med" len="med"/>
+                    </a:ln>
+                  </p:spPr>
+                  <p:style>
+                    <a:lnRef idx="1">
+                      <a:schemeClr val="accent1"/>
+                    </a:lnRef>
+                    <a:fillRef idx="0">
+                      <a:schemeClr val="accent1"/>
+                    </a:fillRef>
+                    <a:effectRef idx="0">
+                      <a:schemeClr val="accent1"/>
+                    </a:effectRef>
+                    <a:fontRef idx="minor">
+                      <a:schemeClr val="tx1"/>
+                    </a:fontRef>
+                  </p:style>
+                </p:cxnSp>
+                <p:cxnSp>
+                  <p:nvCxnSpPr>
+                    <p:cNvPr id="93" name="直線接點 92">
+                      <a:extLst>
+                        <a:ext uri="{FF2B5EF4-FFF2-40B4-BE49-F238E27FC236}">
+                          <a16:creationId xmlns:a16="http://schemas.microsoft.com/office/drawing/2014/main" id="{EA295441-6991-4A4B-B0ED-0AC864DA3725}"/>
+                        </a:ext>
+                      </a:extLst>
+                    </p:cNvPr>
+                    <p:cNvCxnSpPr>
+                      <a:cxnSpLocks/>
+                    </p:cNvCxnSpPr>
+                    <p:nvPr/>
+                  </p:nvCxnSpPr>
+                  <p:spPr>
+                    <a:xfrm>
+                      <a:off x="640831" y="4338641"/>
+                      <a:ext cx="0" cy="679538"/>
+                    </a:xfrm>
+                    <a:prstGeom prst="line">
+                      <a:avLst/>
+                    </a:prstGeom>
+                    <a:ln w="38100">
+                      <a:solidFill>
+                        <a:srgbClr val="00B0F0"/>
+                      </a:solidFill>
+                    </a:ln>
+                  </p:spPr>
+                  <p:style>
+                    <a:lnRef idx="1">
+                      <a:schemeClr val="accent1"/>
+                    </a:lnRef>
+                    <a:fillRef idx="0">
+                      <a:schemeClr val="accent1"/>
+                    </a:fillRef>
+                    <a:effectRef idx="0">
+                      <a:schemeClr val="accent1"/>
+                    </a:effectRef>
+                    <a:fontRef idx="minor">
+                      <a:schemeClr val="tx1"/>
+                    </a:fontRef>
+                  </p:style>
+                </p:cxnSp>
+              </p:grpSp>
+            </p:grpSp>
+            <p:grpSp>
+              <p:nvGrpSpPr>
+                <p:cNvPr id="101" name="群組 100">
+                  <a:extLst>
+                    <a:ext uri="{FF2B5EF4-FFF2-40B4-BE49-F238E27FC236}">
+                      <a16:creationId xmlns:a16="http://schemas.microsoft.com/office/drawing/2014/main" id="{0597A695-7BD3-4801-8ADD-4CC4AFC345E0}"/>
+                    </a:ext>
+                  </a:extLst>
+                </p:cNvPr>
+                <p:cNvGrpSpPr/>
+                <p:nvPr/>
+              </p:nvGrpSpPr>
+              <p:grpSpPr>
+                <a:xfrm flipV="1">
+                  <a:off x="7874643" y="2090493"/>
+                  <a:ext cx="646331" cy="472869"/>
+                  <a:chOff x="314036" y="2032000"/>
+                  <a:chExt cx="646331" cy="1554303"/>
+                </a:xfrm>
+              </p:grpSpPr>
+              <p:cxnSp>
+                <p:nvCxnSpPr>
+                  <p:cNvPr id="102" name="直線接點 101">
+                    <a:extLst>
+                      <a:ext uri="{FF2B5EF4-FFF2-40B4-BE49-F238E27FC236}">
+                        <a16:creationId xmlns:a16="http://schemas.microsoft.com/office/drawing/2014/main" id="{1CA0B239-EF16-4C44-A8B3-3980B038D197}"/>
+                      </a:ext>
+                    </a:extLst>
+                  </p:cNvPr>
+                  <p:cNvCxnSpPr>
+                    <a:cxnSpLocks/>
+                  </p:cNvCxnSpPr>
+                  <p:nvPr/>
+                </p:nvCxnSpPr>
+                <p:spPr>
+                  <a:xfrm flipH="1" flipV="1">
+                    <a:off x="314036" y="3586303"/>
+                    <a:ext cx="425415" cy="0"/>
+                  </a:xfrm>
+                  <a:prstGeom prst="line">
+                    <a:avLst/>
+                  </a:prstGeom>
+                  <a:ln w="38100">
+                    <a:solidFill>
+                      <a:srgbClr val="00B0F0"/>
+                    </a:solidFill>
+                    <a:headEnd type="triangle" w="med" len="med"/>
+                    <a:tailEnd type="none" w="med" len="med"/>
+                  </a:ln>
+                </p:spPr>
+                <p:style>
+                  <a:lnRef idx="1">
+                    <a:schemeClr val="accent1"/>
+                  </a:lnRef>
+                  <a:fillRef idx="0">
+                    <a:schemeClr val="accent1"/>
+                  </a:fillRef>
+                  <a:effectRef idx="0">
+                    <a:schemeClr val="accent1"/>
+                  </a:effectRef>
+                  <a:fontRef idx="minor">
+                    <a:schemeClr val="tx1"/>
+                  </a:fontRef>
+                </p:style>
+              </p:cxnSp>
+              <p:cxnSp>
+                <p:nvCxnSpPr>
+                  <p:cNvPr id="103" name="直線接點 102">
+                    <a:extLst>
+                      <a:ext uri="{FF2B5EF4-FFF2-40B4-BE49-F238E27FC236}">
+                        <a16:creationId xmlns:a16="http://schemas.microsoft.com/office/drawing/2014/main" id="{416BA036-C189-4C7B-8F62-4FD2F6736958}"/>
+                      </a:ext>
+                    </a:extLst>
+                  </p:cNvPr>
+                  <p:cNvCxnSpPr/>
+                  <p:nvPr/>
+                </p:nvCxnSpPr>
+                <p:spPr>
+                  <a:xfrm flipV="1">
+                    <a:off x="330384" y="2032000"/>
+                    <a:ext cx="0" cy="1554303"/>
+                  </a:xfrm>
+                  <a:prstGeom prst="line">
+                    <a:avLst/>
+                  </a:prstGeom>
+                  <a:ln w="38100">
+                    <a:solidFill>
+                      <a:srgbClr val="00B0F0"/>
+                    </a:solidFill>
+                  </a:ln>
+                </p:spPr>
+                <p:style>
+                  <a:lnRef idx="1">
+                    <a:schemeClr val="accent1"/>
+                  </a:lnRef>
+                  <a:fillRef idx="0">
+                    <a:schemeClr val="accent1"/>
+                  </a:fillRef>
+                  <a:effectRef idx="0">
+                    <a:schemeClr val="accent1"/>
+                  </a:effectRef>
+                  <a:fontRef idx="minor">
+                    <a:schemeClr val="tx1"/>
+                  </a:fontRef>
+                </p:style>
+              </p:cxnSp>
+              <p:cxnSp>
+                <p:nvCxnSpPr>
+                  <p:cNvPr id="104" name="直線單箭頭接點 103">
+                    <a:extLst>
+                      <a:ext uri="{FF2B5EF4-FFF2-40B4-BE49-F238E27FC236}">
+                        <a16:creationId xmlns:a16="http://schemas.microsoft.com/office/drawing/2014/main" id="{DE2DAF0A-57CB-4932-BAA3-20C06FDDDA02}"/>
+                      </a:ext>
+                    </a:extLst>
+                  </p:cNvPr>
+                  <p:cNvCxnSpPr>
+                    <a:cxnSpLocks/>
+                  </p:cNvCxnSpPr>
+                  <p:nvPr/>
+                </p:nvCxnSpPr>
+                <p:spPr>
+                  <a:xfrm flipV="1">
+                    <a:off x="314036" y="2032000"/>
+                    <a:ext cx="646331" cy="0"/>
+                  </a:xfrm>
+                  <a:prstGeom prst="straightConnector1">
+                    <a:avLst/>
+                  </a:prstGeom>
+                  <a:ln w="38100">
+                    <a:solidFill>
+                      <a:srgbClr val="00B0F0"/>
+                    </a:solidFill>
+                    <a:headEnd type="none" w="med" len="med"/>
+                    <a:tailEnd type="none" w="med" len="med"/>
+                  </a:ln>
+                </p:spPr>
+                <p:style>
+                  <a:lnRef idx="1">
+                    <a:schemeClr val="accent1"/>
+                  </a:lnRef>
+                  <a:fillRef idx="0">
+                    <a:schemeClr val="accent1"/>
+                  </a:fillRef>
+                  <a:effectRef idx="0">
+                    <a:schemeClr val="accent1"/>
+                  </a:effectRef>
+                  <a:fontRef idx="minor">
+                    <a:schemeClr val="tx1"/>
+                  </a:fontRef>
+                </p:style>
+              </p:cxnSp>
+            </p:grpSp>
+            <p:sp>
+              <p:nvSpPr>
+                <p:cNvPr id="112" name="文字方塊 111">
+                  <a:extLst>
+                    <a:ext uri="{FF2B5EF4-FFF2-40B4-BE49-F238E27FC236}">
+                      <a16:creationId xmlns:a16="http://schemas.microsoft.com/office/drawing/2014/main" id="{AD8CB158-3AA8-4074-AD11-5532B062C523}"/>
+                    </a:ext>
+                  </a:extLst>
+                </p:cNvPr>
+                <p:cNvSpPr txBox="1"/>
+                <p:nvPr/>
+              </p:nvSpPr>
+              <p:spPr>
+                <a:xfrm>
+                  <a:off x="7912112" y="2149435"/>
+                  <a:ext cx="646331" cy="369332"/>
+                </a:xfrm>
+                <a:prstGeom prst="rect">
+                  <a:avLst/>
+                </a:prstGeom>
+                <a:noFill/>
+              </p:spPr>
+              <p:txBody>
+                <a:bodyPr wrap="none" rtlCol="0">
+                  <a:spAutoFit/>
+                </a:bodyPr>
+                <a:lstStyle/>
+                <a:p>
+                  <a:r>
+                    <a:rPr lang="zh-TW" altLang="en-US">
+                      <a:solidFill>
+                        <a:srgbClr val="00B0F0"/>
+                      </a:solidFill>
+                    </a:rPr>
+                    <a:t>增強</a:t>
+                  </a:r>
+                </a:p>
+              </p:txBody>
+            </p:sp>
+            <p:grpSp>
+              <p:nvGrpSpPr>
+                <p:cNvPr id="159" name="群組 158">
+                  <a:extLst>
+                    <a:ext uri="{FF2B5EF4-FFF2-40B4-BE49-F238E27FC236}">
+                      <a16:creationId xmlns:a16="http://schemas.microsoft.com/office/drawing/2014/main" id="{BD52DF4C-8FF9-435F-A2D3-15A47DDA4FC1}"/>
+                    </a:ext>
+                  </a:extLst>
+                </p:cNvPr>
+                <p:cNvGrpSpPr/>
+                <p:nvPr/>
+              </p:nvGrpSpPr>
+              <p:grpSpPr>
+                <a:xfrm>
+                  <a:off x="1269486" y="1666873"/>
+                  <a:ext cx="7393718" cy="3060339"/>
+                  <a:chOff x="-171386" y="1666873"/>
+                  <a:chExt cx="7393718" cy="3060339"/>
+                </a:xfrm>
+              </p:grpSpPr>
+              <p:cxnSp>
+                <p:nvCxnSpPr>
+                  <p:cNvPr id="116" name="直線接點 115">
+                    <a:extLst>
+                      <a:ext uri="{FF2B5EF4-FFF2-40B4-BE49-F238E27FC236}">
+                        <a16:creationId xmlns:a16="http://schemas.microsoft.com/office/drawing/2014/main" id="{974DE3AB-64F0-4124-9FE6-2DA54148B13B}"/>
+                      </a:ext>
+                    </a:extLst>
+                  </p:cNvPr>
+                  <p:cNvCxnSpPr>
+                    <a:cxnSpLocks/>
+                  </p:cNvCxnSpPr>
+                  <p:nvPr/>
+                </p:nvCxnSpPr>
+                <p:spPr>
+                  <a:xfrm flipV="1">
+                    <a:off x="7208058" y="1678308"/>
+                    <a:ext cx="0" cy="284228"/>
+                  </a:xfrm>
+                  <a:prstGeom prst="line">
+                    <a:avLst/>
+                  </a:prstGeom>
+                  <a:ln w="38100">
+                    <a:solidFill>
+                      <a:srgbClr val="33CCCC"/>
+                    </a:solidFill>
+                  </a:ln>
+                </p:spPr>
+                <p:style>
+                  <a:lnRef idx="1">
+                    <a:schemeClr val="accent1"/>
+                  </a:lnRef>
+                  <a:fillRef idx="0">
+                    <a:schemeClr val="accent1"/>
+                  </a:fillRef>
+                  <a:effectRef idx="0">
+                    <a:schemeClr val="accent1"/>
+                  </a:effectRef>
+                  <a:fontRef idx="minor">
+                    <a:schemeClr val="tx1"/>
+                  </a:fontRef>
+                </p:style>
+              </p:cxnSp>
+              <p:cxnSp>
+                <p:nvCxnSpPr>
+                  <p:cNvPr id="122" name="直線接點 121">
+                    <a:extLst>
+                      <a:ext uri="{FF2B5EF4-FFF2-40B4-BE49-F238E27FC236}">
+                        <a16:creationId xmlns:a16="http://schemas.microsoft.com/office/drawing/2014/main" id="{24E0DD6F-6ECC-4C3B-9136-01630C00FB00}"/>
+                      </a:ext>
+                    </a:extLst>
+                  </p:cNvPr>
+                  <p:cNvCxnSpPr>
+                    <a:cxnSpLocks/>
+                  </p:cNvCxnSpPr>
+                  <p:nvPr/>
+                </p:nvCxnSpPr>
+                <p:spPr>
+                  <a:xfrm flipH="1">
+                    <a:off x="-171386" y="1676976"/>
+                    <a:ext cx="7393718" cy="0"/>
+                  </a:xfrm>
+                  <a:prstGeom prst="line">
+                    <a:avLst/>
+                  </a:prstGeom>
+                  <a:ln w="38100">
+                    <a:solidFill>
+                      <a:srgbClr val="33CCCC"/>
+                    </a:solidFill>
+                  </a:ln>
+                </p:spPr>
+                <p:style>
+                  <a:lnRef idx="1">
+                    <a:schemeClr val="accent1"/>
+                  </a:lnRef>
+                  <a:fillRef idx="0">
+                    <a:schemeClr val="accent1"/>
+                  </a:fillRef>
+                  <a:effectRef idx="0">
+                    <a:schemeClr val="accent1"/>
+                  </a:effectRef>
+                  <a:fontRef idx="minor">
+                    <a:schemeClr val="tx1"/>
+                  </a:fontRef>
+                </p:style>
+              </p:cxnSp>
+              <p:cxnSp>
+                <p:nvCxnSpPr>
+                  <p:cNvPr id="126" name="直線接點 125">
+                    <a:extLst>
+                      <a:ext uri="{FF2B5EF4-FFF2-40B4-BE49-F238E27FC236}">
+                        <a16:creationId xmlns:a16="http://schemas.microsoft.com/office/drawing/2014/main" id="{59EE1A35-75E1-4FDE-8F8E-2D255F9FCFA2}"/>
+                      </a:ext>
+                    </a:extLst>
+                  </p:cNvPr>
+                  <p:cNvCxnSpPr>
+                    <a:cxnSpLocks/>
+                  </p:cNvCxnSpPr>
+                  <p:nvPr/>
+                </p:nvCxnSpPr>
+                <p:spPr>
+                  <a:xfrm>
+                    <a:off x="-146660" y="1666873"/>
+                    <a:ext cx="0" cy="3060339"/>
+                  </a:xfrm>
+                  <a:prstGeom prst="line">
+                    <a:avLst/>
+                  </a:prstGeom>
+                  <a:ln w="38100">
+                    <a:solidFill>
+                      <a:srgbClr val="33CCCC"/>
+                    </a:solidFill>
+                  </a:ln>
+                </p:spPr>
+                <p:style>
+                  <a:lnRef idx="1">
+                    <a:schemeClr val="accent1"/>
+                  </a:lnRef>
+                  <a:fillRef idx="0">
+                    <a:schemeClr val="accent1"/>
+                  </a:fillRef>
+                  <a:effectRef idx="0">
+                    <a:schemeClr val="accent1"/>
+                  </a:effectRef>
+                  <a:fontRef idx="minor">
+                    <a:schemeClr val="tx1"/>
+                  </a:fontRef>
+                </p:style>
+              </p:cxnSp>
+              <p:cxnSp>
+                <p:nvCxnSpPr>
+                  <p:cNvPr id="128" name="直線單箭頭接點 127">
+                    <a:extLst>
+                      <a:ext uri="{FF2B5EF4-FFF2-40B4-BE49-F238E27FC236}">
+                        <a16:creationId xmlns:a16="http://schemas.microsoft.com/office/drawing/2014/main" id="{3392441F-E41C-4CB3-88F3-5E773679D290}"/>
+                      </a:ext>
+                    </a:extLst>
+                  </p:cNvPr>
+                  <p:cNvCxnSpPr>
+                    <a:cxnSpLocks/>
+                  </p:cNvCxnSpPr>
+                  <p:nvPr/>
+                </p:nvCxnSpPr>
+                <p:spPr>
+                  <a:xfrm>
+                    <a:off x="-154901" y="4712926"/>
+                    <a:ext cx="1445416" cy="0"/>
+                  </a:xfrm>
+                  <a:prstGeom prst="straightConnector1">
+                    <a:avLst/>
+                  </a:prstGeom>
+                  <a:ln w="38100">
+                    <a:solidFill>
+                      <a:srgbClr val="33CCCC"/>
+                    </a:solidFill>
+                    <a:tailEnd type="triangle"/>
+                  </a:ln>
+                </p:spPr>
+                <p:style>
+                  <a:lnRef idx="1">
+                    <a:schemeClr val="accent1"/>
+                  </a:lnRef>
+                  <a:fillRef idx="0">
+                    <a:schemeClr val="accent1"/>
+                  </a:fillRef>
+                  <a:effectRef idx="0">
+                    <a:schemeClr val="accent1"/>
+                  </a:effectRef>
+                  <a:fontRef idx="minor">
+                    <a:schemeClr val="tx1"/>
+                  </a:fontRef>
+                </p:style>
+              </p:cxnSp>
+            </p:grpSp>
+            <p:sp>
+              <p:nvSpPr>
+                <p:cNvPr id="132" name="文字方塊 131">
+                  <a:extLst>
+                    <a:ext uri="{FF2B5EF4-FFF2-40B4-BE49-F238E27FC236}">
+                      <a16:creationId xmlns:a16="http://schemas.microsoft.com/office/drawing/2014/main" id="{03470426-3DCD-4379-B95F-375509F9BF26}"/>
+                    </a:ext>
+                  </a:extLst>
+                </p:cNvPr>
+                <p:cNvSpPr txBox="1"/>
+                <p:nvPr/>
+              </p:nvSpPr>
+              <p:spPr>
+                <a:xfrm>
+                  <a:off x="5425984" y="1351054"/>
+                  <a:ext cx="3274603" cy="329577"/>
+                </a:xfrm>
+                <a:prstGeom prst="rect">
+                  <a:avLst/>
+                </a:prstGeom>
+                <a:noFill/>
+              </p:spPr>
+              <p:txBody>
+                <a:bodyPr wrap="none" rtlCol="0">
+                  <a:spAutoFit/>
+                </a:bodyPr>
+                <a:lstStyle/>
+                <a:p>
+                  <a:r>
+                    <a:rPr lang="zh-TW" altLang="en-US">
+                      <a:solidFill>
+                        <a:srgbClr val="33CCCC"/>
+                      </a:solidFill>
+                    </a:rPr>
+                    <a:t>模仿語法，實質上沒有很大的關係</a:t>
+                  </a:r>
+                </a:p>
+              </p:txBody>
+            </p:sp>
+            <p:grpSp>
+              <p:nvGrpSpPr>
+                <p:cNvPr id="146" name="群組 145">
+                  <a:extLst>
+                    <a:ext uri="{FF2B5EF4-FFF2-40B4-BE49-F238E27FC236}">
+                      <a16:creationId xmlns:a16="http://schemas.microsoft.com/office/drawing/2014/main" id="{8971E269-FAAB-4AD0-84A1-16027DF16C1F}"/>
+                    </a:ext>
+                  </a:extLst>
+                </p:cNvPr>
+                <p:cNvGrpSpPr/>
+                <p:nvPr/>
+              </p:nvGrpSpPr>
+              <p:grpSpPr>
+                <a:xfrm>
+                  <a:off x="7663078" y="1864967"/>
+                  <a:ext cx="865346" cy="2392058"/>
+                  <a:chOff x="377711" y="2042704"/>
+                  <a:chExt cx="865346" cy="1573359"/>
+                </a:xfrm>
+              </p:grpSpPr>
+              <p:cxnSp>
+                <p:nvCxnSpPr>
+                  <p:cNvPr id="147" name="直線接點 146">
+                    <a:extLst>
+                      <a:ext uri="{FF2B5EF4-FFF2-40B4-BE49-F238E27FC236}">
+                        <a16:creationId xmlns:a16="http://schemas.microsoft.com/office/drawing/2014/main" id="{AEBCC57D-56A7-414E-9F9D-CE4A8E2E8274}"/>
+                      </a:ext>
+                    </a:extLst>
+                  </p:cNvPr>
+                  <p:cNvCxnSpPr>
+                    <a:cxnSpLocks/>
+                  </p:cNvCxnSpPr>
+                  <p:nvPr/>
+                </p:nvCxnSpPr>
+                <p:spPr>
+                  <a:xfrm flipH="1">
+                    <a:off x="377711" y="3616063"/>
+                    <a:ext cx="719136" cy="0"/>
+                  </a:xfrm>
+                  <a:prstGeom prst="line">
+                    <a:avLst/>
+                  </a:prstGeom>
+                  <a:ln w="38100">
+                    <a:solidFill>
+                      <a:srgbClr val="00FFCC"/>
+                    </a:solidFill>
+                    <a:headEnd type="triangle" w="med" len="med"/>
+                    <a:tailEnd type="none" w="med" len="med"/>
+                  </a:ln>
+                </p:spPr>
+                <p:style>
+                  <a:lnRef idx="1">
+                    <a:schemeClr val="accent1"/>
+                  </a:lnRef>
+                  <a:fillRef idx="0">
+                    <a:schemeClr val="accent1"/>
+                  </a:fillRef>
+                  <a:effectRef idx="0">
+                    <a:schemeClr val="accent1"/>
+                  </a:effectRef>
+                  <a:fontRef idx="minor">
+                    <a:schemeClr val="tx1"/>
+                  </a:fontRef>
+                </p:style>
+              </p:cxnSp>
+              <p:cxnSp>
+                <p:nvCxnSpPr>
+                  <p:cNvPr id="148" name="直線接點 147">
+                    <a:extLst>
+                      <a:ext uri="{FF2B5EF4-FFF2-40B4-BE49-F238E27FC236}">
+                        <a16:creationId xmlns:a16="http://schemas.microsoft.com/office/drawing/2014/main" id="{79893406-295B-4144-B1AE-6CB15A54D34A}"/>
+                      </a:ext>
+                    </a:extLst>
+                  </p:cNvPr>
+                  <p:cNvCxnSpPr>
+                    <a:cxnSpLocks/>
+                  </p:cNvCxnSpPr>
+                  <p:nvPr/>
+                </p:nvCxnSpPr>
+                <p:spPr>
+                  <a:xfrm flipV="1">
+                    <a:off x="394679" y="2049230"/>
+                    <a:ext cx="0" cy="1566833"/>
+                  </a:xfrm>
+                  <a:prstGeom prst="line">
+                    <a:avLst/>
+                  </a:prstGeom>
+                  <a:ln w="38100">
+                    <a:solidFill>
+                      <a:srgbClr val="00FFCC"/>
+                    </a:solidFill>
+                  </a:ln>
+                </p:spPr>
+                <p:style>
+                  <a:lnRef idx="1">
+                    <a:schemeClr val="accent1"/>
+                  </a:lnRef>
+                  <a:fillRef idx="0">
+                    <a:schemeClr val="accent1"/>
+                  </a:fillRef>
+                  <a:effectRef idx="0">
+                    <a:schemeClr val="accent1"/>
+                  </a:effectRef>
+                  <a:fontRef idx="minor">
+                    <a:schemeClr val="tx1"/>
+                  </a:fontRef>
+                </p:style>
+              </p:cxnSp>
+              <p:cxnSp>
+                <p:nvCxnSpPr>
+                  <p:cNvPr id="149" name="直線單箭頭接點 148">
+                    <a:extLst>
+                      <a:ext uri="{FF2B5EF4-FFF2-40B4-BE49-F238E27FC236}">
+                        <a16:creationId xmlns:a16="http://schemas.microsoft.com/office/drawing/2014/main" id="{6A1456C4-FE5A-41E4-B17C-5D6448781938}"/>
+                      </a:ext>
+                    </a:extLst>
+                  </p:cNvPr>
+                  <p:cNvCxnSpPr>
+                    <a:cxnSpLocks/>
+                  </p:cNvCxnSpPr>
+                  <p:nvPr/>
+                </p:nvCxnSpPr>
+                <p:spPr>
+                  <a:xfrm>
+                    <a:off x="377711" y="2053924"/>
+                    <a:ext cx="865346" cy="0"/>
+                  </a:xfrm>
+                  <a:prstGeom prst="straightConnector1">
+                    <a:avLst/>
+                  </a:prstGeom>
+                  <a:ln w="38100">
+                    <a:solidFill>
+                      <a:srgbClr val="00FFCC"/>
                     </a:solidFill>
                     <a:headEnd type="none" w="med" len="med"/>
                     <a:tailEnd type="none" w="med" len="med"/>
@@ -16970,10 +17612,10 @@
               </p:cxnSp>
               <p:cxnSp>
                 <p:nvCxnSpPr>
-                  <p:cNvPr id="93" name="直線接點 92">
+                  <p:cNvPr id="154" name="直線單箭頭接點 153">
                     <a:extLst>
                       <a:ext uri="{FF2B5EF4-FFF2-40B4-BE49-F238E27FC236}">
-                        <a16:creationId xmlns:a16="http://schemas.microsoft.com/office/drawing/2014/main" id="{EA295441-6991-4A4B-B0ED-0AC864DA3725}"/>
+                        <a16:creationId xmlns:a16="http://schemas.microsoft.com/office/drawing/2014/main" id="{2A95AE8F-392A-4EDA-9572-6F527CC1D0E6}"/>
                       </a:ext>
                     </a:extLst>
                   </p:cNvPr>
@@ -16983,17 +17625,19 @@
                   <p:nvPr/>
                 </p:nvCxnSpPr>
                 <p:spPr>
-                  <a:xfrm>
-                    <a:off x="640831" y="4338641"/>
-                    <a:ext cx="0" cy="679538"/>
+                  <a:xfrm flipV="1">
+                    <a:off x="1228217" y="2042704"/>
+                    <a:ext cx="0" cy="64175"/>
                   </a:xfrm>
-                  <a:prstGeom prst="line">
+                  <a:prstGeom prst="straightConnector1">
                     <a:avLst/>
                   </a:prstGeom>
                   <a:ln w="38100">
                     <a:solidFill>
-                      <a:srgbClr val="00B0F0"/>
-                    </a:solidFill>
+                      <a:srgbClr val="00FFCC"/>
+                    </a:solidFill>
+                    <a:headEnd type="none" w="med" len="med"/>
+                    <a:tailEnd type="none" w="med" len="med"/>
                   </a:ln>
                 </p:spPr>
                 <p:style>
@@ -17012,165 +17656,93 @@
                 </p:style>
               </p:cxnSp>
             </p:grpSp>
-          </p:grpSp>
-          <p:grpSp>
-            <p:nvGrpSpPr>
-              <p:cNvPr id="101" name="群組 100">
-                <a:extLst>
-                  <a:ext uri="{FF2B5EF4-FFF2-40B4-BE49-F238E27FC236}">
-                    <a16:creationId xmlns:a16="http://schemas.microsoft.com/office/drawing/2014/main" id="{0597A695-7BD3-4801-8ADD-4CC4AFC345E0}"/>
-                  </a:ext>
-                </a:extLst>
-              </p:cNvPr>
-              <p:cNvGrpSpPr/>
-              <p:nvPr/>
-            </p:nvGrpSpPr>
-            <p:grpSpPr>
-              <a:xfrm flipV="1">
-                <a:off x="7874643" y="2090493"/>
-                <a:ext cx="646331" cy="472869"/>
-                <a:chOff x="314036" y="2032000"/>
-                <a:chExt cx="646331" cy="1554303"/>
-              </a:xfrm>
-            </p:grpSpPr>
-            <p:cxnSp>
-              <p:nvCxnSpPr>
-                <p:cNvPr id="102" name="直線接點 101">
+            <p:sp>
+              <p:nvSpPr>
+                <p:cNvPr id="160" name="文字方塊 159">
                   <a:extLst>
                     <a:ext uri="{FF2B5EF4-FFF2-40B4-BE49-F238E27FC236}">
-                      <a16:creationId xmlns:a16="http://schemas.microsoft.com/office/drawing/2014/main" id="{1CA0B239-EF16-4C44-A8B3-3980B038D197}"/>
+                      <a16:creationId xmlns:a16="http://schemas.microsoft.com/office/drawing/2014/main" id="{2A44CA6B-C1BE-49FF-B111-B6A6374B1049}"/>
                     </a:ext>
                   </a:extLst>
                 </p:cNvPr>
-                <p:cNvCxnSpPr>
-                  <a:cxnSpLocks/>
-                </p:cNvCxnSpPr>
+                <p:cNvSpPr txBox="1"/>
                 <p:nvPr/>
-              </p:nvCxnSpPr>
+              </p:nvSpPr>
               <p:spPr>
-                <a:xfrm flipH="1" flipV="1">
-                  <a:off x="314036" y="3586303"/>
-                  <a:ext cx="425415" cy="0"/>
+                <a:xfrm>
+                  <a:off x="7688995" y="3433083"/>
+                  <a:ext cx="370774" cy="823944"/>
                 </a:xfrm>
-                <a:prstGeom prst="line">
+                <a:prstGeom prst="rect">
                   <a:avLst/>
                 </a:prstGeom>
-                <a:ln w="38100">
-                  <a:solidFill>
-                    <a:srgbClr val="00B0F0"/>
-                  </a:solidFill>
-                  <a:headEnd type="triangle" w="med" len="med"/>
-                  <a:tailEnd type="none" w="med" len="med"/>
-                </a:ln>
+                <a:noFill/>
               </p:spPr>
-              <p:style>
-                <a:lnRef idx="1">
-                  <a:schemeClr val="accent1"/>
-                </a:lnRef>
-                <a:fillRef idx="0">
-                  <a:schemeClr val="accent1"/>
-                </a:fillRef>
-                <a:effectRef idx="0">
-                  <a:schemeClr val="accent1"/>
-                </a:effectRef>
-                <a:fontRef idx="minor">
-                  <a:schemeClr val="tx1"/>
-                </a:fontRef>
-              </p:style>
-            </p:cxnSp>
-            <p:cxnSp>
-              <p:nvCxnSpPr>
-                <p:cNvPr id="103" name="直線接點 102">
-                  <a:extLst>
-                    <a:ext uri="{FF2B5EF4-FFF2-40B4-BE49-F238E27FC236}">
-                      <a16:creationId xmlns:a16="http://schemas.microsoft.com/office/drawing/2014/main" id="{416BA036-C189-4C7B-8F62-4FD2F6736958}"/>
-                    </a:ext>
-                  </a:extLst>
-                </p:cNvPr>
-                <p:cNvCxnSpPr/>
-                <p:nvPr/>
-              </p:nvCxnSpPr>
-              <p:spPr>
-                <a:xfrm flipV="1">
-                  <a:off x="330384" y="2032000"/>
-                  <a:ext cx="0" cy="1554303"/>
-                </a:xfrm>
-                <a:prstGeom prst="line">
-                  <a:avLst/>
-                </a:prstGeom>
-                <a:ln w="38100">
-                  <a:solidFill>
-                    <a:srgbClr val="00B0F0"/>
-                  </a:solidFill>
-                </a:ln>
-              </p:spPr>
-              <p:style>
-                <a:lnRef idx="1">
-                  <a:schemeClr val="accent1"/>
-                </a:lnRef>
-                <a:fillRef idx="0">
-                  <a:schemeClr val="accent1"/>
-                </a:fillRef>
-                <a:effectRef idx="0">
-                  <a:schemeClr val="accent1"/>
-                </a:effectRef>
-                <a:fontRef idx="minor">
-                  <a:schemeClr val="tx1"/>
-                </a:fontRef>
-              </p:style>
-            </p:cxnSp>
-            <p:cxnSp>
-              <p:nvCxnSpPr>
-                <p:cNvPr id="104" name="直線單箭頭接點 103">
-                  <a:extLst>
-                    <a:ext uri="{FF2B5EF4-FFF2-40B4-BE49-F238E27FC236}">
-                      <a16:creationId xmlns:a16="http://schemas.microsoft.com/office/drawing/2014/main" id="{DE2DAF0A-57CB-4932-BAA3-20C06FDDDA02}"/>
-                    </a:ext>
-                  </a:extLst>
-                </p:cNvPr>
-                <p:cNvCxnSpPr>
-                  <a:cxnSpLocks/>
-                </p:cNvCxnSpPr>
-                <p:nvPr/>
-              </p:nvCxnSpPr>
-              <p:spPr>
-                <a:xfrm flipV="1">
-                  <a:off x="314036" y="2032000"/>
-                  <a:ext cx="646331" cy="0"/>
-                </a:xfrm>
-                <a:prstGeom prst="straightConnector1">
-                  <a:avLst/>
-                </a:prstGeom>
-                <a:ln w="38100">
-                  <a:solidFill>
-                    <a:srgbClr val="00B0F0"/>
-                  </a:solidFill>
-                  <a:headEnd type="none" w="med" len="med"/>
-                  <a:tailEnd type="none" w="med" len="med"/>
-                </a:ln>
-              </p:spPr>
-              <p:style>
-                <a:lnRef idx="1">
-                  <a:schemeClr val="accent1"/>
-                </a:lnRef>
-                <a:fillRef idx="0">
-                  <a:schemeClr val="accent1"/>
-                </a:fillRef>
-                <a:effectRef idx="0">
-                  <a:schemeClr val="accent1"/>
-                </a:effectRef>
-                <a:fontRef idx="minor">
-                  <a:schemeClr val="tx1"/>
-                </a:fontRef>
-              </p:style>
-            </p:cxnSp>
+              <p:txBody>
+                <a:bodyPr wrap="none" rtlCol="0">
+                  <a:spAutoFit/>
+                </a:bodyPr>
+                <a:lstStyle/>
+                <a:p>
+                  <a:r>
+                    <a:rPr lang="zh-TW" altLang="en-US">
+                      <a:solidFill>
+                        <a:srgbClr val="00FFCC"/>
+                      </a:solidFill>
+                      <a:latin typeface="+mn-ea"/>
+                    </a:rPr>
+                    <a:t>變</a:t>
+                  </a:r>
+                  <a:endParaRPr lang="en-US" altLang="zh-TW" dirty="0">
+                    <a:solidFill>
+                      <a:srgbClr val="00FFCC"/>
+                    </a:solidFill>
+                    <a:latin typeface="+mn-ea"/>
+                  </a:endParaRPr>
+                </a:p>
+                <a:p>
+                  <a:r>
+                    <a:rPr lang="zh-TW" altLang="en-US">
+                      <a:solidFill>
+                        <a:srgbClr val="00FFCC"/>
+                      </a:solidFill>
+                      <a:latin typeface="+mn-ea"/>
+                    </a:rPr>
+                    <a:t>安</a:t>
+                  </a:r>
+                  <a:endParaRPr lang="en-US" altLang="zh-TW" dirty="0">
+                    <a:solidFill>
+                      <a:srgbClr val="00FFCC"/>
+                    </a:solidFill>
+                    <a:latin typeface="+mn-ea"/>
+                  </a:endParaRPr>
+                </a:p>
+                <a:p>
+                  <a:r>
+                    <a:rPr lang="zh-TW" altLang="en-US">
+                      <a:solidFill>
+                        <a:srgbClr val="00FFCC"/>
+                      </a:solidFill>
+                      <a:latin typeface="+mn-ea"/>
+                    </a:rPr>
+                    <a:t>全</a:t>
+                  </a:r>
+                  <a:endParaRPr lang="en-US" altLang="zh-TW" dirty="0">
+                    <a:solidFill>
+                      <a:srgbClr val="00FFCC"/>
+                    </a:solidFill>
+                    <a:latin typeface="+mn-ea"/>
+                  </a:endParaRPr>
+                </a:p>
+              </p:txBody>
+            </p:sp>
           </p:grpSp>
           <p:sp>
             <p:nvSpPr>
-              <p:cNvPr id="112" name="文字方塊 111">
+              <p:cNvPr id="4" name="文字方塊 3">
                 <a:extLst>
                   <a:ext uri="{FF2B5EF4-FFF2-40B4-BE49-F238E27FC236}">
-                    <a16:creationId xmlns:a16="http://schemas.microsoft.com/office/drawing/2014/main" id="{AD8CB158-3AA8-4074-AD11-5532B062C523}"/>
+                    <a16:creationId xmlns:a16="http://schemas.microsoft.com/office/drawing/2014/main" id="{8024C41C-8F04-4F22-A2D6-70A82B70CE64}"/>
                   </a:ext>
                 </a:extLst>
               </p:cNvPr>
@@ -17179,8 +17751,8 @@
             </p:nvSpPr>
             <p:spPr>
               <a:xfrm>
-                <a:off x="7912112" y="2149435"/>
-                <a:ext cx="646331" cy="369332"/>
+                <a:off x="1618584" y="1420685"/>
+                <a:ext cx="1338828" cy="369332"/>
               </a:xfrm>
               <a:prstGeom prst="rect">
                 <a:avLst/>
@@ -17196,214 +17768,20 @@
                 <a:r>
                   <a:rPr lang="zh-TW" altLang="en-US">
                     <a:solidFill>
-                      <a:srgbClr val="00B0F0"/>
-                    </a:solidFill>
-                  </a:rPr>
-                  <a:t>增強</a:t>
+                      <a:srgbClr val="00FFCC"/>
+                    </a:solidFill>
+                  </a:rPr>
+                  <a:t>常用於網頁</a:t>
                 </a:r>
               </a:p>
             </p:txBody>
           </p:sp>
-          <p:grpSp>
-            <p:nvGrpSpPr>
-              <p:cNvPr id="159" name="群組 158">
+          <p:sp>
+            <p:nvSpPr>
+              <p:cNvPr id="162" name="文字方塊 161">
                 <a:extLst>
                   <a:ext uri="{FF2B5EF4-FFF2-40B4-BE49-F238E27FC236}">
-                    <a16:creationId xmlns:a16="http://schemas.microsoft.com/office/drawing/2014/main" id="{BD52DF4C-8FF9-435F-A2D3-15A47DDA4FC1}"/>
-                  </a:ext>
-                </a:extLst>
-              </p:cNvPr>
-              <p:cNvGrpSpPr/>
-              <p:nvPr/>
-            </p:nvGrpSpPr>
-            <p:grpSpPr>
-              <a:xfrm>
-                <a:off x="1269486" y="1666873"/>
-                <a:ext cx="7393718" cy="3060339"/>
-                <a:chOff x="-171386" y="1666873"/>
-                <a:chExt cx="7393718" cy="3060339"/>
-              </a:xfrm>
-            </p:grpSpPr>
-            <p:cxnSp>
-              <p:nvCxnSpPr>
-                <p:cNvPr id="116" name="直線接點 115">
-                  <a:extLst>
-                    <a:ext uri="{FF2B5EF4-FFF2-40B4-BE49-F238E27FC236}">
-                      <a16:creationId xmlns:a16="http://schemas.microsoft.com/office/drawing/2014/main" id="{974DE3AB-64F0-4124-9FE6-2DA54148B13B}"/>
-                    </a:ext>
-                  </a:extLst>
-                </p:cNvPr>
-                <p:cNvCxnSpPr>
-                  <a:cxnSpLocks/>
-                </p:cNvCxnSpPr>
-                <p:nvPr/>
-              </p:nvCxnSpPr>
-              <p:spPr>
-                <a:xfrm flipV="1">
-                  <a:off x="7208058" y="1678308"/>
-                  <a:ext cx="0" cy="284228"/>
-                </a:xfrm>
-                <a:prstGeom prst="line">
-                  <a:avLst/>
-                </a:prstGeom>
-                <a:ln w="38100">
-                  <a:solidFill>
-                    <a:srgbClr val="33CCCC"/>
-                  </a:solidFill>
-                </a:ln>
-              </p:spPr>
-              <p:style>
-                <a:lnRef idx="1">
-                  <a:schemeClr val="accent1"/>
-                </a:lnRef>
-                <a:fillRef idx="0">
-                  <a:schemeClr val="accent1"/>
-                </a:fillRef>
-                <a:effectRef idx="0">
-                  <a:schemeClr val="accent1"/>
-                </a:effectRef>
-                <a:fontRef idx="minor">
-                  <a:schemeClr val="tx1"/>
-                </a:fontRef>
-              </p:style>
-            </p:cxnSp>
-            <p:cxnSp>
-              <p:nvCxnSpPr>
-                <p:cNvPr id="122" name="直線接點 121">
-                  <a:extLst>
-                    <a:ext uri="{FF2B5EF4-FFF2-40B4-BE49-F238E27FC236}">
-                      <a16:creationId xmlns:a16="http://schemas.microsoft.com/office/drawing/2014/main" id="{24E0DD6F-6ECC-4C3B-9136-01630C00FB00}"/>
-                    </a:ext>
-                  </a:extLst>
-                </p:cNvPr>
-                <p:cNvCxnSpPr>
-                  <a:cxnSpLocks/>
-                </p:cNvCxnSpPr>
-                <p:nvPr/>
-              </p:nvCxnSpPr>
-              <p:spPr>
-                <a:xfrm flipH="1">
-                  <a:off x="-171386" y="1676976"/>
-                  <a:ext cx="7393718" cy="0"/>
-                </a:xfrm>
-                <a:prstGeom prst="line">
-                  <a:avLst/>
-                </a:prstGeom>
-                <a:ln w="38100">
-                  <a:solidFill>
-                    <a:srgbClr val="33CCCC"/>
-                  </a:solidFill>
-                </a:ln>
-              </p:spPr>
-              <p:style>
-                <a:lnRef idx="1">
-                  <a:schemeClr val="accent1"/>
-                </a:lnRef>
-                <a:fillRef idx="0">
-                  <a:schemeClr val="accent1"/>
-                </a:fillRef>
-                <a:effectRef idx="0">
-                  <a:schemeClr val="accent1"/>
-                </a:effectRef>
-                <a:fontRef idx="minor">
-                  <a:schemeClr val="tx1"/>
-                </a:fontRef>
-              </p:style>
-            </p:cxnSp>
-            <p:cxnSp>
-              <p:nvCxnSpPr>
-                <p:cNvPr id="126" name="直線接點 125">
-                  <a:extLst>
-                    <a:ext uri="{FF2B5EF4-FFF2-40B4-BE49-F238E27FC236}">
-                      <a16:creationId xmlns:a16="http://schemas.microsoft.com/office/drawing/2014/main" id="{59EE1A35-75E1-4FDE-8F8E-2D255F9FCFA2}"/>
-                    </a:ext>
-                  </a:extLst>
-                </p:cNvPr>
-                <p:cNvCxnSpPr>
-                  <a:cxnSpLocks/>
-                </p:cNvCxnSpPr>
-                <p:nvPr/>
-              </p:nvCxnSpPr>
-              <p:spPr>
-                <a:xfrm>
-                  <a:off x="-146660" y="1666873"/>
-                  <a:ext cx="0" cy="3060339"/>
-                </a:xfrm>
-                <a:prstGeom prst="line">
-                  <a:avLst/>
-                </a:prstGeom>
-                <a:ln w="38100">
-                  <a:solidFill>
-                    <a:srgbClr val="33CCCC"/>
-                  </a:solidFill>
-                </a:ln>
-              </p:spPr>
-              <p:style>
-                <a:lnRef idx="1">
-                  <a:schemeClr val="accent1"/>
-                </a:lnRef>
-                <a:fillRef idx="0">
-                  <a:schemeClr val="accent1"/>
-                </a:fillRef>
-                <a:effectRef idx="0">
-                  <a:schemeClr val="accent1"/>
-                </a:effectRef>
-                <a:fontRef idx="minor">
-                  <a:schemeClr val="tx1"/>
-                </a:fontRef>
-              </p:style>
-            </p:cxnSp>
-            <p:cxnSp>
-              <p:nvCxnSpPr>
-                <p:cNvPr id="128" name="直線單箭頭接點 127">
-                  <a:extLst>
-                    <a:ext uri="{FF2B5EF4-FFF2-40B4-BE49-F238E27FC236}">
-                      <a16:creationId xmlns:a16="http://schemas.microsoft.com/office/drawing/2014/main" id="{3392441F-E41C-4CB3-88F3-5E773679D290}"/>
-                    </a:ext>
-                  </a:extLst>
-                </p:cNvPr>
-                <p:cNvCxnSpPr>
-                  <a:cxnSpLocks/>
-                </p:cNvCxnSpPr>
-                <p:nvPr/>
-              </p:nvCxnSpPr>
-              <p:spPr>
-                <a:xfrm>
-                  <a:off x="-154901" y="4712926"/>
-                  <a:ext cx="1445416" cy="0"/>
-                </a:xfrm>
-                <a:prstGeom prst="straightConnector1">
-                  <a:avLst/>
-                </a:prstGeom>
-                <a:ln w="38100">
-                  <a:solidFill>
-                    <a:srgbClr val="33CCCC"/>
-                  </a:solidFill>
-                  <a:tailEnd type="triangle"/>
-                </a:ln>
-              </p:spPr>
-              <p:style>
-                <a:lnRef idx="1">
-                  <a:schemeClr val="accent1"/>
-                </a:lnRef>
-                <a:fillRef idx="0">
-                  <a:schemeClr val="accent1"/>
-                </a:fillRef>
-                <a:effectRef idx="0">
-                  <a:schemeClr val="accent1"/>
-                </a:effectRef>
-                <a:fontRef idx="minor">
-                  <a:schemeClr val="tx1"/>
-                </a:fontRef>
-              </p:style>
-            </p:cxnSp>
-          </p:grpSp>
-          <p:sp>
-            <p:nvSpPr>
-              <p:cNvPr id="132" name="文字方塊 131">
-                <a:extLst>
-                  <a:ext uri="{FF2B5EF4-FFF2-40B4-BE49-F238E27FC236}">
-                    <a16:creationId xmlns:a16="http://schemas.microsoft.com/office/drawing/2014/main" id="{03470426-3DCD-4379-B95F-375509F9BF26}"/>
+                    <a16:creationId xmlns:a16="http://schemas.microsoft.com/office/drawing/2014/main" id="{6A777CE0-6199-4459-A40C-61152343BF2D}"/>
                   </a:ext>
                 </a:extLst>
               </p:cNvPr>
@@ -17412,8 +17790,8 @@
             </p:nvSpPr>
             <p:spPr>
               <a:xfrm>
-                <a:off x="5425984" y="1351054"/>
-                <a:ext cx="3274603" cy="329577"/>
+                <a:off x="8237070" y="5903246"/>
+                <a:ext cx="3179075" cy="369332"/>
               </a:xfrm>
               <a:prstGeom prst="rect">
                 <a:avLst/>
@@ -17427,221 +17805,59 @@
               <a:lstStyle/>
               <a:p>
                 <a:r>
-                  <a:rPr lang="zh-TW" altLang="en-US">
-                    <a:solidFill>
-                      <a:srgbClr val="33CCCC"/>
-                    </a:solidFill>
-                  </a:rPr>
-                  <a:t>模仿語法，實質上沒有很大的關係</a:t>
+                  <a:rPr lang="en-US" altLang="zh-TW"/>
+                  <a:t>2023 Stack Overflow </a:t>
+                </a:r>
+                <a:r>
+                  <a:rPr lang="zh-TW" altLang="en-US"/>
+                  <a:t>調查</a:t>
                 </a:r>
               </a:p>
             </p:txBody>
           </p:sp>
-          <p:grpSp>
-            <p:nvGrpSpPr>
-              <p:cNvPr id="146" name="群組 145">
+          <p:pic>
+            <p:nvPicPr>
+              <p:cNvPr id="19" name="圖片 18">
+                <a:hlinkClick r:id="rId6"/>
                 <a:extLst>
                   <a:ext uri="{FF2B5EF4-FFF2-40B4-BE49-F238E27FC236}">
-                    <a16:creationId xmlns:a16="http://schemas.microsoft.com/office/drawing/2014/main" id="{8971E269-FAAB-4AD0-84A1-16027DF16C1F}"/>
+                    <a16:creationId xmlns:a16="http://schemas.microsoft.com/office/drawing/2014/main" id="{9C6B45CA-1AE2-4139-A4B9-9C2BB78990D1}"/>
                   </a:ext>
                 </a:extLst>
               </p:cNvPr>
-              <p:cNvGrpSpPr/>
+              <p:cNvPicPr>
+                <a:picLocks noChangeAspect="1"/>
+              </p:cNvPicPr>
               <p:nvPr/>
-            </p:nvGrpSpPr>
-            <p:grpSpPr>
+            </p:nvPicPr>
+            <p:blipFill>
+              <a:blip r:embed="rId7">
+                <a:extLst>
+                  <a:ext uri="{28A0092B-C50C-407E-A947-70E740481C1C}">
+                    <a14:useLocalDpi xmlns:a14="http://schemas.microsoft.com/office/drawing/2010/main" val="0"/>
+                  </a:ext>
+                </a:extLst>
+              </a:blip>
+              <a:stretch>
+                <a:fillRect/>
+              </a:stretch>
+            </p:blipFill>
+            <p:spPr>
               <a:xfrm>
-                <a:off x="7663078" y="1864967"/>
-                <a:ext cx="865346" cy="2392058"/>
-                <a:chOff x="377711" y="2042704"/>
-                <a:chExt cx="865346" cy="1573359"/>
+                <a:off x="7920111" y="5901120"/>
+                <a:ext cx="394266" cy="394266"/>
               </a:xfrm>
-            </p:grpSpPr>
-            <p:cxnSp>
-              <p:nvCxnSpPr>
-                <p:cNvPr id="147" name="直線接點 146">
-                  <a:extLst>
-                    <a:ext uri="{FF2B5EF4-FFF2-40B4-BE49-F238E27FC236}">
-                      <a16:creationId xmlns:a16="http://schemas.microsoft.com/office/drawing/2014/main" id="{AEBCC57D-56A7-414E-9F9D-CE4A8E2E8274}"/>
-                    </a:ext>
-                  </a:extLst>
-                </p:cNvPr>
-                <p:cNvCxnSpPr>
-                  <a:cxnSpLocks/>
-                </p:cNvCxnSpPr>
-                <p:nvPr/>
-              </p:nvCxnSpPr>
-              <p:spPr>
-                <a:xfrm flipH="1">
-                  <a:off x="377711" y="3616063"/>
-                  <a:ext cx="719136" cy="0"/>
-                </a:xfrm>
-                <a:prstGeom prst="line">
-                  <a:avLst/>
-                </a:prstGeom>
-                <a:ln w="38100">
-                  <a:solidFill>
-                    <a:srgbClr val="00FFCC"/>
-                  </a:solidFill>
-                  <a:headEnd type="triangle" w="med" len="med"/>
-                  <a:tailEnd type="none" w="med" len="med"/>
-                </a:ln>
-              </p:spPr>
-              <p:style>
-                <a:lnRef idx="1">
-                  <a:schemeClr val="accent1"/>
-                </a:lnRef>
-                <a:fillRef idx="0">
-                  <a:schemeClr val="accent1"/>
-                </a:fillRef>
-                <a:effectRef idx="0">
-                  <a:schemeClr val="accent1"/>
-                </a:effectRef>
-                <a:fontRef idx="minor">
-                  <a:schemeClr val="tx1"/>
-                </a:fontRef>
-              </p:style>
-            </p:cxnSp>
-            <p:cxnSp>
-              <p:nvCxnSpPr>
-                <p:cNvPr id="148" name="直線接點 147">
-                  <a:extLst>
-                    <a:ext uri="{FF2B5EF4-FFF2-40B4-BE49-F238E27FC236}">
-                      <a16:creationId xmlns:a16="http://schemas.microsoft.com/office/drawing/2014/main" id="{79893406-295B-4144-B1AE-6CB15A54D34A}"/>
-                    </a:ext>
-                  </a:extLst>
-                </p:cNvPr>
-                <p:cNvCxnSpPr>
-                  <a:cxnSpLocks/>
-                </p:cNvCxnSpPr>
-                <p:nvPr/>
-              </p:nvCxnSpPr>
-              <p:spPr>
-                <a:xfrm flipV="1">
-                  <a:off x="394679" y="2049230"/>
-                  <a:ext cx="0" cy="1566833"/>
-                </a:xfrm>
-                <a:prstGeom prst="line">
-                  <a:avLst/>
-                </a:prstGeom>
-                <a:ln w="38100">
-                  <a:solidFill>
-                    <a:srgbClr val="00FFCC"/>
-                  </a:solidFill>
-                </a:ln>
-              </p:spPr>
-              <p:style>
-                <a:lnRef idx="1">
-                  <a:schemeClr val="accent1"/>
-                </a:lnRef>
-                <a:fillRef idx="0">
-                  <a:schemeClr val="accent1"/>
-                </a:fillRef>
-                <a:effectRef idx="0">
-                  <a:schemeClr val="accent1"/>
-                </a:effectRef>
-                <a:fontRef idx="minor">
-                  <a:schemeClr val="tx1"/>
-                </a:fontRef>
-              </p:style>
-            </p:cxnSp>
-            <p:cxnSp>
-              <p:nvCxnSpPr>
-                <p:cNvPr id="149" name="直線單箭頭接點 148">
-                  <a:extLst>
-                    <a:ext uri="{FF2B5EF4-FFF2-40B4-BE49-F238E27FC236}">
-                      <a16:creationId xmlns:a16="http://schemas.microsoft.com/office/drawing/2014/main" id="{6A1456C4-FE5A-41E4-B17C-5D6448781938}"/>
-                    </a:ext>
-                  </a:extLst>
-                </p:cNvPr>
-                <p:cNvCxnSpPr>
-                  <a:cxnSpLocks/>
-                </p:cNvCxnSpPr>
-                <p:nvPr/>
-              </p:nvCxnSpPr>
-              <p:spPr>
-                <a:xfrm>
-                  <a:off x="377711" y="2053924"/>
-                  <a:ext cx="865346" cy="0"/>
-                </a:xfrm>
-                <a:prstGeom prst="straightConnector1">
-                  <a:avLst/>
-                </a:prstGeom>
-                <a:ln w="38100">
-                  <a:solidFill>
-                    <a:srgbClr val="00FFCC"/>
-                  </a:solidFill>
-                  <a:headEnd type="none" w="med" len="med"/>
-                  <a:tailEnd type="none" w="med" len="med"/>
-                </a:ln>
-              </p:spPr>
-              <p:style>
-                <a:lnRef idx="1">
-                  <a:schemeClr val="accent1"/>
-                </a:lnRef>
-                <a:fillRef idx="0">
-                  <a:schemeClr val="accent1"/>
-                </a:fillRef>
-                <a:effectRef idx="0">
-                  <a:schemeClr val="accent1"/>
-                </a:effectRef>
-                <a:fontRef idx="minor">
-                  <a:schemeClr val="tx1"/>
-                </a:fontRef>
-              </p:style>
-            </p:cxnSp>
-            <p:cxnSp>
-              <p:nvCxnSpPr>
-                <p:cNvPr id="154" name="直線單箭頭接點 153">
-                  <a:extLst>
-                    <a:ext uri="{FF2B5EF4-FFF2-40B4-BE49-F238E27FC236}">
-                      <a16:creationId xmlns:a16="http://schemas.microsoft.com/office/drawing/2014/main" id="{2A95AE8F-392A-4EDA-9572-6F527CC1D0E6}"/>
-                    </a:ext>
-                  </a:extLst>
-                </p:cNvPr>
-                <p:cNvCxnSpPr>
-                  <a:cxnSpLocks/>
-                </p:cNvCxnSpPr>
-                <p:nvPr/>
-              </p:nvCxnSpPr>
-              <p:spPr>
-                <a:xfrm flipV="1">
-                  <a:off x="1228217" y="2042704"/>
-                  <a:ext cx="0" cy="64175"/>
-                </a:xfrm>
-                <a:prstGeom prst="straightConnector1">
-                  <a:avLst/>
-                </a:prstGeom>
-                <a:ln w="38100">
-                  <a:solidFill>
-                    <a:srgbClr val="00FFCC"/>
-                  </a:solidFill>
-                  <a:headEnd type="none" w="med" len="med"/>
-                  <a:tailEnd type="none" w="med" len="med"/>
-                </a:ln>
-              </p:spPr>
-              <p:style>
-                <a:lnRef idx="1">
-                  <a:schemeClr val="accent1"/>
-                </a:lnRef>
-                <a:fillRef idx="0">
-                  <a:schemeClr val="accent1"/>
-                </a:fillRef>
-                <a:effectRef idx="0">
-                  <a:schemeClr val="accent1"/>
-                </a:effectRef>
-                <a:fontRef idx="minor">
-                  <a:schemeClr val="tx1"/>
-                </a:fontRef>
-              </p:style>
-            </p:cxnSp>
-          </p:grpSp>
+              <a:prstGeom prst="rect">
+                <a:avLst/>
+              </a:prstGeom>
+            </p:spPr>
+          </p:pic>
           <p:sp>
             <p:nvSpPr>
-              <p:cNvPr id="160" name="文字方塊 159">
+              <p:cNvPr id="52" name="文字方塊 51">
                 <a:extLst>
                   <a:ext uri="{FF2B5EF4-FFF2-40B4-BE49-F238E27FC236}">
-                    <a16:creationId xmlns:a16="http://schemas.microsoft.com/office/drawing/2014/main" id="{2A44CA6B-C1BE-49FF-B111-B6A6374B1049}"/>
+                    <a16:creationId xmlns:a16="http://schemas.microsoft.com/office/drawing/2014/main" id="{B4038213-5479-410C-ADAC-0E14DCE4265D}"/>
                   </a:ext>
                 </a:extLst>
               </p:cNvPr>
@@ -17650,8 +17866,8 @@
             </p:nvSpPr>
             <p:spPr>
               <a:xfrm>
-                <a:off x="7688995" y="3433083"/>
-                <a:ext cx="370774" cy="823944"/>
+                <a:off x="9027349" y="6273493"/>
+                <a:ext cx="2388795" cy="369332"/>
               </a:xfrm>
               <a:prstGeom prst="rect">
                 <a:avLst/>
@@ -17665,143 +17881,28 @@
               <a:lstStyle/>
               <a:p>
                 <a:r>
-                  <a:rPr lang="zh-TW" altLang="en-US">
-                    <a:solidFill>
-                      <a:srgbClr val="00FFCC"/>
-                    </a:solidFill>
-                    <a:latin typeface="+mn-ea"/>
-                  </a:rPr>
-                  <a:t>變</a:t>
-                </a:r>
-                <a:endParaRPr lang="en-US" altLang="zh-TW" dirty="0">
-                  <a:solidFill>
-                    <a:srgbClr val="00FFCC"/>
-                  </a:solidFill>
-                  <a:latin typeface="+mn-ea"/>
-                </a:endParaRPr>
-              </a:p>
-              <a:p>
-                <a:r>
-                  <a:rPr lang="zh-TW" altLang="en-US">
-                    <a:solidFill>
-                      <a:srgbClr val="00FFCC"/>
-                    </a:solidFill>
-                    <a:latin typeface="+mn-ea"/>
-                  </a:rPr>
-                  <a:t>安</a:t>
-                </a:r>
-                <a:endParaRPr lang="en-US" altLang="zh-TW" dirty="0">
-                  <a:solidFill>
-                    <a:srgbClr val="00FFCC"/>
-                  </a:solidFill>
-                  <a:latin typeface="+mn-ea"/>
-                </a:endParaRPr>
-              </a:p>
-              <a:p>
-                <a:r>
-                  <a:rPr lang="zh-TW" altLang="en-US">
-                    <a:solidFill>
-                      <a:srgbClr val="00FFCC"/>
-                    </a:solidFill>
-                    <a:latin typeface="+mn-ea"/>
-                  </a:rPr>
-                  <a:t>全</a:t>
-                </a:r>
-                <a:endParaRPr lang="en-US" altLang="zh-TW" dirty="0">
-                  <a:solidFill>
-                    <a:srgbClr val="00FFCC"/>
-                  </a:solidFill>
-                  <a:latin typeface="+mn-ea"/>
-                </a:endParaRPr>
+                  <a:rPr lang="zh-TW" altLang="en-US"/>
+                  <a:t>程式語言家族</a:t>
+                </a:r>
+                <a:r>
+                  <a:rPr lang="en-US" altLang="zh-TW"/>
+                  <a:t>/</a:t>
+                </a:r>
+                <a:r>
+                  <a:rPr lang="zh-TW" altLang="en-US"/>
+                  <a:t>演化史</a:t>
+                </a:r>
               </a:p>
             </p:txBody>
           </p:sp>
         </p:grpSp>
-        <p:sp>
-          <p:nvSpPr>
-            <p:cNvPr id="4" name="文字方塊 3">
+        <p:pic>
+          <p:nvPicPr>
+            <p:cNvPr id="51" name="圖片 50">
+              <a:hlinkClick r:id="rId8"/>
               <a:extLst>
                 <a:ext uri="{FF2B5EF4-FFF2-40B4-BE49-F238E27FC236}">
-                  <a16:creationId xmlns:a16="http://schemas.microsoft.com/office/drawing/2014/main" id="{8024C41C-8F04-4F22-A2D6-70A82B70CE64}"/>
-                </a:ext>
-              </a:extLst>
-            </p:cNvPr>
-            <p:cNvSpPr txBox="1"/>
-            <p:nvPr/>
-          </p:nvSpPr>
-          <p:spPr>
-            <a:xfrm>
-              <a:off x="1618584" y="1420685"/>
-              <a:ext cx="1338828" cy="369332"/>
-            </a:xfrm>
-            <a:prstGeom prst="rect">
-              <a:avLst/>
-            </a:prstGeom>
-            <a:noFill/>
-          </p:spPr>
-          <p:txBody>
-            <a:bodyPr wrap="none" rtlCol="0">
-              <a:spAutoFit/>
-            </a:bodyPr>
-            <a:lstStyle/>
-            <a:p>
-              <a:r>
-                <a:rPr lang="zh-TW" altLang="en-US">
-                  <a:solidFill>
-                    <a:srgbClr val="00FFCC"/>
-                  </a:solidFill>
-                </a:rPr>
-                <a:t>常用於網頁</a:t>
-              </a:r>
-            </a:p>
-          </p:txBody>
-        </p:sp>
-        <p:sp>
-          <p:nvSpPr>
-            <p:cNvPr id="162" name="文字方塊 161">
-              <a:extLst>
-                <a:ext uri="{FF2B5EF4-FFF2-40B4-BE49-F238E27FC236}">
-                  <a16:creationId xmlns:a16="http://schemas.microsoft.com/office/drawing/2014/main" id="{6A777CE0-6199-4459-A40C-61152343BF2D}"/>
-                </a:ext>
-              </a:extLst>
-            </p:cNvPr>
-            <p:cNvSpPr txBox="1"/>
-            <p:nvPr/>
-          </p:nvSpPr>
-          <p:spPr>
-            <a:xfrm>
-              <a:off x="8237070" y="5903246"/>
-              <a:ext cx="3179075" cy="369332"/>
-            </a:xfrm>
-            <a:prstGeom prst="rect">
-              <a:avLst/>
-            </a:prstGeom>
-            <a:noFill/>
-          </p:spPr>
-          <p:txBody>
-            <a:bodyPr wrap="none" rtlCol="0">
-              <a:spAutoFit/>
-            </a:bodyPr>
-            <a:lstStyle/>
-            <a:p>
-              <a:r>
-                <a:rPr lang="en-US" altLang="zh-TW"/>
-                <a:t>2023 Stack Overflow </a:t>
-              </a:r>
-              <a:r>
-                <a:rPr lang="zh-TW" altLang="en-US"/>
-                <a:t>調查</a:t>
-              </a:r>
-            </a:p>
-          </p:txBody>
-        </p:sp>
-        <p:pic>
-          <p:nvPicPr>
-            <p:cNvPr id="19" name="圖片 18">
-              <a:hlinkClick r:id="rId6"/>
-              <a:extLst>
-                <a:ext uri="{FF2B5EF4-FFF2-40B4-BE49-F238E27FC236}">
-                  <a16:creationId xmlns:a16="http://schemas.microsoft.com/office/drawing/2014/main" id="{9C6B45CA-1AE2-4139-A4B9-9C2BB78990D1}"/>
+                  <a16:creationId xmlns:a16="http://schemas.microsoft.com/office/drawing/2014/main" id="{07D33CC3-FA22-4197-8B86-ACEA55C4AE62}"/>
                 </a:ext>
               </a:extLst>
             </p:cNvPr>
@@ -17824,7 +17925,7 @@
           </p:blipFill>
           <p:spPr>
             <a:xfrm>
-              <a:off x="9448319" y="5565923"/>
+              <a:off x="8702914" y="6273493"/>
               <a:ext cx="394266" cy="394266"/>
             </a:xfrm>
             <a:prstGeom prst="rect">
@@ -18231,7 +18332,7 @@
 </file>
 
 <file path=ppt/slides/slide5.xml><?xml version="1.0" encoding="utf-8"?>
-<p:sld xmlns:a="http://schemas.openxmlformats.org/drawingml/2006/main" xmlns:r="http://schemas.openxmlformats.org/officeDocument/2006/relationships" xmlns:p="http://schemas.openxmlformats.org/presentationml/2006/main">
+<p:sld xmlns:a="http://schemas.openxmlformats.org/drawingml/2006/main" xmlns:r="http://schemas.openxmlformats.org/officeDocument/2006/relationships" xmlns:p="http://schemas.openxmlformats.org/presentationml/2006/main" show="0">
   <p:cSld>
     <p:spTree>
       <p:nvGrpSpPr>
@@ -18275,7 +18376,7 @@
           <a:p>
             <a:r>
               <a:rPr lang="zh-TW" altLang="en-US"/>
-              <a:t>程式語言</a:t>
+              <a:t>補充：程式語言標準</a:t>
             </a:r>
           </a:p>
         </p:txBody>

--- a/powerpoint/02_程式語言簡介.pptx
+++ b/powerpoint/02_程式語言簡介.pptx
@@ -216,7 +216,7 @@
           <a:p>
             <a:fld id="{FF294DDF-BAE6-4F99-A8CC-1D49EAABBEEB}" type="datetimeFigureOut">
               <a:rPr lang="zh-TW" altLang="en-US" smtClean="0"/>
-              <a:t>2024/7/15</a:t>
+              <a:t>2024/7/26</a:t>
             </a:fld>
             <a:endParaRPr lang="zh-TW" altLang="en-US"/>
           </a:p>

--- a/powerpoint/02_程式語言簡介.pptx
+++ b/powerpoint/02_程式語言簡介.pptx
@@ -216,7 +216,7 @@
           <a:p>
             <a:fld id="{FF294DDF-BAE6-4F99-A8CC-1D49EAABBEEB}" type="datetimeFigureOut">
               <a:rPr lang="zh-TW" altLang="en-US" smtClean="0"/>
-              <a:t>2024/7/26</a:t>
+              <a:t>2024/8/6</a:t>
             </a:fld>
             <a:endParaRPr lang="zh-TW" altLang="en-US"/>
           </a:p>
@@ -18332,7 +18332,7 @@
 </file>
 
 <file path=ppt/slides/slide5.xml><?xml version="1.0" encoding="utf-8"?>
-<p:sld xmlns:a="http://schemas.openxmlformats.org/drawingml/2006/main" xmlns:r="http://schemas.openxmlformats.org/officeDocument/2006/relationships" xmlns:p="http://schemas.openxmlformats.org/presentationml/2006/main" show="0">
+<p:sld xmlns:a="http://schemas.openxmlformats.org/drawingml/2006/main" xmlns:r="http://schemas.openxmlformats.org/officeDocument/2006/relationships" xmlns:p="http://schemas.openxmlformats.org/presentationml/2006/main">
   <p:cSld>
     <p:spTree>
       <p:nvGrpSpPr>

--- a/powerpoint/02_程式語言簡介.pptx
+++ b/powerpoint/02_程式語言簡介.pptx
@@ -216,7 +216,7 @@
           <a:p>
             <a:fld id="{FF294DDF-BAE6-4F99-A8CC-1D49EAABBEEB}" type="datetimeFigureOut">
               <a:rPr lang="zh-TW" altLang="en-US" smtClean="0"/>
-              <a:t>2024/8/6</a:t>
+              <a:t>2024/8/26</a:t>
             </a:fld>
             <a:endParaRPr lang="zh-TW" altLang="en-US"/>
           </a:p>
@@ -18437,10 +18437,10 @@
         </p:nvGrpSpPr>
         <p:grpSpPr>
           <a:xfrm>
-            <a:off x="838200" y="2665658"/>
-            <a:ext cx="10515600" cy="372708"/>
-            <a:chOff x="838200" y="3358382"/>
-            <a:chExt cx="10515600" cy="372708"/>
+            <a:off x="838200" y="2650269"/>
+            <a:ext cx="10515600" cy="400110"/>
+            <a:chOff x="838200" y="3342993"/>
+            <a:chExt cx="10515600" cy="400110"/>
           </a:xfrm>
         </p:grpSpPr>
         <p:sp>
@@ -18459,8 +18459,8 @@
           </p:nvSpPr>
           <p:spPr bwMode="auto">
             <a:xfrm>
-              <a:off x="838200" y="3358382"/>
-              <a:ext cx="10515600" cy="369332"/>
+              <a:off x="838200" y="3342993"/>
+              <a:ext cx="10515600" cy="400110"/>
             </a:xfrm>
             <a:prstGeom prst="rect">
               <a:avLst/>
@@ -18520,7 +18520,7 @@
                 <a:tabLst/>
               </a:pPr>
               <a:r>
-                <a:rPr kumimoji="0" lang="zh-TW" altLang="zh-TW" sz="1800" b="0" i="0" u="none" strike="noStrike" cap="none" normalizeH="0" baseline="0">
+                <a:rPr kumimoji="0" lang="zh-TW" altLang="zh-TW" sz="2000" b="0" i="0" u="none" strike="noStrike" cap="none" normalizeH="0" baseline="0">
                   <a:ln>
                     <a:noFill/>
                   </a:ln>
@@ -18528,13 +18528,13 @@
                     <a:srgbClr val="8888C6"/>
                   </a:solidFill>
                   <a:effectLst/>
-                  <a:latin typeface="JetBrains Mono" panose="02000009000000000000" pitchFamily="49" charset="0"/>
+                  <a:latin typeface="+mj-lt"/>
                   <a:cs typeface="JetBrains Mono" panose="02000009000000000000" pitchFamily="49" charset="0"/>
                 </a:rPr>
                 <a:t>print</a:t>
               </a:r>
               <a:r>
-                <a:rPr kumimoji="0" lang="zh-TW" altLang="zh-TW" sz="1800" b="0" i="0" u="none" strike="noStrike" cap="none" normalizeH="0" baseline="0">
+                <a:rPr kumimoji="0" lang="zh-TW" altLang="zh-TW" sz="2000" b="0" i="0" u="none" strike="noStrike" cap="none" normalizeH="0" baseline="0">
                   <a:ln>
                     <a:noFill/>
                   </a:ln>
@@ -18542,13 +18542,13 @@
                     <a:srgbClr val="BCBEC4"/>
                   </a:solidFill>
                   <a:effectLst/>
-                  <a:latin typeface="JetBrains Mono" panose="02000009000000000000" pitchFamily="49" charset="0"/>
+                  <a:latin typeface="+mj-lt"/>
                   <a:cs typeface="JetBrains Mono" panose="02000009000000000000" pitchFamily="49" charset="0"/>
                 </a:rPr>
                 <a:t>(</a:t>
               </a:r>
               <a:r>
-                <a:rPr kumimoji="0" lang="zh-TW" altLang="zh-TW" sz="1800" b="0" i="0" u="none" strike="noStrike" cap="none" normalizeH="0" baseline="0">
+                <a:rPr kumimoji="0" lang="zh-TW" altLang="zh-TW" sz="2000" b="0" i="0" u="none" strike="noStrike" cap="none" normalizeH="0" baseline="0">
                   <a:ln>
                     <a:noFill/>
                   </a:ln>
@@ -18556,13 +18556,13 @@
                     <a:srgbClr val="6AAB73"/>
                   </a:solidFill>
                   <a:effectLst/>
-                  <a:latin typeface="JetBrains Mono" panose="02000009000000000000" pitchFamily="49" charset="0"/>
+                  <a:latin typeface="+mj-lt"/>
                   <a:cs typeface="JetBrains Mono" panose="02000009000000000000" pitchFamily="49" charset="0"/>
                 </a:rPr>
                 <a:t>"Hello, World!"</a:t>
               </a:r>
               <a:r>
-                <a:rPr kumimoji="0" lang="zh-TW" altLang="zh-TW" sz="1800" b="0" i="0" u="none" strike="noStrike" cap="none" normalizeH="0" baseline="0">
+                <a:rPr kumimoji="0" lang="zh-TW" altLang="zh-TW" sz="2000" b="0" i="0" u="none" strike="noStrike" cap="none" normalizeH="0" baseline="0">
                   <a:ln>
                     <a:noFill/>
                   </a:ln>
@@ -18570,12 +18570,12 @@
                     <a:srgbClr val="BCBEC4"/>
                   </a:solidFill>
                   <a:effectLst/>
-                  <a:latin typeface="JetBrains Mono" panose="02000009000000000000" pitchFamily="49" charset="0"/>
+                  <a:latin typeface="+mj-lt"/>
                   <a:cs typeface="JetBrains Mono" panose="02000009000000000000" pitchFamily="49" charset="0"/>
                 </a:rPr>
                 <a:t>)</a:t>
               </a:r>
-              <a:endParaRPr kumimoji="0" lang="zh-TW" altLang="zh-TW" sz="1800" b="0" i="0" u="none" strike="noStrike" cap="none" normalizeH="0" baseline="0">
+              <a:endParaRPr kumimoji="0" lang="zh-TW" altLang="zh-TW" sz="2000" b="0" i="0" u="none" strike="noStrike" cap="none" normalizeH="0" baseline="0">
                 <a:ln>
                   <a:noFill/>
                 </a:ln>
@@ -18583,7 +18583,7 @@
                   <a:schemeClr val="tx1"/>
                 </a:solidFill>
                 <a:effectLst/>
-                <a:latin typeface="Arial" panose="020B0604020202020204" pitchFamily="34" charset="0"/>
+                <a:latin typeface="+mj-lt"/>
               </a:endParaRPr>
             </a:p>
           </p:txBody>
@@ -18644,7 +18644,7 @@
                   <a:effectLst/>
                   <a:uLnTx/>
                   <a:uFillTx/>
-                  <a:latin typeface="Consolas"/>
+                  <a:latin typeface="+mj-lt"/>
                   <a:ea typeface="微軟正黑體 Light"/>
                   <a:cs typeface="+mn-cs"/>
                 </a:rPr>
@@ -18660,7 +18660,7 @@
                 <a:effectLst/>
                 <a:uLnTx/>
                 <a:uFillTx/>
-                <a:latin typeface="Consolas"/>
+                <a:latin typeface="+mj-lt"/>
                 <a:ea typeface="微軟正黑體 Light"/>
                 <a:cs typeface="+mn-cs"/>
               </a:endParaRPr>

--- a/powerpoint/02_程式語言簡介.pptx
+++ b/powerpoint/02_程式語言簡介.pptx
@@ -2,7 +2,7 @@
 <file path=ppt/presentation.xml><?xml version="1.0" encoding="utf-8"?>
 <p:presentation xmlns:a="http://schemas.openxmlformats.org/drawingml/2006/main" xmlns:r="http://schemas.openxmlformats.org/officeDocument/2006/relationships" xmlns:p="http://schemas.openxmlformats.org/presentationml/2006/main" showSpecialPlsOnTitleSld="0" saveSubsetFonts="1">
   <p:sldMasterIdLst>
-    <p:sldMasterId id="2147483660" r:id="rId1"/>
+    <p:sldMasterId id="2147483684" r:id="rId1"/>
   </p:sldMasterIdLst>
   <p:notesMasterIdLst>
     <p:notesMasterId r:id="rId7"/>
@@ -216,7 +216,7 @@
           <a:p>
             <a:fld id="{FF294DDF-BAE6-4F99-A8CC-1D49EAABBEEB}" type="datetimeFigureOut">
               <a:rPr lang="zh-TW" altLang="en-US" smtClean="0"/>
-              <a:t>2024/8/26</a:t>
+              <a:t>2024/8/28</a:t>
             </a:fld>
             <a:endParaRPr lang="zh-TW" altLang="en-US"/>
           </a:p>
@@ -862,7 +862,7 @@
     </p:spTree>
     <p:extLst>
       <p:ext uri="{BB962C8B-B14F-4D97-AF65-F5344CB8AC3E}">
-        <p14:creationId xmlns:p14="http://schemas.microsoft.com/office/powerpoint/2010/main" val="2564428143"/>
+        <p14:creationId xmlns:p14="http://schemas.microsoft.com/office/powerpoint/2010/main" val="3651956430"/>
       </p:ext>
     </p:extLst>
   </p:cSld>
@@ -1106,7 +1106,7 @@
             </a:r>
             <a:r>
               <a:rPr lang="zh-TW" altLang="en-US"/>
-              <a:t>桃高資訊社</a:t>
+              <a:t> 桃高資訊社</a:t>
             </a:r>
           </a:p>
         </p:txBody>
@@ -1243,276 +1243,10 @@
           </a:p>
         </p:txBody>
       </p:sp>
-      <p:sp>
-        <p:nvSpPr>
-          <p:cNvPr id="6" name="頁尾版面配置區 4">
-            <a:extLst>
-              <a:ext uri="{FF2B5EF4-FFF2-40B4-BE49-F238E27FC236}">
-                <a16:creationId xmlns:a16="http://schemas.microsoft.com/office/drawing/2014/main" id="{D859DD70-2AD9-46C2-9E17-070E1667A9E2}"/>
-              </a:ext>
-            </a:extLst>
-          </p:cNvPr>
-          <p:cNvSpPr txBox="1">
-            <a:spLocks/>
-          </p:cNvSpPr>
-          <p:nvPr userDrawn="1"/>
-        </p:nvSpPr>
-        <p:spPr>
-          <a:xfrm>
-            <a:off x="0" y="6492875"/>
-            <a:ext cx="2743200" cy="365125"/>
-          </a:xfrm>
-          <a:prstGeom prst="rect">
-            <a:avLst/>
-          </a:prstGeom>
-        </p:spPr>
-        <p:txBody>
-          <a:bodyPr vert="horz" lIns="91440" tIns="45720" rIns="91440" bIns="45720" rtlCol="0" anchor="ctr"/>
-          <a:lstStyle>
-            <a:defPPr>
-              <a:defRPr lang="zh-TW"/>
-            </a:defPPr>
-            <a:lvl1pPr marL="0" algn="l" defTabSz="914400" rtl="0" eaLnBrk="1" latinLnBrk="0" hangingPunct="1">
-              <a:defRPr sz="1200" kern="1200">
-                <a:solidFill>
-                  <a:schemeClr val="tx1">
-                    <a:tint val="75000"/>
-                  </a:schemeClr>
-                </a:solidFill>
-                <a:latin typeface="+mn-lt"/>
-                <a:ea typeface="+mn-ea"/>
-                <a:cs typeface="+mn-cs"/>
-              </a:defRPr>
-            </a:lvl1pPr>
-            <a:lvl2pPr marL="457200" algn="l" defTabSz="914400" rtl="0" eaLnBrk="1" latinLnBrk="0" hangingPunct="1">
-              <a:defRPr sz="1800" kern="1200">
-                <a:solidFill>
-                  <a:schemeClr val="tx1"/>
-                </a:solidFill>
-                <a:latin typeface="+mn-lt"/>
-                <a:ea typeface="+mn-ea"/>
-                <a:cs typeface="+mn-cs"/>
-              </a:defRPr>
-            </a:lvl2pPr>
-            <a:lvl3pPr marL="914400" algn="l" defTabSz="914400" rtl="0" eaLnBrk="1" latinLnBrk="0" hangingPunct="1">
-              <a:defRPr sz="1800" kern="1200">
-                <a:solidFill>
-                  <a:schemeClr val="tx1"/>
-                </a:solidFill>
-                <a:latin typeface="+mn-lt"/>
-                <a:ea typeface="+mn-ea"/>
-                <a:cs typeface="+mn-cs"/>
-              </a:defRPr>
-            </a:lvl3pPr>
-            <a:lvl4pPr marL="1371600" algn="l" defTabSz="914400" rtl="0" eaLnBrk="1" latinLnBrk="0" hangingPunct="1">
-              <a:defRPr sz="1800" kern="1200">
-                <a:solidFill>
-                  <a:schemeClr val="tx1"/>
-                </a:solidFill>
-                <a:latin typeface="+mn-lt"/>
-                <a:ea typeface="+mn-ea"/>
-                <a:cs typeface="+mn-cs"/>
-              </a:defRPr>
-            </a:lvl4pPr>
-            <a:lvl5pPr marL="1828800" algn="l" defTabSz="914400" rtl="0" eaLnBrk="1" latinLnBrk="0" hangingPunct="1">
-              <a:defRPr sz="1800" kern="1200">
-                <a:solidFill>
-                  <a:schemeClr val="tx1"/>
-                </a:solidFill>
-                <a:latin typeface="+mn-lt"/>
-                <a:ea typeface="+mn-ea"/>
-                <a:cs typeface="+mn-cs"/>
-              </a:defRPr>
-            </a:lvl5pPr>
-            <a:lvl6pPr marL="2286000" algn="l" defTabSz="914400" rtl="0" eaLnBrk="1" latinLnBrk="0" hangingPunct="1">
-              <a:defRPr sz="1800" kern="1200">
-                <a:solidFill>
-                  <a:schemeClr val="tx1"/>
-                </a:solidFill>
-                <a:latin typeface="+mn-lt"/>
-                <a:ea typeface="+mn-ea"/>
-                <a:cs typeface="+mn-cs"/>
-              </a:defRPr>
-            </a:lvl6pPr>
-            <a:lvl7pPr marL="2743200" algn="l" defTabSz="914400" rtl="0" eaLnBrk="1" latinLnBrk="0" hangingPunct="1">
-              <a:defRPr sz="1800" kern="1200">
-                <a:solidFill>
-                  <a:schemeClr val="tx1"/>
-                </a:solidFill>
-                <a:latin typeface="+mn-lt"/>
-                <a:ea typeface="+mn-ea"/>
-                <a:cs typeface="+mn-cs"/>
-              </a:defRPr>
-            </a:lvl7pPr>
-            <a:lvl8pPr marL="3200400" algn="l" defTabSz="914400" rtl="0" eaLnBrk="1" latinLnBrk="0" hangingPunct="1">
-              <a:defRPr sz="1800" kern="1200">
-                <a:solidFill>
-                  <a:schemeClr val="tx1"/>
-                </a:solidFill>
-                <a:latin typeface="+mn-lt"/>
-                <a:ea typeface="+mn-ea"/>
-                <a:cs typeface="+mn-cs"/>
-              </a:defRPr>
-            </a:lvl8pPr>
-            <a:lvl9pPr marL="3657600" algn="l" defTabSz="914400" rtl="0" eaLnBrk="1" latinLnBrk="0" hangingPunct="1">
-              <a:defRPr sz="1800" kern="1200">
-                <a:solidFill>
-                  <a:schemeClr val="tx1"/>
-                </a:solidFill>
-                <a:latin typeface="+mn-lt"/>
-                <a:ea typeface="+mn-ea"/>
-                <a:cs typeface="+mn-cs"/>
-              </a:defRPr>
-            </a:lvl9pPr>
-          </a:lstStyle>
-          <a:p>
-            <a:r>
-              <a:rPr lang="en-US" altLang="zh-TW" dirty="0"/>
-              <a:t>TYIC</a:t>
-            </a:r>
-            <a:r>
-              <a:rPr lang="zh-TW" altLang="en-US"/>
-              <a:t>桃高資訊社</a:t>
-            </a:r>
-          </a:p>
-        </p:txBody>
-      </p:sp>
-      <p:sp>
-        <p:nvSpPr>
-          <p:cNvPr id="9" name="投影片編號版面配置區 5">
-            <a:extLst>
-              <a:ext uri="{FF2B5EF4-FFF2-40B4-BE49-F238E27FC236}">
-                <a16:creationId xmlns:a16="http://schemas.microsoft.com/office/drawing/2014/main" id="{4B75C648-31BE-4D41-B445-A8A1A7536208}"/>
-              </a:ext>
-            </a:extLst>
-          </p:cNvPr>
-          <p:cNvSpPr txBox="1">
-            <a:spLocks/>
-          </p:cNvSpPr>
-          <p:nvPr userDrawn="1"/>
-        </p:nvSpPr>
-        <p:spPr>
-          <a:xfrm>
-            <a:off x="9448800" y="6492874"/>
-            <a:ext cx="2743200" cy="365125"/>
-          </a:xfrm>
-          <a:prstGeom prst="rect">
-            <a:avLst/>
-          </a:prstGeom>
-        </p:spPr>
-        <p:txBody>
-          <a:bodyPr vert="horz" lIns="91440" tIns="45720" rIns="91440" bIns="45720" rtlCol="0" anchor="ctr"/>
-          <a:lstStyle>
-            <a:defPPr>
-              <a:defRPr lang="zh-TW"/>
-            </a:defPPr>
-            <a:lvl1pPr marL="0" algn="r" defTabSz="914400" rtl="0" eaLnBrk="1" latinLnBrk="0" hangingPunct="1">
-              <a:defRPr sz="1200" kern="1200">
-                <a:solidFill>
-                  <a:schemeClr val="tx1">
-                    <a:tint val="75000"/>
-                  </a:schemeClr>
-                </a:solidFill>
-                <a:latin typeface="+mn-lt"/>
-                <a:ea typeface="+mn-ea"/>
-                <a:cs typeface="+mn-cs"/>
-              </a:defRPr>
-            </a:lvl1pPr>
-            <a:lvl2pPr marL="457200" algn="l" defTabSz="914400" rtl="0" eaLnBrk="1" latinLnBrk="0" hangingPunct="1">
-              <a:defRPr sz="1800" kern="1200">
-                <a:solidFill>
-                  <a:schemeClr val="tx1"/>
-                </a:solidFill>
-                <a:latin typeface="+mn-lt"/>
-                <a:ea typeface="+mn-ea"/>
-                <a:cs typeface="+mn-cs"/>
-              </a:defRPr>
-            </a:lvl2pPr>
-            <a:lvl3pPr marL="914400" algn="l" defTabSz="914400" rtl="0" eaLnBrk="1" latinLnBrk="0" hangingPunct="1">
-              <a:defRPr sz="1800" kern="1200">
-                <a:solidFill>
-                  <a:schemeClr val="tx1"/>
-                </a:solidFill>
-                <a:latin typeface="+mn-lt"/>
-                <a:ea typeface="+mn-ea"/>
-                <a:cs typeface="+mn-cs"/>
-              </a:defRPr>
-            </a:lvl3pPr>
-            <a:lvl4pPr marL="1371600" algn="l" defTabSz="914400" rtl="0" eaLnBrk="1" latinLnBrk="0" hangingPunct="1">
-              <a:defRPr sz="1800" kern="1200">
-                <a:solidFill>
-                  <a:schemeClr val="tx1"/>
-                </a:solidFill>
-                <a:latin typeface="+mn-lt"/>
-                <a:ea typeface="+mn-ea"/>
-                <a:cs typeface="+mn-cs"/>
-              </a:defRPr>
-            </a:lvl4pPr>
-            <a:lvl5pPr marL="1828800" algn="l" defTabSz="914400" rtl="0" eaLnBrk="1" latinLnBrk="0" hangingPunct="1">
-              <a:defRPr sz="1800" kern="1200">
-                <a:solidFill>
-                  <a:schemeClr val="tx1"/>
-                </a:solidFill>
-                <a:latin typeface="+mn-lt"/>
-                <a:ea typeface="+mn-ea"/>
-                <a:cs typeface="+mn-cs"/>
-              </a:defRPr>
-            </a:lvl5pPr>
-            <a:lvl6pPr marL="2286000" algn="l" defTabSz="914400" rtl="0" eaLnBrk="1" latinLnBrk="0" hangingPunct="1">
-              <a:defRPr sz="1800" kern="1200">
-                <a:solidFill>
-                  <a:schemeClr val="tx1"/>
-                </a:solidFill>
-                <a:latin typeface="+mn-lt"/>
-                <a:ea typeface="+mn-ea"/>
-                <a:cs typeface="+mn-cs"/>
-              </a:defRPr>
-            </a:lvl6pPr>
-            <a:lvl7pPr marL="2743200" algn="l" defTabSz="914400" rtl="0" eaLnBrk="1" latinLnBrk="0" hangingPunct="1">
-              <a:defRPr sz="1800" kern="1200">
-                <a:solidFill>
-                  <a:schemeClr val="tx1"/>
-                </a:solidFill>
-                <a:latin typeface="+mn-lt"/>
-                <a:ea typeface="+mn-ea"/>
-                <a:cs typeface="+mn-cs"/>
-              </a:defRPr>
-            </a:lvl7pPr>
-            <a:lvl8pPr marL="3200400" algn="l" defTabSz="914400" rtl="0" eaLnBrk="1" latinLnBrk="0" hangingPunct="1">
-              <a:defRPr sz="1800" kern="1200">
-                <a:solidFill>
-                  <a:schemeClr val="tx1"/>
-                </a:solidFill>
-                <a:latin typeface="+mn-lt"/>
-                <a:ea typeface="+mn-ea"/>
-                <a:cs typeface="+mn-cs"/>
-              </a:defRPr>
-            </a:lvl8pPr>
-            <a:lvl9pPr marL="3657600" algn="l" defTabSz="914400" rtl="0" eaLnBrk="1" latinLnBrk="0" hangingPunct="1">
-              <a:defRPr sz="1800" kern="1200">
-                <a:solidFill>
-                  <a:schemeClr val="tx1"/>
-                </a:solidFill>
-                <a:latin typeface="+mn-lt"/>
-                <a:ea typeface="+mn-ea"/>
-                <a:cs typeface="+mn-cs"/>
-              </a:defRPr>
-            </a:lvl9pPr>
-          </a:lstStyle>
-          <a:p>
-            <a:fld id="{D4328D90-2A6F-4F23-88A8-C5DCC2B5F307}" type="slidenum">
-              <a:rPr lang="zh-TW" altLang="en-US" smtClean="0"/>
-              <a:pPr/>
-              <a:t>‹#›</a:t>
-            </a:fld>
-            <a:endParaRPr lang="zh-TW" altLang="en-US"/>
-          </a:p>
-        </p:txBody>
-      </p:sp>
     </p:spTree>
     <p:extLst>
       <p:ext uri="{BB962C8B-B14F-4D97-AF65-F5344CB8AC3E}">
-        <p14:creationId xmlns:p14="http://schemas.microsoft.com/office/powerpoint/2010/main" val="598862508"/>
+        <p14:creationId xmlns:p14="http://schemas.microsoft.com/office/powerpoint/2010/main" val="55779661"/>
       </p:ext>
     </p:extLst>
   </p:cSld>
@@ -1766,7 +1500,7 @@
             </a:r>
             <a:r>
               <a:rPr lang="zh-TW" altLang="en-US"/>
-              <a:t>桃高資訊社</a:t>
+              <a:t> 桃高資訊社</a:t>
             </a:r>
           </a:p>
         </p:txBody>
@@ -1903,276 +1637,10 @@
           </a:p>
         </p:txBody>
       </p:sp>
-      <p:sp>
-        <p:nvSpPr>
-          <p:cNvPr id="6" name="頁尾版面配置區 4">
-            <a:extLst>
-              <a:ext uri="{FF2B5EF4-FFF2-40B4-BE49-F238E27FC236}">
-                <a16:creationId xmlns:a16="http://schemas.microsoft.com/office/drawing/2014/main" id="{AF4A1421-56F0-4B14-B66C-EE15FCF8F4AB}"/>
-              </a:ext>
-            </a:extLst>
-          </p:cNvPr>
-          <p:cNvSpPr txBox="1">
-            <a:spLocks/>
-          </p:cNvSpPr>
-          <p:nvPr userDrawn="1"/>
-        </p:nvSpPr>
-        <p:spPr>
-          <a:xfrm>
-            <a:off x="0" y="6492875"/>
-            <a:ext cx="2743200" cy="365125"/>
-          </a:xfrm>
-          <a:prstGeom prst="rect">
-            <a:avLst/>
-          </a:prstGeom>
-        </p:spPr>
-        <p:txBody>
-          <a:bodyPr vert="horz" lIns="91440" tIns="45720" rIns="91440" bIns="45720" rtlCol="0" anchor="ctr"/>
-          <a:lstStyle>
-            <a:defPPr>
-              <a:defRPr lang="zh-TW"/>
-            </a:defPPr>
-            <a:lvl1pPr marL="0" algn="l" defTabSz="914400" rtl="0" eaLnBrk="1" latinLnBrk="0" hangingPunct="1">
-              <a:defRPr sz="1200" kern="1200">
-                <a:solidFill>
-                  <a:schemeClr val="tx1">
-                    <a:tint val="75000"/>
-                  </a:schemeClr>
-                </a:solidFill>
-                <a:latin typeface="+mn-lt"/>
-                <a:ea typeface="+mn-ea"/>
-                <a:cs typeface="+mn-cs"/>
-              </a:defRPr>
-            </a:lvl1pPr>
-            <a:lvl2pPr marL="457200" algn="l" defTabSz="914400" rtl="0" eaLnBrk="1" latinLnBrk="0" hangingPunct="1">
-              <a:defRPr sz="1800" kern="1200">
-                <a:solidFill>
-                  <a:schemeClr val="tx1"/>
-                </a:solidFill>
-                <a:latin typeface="+mn-lt"/>
-                <a:ea typeface="+mn-ea"/>
-                <a:cs typeface="+mn-cs"/>
-              </a:defRPr>
-            </a:lvl2pPr>
-            <a:lvl3pPr marL="914400" algn="l" defTabSz="914400" rtl="0" eaLnBrk="1" latinLnBrk="0" hangingPunct="1">
-              <a:defRPr sz="1800" kern="1200">
-                <a:solidFill>
-                  <a:schemeClr val="tx1"/>
-                </a:solidFill>
-                <a:latin typeface="+mn-lt"/>
-                <a:ea typeface="+mn-ea"/>
-                <a:cs typeface="+mn-cs"/>
-              </a:defRPr>
-            </a:lvl3pPr>
-            <a:lvl4pPr marL="1371600" algn="l" defTabSz="914400" rtl="0" eaLnBrk="1" latinLnBrk="0" hangingPunct="1">
-              <a:defRPr sz="1800" kern="1200">
-                <a:solidFill>
-                  <a:schemeClr val="tx1"/>
-                </a:solidFill>
-                <a:latin typeface="+mn-lt"/>
-                <a:ea typeface="+mn-ea"/>
-                <a:cs typeface="+mn-cs"/>
-              </a:defRPr>
-            </a:lvl4pPr>
-            <a:lvl5pPr marL="1828800" algn="l" defTabSz="914400" rtl="0" eaLnBrk="1" latinLnBrk="0" hangingPunct="1">
-              <a:defRPr sz="1800" kern="1200">
-                <a:solidFill>
-                  <a:schemeClr val="tx1"/>
-                </a:solidFill>
-                <a:latin typeface="+mn-lt"/>
-                <a:ea typeface="+mn-ea"/>
-                <a:cs typeface="+mn-cs"/>
-              </a:defRPr>
-            </a:lvl5pPr>
-            <a:lvl6pPr marL="2286000" algn="l" defTabSz="914400" rtl="0" eaLnBrk="1" latinLnBrk="0" hangingPunct="1">
-              <a:defRPr sz="1800" kern="1200">
-                <a:solidFill>
-                  <a:schemeClr val="tx1"/>
-                </a:solidFill>
-                <a:latin typeface="+mn-lt"/>
-                <a:ea typeface="+mn-ea"/>
-                <a:cs typeface="+mn-cs"/>
-              </a:defRPr>
-            </a:lvl6pPr>
-            <a:lvl7pPr marL="2743200" algn="l" defTabSz="914400" rtl="0" eaLnBrk="1" latinLnBrk="0" hangingPunct="1">
-              <a:defRPr sz="1800" kern="1200">
-                <a:solidFill>
-                  <a:schemeClr val="tx1"/>
-                </a:solidFill>
-                <a:latin typeface="+mn-lt"/>
-                <a:ea typeface="+mn-ea"/>
-                <a:cs typeface="+mn-cs"/>
-              </a:defRPr>
-            </a:lvl7pPr>
-            <a:lvl8pPr marL="3200400" algn="l" defTabSz="914400" rtl="0" eaLnBrk="1" latinLnBrk="0" hangingPunct="1">
-              <a:defRPr sz="1800" kern="1200">
-                <a:solidFill>
-                  <a:schemeClr val="tx1"/>
-                </a:solidFill>
-                <a:latin typeface="+mn-lt"/>
-                <a:ea typeface="+mn-ea"/>
-                <a:cs typeface="+mn-cs"/>
-              </a:defRPr>
-            </a:lvl8pPr>
-            <a:lvl9pPr marL="3657600" algn="l" defTabSz="914400" rtl="0" eaLnBrk="1" latinLnBrk="0" hangingPunct="1">
-              <a:defRPr sz="1800" kern="1200">
-                <a:solidFill>
-                  <a:schemeClr val="tx1"/>
-                </a:solidFill>
-                <a:latin typeface="+mn-lt"/>
-                <a:ea typeface="+mn-ea"/>
-                <a:cs typeface="+mn-cs"/>
-              </a:defRPr>
-            </a:lvl9pPr>
-          </a:lstStyle>
-          <a:p>
-            <a:r>
-              <a:rPr lang="en-US" altLang="zh-TW" dirty="0"/>
-              <a:t>TYIC</a:t>
-            </a:r>
-            <a:r>
-              <a:rPr lang="zh-TW" altLang="en-US"/>
-              <a:t>桃高資訊社</a:t>
-            </a:r>
-          </a:p>
-        </p:txBody>
-      </p:sp>
-      <p:sp>
-        <p:nvSpPr>
-          <p:cNvPr id="9" name="投影片編號版面配置區 5">
-            <a:extLst>
-              <a:ext uri="{FF2B5EF4-FFF2-40B4-BE49-F238E27FC236}">
-                <a16:creationId xmlns:a16="http://schemas.microsoft.com/office/drawing/2014/main" id="{57347363-957B-4648-A00A-B2CA060C199F}"/>
-              </a:ext>
-            </a:extLst>
-          </p:cNvPr>
-          <p:cNvSpPr txBox="1">
-            <a:spLocks/>
-          </p:cNvSpPr>
-          <p:nvPr userDrawn="1"/>
-        </p:nvSpPr>
-        <p:spPr>
-          <a:xfrm>
-            <a:off x="9448800" y="6492874"/>
-            <a:ext cx="2743200" cy="365125"/>
-          </a:xfrm>
-          <a:prstGeom prst="rect">
-            <a:avLst/>
-          </a:prstGeom>
-        </p:spPr>
-        <p:txBody>
-          <a:bodyPr vert="horz" lIns="91440" tIns="45720" rIns="91440" bIns="45720" rtlCol="0" anchor="ctr"/>
-          <a:lstStyle>
-            <a:defPPr>
-              <a:defRPr lang="zh-TW"/>
-            </a:defPPr>
-            <a:lvl1pPr marL="0" algn="r" defTabSz="914400" rtl="0" eaLnBrk="1" latinLnBrk="0" hangingPunct="1">
-              <a:defRPr sz="1200" kern="1200">
-                <a:solidFill>
-                  <a:schemeClr val="tx1">
-                    <a:tint val="75000"/>
-                  </a:schemeClr>
-                </a:solidFill>
-                <a:latin typeface="+mn-lt"/>
-                <a:ea typeface="+mn-ea"/>
-                <a:cs typeface="+mn-cs"/>
-              </a:defRPr>
-            </a:lvl1pPr>
-            <a:lvl2pPr marL="457200" algn="l" defTabSz="914400" rtl="0" eaLnBrk="1" latinLnBrk="0" hangingPunct="1">
-              <a:defRPr sz="1800" kern="1200">
-                <a:solidFill>
-                  <a:schemeClr val="tx1"/>
-                </a:solidFill>
-                <a:latin typeface="+mn-lt"/>
-                <a:ea typeface="+mn-ea"/>
-                <a:cs typeface="+mn-cs"/>
-              </a:defRPr>
-            </a:lvl2pPr>
-            <a:lvl3pPr marL="914400" algn="l" defTabSz="914400" rtl="0" eaLnBrk="1" latinLnBrk="0" hangingPunct="1">
-              <a:defRPr sz="1800" kern="1200">
-                <a:solidFill>
-                  <a:schemeClr val="tx1"/>
-                </a:solidFill>
-                <a:latin typeface="+mn-lt"/>
-                <a:ea typeface="+mn-ea"/>
-                <a:cs typeface="+mn-cs"/>
-              </a:defRPr>
-            </a:lvl3pPr>
-            <a:lvl4pPr marL="1371600" algn="l" defTabSz="914400" rtl="0" eaLnBrk="1" latinLnBrk="0" hangingPunct="1">
-              <a:defRPr sz="1800" kern="1200">
-                <a:solidFill>
-                  <a:schemeClr val="tx1"/>
-                </a:solidFill>
-                <a:latin typeface="+mn-lt"/>
-                <a:ea typeface="+mn-ea"/>
-                <a:cs typeface="+mn-cs"/>
-              </a:defRPr>
-            </a:lvl4pPr>
-            <a:lvl5pPr marL="1828800" algn="l" defTabSz="914400" rtl="0" eaLnBrk="1" latinLnBrk="0" hangingPunct="1">
-              <a:defRPr sz="1800" kern="1200">
-                <a:solidFill>
-                  <a:schemeClr val="tx1"/>
-                </a:solidFill>
-                <a:latin typeface="+mn-lt"/>
-                <a:ea typeface="+mn-ea"/>
-                <a:cs typeface="+mn-cs"/>
-              </a:defRPr>
-            </a:lvl5pPr>
-            <a:lvl6pPr marL="2286000" algn="l" defTabSz="914400" rtl="0" eaLnBrk="1" latinLnBrk="0" hangingPunct="1">
-              <a:defRPr sz="1800" kern="1200">
-                <a:solidFill>
-                  <a:schemeClr val="tx1"/>
-                </a:solidFill>
-                <a:latin typeface="+mn-lt"/>
-                <a:ea typeface="+mn-ea"/>
-                <a:cs typeface="+mn-cs"/>
-              </a:defRPr>
-            </a:lvl6pPr>
-            <a:lvl7pPr marL="2743200" algn="l" defTabSz="914400" rtl="0" eaLnBrk="1" latinLnBrk="0" hangingPunct="1">
-              <a:defRPr sz="1800" kern="1200">
-                <a:solidFill>
-                  <a:schemeClr val="tx1"/>
-                </a:solidFill>
-                <a:latin typeface="+mn-lt"/>
-                <a:ea typeface="+mn-ea"/>
-                <a:cs typeface="+mn-cs"/>
-              </a:defRPr>
-            </a:lvl7pPr>
-            <a:lvl8pPr marL="3200400" algn="l" defTabSz="914400" rtl="0" eaLnBrk="1" latinLnBrk="0" hangingPunct="1">
-              <a:defRPr sz="1800" kern="1200">
-                <a:solidFill>
-                  <a:schemeClr val="tx1"/>
-                </a:solidFill>
-                <a:latin typeface="+mn-lt"/>
-                <a:ea typeface="+mn-ea"/>
-                <a:cs typeface="+mn-cs"/>
-              </a:defRPr>
-            </a:lvl8pPr>
-            <a:lvl9pPr marL="3657600" algn="l" defTabSz="914400" rtl="0" eaLnBrk="1" latinLnBrk="0" hangingPunct="1">
-              <a:defRPr sz="1800" kern="1200">
-                <a:solidFill>
-                  <a:schemeClr val="tx1"/>
-                </a:solidFill>
-                <a:latin typeface="+mn-lt"/>
-                <a:ea typeface="+mn-ea"/>
-                <a:cs typeface="+mn-cs"/>
-              </a:defRPr>
-            </a:lvl9pPr>
-          </a:lstStyle>
-          <a:p>
-            <a:fld id="{D4328D90-2A6F-4F23-88A8-C5DCC2B5F307}" type="slidenum">
-              <a:rPr lang="zh-TW" altLang="en-US" smtClean="0"/>
-              <a:pPr/>
-              <a:t>‹#›</a:t>
-            </a:fld>
-            <a:endParaRPr lang="zh-TW" altLang="en-US"/>
-          </a:p>
-        </p:txBody>
-      </p:sp>
     </p:spTree>
     <p:extLst>
       <p:ext uri="{BB962C8B-B14F-4D97-AF65-F5344CB8AC3E}">
-        <p14:creationId xmlns:p14="http://schemas.microsoft.com/office/powerpoint/2010/main" val="1189103795"/>
+        <p14:creationId xmlns:p14="http://schemas.microsoft.com/office/powerpoint/2010/main" val="2734476757"/>
       </p:ext>
     </p:extLst>
   </p:cSld>
@@ -2186,8 +1654,148 @@
 </file>
 
 <file path=ppt/slideLayouts/slideLayout12.xml><?xml version="1.0" encoding="utf-8"?>
+<p:sldLayout xmlns:a="http://schemas.openxmlformats.org/drawingml/2006/main" xmlns:r="http://schemas.openxmlformats.org/officeDocument/2006/relationships" xmlns:p="http://schemas.openxmlformats.org/presentationml/2006/main" preserve="1">
+  <p:cSld name="1_標題投影片">
+    <p:spTree>
+      <p:nvGrpSpPr>
+        <p:cNvPr id="1" name=""/>
+        <p:cNvGrpSpPr/>
+        <p:nvPr/>
+      </p:nvGrpSpPr>
+      <p:grpSpPr>
+        <a:xfrm>
+          <a:off x="0" y="0"/>
+          <a:ext cx="0" cy="0"/>
+          <a:chOff x="0" y="0"/>
+          <a:chExt cx="0" cy="0"/>
+        </a:xfrm>
+      </p:grpSpPr>
+      <p:sp>
+        <p:nvSpPr>
+          <p:cNvPr id="2" name="標題 1">
+            <a:extLst>
+              <a:ext uri="{FF2B5EF4-FFF2-40B4-BE49-F238E27FC236}">
+                <a16:creationId xmlns:a16="http://schemas.microsoft.com/office/drawing/2014/main" id="{2EB502BE-089D-4633-B90E-46A3D4FB7D4E}"/>
+              </a:ext>
+            </a:extLst>
+          </p:cNvPr>
+          <p:cNvSpPr>
+            <a:spLocks noGrp="1"/>
+          </p:cNvSpPr>
+          <p:nvPr>
+            <p:ph type="ctrTitle"/>
+          </p:nvPr>
+        </p:nvSpPr>
+        <p:spPr>
+          <a:xfrm>
+            <a:off x="1524000" y="1122363"/>
+            <a:ext cx="9144000" cy="2387600"/>
+          </a:xfrm>
+        </p:spPr>
+        <p:txBody>
+          <a:bodyPr anchor="b"/>
+          <a:lstStyle>
+            <a:lvl1pPr algn="ctr">
+              <a:defRPr sz="6000"/>
+            </a:lvl1pPr>
+          </a:lstStyle>
+          <a:p>
+            <a:r>
+              <a:rPr lang="zh-TW" altLang="en-US"/>
+              <a:t>按一下以編輯母片標題樣式</a:t>
+            </a:r>
+          </a:p>
+        </p:txBody>
+      </p:sp>
+      <p:sp>
+        <p:nvSpPr>
+          <p:cNvPr id="3" name="副標題 2">
+            <a:extLst>
+              <a:ext uri="{FF2B5EF4-FFF2-40B4-BE49-F238E27FC236}">
+                <a16:creationId xmlns:a16="http://schemas.microsoft.com/office/drawing/2014/main" id="{471674D0-0840-4D4C-93FB-3ABDEB2CAD45}"/>
+              </a:ext>
+            </a:extLst>
+          </p:cNvPr>
+          <p:cNvSpPr>
+            <a:spLocks noGrp="1"/>
+          </p:cNvSpPr>
+          <p:nvPr>
+            <p:ph type="subTitle" idx="1"/>
+          </p:nvPr>
+        </p:nvSpPr>
+        <p:spPr>
+          <a:xfrm>
+            <a:off x="1524000" y="3602038"/>
+            <a:ext cx="9144000" cy="1655762"/>
+          </a:xfrm>
+        </p:spPr>
+        <p:txBody>
+          <a:bodyPr/>
+          <a:lstStyle>
+            <a:lvl1pPr marL="0" indent="0" algn="ctr">
+              <a:buNone/>
+              <a:defRPr sz="2400"/>
+            </a:lvl1pPr>
+            <a:lvl2pPr marL="457200" indent="0" algn="ctr">
+              <a:buNone/>
+              <a:defRPr sz="2000"/>
+            </a:lvl2pPr>
+            <a:lvl3pPr marL="914400" indent="0" algn="ctr">
+              <a:buNone/>
+              <a:defRPr sz="1800"/>
+            </a:lvl3pPr>
+            <a:lvl4pPr marL="1371600" indent="0" algn="ctr">
+              <a:buNone/>
+              <a:defRPr sz="1600"/>
+            </a:lvl4pPr>
+            <a:lvl5pPr marL="1828800" indent="0" algn="ctr">
+              <a:buNone/>
+              <a:defRPr sz="1600"/>
+            </a:lvl5pPr>
+            <a:lvl6pPr marL="2286000" indent="0" algn="ctr">
+              <a:buNone/>
+              <a:defRPr sz="1600"/>
+            </a:lvl6pPr>
+            <a:lvl7pPr marL="2743200" indent="0" algn="ctr">
+              <a:buNone/>
+              <a:defRPr sz="1600"/>
+            </a:lvl7pPr>
+            <a:lvl8pPr marL="3200400" indent="0" algn="ctr">
+              <a:buNone/>
+              <a:defRPr sz="1600"/>
+            </a:lvl8pPr>
+            <a:lvl9pPr marL="3657600" indent="0" algn="ctr">
+              <a:buNone/>
+              <a:defRPr sz="1600"/>
+            </a:lvl9pPr>
+          </a:lstStyle>
+          <a:p>
+            <a:r>
+              <a:rPr lang="zh-TW" altLang="en-US"/>
+              <a:t>按一下以編輯母片子標題樣式</a:t>
+            </a:r>
+          </a:p>
+        </p:txBody>
+      </p:sp>
+    </p:spTree>
+    <p:extLst>
+      <p:ext uri="{BB962C8B-B14F-4D97-AF65-F5344CB8AC3E}">
+        <p14:creationId xmlns:p14="http://schemas.microsoft.com/office/powerpoint/2010/main" val="1697201830"/>
+      </p:ext>
+    </p:extLst>
+  </p:cSld>
+  <p:clrMapOvr>
+    <a:masterClrMapping/>
+  </p:clrMapOvr>
+  <p:transition spd="slow">
+    <p:push dir="u"/>
+  </p:transition>
+</p:sldLayout>
+</file>
+
+<file path=ppt/slideLayouts/slideLayout13.xml><?xml version="1.0" encoding="utf-8"?>
 <p:sldLayout xmlns:a="http://schemas.openxmlformats.org/drawingml/2006/main" xmlns:r="http://schemas.openxmlformats.org/officeDocument/2006/relationships" xmlns:p="http://schemas.openxmlformats.org/presentationml/2006/main" preserve="1" userDrawn="1">
-  <p:cSld name="1_標題投影片">
+  <p:cSld name="2_標題投影片">
     <p:spTree>
       <p:nvGrpSpPr>
         <p:cNvPr id="1" name=""/>
@@ -2556,7 +2164,7 @@
             </a:r>
             <a:r>
               <a:rPr lang="zh-TW" altLang="en-US"/>
-              <a:t>桃高資訊社</a:t>
+              <a:t> 桃高資訊社</a:t>
             </a:r>
           </a:p>
         </p:txBody>
@@ -2693,276 +2301,10 @@
           </a:p>
         </p:txBody>
       </p:sp>
-      <p:sp>
-        <p:nvSpPr>
-          <p:cNvPr id="6" name="頁尾版面配置區 4">
-            <a:extLst>
-              <a:ext uri="{FF2B5EF4-FFF2-40B4-BE49-F238E27FC236}">
-                <a16:creationId xmlns:a16="http://schemas.microsoft.com/office/drawing/2014/main" id="{7F1B4C44-6EB8-4BD8-B412-6811EF9D4774}"/>
-              </a:ext>
-            </a:extLst>
-          </p:cNvPr>
-          <p:cNvSpPr txBox="1">
-            <a:spLocks/>
-          </p:cNvSpPr>
-          <p:nvPr userDrawn="1"/>
-        </p:nvSpPr>
-        <p:spPr>
-          <a:xfrm>
-            <a:off x="0" y="6492875"/>
-            <a:ext cx="2743200" cy="365125"/>
-          </a:xfrm>
-          <a:prstGeom prst="rect">
-            <a:avLst/>
-          </a:prstGeom>
-        </p:spPr>
-        <p:txBody>
-          <a:bodyPr vert="horz" lIns="91440" tIns="45720" rIns="91440" bIns="45720" rtlCol="0" anchor="ctr"/>
-          <a:lstStyle>
-            <a:defPPr>
-              <a:defRPr lang="zh-TW"/>
-            </a:defPPr>
-            <a:lvl1pPr marL="0" algn="l" defTabSz="914400" rtl="0" eaLnBrk="1" latinLnBrk="0" hangingPunct="1">
-              <a:defRPr sz="1200" kern="1200">
-                <a:solidFill>
-                  <a:schemeClr val="tx1">
-                    <a:tint val="75000"/>
-                  </a:schemeClr>
-                </a:solidFill>
-                <a:latin typeface="+mn-lt"/>
-                <a:ea typeface="+mn-ea"/>
-                <a:cs typeface="+mn-cs"/>
-              </a:defRPr>
-            </a:lvl1pPr>
-            <a:lvl2pPr marL="457200" algn="l" defTabSz="914400" rtl="0" eaLnBrk="1" latinLnBrk="0" hangingPunct="1">
-              <a:defRPr sz="1800" kern="1200">
-                <a:solidFill>
-                  <a:schemeClr val="tx1"/>
-                </a:solidFill>
-                <a:latin typeface="+mn-lt"/>
-                <a:ea typeface="+mn-ea"/>
-                <a:cs typeface="+mn-cs"/>
-              </a:defRPr>
-            </a:lvl2pPr>
-            <a:lvl3pPr marL="914400" algn="l" defTabSz="914400" rtl="0" eaLnBrk="1" latinLnBrk="0" hangingPunct="1">
-              <a:defRPr sz="1800" kern="1200">
-                <a:solidFill>
-                  <a:schemeClr val="tx1"/>
-                </a:solidFill>
-                <a:latin typeface="+mn-lt"/>
-                <a:ea typeface="+mn-ea"/>
-                <a:cs typeface="+mn-cs"/>
-              </a:defRPr>
-            </a:lvl3pPr>
-            <a:lvl4pPr marL="1371600" algn="l" defTabSz="914400" rtl="0" eaLnBrk="1" latinLnBrk="0" hangingPunct="1">
-              <a:defRPr sz="1800" kern="1200">
-                <a:solidFill>
-                  <a:schemeClr val="tx1"/>
-                </a:solidFill>
-                <a:latin typeface="+mn-lt"/>
-                <a:ea typeface="+mn-ea"/>
-                <a:cs typeface="+mn-cs"/>
-              </a:defRPr>
-            </a:lvl4pPr>
-            <a:lvl5pPr marL="1828800" algn="l" defTabSz="914400" rtl="0" eaLnBrk="1" latinLnBrk="0" hangingPunct="1">
-              <a:defRPr sz="1800" kern="1200">
-                <a:solidFill>
-                  <a:schemeClr val="tx1"/>
-                </a:solidFill>
-                <a:latin typeface="+mn-lt"/>
-                <a:ea typeface="+mn-ea"/>
-                <a:cs typeface="+mn-cs"/>
-              </a:defRPr>
-            </a:lvl5pPr>
-            <a:lvl6pPr marL="2286000" algn="l" defTabSz="914400" rtl="0" eaLnBrk="1" latinLnBrk="0" hangingPunct="1">
-              <a:defRPr sz="1800" kern="1200">
-                <a:solidFill>
-                  <a:schemeClr val="tx1"/>
-                </a:solidFill>
-                <a:latin typeface="+mn-lt"/>
-                <a:ea typeface="+mn-ea"/>
-                <a:cs typeface="+mn-cs"/>
-              </a:defRPr>
-            </a:lvl6pPr>
-            <a:lvl7pPr marL="2743200" algn="l" defTabSz="914400" rtl="0" eaLnBrk="1" latinLnBrk="0" hangingPunct="1">
-              <a:defRPr sz="1800" kern="1200">
-                <a:solidFill>
-                  <a:schemeClr val="tx1"/>
-                </a:solidFill>
-                <a:latin typeface="+mn-lt"/>
-                <a:ea typeface="+mn-ea"/>
-                <a:cs typeface="+mn-cs"/>
-              </a:defRPr>
-            </a:lvl7pPr>
-            <a:lvl8pPr marL="3200400" algn="l" defTabSz="914400" rtl="0" eaLnBrk="1" latinLnBrk="0" hangingPunct="1">
-              <a:defRPr sz="1800" kern="1200">
-                <a:solidFill>
-                  <a:schemeClr val="tx1"/>
-                </a:solidFill>
-                <a:latin typeface="+mn-lt"/>
-                <a:ea typeface="+mn-ea"/>
-                <a:cs typeface="+mn-cs"/>
-              </a:defRPr>
-            </a:lvl8pPr>
-            <a:lvl9pPr marL="3657600" algn="l" defTabSz="914400" rtl="0" eaLnBrk="1" latinLnBrk="0" hangingPunct="1">
-              <a:defRPr sz="1800" kern="1200">
-                <a:solidFill>
-                  <a:schemeClr val="tx1"/>
-                </a:solidFill>
-                <a:latin typeface="+mn-lt"/>
-                <a:ea typeface="+mn-ea"/>
-                <a:cs typeface="+mn-cs"/>
-              </a:defRPr>
-            </a:lvl9pPr>
-          </a:lstStyle>
-          <a:p>
-            <a:r>
-              <a:rPr lang="en-US" altLang="zh-TW" dirty="0"/>
-              <a:t>TYIC</a:t>
-            </a:r>
-            <a:r>
-              <a:rPr lang="zh-TW" altLang="en-US"/>
-              <a:t>桃高資訊社</a:t>
-            </a:r>
-          </a:p>
-        </p:txBody>
-      </p:sp>
-      <p:sp>
-        <p:nvSpPr>
-          <p:cNvPr id="9" name="投影片編號版面配置區 5">
-            <a:extLst>
-              <a:ext uri="{FF2B5EF4-FFF2-40B4-BE49-F238E27FC236}">
-                <a16:creationId xmlns:a16="http://schemas.microsoft.com/office/drawing/2014/main" id="{D5645BFA-9A44-4F64-8F8D-F56200EA2963}"/>
-              </a:ext>
-            </a:extLst>
-          </p:cNvPr>
-          <p:cNvSpPr txBox="1">
-            <a:spLocks/>
-          </p:cNvSpPr>
-          <p:nvPr userDrawn="1"/>
-        </p:nvSpPr>
-        <p:spPr>
-          <a:xfrm>
-            <a:off x="9448800" y="6492874"/>
-            <a:ext cx="2743200" cy="365125"/>
-          </a:xfrm>
-          <a:prstGeom prst="rect">
-            <a:avLst/>
-          </a:prstGeom>
-        </p:spPr>
-        <p:txBody>
-          <a:bodyPr vert="horz" lIns="91440" tIns="45720" rIns="91440" bIns="45720" rtlCol="0" anchor="ctr"/>
-          <a:lstStyle>
-            <a:defPPr>
-              <a:defRPr lang="zh-TW"/>
-            </a:defPPr>
-            <a:lvl1pPr marL="0" algn="r" defTabSz="914400" rtl="0" eaLnBrk="1" latinLnBrk="0" hangingPunct="1">
-              <a:defRPr sz="1200" kern="1200">
-                <a:solidFill>
-                  <a:schemeClr val="tx1">
-                    <a:tint val="75000"/>
-                  </a:schemeClr>
-                </a:solidFill>
-                <a:latin typeface="+mn-lt"/>
-                <a:ea typeface="+mn-ea"/>
-                <a:cs typeface="+mn-cs"/>
-              </a:defRPr>
-            </a:lvl1pPr>
-            <a:lvl2pPr marL="457200" algn="l" defTabSz="914400" rtl="0" eaLnBrk="1" latinLnBrk="0" hangingPunct="1">
-              <a:defRPr sz="1800" kern="1200">
-                <a:solidFill>
-                  <a:schemeClr val="tx1"/>
-                </a:solidFill>
-                <a:latin typeface="+mn-lt"/>
-                <a:ea typeface="+mn-ea"/>
-                <a:cs typeface="+mn-cs"/>
-              </a:defRPr>
-            </a:lvl2pPr>
-            <a:lvl3pPr marL="914400" algn="l" defTabSz="914400" rtl="0" eaLnBrk="1" latinLnBrk="0" hangingPunct="1">
-              <a:defRPr sz="1800" kern="1200">
-                <a:solidFill>
-                  <a:schemeClr val="tx1"/>
-                </a:solidFill>
-                <a:latin typeface="+mn-lt"/>
-                <a:ea typeface="+mn-ea"/>
-                <a:cs typeface="+mn-cs"/>
-              </a:defRPr>
-            </a:lvl3pPr>
-            <a:lvl4pPr marL="1371600" algn="l" defTabSz="914400" rtl="0" eaLnBrk="1" latinLnBrk="0" hangingPunct="1">
-              <a:defRPr sz="1800" kern="1200">
-                <a:solidFill>
-                  <a:schemeClr val="tx1"/>
-                </a:solidFill>
-                <a:latin typeface="+mn-lt"/>
-                <a:ea typeface="+mn-ea"/>
-                <a:cs typeface="+mn-cs"/>
-              </a:defRPr>
-            </a:lvl4pPr>
-            <a:lvl5pPr marL="1828800" algn="l" defTabSz="914400" rtl="0" eaLnBrk="1" latinLnBrk="0" hangingPunct="1">
-              <a:defRPr sz="1800" kern="1200">
-                <a:solidFill>
-                  <a:schemeClr val="tx1"/>
-                </a:solidFill>
-                <a:latin typeface="+mn-lt"/>
-                <a:ea typeface="+mn-ea"/>
-                <a:cs typeface="+mn-cs"/>
-              </a:defRPr>
-            </a:lvl5pPr>
-            <a:lvl6pPr marL="2286000" algn="l" defTabSz="914400" rtl="0" eaLnBrk="1" latinLnBrk="0" hangingPunct="1">
-              <a:defRPr sz="1800" kern="1200">
-                <a:solidFill>
-                  <a:schemeClr val="tx1"/>
-                </a:solidFill>
-                <a:latin typeface="+mn-lt"/>
-                <a:ea typeface="+mn-ea"/>
-                <a:cs typeface="+mn-cs"/>
-              </a:defRPr>
-            </a:lvl6pPr>
-            <a:lvl7pPr marL="2743200" algn="l" defTabSz="914400" rtl="0" eaLnBrk="1" latinLnBrk="0" hangingPunct="1">
-              <a:defRPr sz="1800" kern="1200">
-                <a:solidFill>
-                  <a:schemeClr val="tx1"/>
-                </a:solidFill>
-                <a:latin typeface="+mn-lt"/>
-                <a:ea typeface="+mn-ea"/>
-                <a:cs typeface="+mn-cs"/>
-              </a:defRPr>
-            </a:lvl7pPr>
-            <a:lvl8pPr marL="3200400" algn="l" defTabSz="914400" rtl="0" eaLnBrk="1" latinLnBrk="0" hangingPunct="1">
-              <a:defRPr sz="1800" kern="1200">
-                <a:solidFill>
-                  <a:schemeClr val="tx1"/>
-                </a:solidFill>
-                <a:latin typeface="+mn-lt"/>
-                <a:ea typeface="+mn-ea"/>
-                <a:cs typeface="+mn-cs"/>
-              </a:defRPr>
-            </a:lvl8pPr>
-            <a:lvl9pPr marL="3657600" algn="l" defTabSz="914400" rtl="0" eaLnBrk="1" latinLnBrk="0" hangingPunct="1">
-              <a:defRPr sz="1800" kern="1200">
-                <a:solidFill>
-                  <a:schemeClr val="tx1"/>
-                </a:solidFill>
-                <a:latin typeface="+mn-lt"/>
-                <a:ea typeface="+mn-ea"/>
-                <a:cs typeface="+mn-cs"/>
-              </a:defRPr>
-            </a:lvl9pPr>
-          </a:lstStyle>
-          <a:p>
-            <a:fld id="{D4328D90-2A6F-4F23-88A8-C5DCC2B5F307}" type="slidenum">
-              <a:rPr lang="zh-TW" altLang="en-US" smtClean="0"/>
-              <a:pPr/>
-              <a:t>‹#›</a:t>
-            </a:fld>
-            <a:endParaRPr lang="zh-TW" altLang="en-US"/>
-          </a:p>
-        </p:txBody>
-      </p:sp>
     </p:spTree>
     <p:extLst>
       <p:ext uri="{BB962C8B-B14F-4D97-AF65-F5344CB8AC3E}">
-        <p14:creationId xmlns:p14="http://schemas.microsoft.com/office/powerpoint/2010/main" val="277887027"/>
+        <p14:creationId xmlns:p14="http://schemas.microsoft.com/office/powerpoint/2010/main" val="1304497826"/>
       </p:ext>
     </p:extLst>
   </p:cSld>
@@ -3283,7 +2625,7 @@
             </a:r>
             <a:r>
               <a:rPr lang="zh-TW" altLang="en-US"/>
-              <a:t>桃高資訊社</a:t>
+              <a:t> 桃高資訊社</a:t>
             </a:r>
           </a:p>
         </p:txBody>
@@ -3420,276 +2762,10 @@
           </a:p>
         </p:txBody>
       </p:sp>
-      <p:sp>
-        <p:nvSpPr>
-          <p:cNvPr id="6" name="頁尾版面配置區 4">
-            <a:extLst>
-              <a:ext uri="{FF2B5EF4-FFF2-40B4-BE49-F238E27FC236}">
-                <a16:creationId xmlns:a16="http://schemas.microsoft.com/office/drawing/2014/main" id="{C12AABF6-EBDA-4937-B686-A08383EAE3CA}"/>
-              </a:ext>
-            </a:extLst>
-          </p:cNvPr>
-          <p:cNvSpPr txBox="1">
-            <a:spLocks/>
-          </p:cNvSpPr>
-          <p:nvPr userDrawn="1"/>
-        </p:nvSpPr>
-        <p:spPr>
-          <a:xfrm>
-            <a:off x="0" y="6492875"/>
-            <a:ext cx="2743200" cy="365125"/>
-          </a:xfrm>
-          <a:prstGeom prst="rect">
-            <a:avLst/>
-          </a:prstGeom>
-        </p:spPr>
-        <p:txBody>
-          <a:bodyPr vert="horz" lIns="91440" tIns="45720" rIns="91440" bIns="45720" rtlCol="0" anchor="ctr"/>
-          <a:lstStyle>
-            <a:defPPr>
-              <a:defRPr lang="zh-TW"/>
-            </a:defPPr>
-            <a:lvl1pPr marL="0" algn="l" defTabSz="914400" rtl="0" eaLnBrk="1" latinLnBrk="0" hangingPunct="1">
-              <a:defRPr sz="1200" kern="1200">
-                <a:solidFill>
-                  <a:schemeClr val="tx1">
-                    <a:tint val="75000"/>
-                  </a:schemeClr>
-                </a:solidFill>
-                <a:latin typeface="+mn-lt"/>
-                <a:ea typeface="+mn-ea"/>
-                <a:cs typeface="+mn-cs"/>
-              </a:defRPr>
-            </a:lvl1pPr>
-            <a:lvl2pPr marL="457200" algn="l" defTabSz="914400" rtl="0" eaLnBrk="1" latinLnBrk="0" hangingPunct="1">
-              <a:defRPr sz="1800" kern="1200">
-                <a:solidFill>
-                  <a:schemeClr val="tx1"/>
-                </a:solidFill>
-                <a:latin typeface="+mn-lt"/>
-                <a:ea typeface="+mn-ea"/>
-                <a:cs typeface="+mn-cs"/>
-              </a:defRPr>
-            </a:lvl2pPr>
-            <a:lvl3pPr marL="914400" algn="l" defTabSz="914400" rtl="0" eaLnBrk="1" latinLnBrk="0" hangingPunct="1">
-              <a:defRPr sz="1800" kern="1200">
-                <a:solidFill>
-                  <a:schemeClr val="tx1"/>
-                </a:solidFill>
-                <a:latin typeface="+mn-lt"/>
-                <a:ea typeface="+mn-ea"/>
-                <a:cs typeface="+mn-cs"/>
-              </a:defRPr>
-            </a:lvl3pPr>
-            <a:lvl4pPr marL="1371600" algn="l" defTabSz="914400" rtl="0" eaLnBrk="1" latinLnBrk="0" hangingPunct="1">
-              <a:defRPr sz="1800" kern="1200">
-                <a:solidFill>
-                  <a:schemeClr val="tx1"/>
-                </a:solidFill>
-                <a:latin typeface="+mn-lt"/>
-                <a:ea typeface="+mn-ea"/>
-                <a:cs typeface="+mn-cs"/>
-              </a:defRPr>
-            </a:lvl4pPr>
-            <a:lvl5pPr marL="1828800" algn="l" defTabSz="914400" rtl="0" eaLnBrk="1" latinLnBrk="0" hangingPunct="1">
-              <a:defRPr sz="1800" kern="1200">
-                <a:solidFill>
-                  <a:schemeClr val="tx1"/>
-                </a:solidFill>
-                <a:latin typeface="+mn-lt"/>
-                <a:ea typeface="+mn-ea"/>
-                <a:cs typeface="+mn-cs"/>
-              </a:defRPr>
-            </a:lvl5pPr>
-            <a:lvl6pPr marL="2286000" algn="l" defTabSz="914400" rtl="0" eaLnBrk="1" latinLnBrk="0" hangingPunct="1">
-              <a:defRPr sz="1800" kern="1200">
-                <a:solidFill>
-                  <a:schemeClr val="tx1"/>
-                </a:solidFill>
-                <a:latin typeface="+mn-lt"/>
-                <a:ea typeface="+mn-ea"/>
-                <a:cs typeface="+mn-cs"/>
-              </a:defRPr>
-            </a:lvl6pPr>
-            <a:lvl7pPr marL="2743200" algn="l" defTabSz="914400" rtl="0" eaLnBrk="1" latinLnBrk="0" hangingPunct="1">
-              <a:defRPr sz="1800" kern="1200">
-                <a:solidFill>
-                  <a:schemeClr val="tx1"/>
-                </a:solidFill>
-                <a:latin typeface="+mn-lt"/>
-                <a:ea typeface="+mn-ea"/>
-                <a:cs typeface="+mn-cs"/>
-              </a:defRPr>
-            </a:lvl7pPr>
-            <a:lvl8pPr marL="3200400" algn="l" defTabSz="914400" rtl="0" eaLnBrk="1" latinLnBrk="0" hangingPunct="1">
-              <a:defRPr sz="1800" kern="1200">
-                <a:solidFill>
-                  <a:schemeClr val="tx1"/>
-                </a:solidFill>
-                <a:latin typeface="+mn-lt"/>
-                <a:ea typeface="+mn-ea"/>
-                <a:cs typeface="+mn-cs"/>
-              </a:defRPr>
-            </a:lvl8pPr>
-            <a:lvl9pPr marL="3657600" algn="l" defTabSz="914400" rtl="0" eaLnBrk="1" latinLnBrk="0" hangingPunct="1">
-              <a:defRPr sz="1800" kern="1200">
-                <a:solidFill>
-                  <a:schemeClr val="tx1"/>
-                </a:solidFill>
-                <a:latin typeface="+mn-lt"/>
-                <a:ea typeface="+mn-ea"/>
-                <a:cs typeface="+mn-cs"/>
-              </a:defRPr>
-            </a:lvl9pPr>
-          </a:lstStyle>
-          <a:p>
-            <a:r>
-              <a:rPr lang="en-US" altLang="zh-TW" dirty="0"/>
-              <a:t>TYIC</a:t>
-            </a:r>
-            <a:r>
-              <a:rPr lang="zh-TW" altLang="en-US"/>
-              <a:t>桃高資訊社</a:t>
-            </a:r>
-          </a:p>
-        </p:txBody>
-      </p:sp>
-      <p:sp>
-        <p:nvSpPr>
-          <p:cNvPr id="9" name="投影片編號版面配置區 5">
-            <a:extLst>
-              <a:ext uri="{FF2B5EF4-FFF2-40B4-BE49-F238E27FC236}">
-                <a16:creationId xmlns:a16="http://schemas.microsoft.com/office/drawing/2014/main" id="{7BF9F7AE-C194-4548-8231-C0B32EC4A421}"/>
-              </a:ext>
-            </a:extLst>
-          </p:cNvPr>
-          <p:cNvSpPr txBox="1">
-            <a:spLocks/>
-          </p:cNvSpPr>
-          <p:nvPr userDrawn="1"/>
-        </p:nvSpPr>
-        <p:spPr>
-          <a:xfrm>
-            <a:off x="9448800" y="6492874"/>
-            <a:ext cx="2743200" cy="365125"/>
-          </a:xfrm>
-          <a:prstGeom prst="rect">
-            <a:avLst/>
-          </a:prstGeom>
-        </p:spPr>
-        <p:txBody>
-          <a:bodyPr vert="horz" lIns="91440" tIns="45720" rIns="91440" bIns="45720" rtlCol="0" anchor="ctr"/>
-          <a:lstStyle>
-            <a:defPPr>
-              <a:defRPr lang="zh-TW"/>
-            </a:defPPr>
-            <a:lvl1pPr marL="0" algn="r" defTabSz="914400" rtl="0" eaLnBrk="1" latinLnBrk="0" hangingPunct="1">
-              <a:defRPr sz="1200" kern="1200">
-                <a:solidFill>
-                  <a:schemeClr val="tx1">
-                    <a:tint val="75000"/>
-                  </a:schemeClr>
-                </a:solidFill>
-                <a:latin typeface="+mn-lt"/>
-                <a:ea typeface="+mn-ea"/>
-                <a:cs typeface="+mn-cs"/>
-              </a:defRPr>
-            </a:lvl1pPr>
-            <a:lvl2pPr marL="457200" algn="l" defTabSz="914400" rtl="0" eaLnBrk="1" latinLnBrk="0" hangingPunct="1">
-              <a:defRPr sz="1800" kern="1200">
-                <a:solidFill>
-                  <a:schemeClr val="tx1"/>
-                </a:solidFill>
-                <a:latin typeface="+mn-lt"/>
-                <a:ea typeface="+mn-ea"/>
-                <a:cs typeface="+mn-cs"/>
-              </a:defRPr>
-            </a:lvl2pPr>
-            <a:lvl3pPr marL="914400" algn="l" defTabSz="914400" rtl="0" eaLnBrk="1" latinLnBrk="0" hangingPunct="1">
-              <a:defRPr sz="1800" kern="1200">
-                <a:solidFill>
-                  <a:schemeClr val="tx1"/>
-                </a:solidFill>
-                <a:latin typeface="+mn-lt"/>
-                <a:ea typeface="+mn-ea"/>
-                <a:cs typeface="+mn-cs"/>
-              </a:defRPr>
-            </a:lvl3pPr>
-            <a:lvl4pPr marL="1371600" algn="l" defTabSz="914400" rtl="0" eaLnBrk="1" latinLnBrk="0" hangingPunct="1">
-              <a:defRPr sz="1800" kern="1200">
-                <a:solidFill>
-                  <a:schemeClr val="tx1"/>
-                </a:solidFill>
-                <a:latin typeface="+mn-lt"/>
-                <a:ea typeface="+mn-ea"/>
-                <a:cs typeface="+mn-cs"/>
-              </a:defRPr>
-            </a:lvl4pPr>
-            <a:lvl5pPr marL="1828800" algn="l" defTabSz="914400" rtl="0" eaLnBrk="1" latinLnBrk="0" hangingPunct="1">
-              <a:defRPr sz="1800" kern="1200">
-                <a:solidFill>
-                  <a:schemeClr val="tx1"/>
-                </a:solidFill>
-                <a:latin typeface="+mn-lt"/>
-                <a:ea typeface="+mn-ea"/>
-                <a:cs typeface="+mn-cs"/>
-              </a:defRPr>
-            </a:lvl5pPr>
-            <a:lvl6pPr marL="2286000" algn="l" defTabSz="914400" rtl="0" eaLnBrk="1" latinLnBrk="0" hangingPunct="1">
-              <a:defRPr sz="1800" kern="1200">
-                <a:solidFill>
-                  <a:schemeClr val="tx1"/>
-                </a:solidFill>
-                <a:latin typeface="+mn-lt"/>
-                <a:ea typeface="+mn-ea"/>
-                <a:cs typeface="+mn-cs"/>
-              </a:defRPr>
-            </a:lvl6pPr>
-            <a:lvl7pPr marL="2743200" algn="l" defTabSz="914400" rtl="0" eaLnBrk="1" latinLnBrk="0" hangingPunct="1">
-              <a:defRPr sz="1800" kern="1200">
-                <a:solidFill>
-                  <a:schemeClr val="tx1"/>
-                </a:solidFill>
-                <a:latin typeface="+mn-lt"/>
-                <a:ea typeface="+mn-ea"/>
-                <a:cs typeface="+mn-cs"/>
-              </a:defRPr>
-            </a:lvl7pPr>
-            <a:lvl8pPr marL="3200400" algn="l" defTabSz="914400" rtl="0" eaLnBrk="1" latinLnBrk="0" hangingPunct="1">
-              <a:defRPr sz="1800" kern="1200">
-                <a:solidFill>
-                  <a:schemeClr val="tx1"/>
-                </a:solidFill>
-                <a:latin typeface="+mn-lt"/>
-                <a:ea typeface="+mn-ea"/>
-                <a:cs typeface="+mn-cs"/>
-              </a:defRPr>
-            </a:lvl8pPr>
-            <a:lvl9pPr marL="3657600" algn="l" defTabSz="914400" rtl="0" eaLnBrk="1" latinLnBrk="0" hangingPunct="1">
-              <a:defRPr sz="1800" kern="1200">
-                <a:solidFill>
-                  <a:schemeClr val="tx1"/>
-                </a:solidFill>
-                <a:latin typeface="+mn-lt"/>
-                <a:ea typeface="+mn-ea"/>
-                <a:cs typeface="+mn-cs"/>
-              </a:defRPr>
-            </a:lvl9pPr>
-          </a:lstStyle>
-          <a:p>
-            <a:fld id="{D4328D90-2A6F-4F23-88A8-C5DCC2B5F307}" type="slidenum">
-              <a:rPr lang="zh-TW" altLang="en-US" smtClean="0"/>
-              <a:pPr/>
-              <a:t>‹#›</a:t>
-            </a:fld>
-            <a:endParaRPr lang="zh-TW" altLang="en-US"/>
-          </a:p>
-        </p:txBody>
-      </p:sp>
     </p:spTree>
     <p:extLst>
       <p:ext uri="{BB962C8B-B14F-4D97-AF65-F5344CB8AC3E}">
-        <p14:creationId xmlns:p14="http://schemas.microsoft.com/office/powerpoint/2010/main" val="3478202395"/>
+        <p14:creationId xmlns:p14="http://schemas.microsoft.com/office/powerpoint/2010/main" val="800568142"/>
       </p:ext>
     </p:extLst>
   </p:cSld>
@@ -4000,7 +3076,7 @@
             </a:r>
             <a:r>
               <a:rPr lang="zh-TW" altLang="en-US"/>
-              <a:t>桃高資訊社</a:t>
+              <a:t> 桃高資訊社</a:t>
             </a:r>
           </a:p>
         </p:txBody>
@@ -4137,276 +3213,10 @@
           </a:p>
         </p:txBody>
       </p:sp>
-      <p:sp>
-        <p:nvSpPr>
-          <p:cNvPr id="7" name="頁尾版面配置區 4">
-            <a:extLst>
-              <a:ext uri="{FF2B5EF4-FFF2-40B4-BE49-F238E27FC236}">
-                <a16:creationId xmlns:a16="http://schemas.microsoft.com/office/drawing/2014/main" id="{3ABFDC0F-70CB-44BB-A8D0-8675BDDC8A31}"/>
-              </a:ext>
-            </a:extLst>
-          </p:cNvPr>
-          <p:cNvSpPr txBox="1">
-            <a:spLocks/>
-          </p:cNvSpPr>
-          <p:nvPr userDrawn="1"/>
-        </p:nvSpPr>
-        <p:spPr>
-          <a:xfrm>
-            <a:off x="0" y="6492875"/>
-            <a:ext cx="2743200" cy="365125"/>
-          </a:xfrm>
-          <a:prstGeom prst="rect">
-            <a:avLst/>
-          </a:prstGeom>
-        </p:spPr>
-        <p:txBody>
-          <a:bodyPr vert="horz" lIns="91440" tIns="45720" rIns="91440" bIns="45720" rtlCol="0" anchor="ctr"/>
-          <a:lstStyle>
-            <a:defPPr>
-              <a:defRPr lang="zh-TW"/>
-            </a:defPPr>
-            <a:lvl1pPr marL="0" algn="l" defTabSz="914400" rtl="0" eaLnBrk="1" latinLnBrk="0" hangingPunct="1">
-              <a:defRPr sz="1200" kern="1200">
-                <a:solidFill>
-                  <a:schemeClr val="tx1">
-                    <a:tint val="75000"/>
-                  </a:schemeClr>
-                </a:solidFill>
-                <a:latin typeface="+mn-lt"/>
-                <a:ea typeface="+mn-ea"/>
-                <a:cs typeface="+mn-cs"/>
-              </a:defRPr>
-            </a:lvl1pPr>
-            <a:lvl2pPr marL="457200" algn="l" defTabSz="914400" rtl="0" eaLnBrk="1" latinLnBrk="0" hangingPunct="1">
-              <a:defRPr sz="1800" kern="1200">
-                <a:solidFill>
-                  <a:schemeClr val="tx1"/>
-                </a:solidFill>
-                <a:latin typeface="+mn-lt"/>
-                <a:ea typeface="+mn-ea"/>
-                <a:cs typeface="+mn-cs"/>
-              </a:defRPr>
-            </a:lvl2pPr>
-            <a:lvl3pPr marL="914400" algn="l" defTabSz="914400" rtl="0" eaLnBrk="1" latinLnBrk="0" hangingPunct="1">
-              <a:defRPr sz="1800" kern="1200">
-                <a:solidFill>
-                  <a:schemeClr val="tx1"/>
-                </a:solidFill>
-                <a:latin typeface="+mn-lt"/>
-                <a:ea typeface="+mn-ea"/>
-                <a:cs typeface="+mn-cs"/>
-              </a:defRPr>
-            </a:lvl3pPr>
-            <a:lvl4pPr marL="1371600" algn="l" defTabSz="914400" rtl="0" eaLnBrk="1" latinLnBrk="0" hangingPunct="1">
-              <a:defRPr sz="1800" kern="1200">
-                <a:solidFill>
-                  <a:schemeClr val="tx1"/>
-                </a:solidFill>
-                <a:latin typeface="+mn-lt"/>
-                <a:ea typeface="+mn-ea"/>
-                <a:cs typeface="+mn-cs"/>
-              </a:defRPr>
-            </a:lvl4pPr>
-            <a:lvl5pPr marL="1828800" algn="l" defTabSz="914400" rtl="0" eaLnBrk="1" latinLnBrk="0" hangingPunct="1">
-              <a:defRPr sz="1800" kern="1200">
-                <a:solidFill>
-                  <a:schemeClr val="tx1"/>
-                </a:solidFill>
-                <a:latin typeface="+mn-lt"/>
-                <a:ea typeface="+mn-ea"/>
-                <a:cs typeface="+mn-cs"/>
-              </a:defRPr>
-            </a:lvl5pPr>
-            <a:lvl6pPr marL="2286000" algn="l" defTabSz="914400" rtl="0" eaLnBrk="1" latinLnBrk="0" hangingPunct="1">
-              <a:defRPr sz="1800" kern="1200">
-                <a:solidFill>
-                  <a:schemeClr val="tx1"/>
-                </a:solidFill>
-                <a:latin typeface="+mn-lt"/>
-                <a:ea typeface="+mn-ea"/>
-                <a:cs typeface="+mn-cs"/>
-              </a:defRPr>
-            </a:lvl6pPr>
-            <a:lvl7pPr marL="2743200" algn="l" defTabSz="914400" rtl="0" eaLnBrk="1" latinLnBrk="0" hangingPunct="1">
-              <a:defRPr sz="1800" kern="1200">
-                <a:solidFill>
-                  <a:schemeClr val="tx1"/>
-                </a:solidFill>
-                <a:latin typeface="+mn-lt"/>
-                <a:ea typeface="+mn-ea"/>
-                <a:cs typeface="+mn-cs"/>
-              </a:defRPr>
-            </a:lvl7pPr>
-            <a:lvl8pPr marL="3200400" algn="l" defTabSz="914400" rtl="0" eaLnBrk="1" latinLnBrk="0" hangingPunct="1">
-              <a:defRPr sz="1800" kern="1200">
-                <a:solidFill>
-                  <a:schemeClr val="tx1"/>
-                </a:solidFill>
-                <a:latin typeface="+mn-lt"/>
-                <a:ea typeface="+mn-ea"/>
-                <a:cs typeface="+mn-cs"/>
-              </a:defRPr>
-            </a:lvl8pPr>
-            <a:lvl9pPr marL="3657600" algn="l" defTabSz="914400" rtl="0" eaLnBrk="1" latinLnBrk="0" hangingPunct="1">
-              <a:defRPr sz="1800" kern="1200">
-                <a:solidFill>
-                  <a:schemeClr val="tx1"/>
-                </a:solidFill>
-                <a:latin typeface="+mn-lt"/>
-                <a:ea typeface="+mn-ea"/>
-                <a:cs typeface="+mn-cs"/>
-              </a:defRPr>
-            </a:lvl9pPr>
-          </a:lstStyle>
-          <a:p>
-            <a:r>
-              <a:rPr lang="en-US" altLang="zh-TW" dirty="0"/>
-              <a:t>TYIC</a:t>
-            </a:r>
-            <a:r>
-              <a:rPr lang="zh-TW" altLang="en-US"/>
-              <a:t>桃高資訊社</a:t>
-            </a:r>
-          </a:p>
-        </p:txBody>
-      </p:sp>
-      <p:sp>
-        <p:nvSpPr>
-          <p:cNvPr id="10" name="投影片編號版面配置區 5">
-            <a:extLst>
-              <a:ext uri="{FF2B5EF4-FFF2-40B4-BE49-F238E27FC236}">
-                <a16:creationId xmlns:a16="http://schemas.microsoft.com/office/drawing/2014/main" id="{3E497A7F-C4A6-433E-970D-21CB50CFFF05}"/>
-              </a:ext>
-            </a:extLst>
-          </p:cNvPr>
-          <p:cNvSpPr txBox="1">
-            <a:spLocks/>
-          </p:cNvSpPr>
-          <p:nvPr userDrawn="1"/>
-        </p:nvSpPr>
-        <p:spPr>
-          <a:xfrm>
-            <a:off x="9448800" y="6492874"/>
-            <a:ext cx="2743200" cy="365125"/>
-          </a:xfrm>
-          <a:prstGeom prst="rect">
-            <a:avLst/>
-          </a:prstGeom>
-        </p:spPr>
-        <p:txBody>
-          <a:bodyPr vert="horz" lIns="91440" tIns="45720" rIns="91440" bIns="45720" rtlCol="0" anchor="ctr"/>
-          <a:lstStyle>
-            <a:defPPr>
-              <a:defRPr lang="zh-TW"/>
-            </a:defPPr>
-            <a:lvl1pPr marL="0" algn="r" defTabSz="914400" rtl="0" eaLnBrk="1" latinLnBrk="0" hangingPunct="1">
-              <a:defRPr sz="1200" kern="1200">
-                <a:solidFill>
-                  <a:schemeClr val="tx1">
-                    <a:tint val="75000"/>
-                  </a:schemeClr>
-                </a:solidFill>
-                <a:latin typeface="+mn-lt"/>
-                <a:ea typeface="+mn-ea"/>
-                <a:cs typeface="+mn-cs"/>
-              </a:defRPr>
-            </a:lvl1pPr>
-            <a:lvl2pPr marL="457200" algn="l" defTabSz="914400" rtl="0" eaLnBrk="1" latinLnBrk="0" hangingPunct="1">
-              <a:defRPr sz="1800" kern="1200">
-                <a:solidFill>
-                  <a:schemeClr val="tx1"/>
-                </a:solidFill>
-                <a:latin typeface="+mn-lt"/>
-                <a:ea typeface="+mn-ea"/>
-                <a:cs typeface="+mn-cs"/>
-              </a:defRPr>
-            </a:lvl2pPr>
-            <a:lvl3pPr marL="914400" algn="l" defTabSz="914400" rtl="0" eaLnBrk="1" latinLnBrk="0" hangingPunct="1">
-              <a:defRPr sz="1800" kern="1200">
-                <a:solidFill>
-                  <a:schemeClr val="tx1"/>
-                </a:solidFill>
-                <a:latin typeface="+mn-lt"/>
-                <a:ea typeface="+mn-ea"/>
-                <a:cs typeface="+mn-cs"/>
-              </a:defRPr>
-            </a:lvl3pPr>
-            <a:lvl4pPr marL="1371600" algn="l" defTabSz="914400" rtl="0" eaLnBrk="1" latinLnBrk="0" hangingPunct="1">
-              <a:defRPr sz="1800" kern="1200">
-                <a:solidFill>
-                  <a:schemeClr val="tx1"/>
-                </a:solidFill>
-                <a:latin typeface="+mn-lt"/>
-                <a:ea typeface="+mn-ea"/>
-                <a:cs typeface="+mn-cs"/>
-              </a:defRPr>
-            </a:lvl4pPr>
-            <a:lvl5pPr marL="1828800" algn="l" defTabSz="914400" rtl="0" eaLnBrk="1" latinLnBrk="0" hangingPunct="1">
-              <a:defRPr sz="1800" kern="1200">
-                <a:solidFill>
-                  <a:schemeClr val="tx1"/>
-                </a:solidFill>
-                <a:latin typeface="+mn-lt"/>
-                <a:ea typeface="+mn-ea"/>
-                <a:cs typeface="+mn-cs"/>
-              </a:defRPr>
-            </a:lvl5pPr>
-            <a:lvl6pPr marL="2286000" algn="l" defTabSz="914400" rtl="0" eaLnBrk="1" latinLnBrk="0" hangingPunct="1">
-              <a:defRPr sz="1800" kern="1200">
-                <a:solidFill>
-                  <a:schemeClr val="tx1"/>
-                </a:solidFill>
-                <a:latin typeface="+mn-lt"/>
-                <a:ea typeface="+mn-ea"/>
-                <a:cs typeface="+mn-cs"/>
-              </a:defRPr>
-            </a:lvl6pPr>
-            <a:lvl7pPr marL="2743200" algn="l" defTabSz="914400" rtl="0" eaLnBrk="1" latinLnBrk="0" hangingPunct="1">
-              <a:defRPr sz="1800" kern="1200">
-                <a:solidFill>
-                  <a:schemeClr val="tx1"/>
-                </a:solidFill>
-                <a:latin typeface="+mn-lt"/>
-                <a:ea typeface="+mn-ea"/>
-                <a:cs typeface="+mn-cs"/>
-              </a:defRPr>
-            </a:lvl7pPr>
-            <a:lvl8pPr marL="3200400" algn="l" defTabSz="914400" rtl="0" eaLnBrk="1" latinLnBrk="0" hangingPunct="1">
-              <a:defRPr sz="1800" kern="1200">
-                <a:solidFill>
-                  <a:schemeClr val="tx1"/>
-                </a:solidFill>
-                <a:latin typeface="+mn-lt"/>
-                <a:ea typeface="+mn-ea"/>
-                <a:cs typeface="+mn-cs"/>
-              </a:defRPr>
-            </a:lvl8pPr>
-            <a:lvl9pPr marL="3657600" algn="l" defTabSz="914400" rtl="0" eaLnBrk="1" latinLnBrk="0" hangingPunct="1">
-              <a:defRPr sz="1800" kern="1200">
-                <a:solidFill>
-                  <a:schemeClr val="tx1"/>
-                </a:solidFill>
-                <a:latin typeface="+mn-lt"/>
-                <a:ea typeface="+mn-ea"/>
-                <a:cs typeface="+mn-cs"/>
-              </a:defRPr>
-            </a:lvl9pPr>
-          </a:lstStyle>
-          <a:p>
-            <a:fld id="{D4328D90-2A6F-4F23-88A8-C5DCC2B5F307}" type="slidenum">
-              <a:rPr lang="zh-TW" altLang="en-US" smtClean="0"/>
-              <a:pPr/>
-              <a:t>‹#›</a:t>
-            </a:fld>
-            <a:endParaRPr lang="zh-TW" altLang="en-US"/>
-          </a:p>
-        </p:txBody>
-      </p:sp>
     </p:spTree>
     <p:extLst>
       <p:ext uri="{BB962C8B-B14F-4D97-AF65-F5344CB8AC3E}">
-        <p14:creationId xmlns:p14="http://schemas.microsoft.com/office/powerpoint/2010/main" val="1094776045"/>
+        <p14:creationId xmlns:p14="http://schemas.microsoft.com/office/powerpoint/2010/main" val="1484680088"/>
       </p:ext>
     </p:extLst>
   </p:cSld>
@@ -4864,7 +3674,7 @@
             </a:r>
             <a:r>
               <a:rPr lang="zh-TW" altLang="en-US"/>
-              <a:t>桃高資訊社</a:t>
+              <a:t> 桃高資訊社</a:t>
             </a:r>
           </a:p>
         </p:txBody>
@@ -5001,276 +3811,10 @@
           </a:p>
         </p:txBody>
       </p:sp>
-      <p:sp>
-        <p:nvSpPr>
-          <p:cNvPr id="9" name="頁尾版面配置區 4">
-            <a:extLst>
-              <a:ext uri="{FF2B5EF4-FFF2-40B4-BE49-F238E27FC236}">
-                <a16:creationId xmlns:a16="http://schemas.microsoft.com/office/drawing/2014/main" id="{1DED97E4-1D56-416F-B19A-DB14BF141C44}"/>
-              </a:ext>
-            </a:extLst>
-          </p:cNvPr>
-          <p:cNvSpPr txBox="1">
-            <a:spLocks/>
-          </p:cNvSpPr>
-          <p:nvPr userDrawn="1"/>
-        </p:nvSpPr>
-        <p:spPr>
-          <a:xfrm>
-            <a:off x="0" y="6492875"/>
-            <a:ext cx="2743200" cy="365125"/>
-          </a:xfrm>
-          <a:prstGeom prst="rect">
-            <a:avLst/>
-          </a:prstGeom>
-        </p:spPr>
-        <p:txBody>
-          <a:bodyPr vert="horz" lIns="91440" tIns="45720" rIns="91440" bIns="45720" rtlCol="0" anchor="ctr"/>
-          <a:lstStyle>
-            <a:defPPr>
-              <a:defRPr lang="zh-TW"/>
-            </a:defPPr>
-            <a:lvl1pPr marL="0" algn="l" defTabSz="914400" rtl="0" eaLnBrk="1" latinLnBrk="0" hangingPunct="1">
-              <a:defRPr sz="1200" kern="1200">
-                <a:solidFill>
-                  <a:schemeClr val="tx1">
-                    <a:tint val="75000"/>
-                  </a:schemeClr>
-                </a:solidFill>
-                <a:latin typeface="+mn-lt"/>
-                <a:ea typeface="+mn-ea"/>
-                <a:cs typeface="+mn-cs"/>
-              </a:defRPr>
-            </a:lvl1pPr>
-            <a:lvl2pPr marL="457200" algn="l" defTabSz="914400" rtl="0" eaLnBrk="1" latinLnBrk="0" hangingPunct="1">
-              <a:defRPr sz="1800" kern="1200">
-                <a:solidFill>
-                  <a:schemeClr val="tx1"/>
-                </a:solidFill>
-                <a:latin typeface="+mn-lt"/>
-                <a:ea typeface="+mn-ea"/>
-                <a:cs typeface="+mn-cs"/>
-              </a:defRPr>
-            </a:lvl2pPr>
-            <a:lvl3pPr marL="914400" algn="l" defTabSz="914400" rtl="0" eaLnBrk="1" latinLnBrk="0" hangingPunct="1">
-              <a:defRPr sz="1800" kern="1200">
-                <a:solidFill>
-                  <a:schemeClr val="tx1"/>
-                </a:solidFill>
-                <a:latin typeface="+mn-lt"/>
-                <a:ea typeface="+mn-ea"/>
-                <a:cs typeface="+mn-cs"/>
-              </a:defRPr>
-            </a:lvl3pPr>
-            <a:lvl4pPr marL="1371600" algn="l" defTabSz="914400" rtl="0" eaLnBrk="1" latinLnBrk="0" hangingPunct="1">
-              <a:defRPr sz="1800" kern="1200">
-                <a:solidFill>
-                  <a:schemeClr val="tx1"/>
-                </a:solidFill>
-                <a:latin typeface="+mn-lt"/>
-                <a:ea typeface="+mn-ea"/>
-                <a:cs typeface="+mn-cs"/>
-              </a:defRPr>
-            </a:lvl4pPr>
-            <a:lvl5pPr marL="1828800" algn="l" defTabSz="914400" rtl="0" eaLnBrk="1" latinLnBrk="0" hangingPunct="1">
-              <a:defRPr sz="1800" kern="1200">
-                <a:solidFill>
-                  <a:schemeClr val="tx1"/>
-                </a:solidFill>
-                <a:latin typeface="+mn-lt"/>
-                <a:ea typeface="+mn-ea"/>
-                <a:cs typeface="+mn-cs"/>
-              </a:defRPr>
-            </a:lvl5pPr>
-            <a:lvl6pPr marL="2286000" algn="l" defTabSz="914400" rtl="0" eaLnBrk="1" latinLnBrk="0" hangingPunct="1">
-              <a:defRPr sz="1800" kern="1200">
-                <a:solidFill>
-                  <a:schemeClr val="tx1"/>
-                </a:solidFill>
-                <a:latin typeface="+mn-lt"/>
-                <a:ea typeface="+mn-ea"/>
-                <a:cs typeface="+mn-cs"/>
-              </a:defRPr>
-            </a:lvl6pPr>
-            <a:lvl7pPr marL="2743200" algn="l" defTabSz="914400" rtl="0" eaLnBrk="1" latinLnBrk="0" hangingPunct="1">
-              <a:defRPr sz="1800" kern="1200">
-                <a:solidFill>
-                  <a:schemeClr val="tx1"/>
-                </a:solidFill>
-                <a:latin typeface="+mn-lt"/>
-                <a:ea typeface="+mn-ea"/>
-                <a:cs typeface="+mn-cs"/>
-              </a:defRPr>
-            </a:lvl7pPr>
-            <a:lvl8pPr marL="3200400" algn="l" defTabSz="914400" rtl="0" eaLnBrk="1" latinLnBrk="0" hangingPunct="1">
-              <a:defRPr sz="1800" kern="1200">
-                <a:solidFill>
-                  <a:schemeClr val="tx1"/>
-                </a:solidFill>
-                <a:latin typeface="+mn-lt"/>
-                <a:ea typeface="+mn-ea"/>
-                <a:cs typeface="+mn-cs"/>
-              </a:defRPr>
-            </a:lvl8pPr>
-            <a:lvl9pPr marL="3657600" algn="l" defTabSz="914400" rtl="0" eaLnBrk="1" latinLnBrk="0" hangingPunct="1">
-              <a:defRPr sz="1800" kern="1200">
-                <a:solidFill>
-                  <a:schemeClr val="tx1"/>
-                </a:solidFill>
-                <a:latin typeface="+mn-lt"/>
-                <a:ea typeface="+mn-ea"/>
-                <a:cs typeface="+mn-cs"/>
-              </a:defRPr>
-            </a:lvl9pPr>
-          </a:lstStyle>
-          <a:p>
-            <a:r>
-              <a:rPr lang="en-US" altLang="zh-TW" dirty="0"/>
-              <a:t>TYIC</a:t>
-            </a:r>
-            <a:r>
-              <a:rPr lang="zh-TW" altLang="en-US"/>
-              <a:t>桃高資訊社</a:t>
-            </a:r>
-          </a:p>
-        </p:txBody>
-      </p:sp>
-      <p:sp>
-        <p:nvSpPr>
-          <p:cNvPr id="12" name="投影片編號版面配置區 5">
-            <a:extLst>
-              <a:ext uri="{FF2B5EF4-FFF2-40B4-BE49-F238E27FC236}">
-                <a16:creationId xmlns:a16="http://schemas.microsoft.com/office/drawing/2014/main" id="{91BCCF04-5296-46C0-8E06-49BDA5BC61C9}"/>
-              </a:ext>
-            </a:extLst>
-          </p:cNvPr>
-          <p:cNvSpPr txBox="1">
-            <a:spLocks/>
-          </p:cNvSpPr>
-          <p:nvPr userDrawn="1"/>
-        </p:nvSpPr>
-        <p:spPr>
-          <a:xfrm>
-            <a:off x="9448800" y="6492874"/>
-            <a:ext cx="2743200" cy="365125"/>
-          </a:xfrm>
-          <a:prstGeom prst="rect">
-            <a:avLst/>
-          </a:prstGeom>
-        </p:spPr>
-        <p:txBody>
-          <a:bodyPr vert="horz" lIns="91440" tIns="45720" rIns="91440" bIns="45720" rtlCol="0" anchor="ctr"/>
-          <a:lstStyle>
-            <a:defPPr>
-              <a:defRPr lang="zh-TW"/>
-            </a:defPPr>
-            <a:lvl1pPr marL="0" algn="r" defTabSz="914400" rtl="0" eaLnBrk="1" latinLnBrk="0" hangingPunct="1">
-              <a:defRPr sz="1200" kern="1200">
-                <a:solidFill>
-                  <a:schemeClr val="tx1">
-                    <a:tint val="75000"/>
-                  </a:schemeClr>
-                </a:solidFill>
-                <a:latin typeface="+mn-lt"/>
-                <a:ea typeface="+mn-ea"/>
-                <a:cs typeface="+mn-cs"/>
-              </a:defRPr>
-            </a:lvl1pPr>
-            <a:lvl2pPr marL="457200" algn="l" defTabSz="914400" rtl="0" eaLnBrk="1" latinLnBrk="0" hangingPunct="1">
-              <a:defRPr sz="1800" kern="1200">
-                <a:solidFill>
-                  <a:schemeClr val="tx1"/>
-                </a:solidFill>
-                <a:latin typeface="+mn-lt"/>
-                <a:ea typeface="+mn-ea"/>
-                <a:cs typeface="+mn-cs"/>
-              </a:defRPr>
-            </a:lvl2pPr>
-            <a:lvl3pPr marL="914400" algn="l" defTabSz="914400" rtl="0" eaLnBrk="1" latinLnBrk="0" hangingPunct="1">
-              <a:defRPr sz="1800" kern="1200">
-                <a:solidFill>
-                  <a:schemeClr val="tx1"/>
-                </a:solidFill>
-                <a:latin typeface="+mn-lt"/>
-                <a:ea typeface="+mn-ea"/>
-                <a:cs typeface="+mn-cs"/>
-              </a:defRPr>
-            </a:lvl3pPr>
-            <a:lvl4pPr marL="1371600" algn="l" defTabSz="914400" rtl="0" eaLnBrk="1" latinLnBrk="0" hangingPunct="1">
-              <a:defRPr sz="1800" kern="1200">
-                <a:solidFill>
-                  <a:schemeClr val="tx1"/>
-                </a:solidFill>
-                <a:latin typeface="+mn-lt"/>
-                <a:ea typeface="+mn-ea"/>
-                <a:cs typeface="+mn-cs"/>
-              </a:defRPr>
-            </a:lvl4pPr>
-            <a:lvl5pPr marL="1828800" algn="l" defTabSz="914400" rtl="0" eaLnBrk="1" latinLnBrk="0" hangingPunct="1">
-              <a:defRPr sz="1800" kern="1200">
-                <a:solidFill>
-                  <a:schemeClr val="tx1"/>
-                </a:solidFill>
-                <a:latin typeface="+mn-lt"/>
-                <a:ea typeface="+mn-ea"/>
-                <a:cs typeface="+mn-cs"/>
-              </a:defRPr>
-            </a:lvl5pPr>
-            <a:lvl6pPr marL="2286000" algn="l" defTabSz="914400" rtl="0" eaLnBrk="1" latinLnBrk="0" hangingPunct="1">
-              <a:defRPr sz="1800" kern="1200">
-                <a:solidFill>
-                  <a:schemeClr val="tx1"/>
-                </a:solidFill>
-                <a:latin typeface="+mn-lt"/>
-                <a:ea typeface="+mn-ea"/>
-                <a:cs typeface="+mn-cs"/>
-              </a:defRPr>
-            </a:lvl6pPr>
-            <a:lvl7pPr marL="2743200" algn="l" defTabSz="914400" rtl="0" eaLnBrk="1" latinLnBrk="0" hangingPunct="1">
-              <a:defRPr sz="1800" kern="1200">
-                <a:solidFill>
-                  <a:schemeClr val="tx1"/>
-                </a:solidFill>
-                <a:latin typeface="+mn-lt"/>
-                <a:ea typeface="+mn-ea"/>
-                <a:cs typeface="+mn-cs"/>
-              </a:defRPr>
-            </a:lvl7pPr>
-            <a:lvl8pPr marL="3200400" algn="l" defTabSz="914400" rtl="0" eaLnBrk="1" latinLnBrk="0" hangingPunct="1">
-              <a:defRPr sz="1800" kern="1200">
-                <a:solidFill>
-                  <a:schemeClr val="tx1"/>
-                </a:solidFill>
-                <a:latin typeface="+mn-lt"/>
-                <a:ea typeface="+mn-ea"/>
-                <a:cs typeface="+mn-cs"/>
-              </a:defRPr>
-            </a:lvl8pPr>
-            <a:lvl9pPr marL="3657600" algn="l" defTabSz="914400" rtl="0" eaLnBrk="1" latinLnBrk="0" hangingPunct="1">
-              <a:defRPr sz="1800" kern="1200">
-                <a:solidFill>
-                  <a:schemeClr val="tx1"/>
-                </a:solidFill>
-                <a:latin typeface="+mn-lt"/>
-                <a:ea typeface="+mn-ea"/>
-                <a:cs typeface="+mn-cs"/>
-              </a:defRPr>
-            </a:lvl9pPr>
-          </a:lstStyle>
-          <a:p>
-            <a:fld id="{D4328D90-2A6F-4F23-88A8-C5DCC2B5F307}" type="slidenum">
-              <a:rPr lang="zh-TW" altLang="en-US" smtClean="0"/>
-              <a:pPr/>
-              <a:t>‹#›</a:t>
-            </a:fld>
-            <a:endParaRPr lang="zh-TW" altLang="en-US"/>
-          </a:p>
-        </p:txBody>
-      </p:sp>
     </p:spTree>
     <p:extLst>
       <p:ext uri="{BB962C8B-B14F-4D97-AF65-F5344CB8AC3E}">
-        <p14:creationId xmlns:p14="http://schemas.microsoft.com/office/powerpoint/2010/main" val="459543729"/>
+        <p14:creationId xmlns:p14="http://schemas.microsoft.com/office/powerpoint/2010/main" val="2062688852"/>
       </p:ext>
     </p:extLst>
   </p:cSld>
@@ -5457,7 +4001,7 @@
             </a:r>
             <a:r>
               <a:rPr lang="zh-TW" altLang="en-US"/>
-              <a:t>桃高資訊社</a:t>
+              <a:t> 桃高資訊社</a:t>
             </a:r>
           </a:p>
         </p:txBody>
@@ -5594,276 +4138,10 @@
           </a:p>
         </p:txBody>
       </p:sp>
-      <p:sp>
-        <p:nvSpPr>
-          <p:cNvPr id="5" name="頁尾版面配置區 4">
-            <a:extLst>
-              <a:ext uri="{FF2B5EF4-FFF2-40B4-BE49-F238E27FC236}">
-                <a16:creationId xmlns:a16="http://schemas.microsoft.com/office/drawing/2014/main" id="{C64589AA-B89F-4F54-A63A-4D04C3B5012C}"/>
-              </a:ext>
-            </a:extLst>
-          </p:cNvPr>
-          <p:cNvSpPr txBox="1">
-            <a:spLocks/>
-          </p:cNvSpPr>
-          <p:nvPr userDrawn="1"/>
-        </p:nvSpPr>
-        <p:spPr>
-          <a:xfrm>
-            <a:off x="0" y="6492875"/>
-            <a:ext cx="2743200" cy="365125"/>
-          </a:xfrm>
-          <a:prstGeom prst="rect">
-            <a:avLst/>
-          </a:prstGeom>
-        </p:spPr>
-        <p:txBody>
-          <a:bodyPr vert="horz" lIns="91440" tIns="45720" rIns="91440" bIns="45720" rtlCol="0" anchor="ctr"/>
-          <a:lstStyle>
-            <a:defPPr>
-              <a:defRPr lang="zh-TW"/>
-            </a:defPPr>
-            <a:lvl1pPr marL="0" algn="l" defTabSz="914400" rtl="0" eaLnBrk="1" latinLnBrk="0" hangingPunct="1">
-              <a:defRPr sz="1200" kern="1200">
-                <a:solidFill>
-                  <a:schemeClr val="tx1">
-                    <a:tint val="75000"/>
-                  </a:schemeClr>
-                </a:solidFill>
-                <a:latin typeface="+mn-lt"/>
-                <a:ea typeface="+mn-ea"/>
-                <a:cs typeface="+mn-cs"/>
-              </a:defRPr>
-            </a:lvl1pPr>
-            <a:lvl2pPr marL="457200" algn="l" defTabSz="914400" rtl="0" eaLnBrk="1" latinLnBrk="0" hangingPunct="1">
-              <a:defRPr sz="1800" kern="1200">
-                <a:solidFill>
-                  <a:schemeClr val="tx1"/>
-                </a:solidFill>
-                <a:latin typeface="+mn-lt"/>
-                <a:ea typeface="+mn-ea"/>
-                <a:cs typeface="+mn-cs"/>
-              </a:defRPr>
-            </a:lvl2pPr>
-            <a:lvl3pPr marL="914400" algn="l" defTabSz="914400" rtl="0" eaLnBrk="1" latinLnBrk="0" hangingPunct="1">
-              <a:defRPr sz="1800" kern="1200">
-                <a:solidFill>
-                  <a:schemeClr val="tx1"/>
-                </a:solidFill>
-                <a:latin typeface="+mn-lt"/>
-                <a:ea typeface="+mn-ea"/>
-                <a:cs typeface="+mn-cs"/>
-              </a:defRPr>
-            </a:lvl3pPr>
-            <a:lvl4pPr marL="1371600" algn="l" defTabSz="914400" rtl="0" eaLnBrk="1" latinLnBrk="0" hangingPunct="1">
-              <a:defRPr sz="1800" kern="1200">
-                <a:solidFill>
-                  <a:schemeClr val="tx1"/>
-                </a:solidFill>
-                <a:latin typeface="+mn-lt"/>
-                <a:ea typeface="+mn-ea"/>
-                <a:cs typeface="+mn-cs"/>
-              </a:defRPr>
-            </a:lvl4pPr>
-            <a:lvl5pPr marL="1828800" algn="l" defTabSz="914400" rtl="0" eaLnBrk="1" latinLnBrk="0" hangingPunct="1">
-              <a:defRPr sz="1800" kern="1200">
-                <a:solidFill>
-                  <a:schemeClr val="tx1"/>
-                </a:solidFill>
-                <a:latin typeface="+mn-lt"/>
-                <a:ea typeface="+mn-ea"/>
-                <a:cs typeface="+mn-cs"/>
-              </a:defRPr>
-            </a:lvl5pPr>
-            <a:lvl6pPr marL="2286000" algn="l" defTabSz="914400" rtl="0" eaLnBrk="1" latinLnBrk="0" hangingPunct="1">
-              <a:defRPr sz="1800" kern="1200">
-                <a:solidFill>
-                  <a:schemeClr val="tx1"/>
-                </a:solidFill>
-                <a:latin typeface="+mn-lt"/>
-                <a:ea typeface="+mn-ea"/>
-                <a:cs typeface="+mn-cs"/>
-              </a:defRPr>
-            </a:lvl6pPr>
-            <a:lvl7pPr marL="2743200" algn="l" defTabSz="914400" rtl="0" eaLnBrk="1" latinLnBrk="0" hangingPunct="1">
-              <a:defRPr sz="1800" kern="1200">
-                <a:solidFill>
-                  <a:schemeClr val="tx1"/>
-                </a:solidFill>
-                <a:latin typeface="+mn-lt"/>
-                <a:ea typeface="+mn-ea"/>
-                <a:cs typeface="+mn-cs"/>
-              </a:defRPr>
-            </a:lvl7pPr>
-            <a:lvl8pPr marL="3200400" algn="l" defTabSz="914400" rtl="0" eaLnBrk="1" latinLnBrk="0" hangingPunct="1">
-              <a:defRPr sz="1800" kern="1200">
-                <a:solidFill>
-                  <a:schemeClr val="tx1"/>
-                </a:solidFill>
-                <a:latin typeface="+mn-lt"/>
-                <a:ea typeface="+mn-ea"/>
-                <a:cs typeface="+mn-cs"/>
-              </a:defRPr>
-            </a:lvl8pPr>
-            <a:lvl9pPr marL="3657600" algn="l" defTabSz="914400" rtl="0" eaLnBrk="1" latinLnBrk="0" hangingPunct="1">
-              <a:defRPr sz="1800" kern="1200">
-                <a:solidFill>
-                  <a:schemeClr val="tx1"/>
-                </a:solidFill>
-                <a:latin typeface="+mn-lt"/>
-                <a:ea typeface="+mn-ea"/>
-                <a:cs typeface="+mn-cs"/>
-              </a:defRPr>
-            </a:lvl9pPr>
-          </a:lstStyle>
-          <a:p>
-            <a:r>
-              <a:rPr lang="en-US" altLang="zh-TW" dirty="0"/>
-              <a:t>TYIC</a:t>
-            </a:r>
-            <a:r>
-              <a:rPr lang="zh-TW" altLang="en-US"/>
-              <a:t>桃高資訊社</a:t>
-            </a:r>
-          </a:p>
-        </p:txBody>
-      </p:sp>
-      <p:sp>
-        <p:nvSpPr>
-          <p:cNvPr id="8" name="投影片編號版面配置區 5">
-            <a:extLst>
-              <a:ext uri="{FF2B5EF4-FFF2-40B4-BE49-F238E27FC236}">
-                <a16:creationId xmlns:a16="http://schemas.microsoft.com/office/drawing/2014/main" id="{7905AB16-590D-45B2-B151-2CFD5EB8D5CC}"/>
-              </a:ext>
-            </a:extLst>
-          </p:cNvPr>
-          <p:cNvSpPr txBox="1">
-            <a:spLocks/>
-          </p:cNvSpPr>
-          <p:nvPr userDrawn="1"/>
-        </p:nvSpPr>
-        <p:spPr>
-          <a:xfrm>
-            <a:off x="9448800" y="6492874"/>
-            <a:ext cx="2743200" cy="365125"/>
-          </a:xfrm>
-          <a:prstGeom prst="rect">
-            <a:avLst/>
-          </a:prstGeom>
-        </p:spPr>
-        <p:txBody>
-          <a:bodyPr vert="horz" lIns="91440" tIns="45720" rIns="91440" bIns="45720" rtlCol="0" anchor="ctr"/>
-          <a:lstStyle>
-            <a:defPPr>
-              <a:defRPr lang="zh-TW"/>
-            </a:defPPr>
-            <a:lvl1pPr marL="0" algn="r" defTabSz="914400" rtl="0" eaLnBrk="1" latinLnBrk="0" hangingPunct="1">
-              <a:defRPr sz="1200" kern="1200">
-                <a:solidFill>
-                  <a:schemeClr val="tx1">
-                    <a:tint val="75000"/>
-                  </a:schemeClr>
-                </a:solidFill>
-                <a:latin typeface="+mn-lt"/>
-                <a:ea typeface="+mn-ea"/>
-                <a:cs typeface="+mn-cs"/>
-              </a:defRPr>
-            </a:lvl1pPr>
-            <a:lvl2pPr marL="457200" algn="l" defTabSz="914400" rtl="0" eaLnBrk="1" latinLnBrk="0" hangingPunct="1">
-              <a:defRPr sz="1800" kern="1200">
-                <a:solidFill>
-                  <a:schemeClr val="tx1"/>
-                </a:solidFill>
-                <a:latin typeface="+mn-lt"/>
-                <a:ea typeface="+mn-ea"/>
-                <a:cs typeface="+mn-cs"/>
-              </a:defRPr>
-            </a:lvl2pPr>
-            <a:lvl3pPr marL="914400" algn="l" defTabSz="914400" rtl="0" eaLnBrk="1" latinLnBrk="0" hangingPunct="1">
-              <a:defRPr sz="1800" kern="1200">
-                <a:solidFill>
-                  <a:schemeClr val="tx1"/>
-                </a:solidFill>
-                <a:latin typeface="+mn-lt"/>
-                <a:ea typeface="+mn-ea"/>
-                <a:cs typeface="+mn-cs"/>
-              </a:defRPr>
-            </a:lvl3pPr>
-            <a:lvl4pPr marL="1371600" algn="l" defTabSz="914400" rtl="0" eaLnBrk="1" latinLnBrk="0" hangingPunct="1">
-              <a:defRPr sz="1800" kern="1200">
-                <a:solidFill>
-                  <a:schemeClr val="tx1"/>
-                </a:solidFill>
-                <a:latin typeface="+mn-lt"/>
-                <a:ea typeface="+mn-ea"/>
-                <a:cs typeface="+mn-cs"/>
-              </a:defRPr>
-            </a:lvl4pPr>
-            <a:lvl5pPr marL="1828800" algn="l" defTabSz="914400" rtl="0" eaLnBrk="1" latinLnBrk="0" hangingPunct="1">
-              <a:defRPr sz="1800" kern="1200">
-                <a:solidFill>
-                  <a:schemeClr val="tx1"/>
-                </a:solidFill>
-                <a:latin typeface="+mn-lt"/>
-                <a:ea typeface="+mn-ea"/>
-                <a:cs typeface="+mn-cs"/>
-              </a:defRPr>
-            </a:lvl5pPr>
-            <a:lvl6pPr marL="2286000" algn="l" defTabSz="914400" rtl="0" eaLnBrk="1" latinLnBrk="0" hangingPunct="1">
-              <a:defRPr sz="1800" kern="1200">
-                <a:solidFill>
-                  <a:schemeClr val="tx1"/>
-                </a:solidFill>
-                <a:latin typeface="+mn-lt"/>
-                <a:ea typeface="+mn-ea"/>
-                <a:cs typeface="+mn-cs"/>
-              </a:defRPr>
-            </a:lvl6pPr>
-            <a:lvl7pPr marL="2743200" algn="l" defTabSz="914400" rtl="0" eaLnBrk="1" latinLnBrk="0" hangingPunct="1">
-              <a:defRPr sz="1800" kern="1200">
-                <a:solidFill>
-                  <a:schemeClr val="tx1"/>
-                </a:solidFill>
-                <a:latin typeface="+mn-lt"/>
-                <a:ea typeface="+mn-ea"/>
-                <a:cs typeface="+mn-cs"/>
-              </a:defRPr>
-            </a:lvl7pPr>
-            <a:lvl8pPr marL="3200400" algn="l" defTabSz="914400" rtl="0" eaLnBrk="1" latinLnBrk="0" hangingPunct="1">
-              <a:defRPr sz="1800" kern="1200">
-                <a:solidFill>
-                  <a:schemeClr val="tx1"/>
-                </a:solidFill>
-                <a:latin typeface="+mn-lt"/>
-                <a:ea typeface="+mn-ea"/>
-                <a:cs typeface="+mn-cs"/>
-              </a:defRPr>
-            </a:lvl8pPr>
-            <a:lvl9pPr marL="3657600" algn="l" defTabSz="914400" rtl="0" eaLnBrk="1" latinLnBrk="0" hangingPunct="1">
-              <a:defRPr sz="1800" kern="1200">
-                <a:solidFill>
-                  <a:schemeClr val="tx1"/>
-                </a:solidFill>
-                <a:latin typeface="+mn-lt"/>
-                <a:ea typeface="+mn-ea"/>
-                <a:cs typeface="+mn-cs"/>
-              </a:defRPr>
-            </a:lvl9pPr>
-          </a:lstStyle>
-          <a:p>
-            <a:fld id="{D4328D90-2A6F-4F23-88A8-C5DCC2B5F307}" type="slidenum">
-              <a:rPr lang="zh-TW" altLang="en-US" smtClean="0"/>
-              <a:pPr/>
-              <a:t>‹#›</a:t>
-            </a:fld>
-            <a:endParaRPr lang="zh-TW" altLang="en-US"/>
-          </a:p>
-        </p:txBody>
-      </p:sp>
     </p:spTree>
     <p:extLst>
       <p:ext uri="{BB962C8B-B14F-4D97-AF65-F5344CB8AC3E}">
-        <p14:creationId xmlns:p14="http://schemas.microsoft.com/office/powerpoint/2010/main" val="3231861953"/>
+        <p14:creationId xmlns:p14="http://schemas.microsoft.com/office/powerpoint/2010/main" val="1827287332"/>
       </p:ext>
     </p:extLst>
   </p:cSld>
@@ -6022,7 +4300,7 @@
             </a:r>
             <a:r>
               <a:rPr lang="zh-TW" altLang="en-US"/>
-              <a:t>桃高資訊社</a:t>
+              <a:t> 桃高資訊社</a:t>
             </a:r>
           </a:p>
         </p:txBody>
@@ -6159,276 +4437,10 @@
           </a:p>
         </p:txBody>
       </p:sp>
-      <p:sp>
-        <p:nvSpPr>
-          <p:cNvPr id="4" name="頁尾版面配置區 4">
-            <a:extLst>
-              <a:ext uri="{FF2B5EF4-FFF2-40B4-BE49-F238E27FC236}">
-                <a16:creationId xmlns:a16="http://schemas.microsoft.com/office/drawing/2014/main" id="{FA52EFB8-84C6-47C2-ADB2-E2833D134764}"/>
-              </a:ext>
-            </a:extLst>
-          </p:cNvPr>
-          <p:cNvSpPr txBox="1">
-            <a:spLocks/>
-          </p:cNvSpPr>
-          <p:nvPr userDrawn="1"/>
-        </p:nvSpPr>
-        <p:spPr>
-          <a:xfrm>
-            <a:off x="0" y="6492875"/>
-            <a:ext cx="2743200" cy="365125"/>
-          </a:xfrm>
-          <a:prstGeom prst="rect">
-            <a:avLst/>
-          </a:prstGeom>
-        </p:spPr>
-        <p:txBody>
-          <a:bodyPr vert="horz" lIns="91440" tIns="45720" rIns="91440" bIns="45720" rtlCol="0" anchor="ctr"/>
-          <a:lstStyle>
-            <a:defPPr>
-              <a:defRPr lang="zh-TW"/>
-            </a:defPPr>
-            <a:lvl1pPr marL="0" algn="l" defTabSz="914400" rtl="0" eaLnBrk="1" latinLnBrk="0" hangingPunct="1">
-              <a:defRPr sz="1200" kern="1200">
-                <a:solidFill>
-                  <a:schemeClr val="tx1">
-                    <a:tint val="75000"/>
-                  </a:schemeClr>
-                </a:solidFill>
-                <a:latin typeface="+mn-lt"/>
-                <a:ea typeface="+mn-ea"/>
-                <a:cs typeface="+mn-cs"/>
-              </a:defRPr>
-            </a:lvl1pPr>
-            <a:lvl2pPr marL="457200" algn="l" defTabSz="914400" rtl="0" eaLnBrk="1" latinLnBrk="0" hangingPunct="1">
-              <a:defRPr sz="1800" kern="1200">
-                <a:solidFill>
-                  <a:schemeClr val="tx1"/>
-                </a:solidFill>
-                <a:latin typeface="+mn-lt"/>
-                <a:ea typeface="+mn-ea"/>
-                <a:cs typeface="+mn-cs"/>
-              </a:defRPr>
-            </a:lvl2pPr>
-            <a:lvl3pPr marL="914400" algn="l" defTabSz="914400" rtl="0" eaLnBrk="1" latinLnBrk="0" hangingPunct="1">
-              <a:defRPr sz="1800" kern="1200">
-                <a:solidFill>
-                  <a:schemeClr val="tx1"/>
-                </a:solidFill>
-                <a:latin typeface="+mn-lt"/>
-                <a:ea typeface="+mn-ea"/>
-                <a:cs typeface="+mn-cs"/>
-              </a:defRPr>
-            </a:lvl3pPr>
-            <a:lvl4pPr marL="1371600" algn="l" defTabSz="914400" rtl="0" eaLnBrk="1" latinLnBrk="0" hangingPunct="1">
-              <a:defRPr sz="1800" kern="1200">
-                <a:solidFill>
-                  <a:schemeClr val="tx1"/>
-                </a:solidFill>
-                <a:latin typeface="+mn-lt"/>
-                <a:ea typeface="+mn-ea"/>
-                <a:cs typeface="+mn-cs"/>
-              </a:defRPr>
-            </a:lvl4pPr>
-            <a:lvl5pPr marL="1828800" algn="l" defTabSz="914400" rtl="0" eaLnBrk="1" latinLnBrk="0" hangingPunct="1">
-              <a:defRPr sz="1800" kern="1200">
-                <a:solidFill>
-                  <a:schemeClr val="tx1"/>
-                </a:solidFill>
-                <a:latin typeface="+mn-lt"/>
-                <a:ea typeface="+mn-ea"/>
-                <a:cs typeface="+mn-cs"/>
-              </a:defRPr>
-            </a:lvl5pPr>
-            <a:lvl6pPr marL="2286000" algn="l" defTabSz="914400" rtl="0" eaLnBrk="1" latinLnBrk="0" hangingPunct="1">
-              <a:defRPr sz="1800" kern="1200">
-                <a:solidFill>
-                  <a:schemeClr val="tx1"/>
-                </a:solidFill>
-                <a:latin typeface="+mn-lt"/>
-                <a:ea typeface="+mn-ea"/>
-                <a:cs typeface="+mn-cs"/>
-              </a:defRPr>
-            </a:lvl6pPr>
-            <a:lvl7pPr marL="2743200" algn="l" defTabSz="914400" rtl="0" eaLnBrk="1" latinLnBrk="0" hangingPunct="1">
-              <a:defRPr sz="1800" kern="1200">
-                <a:solidFill>
-                  <a:schemeClr val="tx1"/>
-                </a:solidFill>
-                <a:latin typeface="+mn-lt"/>
-                <a:ea typeface="+mn-ea"/>
-                <a:cs typeface="+mn-cs"/>
-              </a:defRPr>
-            </a:lvl7pPr>
-            <a:lvl8pPr marL="3200400" algn="l" defTabSz="914400" rtl="0" eaLnBrk="1" latinLnBrk="0" hangingPunct="1">
-              <a:defRPr sz="1800" kern="1200">
-                <a:solidFill>
-                  <a:schemeClr val="tx1"/>
-                </a:solidFill>
-                <a:latin typeface="+mn-lt"/>
-                <a:ea typeface="+mn-ea"/>
-                <a:cs typeface="+mn-cs"/>
-              </a:defRPr>
-            </a:lvl8pPr>
-            <a:lvl9pPr marL="3657600" algn="l" defTabSz="914400" rtl="0" eaLnBrk="1" latinLnBrk="0" hangingPunct="1">
-              <a:defRPr sz="1800" kern="1200">
-                <a:solidFill>
-                  <a:schemeClr val="tx1"/>
-                </a:solidFill>
-                <a:latin typeface="+mn-lt"/>
-                <a:ea typeface="+mn-ea"/>
-                <a:cs typeface="+mn-cs"/>
-              </a:defRPr>
-            </a:lvl9pPr>
-          </a:lstStyle>
-          <a:p>
-            <a:r>
-              <a:rPr lang="en-US" altLang="zh-TW" dirty="0"/>
-              <a:t>TYIC</a:t>
-            </a:r>
-            <a:r>
-              <a:rPr lang="zh-TW" altLang="en-US"/>
-              <a:t>桃高資訊社</a:t>
-            </a:r>
-          </a:p>
-        </p:txBody>
-      </p:sp>
-      <p:sp>
-        <p:nvSpPr>
-          <p:cNvPr id="7" name="投影片編號版面配置區 5">
-            <a:extLst>
-              <a:ext uri="{FF2B5EF4-FFF2-40B4-BE49-F238E27FC236}">
-                <a16:creationId xmlns:a16="http://schemas.microsoft.com/office/drawing/2014/main" id="{5CD1D8F1-B857-487F-A278-C9563BAFE945}"/>
-              </a:ext>
-            </a:extLst>
-          </p:cNvPr>
-          <p:cNvSpPr txBox="1">
-            <a:spLocks/>
-          </p:cNvSpPr>
-          <p:nvPr userDrawn="1"/>
-        </p:nvSpPr>
-        <p:spPr>
-          <a:xfrm>
-            <a:off x="9448800" y="6492874"/>
-            <a:ext cx="2743200" cy="365125"/>
-          </a:xfrm>
-          <a:prstGeom prst="rect">
-            <a:avLst/>
-          </a:prstGeom>
-        </p:spPr>
-        <p:txBody>
-          <a:bodyPr vert="horz" lIns="91440" tIns="45720" rIns="91440" bIns="45720" rtlCol="0" anchor="ctr"/>
-          <a:lstStyle>
-            <a:defPPr>
-              <a:defRPr lang="zh-TW"/>
-            </a:defPPr>
-            <a:lvl1pPr marL="0" algn="r" defTabSz="914400" rtl="0" eaLnBrk="1" latinLnBrk="0" hangingPunct="1">
-              <a:defRPr sz="1200" kern="1200">
-                <a:solidFill>
-                  <a:schemeClr val="tx1">
-                    <a:tint val="75000"/>
-                  </a:schemeClr>
-                </a:solidFill>
-                <a:latin typeface="+mn-lt"/>
-                <a:ea typeface="+mn-ea"/>
-                <a:cs typeface="+mn-cs"/>
-              </a:defRPr>
-            </a:lvl1pPr>
-            <a:lvl2pPr marL="457200" algn="l" defTabSz="914400" rtl="0" eaLnBrk="1" latinLnBrk="0" hangingPunct="1">
-              <a:defRPr sz="1800" kern="1200">
-                <a:solidFill>
-                  <a:schemeClr val="tx1"/>
-                </a:solidFill>
-                <a:latin typeface="+mn-lt"/>
-                <a:ea typeface="+mn-ea"/>
-                <a:cs typeface="+mn-cs"/>
-              </a:defRPr>
-            </a:lvl2pPr>
-            <a:lvl3pPr marL="914400" algn="l" defTabSz="914400" rtl="0" eaLnBrk="1" latinLnBrk="0" hangingPunct="1">
-              <a:defRPr sz="1800" kern="1200">
-                <a:solidFill>
-                  <a:schemeClr val="tx1"/>
-                </a:solidFill>
-                <a:latin typeface="+mn-lt"/>
-                <a:ea typeface="+mn-ea"/>
-                <a:cs typeface="+mn-cs"/>
-              </a:defRPr>
-            </a:lvl3pPr>
-            <a:lvl4pPr marL="1371600" algn="l" defTabSz="914400" rtl="0" eaLnBrk="1" latinLnBrk="0" hangingPunct="1">
-              <a:defRPr sz="1800" kern="1200">
-                <a:solidFill>
-                  <a:schemeClr val="tx1"/>
-                </a:solidFill>
-                <a:latin typeface="+mn-lt"/>
-                <a:ea typeface="+mn-ea"/>
-                <a:cs typeface="+mn-cs"/>
-              </a:defRPr>
-            </a:lvl4pPr>
-            <a:lvl5pPr marL="1828800" algn="l" defTabSz="914400" rtl="0" eaLnBrk="1" latinLnBrk="0" hangingPunct="1">
-              <a:defRPr sz="1800" kern="1200">
-                <a:solidFill>
-                  <a:schemeClr val="tx1"/>
-                </a:solidFill>
-                <a:latin typeface="+mn-lt"/>
-                <a:ea typeface="+mn-ea"/>
-                <a:cs typeface="+mn-cs"/>
-              </a:defRPr>
-            </a:lvl5pPr>
-            <a:lvl6pPr marL="2286000" algn="l" defTabSz="914400" rtl="0" eaLnBrk="1" latinLnBrk="0" hangingPunct="1">
-              <a:defRPr sz="1800" kern="1200">
-                <a:solidFill>
-                  <a:schemeClr val="tx1"/>
-                </a:solidFill>
-                <a:latin typeface="+mn-lt"/>
-                <a:ea typeface="+mn-ea"/>
-                <a:cs typeface="+mn-cs"/>
-              </a:defRPr>
-            </a:lvl6pPr>
-            <a:lvl7pPr marL="2743200" algn="l" defTabSz="914400" rtl="0" eaLnBrk="1" latinLnBrk="0" hangingPunct="1">
-              <a:defRPr sz="1800" kern="1200">
-                <a:solidFill>
-                  <a:schemeClr val="tx1"/>
-                </a:solidFill>
-                <a:latin typeface="+mn-lt"/>
-                <a:ea typeface="+mn-ea"/>
-                <a:cs typeface="+mn-cs"/>
-              </a:defRPr>
-            </a:lvl7pPr>
-            <a:lvl8pPr marL="3200400" algn="l" defTabSz="914400" rtl="0" eaLnBrk="1" latinLnBrk="0" hangingPunct="1">
-              <a:defRPr sz="1800" kern="1200">
-                <a:solidFill>
-                  <a:schemeClr val="tx1"/>
-                </a:solidFill>
-                <a:latin typeface="+mn-lt"/>
-                <a:ea typeface="+mn-ea"/>
-                <a:cs typeface="+mn-cs"/>
-              </a:defRPr>
-            </a:lvl8pPr>
-            <a:lvl9pPr marL="3657600" algn="l" defTabSz="914400" rtl="0" eaLnBrk="1" latinLnBrk="0" hangingPunct="1">
-              <a:defRPr sz="1800" kern="1200">
-                <a:solidFill>
-                  <a:schemeClr val="tx1"/>
-                </a:solidFill>
-                <a:latin typeface="+mn-lt"/>
-                <a:ea typeface="+mn-ea"/>
-                <a:cs typeface="+mn-cs"/>
-              </a:defRPr>
-            </a:lvl9pPr>
-          </a:lstStyle>
-          <a:p>
-            <a:fld id="{D4328D90-2A6F-4F23-88A8-C5DCC2B5F307}" type="slidenum">
-              <a:rPr lang="zh-TW" altLang="en-US" smtClean="0"/>
-              <a:pPr/>
-              <a:t>‹#›</a:t>
-            </a:fld>
-            <a:endParaRPr lang="zh-TW" altLang="en-US"/>
-          </a:p>
-        </p:txBody>
-      </p:sp>
     </p:spTree>
     <p:extLst>
       <p:ext uri="{BB962C8B-B14F-4D97-AF65-F5344CB8AC3E}">
-        <p14:creationId xmlns:p14="http://schemas.microsoft.com/office/powerpoint/2010/main" val="312038419"/>
+        <p14:creationId xmlns:p14="http://schemas.microsoft.com/office/powerpoint/2010/main" val="178120845"/>
       </p:ext>
     </p:extLst>
   </p:cSld>
@@ -6785,7 +4797,7 @@
             </a:r>
             <a:r>
               <a:rPr lang="zh-TW" altLang="en-US"/>
-              <a:t>桃高資訊社</a:t>
+              <a:t> 桃高資訊社</a:t>
             </a:r>
           </a:p>
         </p:txBody>
@@ -6922,276 +4934,10 @@
           </a:p>
         </p:txBody>
       </p:sp>
-      <p:sp>
-        <p:nvSpPr>
-          <p:cNvPr id="7" name="頁尾版面配置區 4">
-            <a:extLst>
-              <a:ext uri="{FF2B5EF4-FFF2-40B4-BE49-F238E27FC236}">
-                <a16:creationId xmlns:a16="http://schemas.microsoft.com/office/drawing/2014/main" id="{3A5A410D-7883-4D32-8670-01DCAFB5C156}"/>
-              </a:ext>
-            </a:extLst>
-          </p:cNvPr>
-          <p:cNvSpPr txBox="1">
-            <a:spLocks/>
-          </p:cNvSpPr>
-          <p:nvPr userDrawn="1"/>
-        </p:nvSpPr>
-        <p:spPr>
-          <a:xfrm>
-            <a:off x="0" y="6492875"/>
-            <a:ext cx="2743200" cy="365125"/>
-          </a:xfrm>
-          <a:prstGeom prst="rect">
-            <a:avLst/>
-          </a:prstGeom>
-        </p:spPr>
-        <p:txBody>
-          <a:bodyPr vert="horz" lIns="91440" tIns="45720" rIns="91440" bIns="45720" rtlCol="0" anchor="ctr"/>
-          <a:lstStyle>
-            <a:defPPr>
-              <a:defRPr lang="zh-TW"/>
-            </a:defPPr>
-            <a:lvl1pPr marL="0" algn="l" defTabSz="914400" rtl="0" eaLnBrk="1" latinLnBrk="0" hangingPunct="1">
-              <a:defRPr sz="1200" kern="1200">
-                <a:solidFill>
-                  <a:schemeClr val="tx1">
-                    <a:tint val="75000"/>
-                  </a:schemeClr>
-                </a:solidFill>
-                <a:latin typeface="+mn-lt"/>
-                <a:ea typeface="+mn-ea"/>
-                <a:cs typeface="+mn-cs"/>
-              </a:defRPr>
-            </a:lvl1pPr>
-            <a:lvl2pPr marL="457200" algn="l" defTabSz="914400" rtl="0" eaLnBrk="1" latinLnBrk="0" hangingPunct="1">
-              <a:defRPr sz="1800" kern="1200">
-                <a:solidFill>
-                  <a:schemeClr val="tx1"/>
-                </a:solidFill>
-                <a:latin typeface="+mn-lt"/>
-                <a:ea typeface="+mn-ea"/>
-                <a:cs typeface="+mn-cs"/>
-              </a:defRPr>
-            </a:lvl2pPr>
-            <a:lvl3pPr marL="914400" algn="l" defTabSz="914400" rtl="0" eaLnBrk="1" latinLnBrk="0" hangingPunct="1">
-              <a:defRPr sz="1800" kern="1200">
-                <a:solidFill>
-                  <a:schemeClr val="tx1"/>
-                </a:solidFill>
-                <a:latin typeface="+mn-lt"/>
-                <a:ea typeface="+mn-ea"/>
-                <a:cs typeface="+mn-cs"/>
-              </a:defRPr>
-            </a:lvl3pPr>
-            <a:lvl4pPr marL="1371600" algn="l" defTabSz="914400" rtl="0" eaLnBrk="1" latinLnBrk="0" hangingPunct="1">
-              <a:defRPr sz="1800" kern="1200">
-                <a:solidFill>
-                  <a:schemeClr val="tx1"/>
-                </a:solidFill>
-                <a:latin typeface="+mn-lt"/>
-                <a:ea typeface="+mn-ea"/>
-                <a:cs typeface="+mn-cs"/>
-              </a:defRPr>
-            </a:lvl4pPr>
-            <a:lvl5pPr marL="1828800" algn="l" defTabSz="914400" rtl="0" eaLnBrk="1" latinLnBrk="0" hangingPunct="1">
-              <a:defRPr sz="1800" kern="1200">
-                <a:solidFill>
-                  <a:schemeClr val="tx1"/>
-                </a:solidFill>
-                <a:latin typeface="+mn-lt"/>
-                <a:ea typeface="+mn-ea"/>
-                <a:cs typeface="+mn-cs"/>
-              </a:defRPr>
-            </a:lvl5pPr>
-            <a:lvl6pPr marL="2286000" algn="l" defTabSz="914400" rtl="0" eaLnBrk="1" latinLnBrk="0" hangingPunct="1">
-              <a:defRPr sz="1800" kern="1200">
-                <a:solidFill>
-                  <a:schemeClr val="tx1"/>
-                </a:solidFill>
-                <a:latin typeface="+mn-lt"/>
-                <a:ea typeface="+mn-ea"/>
-                <a:cs typeface="+mn-cs"/>
-              </a:defRPr>
-            </a:lvl6pPr>
-            <a:lvl7pPr marL="2743200" algn="l" defTabSz="914400" rtl="0" eaLnBrk="1" latinLnBrk="0" hangingPunct="1">
-              <a:defRPr sz="1800" kern="1200">
-                <a:solidFill>
-                  <a:schemeClr val="tx1"/>
-                </a:solidFill>
-                <a:latin typeface="+mn-lt"/>
-                <a:ea typeface="+mn-ea"/>
-                <a:cs typeface="+mn-cs"/>
-              </a:defRPr>
-            </a:lvl7pPr>
-            <a:lvl8pPr marL="3200400" algn="l" defTabSz="914400" rtl="0" eaLnBrk="1" latinLnBrk="0" hangingPunct="1">
-              <a:defRPr sz="1800" kern="1200">
-                <a:solidFill>
-                  <a:schemeClr val="tx1"/>
-                </a:solidFill>
-                <a:latin typeface="+mn-lt"/>
-                <a:ea typeface="+mn-ea"/>
-                <a:cs typeface="+mn-cs"/>
-              </a:defRPr>
-            </a:lvl8pPr>
-            <a:lvl9pPr marL="3657600" algn="l" defTabSz="914400" rtl="0" eaLnBrk="1" latinLnBrk="0" hangingPunct="1">
-              <a:defRPr sz="1800" kern="1200">
-                <a:solidFill>
-                  <a:schemeClr val="tx1"/>
-                </a:solidFill>
-                <a:latin typeface="+mn-lt"/>
-                <a:ea typeface="+mn-ea"/>
-                <a:cs typeface="+mn-cs"/>
-              </a:defRPr>
-            </a:lvl9pPr>
-          </a:lstStyle>
-          <a:p>
-            <a:r>
-              <a:rPr lang="en-US" altLang="zh-TW" dirty="0"/>
-              <a:t>TYIC</a:t>
-            </a:r>
-            <a:r>
-              <a:rPr lang="zh-TW" altLang="en-US"/>
-              <a:t>桃高資訊社</a:t>
-            </a:r>
-          </a:p>
-        </p:txBody>
-      </p:sp>
-      <p:sp>
-        <p:nvSpPr>
-          <p:cNvPr id="10" name="投影片編號版面配置區 5">
-            <a:extLst>
-              <a:ext uri="{FF2B5EF4-FFF2-40B4-BE49-F238E27FC236}">
-                <a16:creationId xmlns:a16="http://schemas.microsoft.com/office/drawing/2014/main" id="{FB202384-FCAA-42E0-A016-B06316FCC5B8}"/>
-              </a:ext>
-            </a:extLst>
-          </p:cNvPr>
-          <p:cNvSpPr txBox="1">
-            <a:spLocks/>
-          </p:cNvSpPr>
-          <p:nvPr userDrawn="1"/>
-        </p:nvSpPr>
-        <p:spPr>
-          <a:xfrm>
-            <a:off x="9448800" y="6492874"/>
-            <a:ext cx="2743200" cy="365125"/>
-          </a:xfrm>
-          <a:prstGeom prst="rect">
-            <a:avLst/>
-          </a:prstGeom>
-        </p:spPr>
-        <p:txBody>
-          <a:bodyPr vert="horz" lIns="91440" tIns="45720" rIns="91440" bIns="45720" rtlCol="0" anchor="ctr"/>
-          <a:lstStyle>
-            <a:defPPr>
-              <a:defRPr lang="zh-TW"/>
-            </a:defPPr>
-            <a:lvl1pPr marL="0" algn="r" defTabSz="914400" rtl="0" eaLnBrk="1" latinLnBrk="0" hangingPunct="1">
-              <a:defRPr sz="1200" kern="1200">
-                <a:solidFill>
-                  <a:schemeClr val="tx1">
-                    <a:tint val="75000"/>
-                  </a:schemeClr>
-                </a:solidFill>
-                <a:latin typeface="+mn-lt"/>
-                <a:ea typeface="+mn-ea"/>
-                <a:cs typeface="+mn-cs"/>
-              </a:defRPr>
-            </a:lvl1pPr>
-            <a:lvl2pPr marL="457200" algn="l" defTabSz="914400" rtl="0" eaLnBrk="1" latinLnBrk="0" hangingPunct="1">
-              <a:defRPr sz="1800" kern="1200">
-                <a:solidFill>
-                  <a:schemeClr val="tx1"/>
-                </a:solidFill>
-                <a:latin typeface="+mn-lt"/>
-                <a:ea typeface="+mn-ea"/>
-                <a:cs typeface="+mn-cs"/>
-              </a:defRPr>
-            </a:lvl2pPr>
-            <a:lvl3pPr marL="914400" algn="l" defTabSz="914400" rtl="0" eaLnBrk="1" latinLnBrk="0" hangingPunct="1">
-              <a:defRPr sz="1800" kern="1200">
-                <a:solidFill>
-                  <a:schemeClr val="tx1"/>
-                </a:solidFill>
-                <a:latin typeface="+mn-lt"/>
-                <a:ea typeface="+mn-ea"/>
-                <a:cs typeface="+mn-cs"/>
-              </a:defRPr>
-            </a:lvl3pPr>
-            <a:lvl4pPr marL="1371600" algn="l" defTabSz="914400" rtl="0" eaLnBrk="1" latinLnBrk="0" hangingPunct="1">
-              <a:defRPr sz="1800" kern="1200">
-                <a:solidFill>
-                  <a:schemeClr val="tx1"/>
-                </a:solidFill>
-                <a:latin typeface="+mn-lt"/>
-                <a:ea typeface="+mn-ea"/>
-                <a:cs typeface="+mn-cs"/>
-              </a:defRPr>
-            </a:lvl4pPr>
-            <a:lvl5pPr marL="1828800" algn="l" defTabSz="914400" rtl="0" eaLnBrk="1" latinLnBrk="0" hangingPunct="1">
-              <a:defRPr sz="1800" kern="1200">
-                <a:solidFill>
-                  <a:schemeClr val="tx1"/>
-                </a:solidFill>
-                <a:latin typeface="+mn-lt"/>
-                <a:ea typeface="+mn-ea"/>
-                <a:cs typeface="+mn-cs"/>
-              </a:defRPr>
-            </a:lvl5pPr>
-            <a:lvl6pPr marL="2286000" algn="l" defTabSz="914400" rtl="0" eaLnBrk="1" latinLnBrk="0" hangingPunct="1">
-              <a:defRPr sz="1800" kern="1200">
-                <a:solidFill>
-                  <a:schemeClr val="tx1"/>
-                </a:solidFill>
-                <a:latin typeface="+mn-lt"/>
-                <a:ea typeface="+mn-ea"/>
-                <a:cs typeface="+mn-cs"/>
-              </a:defRPr>
-            </a:lvl6pPr>
-            <a:lvl7pPr marL="2743200" algn="l" defTabSz="914400" rtl="0" eaLnBrk="1" latinLnBrk="0" hangingPunct="1">
-              <a:defRPr sz="1800" kern="1200">
-                <a:solidFill>
-                  <a:schemeClr val="tx1"/>
-                </a:solidFill>
-                <a:latin typeface="+mn-lt"/>
-                <a:ea typeface="+mn-ea"/>
-                <a:cs typeface="+mn-cs"/>
-              </a:defRPr>
-            </a:lvl7pPr>
-            <a:lvl8pPr marL="3200400" algn="l" defTabSz="914400" rtl="0" eaLnBrk="1" latinLnBrk="0" hangingPunct="1">
-              <a:defRPr sz="1800" kern="1200">
-                <a:solidFill>
-                  <a:schemeClr val="tx1"/>
-                </a:solidFill>
-                <a:latin typeface="+mn-lt"/>
-                <a:ea typeface="+mn-ea"/>
-                <a:cs typeface="+mn-cs"/>
-              </a:defRPr>
-            </a:lvl8pPr>
-            <a:lvl9pPr marL="3657600" algn="l" defTabSz="914400" rtl="0" eaLnBrk="1" latinLnBrk="0" hangingPunct="1">
-              <a:defRPr sz="1800" kern="1200">
-                <a:solidFill>
-                  <a:schemeClr val="tx1"/>
-                </a:solidFill>
-                <a:latin typeface="+mn-lt"/>
-                <a:ea typeface="+mn-ea"/>
-                <a:cs typeface="+mn-cs"/>
-              </a:defRPr>
-            </a:lvl9pPr>
-          </a:lstStyle>
-          <a:p>
-            <a:fld id="{D4328D90-2A6F-4F23-88A8-C5DCC2B5F307}" type="slidenum">
-              <a:rPr lang="zh-TW" altLang="en-US" smtClean="0"/>
-              <a:pPr/>
-              <a:t>‹#›</a:t>
-            </a:fld>
-            <a:endParaRPr lang="zh-TW" altLang="en-US"/>
-          </a:p>
-        </p:txBody>
-      </p:sp>
     </p:spTree>
     <p:extLst>
       <p:ext uri="{BB962C8B-B14F-4D97-AF65-F5344CB8AC3E}">
-        <p14:creationId xmlns:p14="http://schemas.microsoft.com/office/powerpoint/2010/main" val="1379741042"/>
+        <p14:creationId xmlns:p14="http://schemas.microsoft.com/office/powerpoint/2010/main" val="1823204151"/>
       </p:ext>
     </p:extLst>
   </p:cSld>
@@ -7528,7 +5274,7 @@
             </a:r>
             <a:r>
               <a:rPr lang="zh-TW" altLang="en-US"/>
-              <a:t>桃高資訊社</a:t>
+              <a:t> 桃高資訊社</a:t>
             </a:r>
           </a:p>
         </p:txBody>
@@ -7665,276 +5411,10 @@
           </a:p>
         </p:txBody>
       </p:sp>
-      <p:sp>
-        <p:nvSpPr>
-          <p:cNvPr id="7" name="頁尾版面配置區 4">
-            <a:extLst>
-              <a:ext uri="{FF2B5EF4-FFF2-40B4-BE49-F238E27FC236}">
-                <a16:creationId xmlns:a16="http://schemas.microsoft.com/office/drawing/2014/main" id="{B048C219-F1DE-4C27-A233-85119BAFA9FA}"/>
-              </a:ext>
-            </a:extLst>
-          </p:cNvPr>
-          <p:cNvSpPr txBox="1">
-            <a:spLocks/>
-          </p:cNvSpPr>
-          <p:nvPr userDrawn="1"/>
-        </p:nvSpPr>
-        <p:spPr>
-          <a:xfrm>
-            <a:off x="0" y="6492875"/>
-            <a:ext cx="2743200" cy="365125"/>
-          </a:xfrm>
-          <a:prstGeom prst="rect">
-            <a:avLst/>
-          </a:prstGeom>
-        </p:spPr>
-        <p:txBody>
-          <a:bodyPr vert="horz" lIns="91440" tIns="45720" rIns="91440" bIns="45720" rtlCol="0" anchor="ctr"/>
-          <a:lstStyle>
-            <a:defPPr>
-              <a:defRPr lang="zh-TW"/>
-            </a:defPPr>
-            <a:lvl1pPr marL="0" algn="l" defTabSz="914400" rtl="0" eaLnBrk="1" latinLnBrk="0" hangingPunct="1">
-              <a:defRPr sz="1200" kern="1200">
-                <a:solidFill>
-                  <a:schemeClr val="tx1">
-                    <a:tint val="75000"/>
-                  </a:schemeClr>
-                </a:solidFill>
-                <a:latin typeface="+mn-lt"/>
-                <a:ea typeface="+mn-ea"/>
-                <a:cs typeface="+mn-cs"/>
-              </a:defRPr>
-            </a:lvl1pPr>
-            <a:lvl2pPr marL="457200" algn="l" defTabSz="914400" rtl="0" eaLnBrk="1" latinLnBrk="0" hangingPunct="1">
-              <a:defRPr sz="1800" kern="1200">
-                <a:solidFill>
-                  <a:schemeClr val="tx1"/>
-                </a:solidFill>
-                <a:latin typeface="+mn-lt"/>
-                <a:ea typeface="+mn-ea"/>
-                <a:cs typeface="+mn-cs"/>
-              </a:defRPr>
-            </a:lvl2pPr>
-            <a:lvl3pPr marL="914400" algn="l" defTabSz="914400" rtl="0" eaLnBrk="1" latinLnBrk="0" hangingPunct="1">
-              <a:defRPr sz="1800" kern="1200">
-                <a:solidFill>
-                  <a:schemeClr val="tx1"/>
-                </a:solidFill>
-                <a:latin typeface="+mn-lt"/>
-                <a:ea typeface="+mn-ea"/>
-                <a:cs typeface="+mn-cs"/>
-              </a:defRPr>
-            </a:lvl3pPr>
-            <a:lvl4pPr marL="1371600" algn="l" defTabSz="914400" rtl="0" eaLnBrk="1" latinLnBrk="0" hangingPunct="1">
-              <a:defRPr sz="1800" kern="1200">
-                <a:solidFill>
-                  <a:schemeClr val="tx1"/>
-                </a:solidFill>
-                <a:latin typeface="+mn-lt"/>
-                <a:ea typeface="+mn-ea"/>
-                <a:cs typeface="+mn-cs"/>
-              </a:defRPr>
-            </a:lvl4pPr>
-            <a:lvl5pPr marL="1828800" algn="l" defTabSz="914400" rtl="0" eaLnBrk="1" latinLnBrk="0" hangingPunct="1">
-              <a:defRPr sz="1800" kern="1200">
-                <a:solidFill>
-                  <a:schemeClr val="tx1"/>
-                </a:solidFill>
-                <a:latin typeface="+mn-lt"/>
-                <a:ea typeface="+mn-ea"/>
-                <a:cs typeface="+mn-cs"/>
-              </a:defRPr>
-            </a:lvl5pPr>
-            <a:lvl6pPr marL="2286000" algn="l" defTabSz="914400" rtl="0" eaLnBrk="1" latinLnBrk="0" hangingPunct="1">
-              <a:defRPr sz="1800" kern="1200">
-                <a:solidFill>
-                  <a:schemeClr val="tx1"/>
-                </a:solidFill>
-                <a:latin typeface="+mn-lt"/>
-                <a:ea typeface="+mn-ea"/>
-                <a:cs typeface="+mn-cs"/>
-              </a:defRPr>
-            </a:lvl6pPr>
-            <a:lvl7pPr marL="2743200" algn="l" defTabSz="914400" rtl="0" eaLnBrk="1" latinLnBrk="0" hangingPunct="1">
-              <a:defRPr sz="1800" kern="1200">
-                <a:solidFill>
-                  <a:schemeClr val="tx1"/>
-                </a:solidFill>
-                <a:latin typeface="+mn-lt"/>
-                <a:ea typeface="+mn-ea"/>
-                <a:cs typeface="+mn-cs"/>
-              </a:defRPr>
-            </a:lvl7pPr>
-            <a:lvl8pPr marL="3200400" algn="l" defTabSz="914400" rtl="0" eaLnBrk="1" latinLnBrk="0" hangingPunct="1">
-              <a:defRPr sz="1800" kern="1200">
-                <a:solidFill>
-                  <a:schemeClr val="tx1"/>
-                </a:solidFill>
-                <a:latin typeface="+mn-lt"/>
-                <a:ea typeface="+mn-ea"/>
-                <a:cs typeface="+mn-cs"/>
-              </a:defRPr>
-            </a:lvl8pPr>
-            <a:lvl9pPr marL="3657600" algn="l" defTabSz="914400" rtl="0" eaLnBrk="1" latinLnBrk="0" hangingPunct="1">
-              <a:defRPr sz="1800" kern="1200">
-                <a:solidFill>
-                  <a:schemeClr val="tx1"/>
-                </a:solidFill>
-                <a:latin typeface="+mn-lt"/>
-                <a:ea typeface="+mn-ea"/>
-                <a:cs typeface="+mn-cs"/>
-              </a:defRPr>
-            </a:lvl9pPr>
-          </a:lstStyle>
-          <a:p>
-            <a:r>
-              <a:rPr lang="en-US" altLang="zh-TW" dirty="0"/>
-              <a:t>TYIC</a:t>
-            </a:r>
-            <a:r>
-              <a:rPr lang="zh-TW" altLang="en-US"/>
-              <a:t>桃高資訊社</a:t>
-            </a:r>
-          </a:p>
-        </p:txBody>
-      </p:sp>
-      <p:sp>
-        <p:nvSpPr>
-          <p:cNvPr id="10" name="投影片編號版面配置區 5">
-            <a:extLst>
-              <a:ext uri="{FF2B5EF4-FFF2-40B4-BE49-F238E27FC236}">
-                <a16:creationId xmlns:a16="http://schemas.microsoft.com/office/drawing/2014/main" id="{D184024E-DB0D-47BE-8259-2AEA0B1AC37E}"/>
-              </a:ext>
-            </a:extLst>
-          </p:cNvPr>
-          <p:cNvSpPr txBox="1">
-            <a:spLocks/>
-          </p:cNvSpPr>
-          <p:nvPr userDrawn="1"/>
-        </p:nvSpPr>
-        <p:spPr>
-          <a:xfrm>
-            <a:off x="9448800" y="6492874"/>
-            <a:ext cx="2743200" cy="365125"/>
-          </a:xfrm>
-          <a:prstGeom prst="rect">
-            <a:avLst/>
-          </a:prstGeom>
-        </p:spPr>
-        <p:txBody>
-          <a:bodyPr vert="horz" lIns="91440" tIns="45720" rIns="91440" bIns="45720" rtlCol="0" anchor="ctr"/>
-          <a:lstStyle>
-            <a:defPPr>
-              <a:defRPr lang="zh-TW"/>
-            </a:defPPr>
-            <a:lvl1pPr marL="0" algn="r" defTabSz="914400" rtl="0" eaLnBrk="1" latinLnBrk="0" hangingPunct="1">
-              <a:defRPr sz="1200" kern="1200">
-                <a:solidFill>
-                  <a:schemeClr val="tx1">
-                    <a:tint val="75000"/>
-                  </a:schemeClr>
-                </a:solidFill>
-                <a:latin typeface="+mn-lt"/>
-                <a:ea typeface="+mn-ea"/>
-                <a:cs typeface="+mn-cs"/>
-              </a:defRPr>
-            </a:lvl1pPr>
-            <a:lvl2pPr marL="457200" algn="l" defTabSz="914400" rtl="0" eaLnBrk="1" latinLnBrk="0" hangingPunct="1">
-              <a:defRPr sz="1800" kern="1200">
-                <a:solidFill>
-                  <a:schemeClr val="tx1"/>
-                </a:solidFill>
-                <a:latin typeface="+mn-lt"/>
-                <a:ea typeface="+mn-ea"/>
-                <a:cs typeface="+mn-cs"/>
-              </a:defRPr>
-            </a:lvl2pPr>
-            <a:lvl3pPr marL="914400" algn="l" defTabSz="914400" rtl="0" eaLnBrk="1" latinLnBrk="0" hangingPunct="1">
-              <a:defRPr sz="1800" kern="1200">
-                <a:solidFill>
-                  <a:schemeClr val="tx1"/>
-                </a:solidFill>
-                <a:latin typeface="+mn-lt"/>
-                <a:ea typeface="+mn-ea"/>
-                <a:cs typeface="+mn-cs"/>
-              </a:defRPr>
-            </a:lvl3pPr>
-            <a:lvl4pPr marL="1371600" algn="l" defTabSz="914400" rtl="0" eaLnBrk="1" latinLnBrk="0" hangingPunct="1">
-              <a:defRPr sz="1800" kern="1200">
-                <a:solidFill>
-                  <a:schemeClr val="tx1"/>
-                </a:solidFill>
-                <a:latin typeface="+mn-lt"/>
-                <a:ea typeface="+mn-ea"/>
-                <a:cs typeface="+mn-cs"/>
-              </a:defRPr>
-            </a:lvl4pPr>
-            <a:lvl5pPr marL="1828800" algn="l" defTabSz="914400" rtl="0" eaLnBrk="1" latinLnBrk="0" hangingPunct="1">
-              <a:defRPr sz="1800" kern="1200">
-                <a:solidFill>
-                  <a:schemeClr val="tx1"/>
-                </a:solidFill>
-                <a:latin typeface="+mn-lt"/>
-                <a:ea typeface="+mn-ea"/>
-                <a:cs typeface="+mn-cs"/>
-              </a:defRPr>
-            </a:lvl5pPr>
-            <a:lvl6pPr marL="2286000" algn="l" defTabSz="914400" rtl="0" eaLnBrk="1" latinLnBrk="0" hangingPunct="1">
-              <a:defRPr sz="1800" kern="1200">
-                <a:solidFill>
-                  <a:schemeClr val="tx1"/>
-                </a:solidFill>
-                <a:latin typeface="+mn-lt"/>
-                <a:ea typeface="+mn-ea"/>
-                <a:cs typeface="+mn-cs"/>
-              </a:defRPr>
-            </a:lvl6pPr>
-            <a:lvl7pPr marL="2743200" algn="l" defTabSz="914400" rtl="0" eaLnBrk="1" latinLnBrk="0" hangingPunct="1">
-              <a:defRPr sz="1800" kern="1200">
-                <a:solidFill>
-                  <a:schemeClr val="tx1"/>
-                </a:solidFill>
-                <a:latin typeface="+mn-lt"/>
-                <a:ea typeface="+mn-ea"/>
-                <a:cs typeface="+mn-cs"/>
-              </a:defRPr>
-            </a:lvl7pPr>
-            <a:lvl8pPr marL="3200400" algn="l" defTabSz="914400" rtl="0" eaLnBrk="1" latinLnBrk="0" hangingPunct="1">
-              <a:defRPr sz="1800" kern="1200">
-                <a:solidFill>
-                  <a:schemeClr val="tx1"/>
-                </a:solidFill>
-                <a:latin typeface="+mn-lt"/>
-                <a:ea typeface="+mn-ea"/>
-                <a:cs typeface="+mn-cs"/>
-              </a:defRPr>
-            </a:lvl8pPr>
-            <a:lvl9pPr marL="3657600" algn="l" defTabSz="914400" rtl="0" eaLnBrk="1" latinLnBrk="0" hangingPunct="1">
-              <a:defRPr sz="1800" kern="1200">
-                <a:solidFill>
-                  <a:schemeClr val="tx1"/>
-                </a:solidFill>
-                <a:latin typeface="+mn-lt"/>
-                <a:ea typeface="+mn-ea"/>
-                <a:cs typeface="+mn-cs"/>
-              </a:defRPr>
-            </a:lvl9pPr>
-          </a:lstStyle>
-          <a:p>
-            <a:fld id="{D4328D90-2A6F-4F23-88A8-C5DCC2B5F307}" type="slidenum">
-              <a:rPr lang="zh-TW" altLang="en-US" smtClean="0"/>
-              <a:pPr/>
-              <a:t>‹#›</a:t>
-            </a:fld>
-            <a:endParaRPr lang="zh-TW" altLang="en-US"/>
-          </a:p>
-        </p:txBody>
-      </p:sp>
     </p:spTree>
     <p:extLst>
       <p:ext uri="{BB962C8B-B14F-4D97-AF65-F5344CB8AC3E}">
-        <p14:creationId xmlns:p14="http://schemas.microsoft.com/office/powerpoint/2010/main" val="2564487391"/>
+        <p14:creationId xmlns:p14="http://schemas.microsoft.com/office/powerpoint/2010/main" val="3806202373"/>
       </p:ext>
     </p:extLst>
   </p:cSld>
@@ -8113,14 +5593,7 @@
             </a:lvl1pPr>
           </a:lstStyle>
           <a:p>
-            <a:r>
-              <a:rPr lang="en-US" altLang="zh-TW"/>
-              <a:t>TYIC</a:t>
-            </a:r>
-            <a:r>
-              <a:rPr lang="zh-TW" altLang="en-US"/>
-              <a:t>桃高資訊社</a:t>
-            </a:r>
+            <a:endParaRPr lang="zh-TW" altLang="en-US"/>
           </a:p>
         </p:txBody>
       </p:sp>
@@ -8174,24 +5647,25 @@
     </p:spTree>
     <p:extLst>
       <p:ext uri="{BB962C8B-B14F-4D97-AF65-F5344CB8AC3E}">
-        <p14:creationId xmlns:p14="http://schemas.microsoft.com/office/powerpoint/2010/main" val="391946917"/>
+        <p14:creationId xmlns:p14="http://schemas.microsoft.com/office/powerpoint/2010/main" val="3944432699"/>
       </p:ext>
     </p:extLst>
   </p:cSld>
   <p:clrMap bg1="dk1" tx1="lt1" bg2="dk2" tx2="lt2" accent1="accent1" accent2="accent2" accent3="accent3" accent4="accent4" accent5="accent5" accent6="accent6" hlink="hlink" folHlink="folHlink"/>
   <p:sldLayoutIdLst>
-    <p:sldLayoutId id="2147483661" r:id="rId1"/>
-    <p:sldLayoutId id="2147483662" r:id="rId2"/>
-    <p:sldLayoutId id="2147483663" r:id="rId3"/>
-    <p:sldLayoutId id="2147483664" r:id="rId4"/>
-    <p:sldLayoutId id="2147483665" r:id="rId5"/>
-    <p:sldLayoutId id="2147483666" r:id="rId6"/>
-    <p:sldLayoutId id="2147483667" r:id="rId7"/>
-    <p:sldLayoutId id="2147483668" r:id="rId8"/>
-    <p:sldLayoutId id="2147483669" r:id="rId9"/>
-    <p:sldLayoutId id="2147483670" r:id="rId10"/>
-    <p:sldLayoutId id="2147483671" r:id="rId11"/>
-    <p:sldLayoutId id="2147483649" r:id="rId12"/>
+    <p:sldLayoutId id="2147483685" r:id="rId1"/>
+    <p:sldLayoutId id="2147483686" r:id="rId2"/>
+    <p:sldLayoutId id="2147483687" r:id="rId3"/>
+    <p:sldLayoutId id="2147483688" r:id="rId4"/>
+    <p:sldLayoutId id="2147483689" r:id="rId5"/>
+    <p:sldLayoutId id="2147483690" r:id="rId6"/>
+    <p:sldLayoutId id="2147483691" r:id="rId7"/>
+    <p:sldLayoutId id="2147483692" r:id="rId8"/>
+    <p:sldLayoutId id="2147483693" r:id="rId9"/>
+    <p:sldLayoutId id="2147483694" r:id="rId10"/>
+    <p:sldLayoutId id="2147483695" r:id="rId11"/>
+    <p:sldLayoutId id="2147483696" r:id="rId12"/>
+    <p:sldLayoutId id="2147483649" r:id="rId13"/>
   </p:sldLayoutIdLst>
   <p:transition spd="slow">
     <p:push dir="u"/>
@@ -8549,12 +6023,12 @@
           <a:lstStyle/>
           <a:p>
             <a:r>
-              <a:rPr lang="en-US" altLang="zh-TW" dirty="0"/>
+              <a:rPr lang="en-US" altLang="zh-TW"/>
               <a:t>TYIC</a:t>
             </a:r>
             <a:r>
               <a:rPr lang="zh-TW" altLang="en-US"/>
-              <a:t>桃高資訊社</a:t>
+              <a:t> 桃高資訊社</a:t>
             </a:r>
           </a:p>
         </p:txBody>
@@ -8622,6 +6096,40 @@
               <a:rPr lang="zh-TW" altLang="en-US"/>
               <a:t>自然語言、標記語言、程式語言</a:t>
             </a:r>
+          </a:p>
+        </p:txBody>
+      </p:sp>
+      <p:sp>
+        <p:nvSpPr>
+          <p:cNvPr id="5" name="投影片編號版面配置區 4">
+            <a:extLst>
+              <a:ext uri="{FF2B5EF4-FFF2-40B4-BE49-F238E27FC236}">
+                <a16:creationId xmlns:a16="http://schemas.microsoft.com/office/drawing/2014/main" id="{8449CB7D-71B4-408A-A45C-E2A505D5CE2A}"/>
+              </a:ext>
+            </a:extLst>
+          </p:cNvPr>
+          <p:cNvSpPr>
+            <a:spLocks noGrp="1"/>
+          </p:cNvSpPr>
+          <p:nvPr>
+            <p:ph type="sldNum" sz="quarter" idx="4294967295"/>
+          </p:nvPr>
+        </p:nvSpPr>
+        <p:spPr>
+          <a:xfrm>
+            <a:off x="9448800" y="6356350"/>
+            <a:ext cx="2743200" cy="365125"/>
+          </a:xfrm>
+        </p:spPr>
+        <p:txBody>
+          <a:bodyPr/>
+          <a:lstStyle/>
+          <a:p>
+            <a:fld id="{D17B00DA-BF3E-4106-8498-BD82A9E0744A}" type="slidenum">
+              <a:rPr lang="zh-TW" altLang="en-US" smtClean="0"/>
+              <a:t>2</a:t>
+            </a:fld>
+            <a:endParaRPr lang="zh-TW" altLang="en-US"/>
           </a:p>
         </p:txBody>
       </p:sp>
@@ -12512,6 +10020,40 @@
               <a:rPr lang="zh-TW" altLang="en-US"/>
               <a:t>程式語言</a:t>
             </a:r>
+          </a:p>
+        </p:txBody>
+      </p:sp>
+      <p:sp>
+        <p:nvSpPr>
+          <p:cNvPr id="4" name="投影片編號版面配置區 3">
+            <a:extLst>
+              <a:ext uri="{FF2B5EF4-FFF2-40B4-BE49-F238E27FC236}">
+                <a16:creationId xmlns:a16="http://schemas.microsoft.com/office/drawing/2014/main" id="{AC20EAEA-C711-4FA7-91E7-12961AFB022B}"/>
+              </a:ext>
+            </a:extLst>
+          </p:cNvPr>
+          <p:cNvSpPr>
+            <a:spLocks noGrp="1"/>
+          </p:cNvSpPr>
+          <p:nvPr>
+            <p:ph type="sldNum" sz="quarter" idx="4294967295"/>
+          </p:nvPr>
+        </p:nvSpPr>
+        <p:spPr>
+          <a:xfrm>
+            <a:off x="9448800" y="6356350"/>
+            <a:ext cx="2743200" cy="365125"/>
+          </a:xfrm>
+        </p:spPr>
+        <p:txBody>
+          <a:bodyPr/>
+          <a:lstStyle/>
+          <a:p>
+            <a:fld id="{D17B00DA-BF3E-4106-8498-BD82A9E0744A}" type="slidenum">
+              <a:rPr lang="zh-TW" altLang="en-US" smtClean="0"/>
+              <a:t>3</a:t>
+            </a:fld>
+            <a:endParaRPr lang="zh-TW" altLang="en-US"/>
           </a:p>
         </p:txBody>
       </p:sp>
@@ -17964,6 +15506,40 @@
       </p:sp>
       <p:sp>
         <p:nvSpPr>
+          <p:cNvPr id="9" name="投影片編號版面配置區 8">
+            <a:extLst>
+              <a:ext uri="{FF2B5EF4-FFF2-40B4-BE49-F238E27FC236}">
+                <a16:creationId xmlns:a16="http://schemas.microsoft.com/office/drawing/2014/main" id="{D098C3F5-3C0D-4B27-B53A-A7AACD99CE1D}"/>
+              </a:ext>
+            </a:extLst>
+          </p:cNvPr>
+          <p:cNvSpPr>
+            <a:spLocks noGrp="1"/>
+          </p:cNvSpPr>
+          <p:nvPr>
+            <p:ph type="sldNum" sz="quarter" idx="4294967295"/>
+          </p:nvPr>
+        </p:nvSpPr>
+        <p:spPr>
+          <a:xfrm>
+            <a:off x="9448800" y="6356350"/>
+            <a:ext cx="2743200" cy="365125"/>
+          </a:xfrm>
+        </p:spPr>
+        <p:txBody>
+          <a:bodyPr/>
+          <a:lstStyle/>
+          <a:p>
+            <a:fld id="{D17B00DA-BF3E-4106-8498-BD82A9E0744A}" type="slidenum">
+              <a:rPr lang="zh-TW" altLang="en-US" smtClean="0"/>
+              <a:t>4</a:t>
+            </a:fld>
+            <a:endParaRPr lang="zh-TW" altLang="en-US"/>
+          </a:p>
+        </p:txBody>
+      </p:sp>
+      <p:sp>
+        <p:nvSpPr>
           <p:cNvPr id="6" name="矩形: 圓角 5">
             <a:extLst>
               <a:ext uri="{FF2B5EF4-FFF2-40B4-BE49-F238E27FC236}">
@@ -18364,12 +15940,7 @@
             <p:ph type="title"/>
           </p:nvPr>
         </p:nvSpPr>
-        <p:spPr>
-          <a:xfrm>
-            <a:off x="838200" y="365125"/>
-            <a:ext cx="10515600" cy="1325563"/>
-          </a:xfrm>
-        </p:spPr>
+        <p:spPr/>
         <p:txBody>
           <a:bodyPr/>
           <a:lstStyle/>
@@ -18420,6 +15991,40 @@
               <a:rPr lang="zh-TW" altLang="en-US"/>
               <a:t>只要符合同一個標準的就是同一個程式語言，舉例：</a:t>
             </a:r>
+          </a:p>
+        </p:txBody>
+      </p:sp>
+      <p:sp>
+        <p:nvSpPr>
+          <p:cNvPr id="4" name="投影片編號版面配置區 3">
+            <a:extLst>
+              <a:ext uri="{FF2B5EF4-FFF2-40B4-BE49-F238E27FC236}">
+                <a16:creationId xmlns:a16="http://schemas.microsoft.com/office/drawing/2014/main" id="{BAF89670-F1E5-4AF6-8A66-48FF7E7F6C47}"/>
+              </a:ext>
+            </a:extLst>
+          </p:cNvPr>
+          <p:cNvSpPr>
+            <a:spLocks noGrp="1"/>
+          </p:cNvSpPr>
+          <p:nvPr>
+            <p:ph type="sldNum" sz="quarter" idx="4294967295"/>
+          </p:nvPr>
+        </p:nvSpPr>
+        <p:spPr>
+          <a:xfrm>
+            <a:off x="9448800" y="6356350"/>
+            <a:ext cx="2743200" cy="365125"/>
+          </a:xfrm>
+        </p:spPr>
+        <p:txBody>
+          <a:bodyPr/>
+          <a:lstStyle/>
+          <a:p>
+            <a:fld id="{D17B00DA-BF3E-4106-8498-BD82A9E0744A}" type="slidenum">
+              <a:rPr lang="zh-TW" altLang="en-US" smtClean="0"/>
+              <a:t>5</a:t>
+            </a:fld>
+            <a:endParaRPr lang="zh-TW" altLang="en-US"/>
           </a:p>
         </p:txBody>
       </p:sp>
@@ -20206,7 +17811,7 @@
   <a:extraClrSchemeLst/>
   <a:extLst>
     <a:ext uri="{05A4C25C-085E-4340-85A3-A5531E510DB2}">
-      <thm15:themeFamily xmlns:thm15="http://schemas.microsoft.com/office/thememl/2012/main" name="TYIC" id="{12E5EBF5-EAA2-4FAB-A3C0-6E914B17EAE8}" vid="{2D8CCBD1-B73A-4486-8538-2045EDEC7421}"/>
+      <thm15:themeFamily xmlns:thm15="http://schemas.microsoft.com/office/thememl/2012/main" name="TYIC" id="{9EF84239-98DD-47C7-9670-9A8E11832DF8}" vid="{53C94661-BF81-402B-98E3-49232B063EDD}"/>
     </a:ext>
   </a:extLst>
 </a:theme>
